--- a/installation-scripts/video/images.pptx
+++ b/installation-scripts/video/images.pptx
@@ -1,132 +1,221 @@
 
 <file path=ppt/presentation.xml><?xml version="1.0" encoding="utf-8"?>
-<p:presentation xmlns:a="http://schemas.openxmlformats.org/drawingml/2006/main" xmlns:r="http://schemas.openxmlformats.org/officeDocument/2006/relationships" xmlns:p="http://schemas.openxmlformats.org/presentationml/2006/main" autoCompressPictures="0">
+<p:presentation xmlns:p="http://schemas.openxmlformats.org/presentationml/2006/main" xmlns:mc="http://schemas.openxmlformats.org/markup-compatibility/2006" xmlns:p14="http://schemas.microsoft.com/office/powerpoint/2010/main" xmlns:p15="http://schemas.microsoft.com/office/powerpoint/2012/main" xmlns:r="http://schemas.openxmlformats.org/officeDocument/2006/relationships" xmlns:a="http://schemas.openxmlformats.org/drawingml/2006/main">
   <p:sldMasterIdLst>
-    <p:sldMasterId id="2147483648" r:id="rId1"/>
+    <p:sldMasterId id="2147483648" r:id="rId5"/>
   </p:sldMasterIdLst>
   <p:sldIdLst>
-    <p:sldId id="256" r:id="rId2"/>
-    <p:sldId id="257" r:id="rId3"/>
-    <p:sldId id="258" r:id="rId4"/>
+    <p:sldId id="256" r:id="rId6"/>
+    <p:sldId id="257" r:id="rId7"/>
+    <p:sldId id="258" r:id="rId8"/>
   </p:sldIdLst>
   <p:sldSz cx="12192000" cy="6858000"/>
   <p:notesSz cx="6858000" cy="9144000"/>
   <p:defaultTextStyle>
-    <a:defPPr>
-      <a:defRPr lang="en-US"/>
-    </a:defPPr>
-    <a:lvl1pPr marL="0" algn="l" defTabSz="457200" rtl="0" eaLnBrk="1" latinLnBrk="0" hangingPunct="1">
-      <a:defRPr sz="1800" kern="1200">
+    <a:lvl1pPr marL="0" marR="0" indent="0" algn="l" defTabSz="457200">
+      <a:lnSpc>
+        <a:spcPct val="100000"/>
+      </a:lnSpc>
+      <a:spcBef>
+        <a:spcPts val="0"/>
+      </a:spcBef>
+      <a:spcAft>
+        <a:spcPts val="0"/>
+      </a:spcAft>
+      <a:buNone/>
+      <a:tabLst/>
+      <a:defRPr lang="en-us" sz="1800" b="0" i="0" u="none" strike="noStrike" kern="1" cap="none" spc="0" baseline="0">
         <a:solidFill>
           <a:schemeClr val="tx1"/>
         </a:solidFill>
-        <a:latin typeface="+mn-lt"/>
-        <a:ea typeface="+mn-ea"/>
-        <a:cs typeface="+mn-cs"/>
+        <a:effectLst/>
+        <a:latin typeface="Calibri" pitchFamily="1" charset="0"/>
+        <a:ea typeface="Calibri" pitchFamily="1" charset="0"/>
+        <a:cs typeface="Calibri" pitchFamily="1" charset="0"/>
       </a:defRPr>
     </a:lvl1pPr>
-    <a:lvl2pPr marL="457200" algn="l" defTabSz="457200" rtl="0" eaLnBrk="1" latinLnBrk="0" hangingPunct="1">
-      <a:defRPr sz="1800" kern="1200">
+    <a:lvl2pPr marL="457200" marR="0" indent="0" algn="l" defTabSz="457200">
+      <a:lnSpc>
+        <a:spcPct val="100000"/>
+      </a:lnSpc>
+      <a:spcBef>
+        <a:spcPts val="0"/>
+      </a:spcBef>
+      <a:spcAft>
+        <a:spcPts val="0"/>
+      </a:spcAft>
+      <a:buNone/>
+      <a:tabLst/>
+      <a:defRPr lang="en-us" sz="1800" b="0" i="0" u="none" strike="noStrike" kern="1" cap="none" spc="0" baseline="0">
         <a:solidFill>
           <a:schemeClr val="tx1"/>
         </a:solidFill>
-        <a:latin typeface="+mn-lt"/>
-        <a:ea typeface="+mn-ea"/>
-        <a:cs typeface="+mn-cs"/>
+        <a:effectLst/>
+        <a:latin typeface="Calibri" pitchFamily="1" charset="0"/>
+        <a:ea typeface="Calibri" pitchFamily="1" charset="0"/>
+        <a:cs typeface="Calibri" pitchFamily="1" charset="0"/>
       </a:defRPr>
     </a:lvl2pPr>
-    <a:lvl3pPr marL="914400" algn="l" defTabSz="457200" rtl="0" eaLnBrk="1" latinLnBrk="0" hangingPunct="1">
-      <a:defRPr sz="1800" kern="1200">
+    <a:lvl3pPr marL="914400" marR="0" indent="0" algn="l" defTabSz="457200">
+      <a:lnSpc>
+        <a:spcPct val="100000"/>
+      </a:lnSpc>
+      <a:spcBef>
+        <a:spcPts val="0"/>
+      </a:spcBef>
+      <a:spcAft>
+        <a:spcPts val="0"/>
+      </a:spcAft>
+      <a:buNone/>
+      <a:tabLst/>
+      <a:defRPr lang="en-us" sz="1800" b="0" i="0" u="none" strike="noStrike" kern="1" cap="none" spc="0" baseline="0">
         <a:solidFill>
           <a:schemeClr val="tx1"/>
         </a:solidFill>
-        <a:latin typeface="+mn-lt"/>
-        <a:ea typeface="+mn-ea"/>
-        <a:cs typeface="+mn-cs"/>
+        <a:effectLst/>
+        <a:latin typeface="Calibri" pitchFamily="1" charset="0"/>
+        <a:ea typeface="Calibri" pitchFamily="1" charset="0"/>
+        <a:cs typeface="Calibri" pitchFamily="1" charset="0"/>
       </a:defRPr>
     </a:lvl3pPr>
-    <a:lvl4pPr marL="1371600" algn="l" defTabSz="457200" rtl="0" eaLnBrk="1" latinLnBrk="0" hangingPunct="1">
-      <a:defRPr sz="1800" kern="1200">
+    <a:lvl4pPr marL="1371600" marR="0" indent="0" algn="l" defTabSz="457200">
+      <a:lnSpc>
+        <a:spcPct val="100000"/>
+      </a:lnSpc>
+      <a:spcBef>
+        <a:spcPts val="0"/>
+      </a:spcBef>
+      <a:spcAft>
+        <a:spcPts val="0"/>
+      </a:spcAft>
+      <a:buNone/>
+      <a:tabLst/>
+      <a:defRPr lang="en-us" sz="1800" b="0" i="0" u="none" strike="noStrike" kern="1" cap="none" spc="0" baseline="0">
         <a:solidFill>
           <a:schemeClr val="tx1"/>
         </a:solidFill>
-        <a:latin typeface="+mn-lt"/>
-        <a:ea typeface="+mn-ea"/>
-        <a:cs typeface="+mn-cs"/>
+        <a:effectLst/>
+        <a:latin typeface="Calibri" pitchFamily="1" charset="0"/>
+        <a:ea typeface="Calibri" pitchFamily="1" charset="0"/>
+        <a:cs typeface="Calibri" pitchFamily="1" charset="0"/>
       </a:defRPr>
     </a:lvl4pPr>
-    <a:lvl5pPr marL="1828800" algn="l" defTabSz="457200" rtl="0" eaLnBrk="1" latinLnBrk="0" hangingPunct="1">
-      <a:defRPr sz="1800" kern="1200">
+    <a:lvl5pPr marL="1828800" marR="0" indent="0" algn="l" defTabSz="457200">
+      <a:lnSpc>
+        <a:spcPct val="100000"/>
+      </a:lnSpc>
+      <a:spcBef>
+        <a:spcPts val="0"/>
+      </a:spcBef>
+      <a:spcAft>
+        <a:spcPts val="0"/>
+      </a:spcAft>
+      <a:buNone/>
+      <a:tabLst/>
+      <a:defRPr lang="en-us" sz="1800" b="0" i="0" u="none" strike="noStrike" kern="1" cap="none" spc="0" baseline="0">
         <a:solidFill>
           <a:schemeClr val="tx1"/>
         </a:solidFill>
-        <a:latin typeface="+mn-lt"/>
-        <a:ea typeface="+mn-ea"/>
-        <a:cs typeface="+mn-cs"/>
+        <a:effectLst/>
+        <a:latin typeface="Calibri" pitchFamily="1" charset="0"/>
+        <a:ea typeface="Calibri" pitchFamily="1" charset="0"/>
+        <a:cs typeface="Calibri" pitchFamily="1" charset="0"/>
       </a:defRPr>
     </a:lvl5pPr>
-    <a:lvl6pPr marL="2286000" algn="l" defTabSz="457200" rtl="0" eaLnBrk="1" latinLnBrk="0" hangingPunct="1">
-      <a:defRPr sz="1800" kern="1200">
+    <a:lvl6pPr marL="2286000" marR="0" indent="0" algn="l" defTabSz="457200">
+      <a:lnSpc>
+        <a:spcPct val="100000"/>
+      </a:lnSpc>
+      <a:spcBef>
+        <a:spcPts val="0"/>
+      </a:spcBef>
+      <a:spcAft>
+        <a:spcPts val="0"/>
+      </a:spcAft>
+      <a:buNone/>
+      <a:tabLst/>
+      <a:defRPr lang="en-us" sz="1800" b="0" i="0" u="none" strike="noStrike" kern="1" cap="none" spc="0" baseline="0">
         <a:solidFill>
           <a:schemeClr val="tx1"/>
         </a:solidFill>
-        <a:latin typeface="+mn-lt"/>
-        <a:ea typeface="+mn-ea"/>
-        <a:cs typeface="+mn-cs"/>
+        <a:effectLst/>
+        <a:latin typeface="Calibri" pitchFamily="1" charset="0"/>
+        <a:ea typeface="Calibri" pitchFamily="1" charset="0"/>
+        <a:cs typeface="Calibri" pitchFamily="1" charset="0"/>
       </a:defRPr>
     </a:lvl6pPr>
-    <a:lvl7pPr marL="2743200" algn="l" defTabSz="457200" rtl="0" eaLnBrk="1" latinLnBrk="0" hangingPunct="1">
-      <a:defRPr sz="1800" kern="1200">
+    <a:lvl7pPr marL="2743200" marR="0" indent="0" algn="l" defTabSz="457200">
+      <a:lnSpc>
+        <a:spcPct val="100000"/>
+      </a:lnSpc>
+      <a:spcBef>
+        <a:spcPts val="0"/>
+      </a:spcBef>
+      <a:spcAft>
+        <a:spcPts val="0"/>
+      </a:spcAft>
+      <a:buNone/>
+      <a:tabLst/>
+      <a:defRPr lang="en-us" sz="1800" b="0" i="0" u="none" strike="noStrike" kern="1" cap="none" spc="0" baseline="0">
         <a:solidFill>
           <a:schemeClr val="tx1"/>
         </a:solidFill>
-        <a:latin typeface="+mn-lt"/>
-        <a:ea typeface="+mn-ea"/>
-        <a:cs typeface="+mn-cs"/>
+        <a:effectLst/>
+        <a:latin typeface="Calibri" pitchFamily="1" charset="0"/>
+        <a:ea typeface="Calibri" pitchFamily="1" charset="0"/>
+        <a:cs typeface="Calibri" pitchFamily="1" charset="0"/>
       </a:defRPr>
     </a:lvl7pPr>
-    <a:lvl8pPr marL="3200400" algn="l" defTabSz="457200" rtl="0" eaLnBrk="1" latinLnBrk="0" hangingPunct="1">
-      <a:defRPr sz="1800" kern="1200">
+    <a:lvl8pPr marL="3200400" marR="0" indent="0" algn="l" defTabSz="457200">
+      <a:lnSpc>
+        <a:spcPct val="100000"/>
+      </a:lnSpc>
+      <a:spcBef>
+        <a:spcPts val="0"/>
+      </a:spcBef>
+      <a:spcAft>
+        <a:spcPts val="0"/>
+      </a:spcAft>
+      <a:buNone/>
+      <a:tabLst/>
+      <a:defRPr lang="en-us" sz="1800" b="0" i="0" u="none" strike="noStrike" kern="1" cap="none" spc="0" baseline="0">
         <a:solidFill>
           <a:schemeClr val="tx1"/>
         </a:solidFill>
-        <a:latin typeface="+mn-lt"/>
-        <a:ea typeface="+mn-ea"/>
-        <a:cs typeface="+mn-cs"/>
+        <a:effectLst/>
+        <a:latin typeface="Calibri" pitchFamily="1" charset="0"/>
+        <a:ea typeface="Calibri" pitchFamily="1" charset="0"/>
+        <a:cs typeface="Calibri" pitchFamily="1" charset="0"/>
       </a:defRPr>
     </a:lvl8pPr>
-    <a:lvl9pPr marL="3657600" algn="l" defTabSz="457200" rtl="0" eaLnBrk="1" latinLnBrk="0" hangingPunct="1">
-      <a:defRPr sz="1800" kern="1200">
+    <a:lvl9pPr marL="3657600" marR="0" indent="0" algn="l" defTabSz="457200">
+      <a:lnSpc>
+        <a:spcPct val="100000"/>
+      </a:lnSpc>
+      <a:spcBef>
+        <a:spcPts val="0"/>
+      </a:spcBef>
+      <a:spcAft>
+        <a:spcPts val="0"/>
+      </a:spcAft>
+      <a:buNone/>
+      <a:tabLst/>
+      <a:defRPr lang="en-us" sz="1800" b="0" i="0" u="none" strike="noStrike" kern="1" cap="none" spc="0" baseline="0">
         <a:solidFill>
           <a:schemeClr val="tx1"/>
         </a:solidFill>
-        <a:latin typeface="+mn-lt"/>
-        <a:ea typeface="+mn-ea"/>
-        <a:cs typeface="+mn-cs"/>
+        <a:effectLst/>
+        <a:latin typeface="Calibri" pitchFamily="1" charset="0"/>
+        <a:ea typeface="Calibri" pitchFamily="1" charset="0"/>
+        <a:cs typeface="Calibri" pitchFamily="1" charset="0"/>
       </a:defRPr>
     </a:lvl9pPr>
   </p:defaultTextStyle>
-  <p:extLst>
-    <p:ext uri="{EFAFB233-063F-42B5-8137-9DF3F51BA10A}">
-      <p15:sldGuideLst xmlns:p15="http://schemas.microsoft.com/office/powerpoint/2012/main">
-        <p15:guide id="1" orient="horz" pos="2160" userDrawn="1">
-          <p15:clr>
-            <a:srgbClr val="A4A3A4"/>
-          </p15:clr>
-        </p15:guide>
-        <p15:guide id="2" pos="3840" userDrawn="1">
-          <p15:clr>
-            <a:srgbClr val="A4A3A4"/>
-          </p15:clr>
-        </p15:guide>
-      </p15:sldGuideLst>
-    </p:ext>
-  </p:extLst>
 </p:presentation>
 </file>
 
 <file path=ppt/slideLayouts/slideLayout1.xml><?xml version="1.0" encoding="utf-8"?>
-<p:sldLayout xmlns:a="http://schemas.openxmlformats.org/drawingml/2006/main" xmlns:r="http://schemas.openxmlformats.org/officeDocument/2006/relationships" xmlns:p="http://schemas.openxmlformats.org/presentationml/2006/main" showMasterSp="0" type="title" preserve="1">
+<p:sldLayout xmlns:p="http://schemas.openxmlformats.org/presentationml/2006/main" xmlns:mc="http://schemas.openxmlformats.org/markup-compatibility/2006" xmlns:p14="http://schemas.microsoft.com/office/powerpoint/2010/main" xmlns:p15="http://schemas.microsoft.com/office/powerpoint/2012/main" xmlns:r="http://schemas.openxmlformats.org/officeDocument/2006/relationships" xmlns:a="http://schemas.openxmlformats.org/drawingml/2006/main" showMasterSp="0" type="title" preserve="1">
   <p:cSld name="Title Slide">
     <p:spTree>
       <p:nvGrpSpPr>
@@ -144,13 +233,19 @@
       </p:grpSpPr>
       <p:sp>
         <p:nvSpPr>
-          <p:cNvPr id="7" name="Rectangle 6"/>
-          <p:cNvSpPr/>
+          <p:cNvPr id="2" name="Rectangle 6"/>
+          <p:cNvSpPr>
+            <a:extLst>
+              <a:ext uri="smNativeData">
+                <pr:smNativeData xmlns:pr="smNativeData" xmlns="smNativeData" val="SMDATA_15_OjGNYRMAAAAlAAAAZAAAAA0AAAAAkAAAAEgAAACQAAAASAAAAAAAAAAAAAAAAAAAAAEAAABQAAAAAAAAAAAA4D8AAAAAAADgPwAAAAAAAOA/AAAAAAAA4D8AAAAAAADgPwAAAAAAAOA/AAAAAAAA4D8AAAAAAADgPwAAAAAAAOA/AAAAAAAA4D8CAAAAjAAAAAEAAAAAAAAAJoPGDf///wgAAAAAAAAAAAAAAAAAAAAAAAAAAAAAAAAAAAAAZAAAAAEAAABAAAAAAAAAAAAAAAAAAAAAAAAAAAAAAAAAAAAAAAAAAAAAAAAAAAAAAAAAAAAAAAAAAAAAAAAAAAAAAAAAAAAAAAAAAAAAAAAAAAAAAAAAAAAAAAAAAAAAFAAAADwAAAAAAAAAAAAAABWAqQAZAAAAAQAAABQAAAAUAAAAFAAAAAEAAAAAAAAAZAAAAGQAAAAAAAAAZAAAAGQAAAAVAAAAYAAAAAAAAAAAAAAADwAAACADAAAAAAAAAAAAAAEAAACgMgAAVgcAAKr4//8BAAAAf39/AAEAAABkAAAAAAAAABQAAABAHwAAAAAAACYAAAAAAAAAwOD//wAAAAAmAAAAZAAAABYAAABMAAAAAAAAAAAAAAAEAAAAAAAAAAEAAADZ4OYKAAAAACgAAAAoAAAAZAAAAGQAAAAAAAAAzMzMAAAAAABQAAAAUAAAAGQAAABkAAAAAAAAABcAAAAUAAAAAAAAAAAAAAD/fwAA/38AAAAAAAAJAAAABAAAAACrHgMeAAAAaAAAAAAAAAAAAAAAAAAAAAAAAAAAAAAAECcAABAnAAAAAAAAAAAAAAAAAAAAAAAAAAAAAAAAAAAAAAAAAAAAABQAAAAAAAAAwMD/AAAAAABkAAAAMgAAAAAAAABkAAAAAAAAAH9/fwAKAAAAIgAAABgAAAAAAAAAAAAAAAAAAAAAAAAAAAAAAAAAAAAkAAAAJAAAAAAAAAAHAAAAAAAAAAAAAAAAAAAAAAAAAAAAAAAAAAAAf39/ACUAAABYAAAAAAAAAAAAAAAAAAAAAAAAAAAAAAAAAAAAAAAAAAAAAAAAAAAAAAAAAAAAAAA/AAAAAAAAAKCGAQAAAAAAAAAAAAAAAAAMAAAAAQAAAAAAAAAAAAAAAAAAAB8AAABUAAAAJoPGBv///wEAAAAAAAAAAAAAAAAAAAAAAAAAAAAAAAAAAAAAAAAAABWAqQB/f38A2eDmA8zMzADAwP8Af39/AAAAAAAAAAAAAAAAAAAAAAAAAAAAIQAAABgAAAAUAAAAAAAAAGAnAAAASwAAMCoAABAAAAAmAAAACAAAAP//////////"/>
+              </a:ext>
+            </a:extLst>
+          </p:cNvSpPr>
           <p:nvPr/>
         </p:nvSpPr>
         <p:spPr>
           <a:xfrm>
-            <a:off x="1" y="6400800"/>
+            <a:off x="0" y="6400800"/>
             <a:ext cx="12192000" cy="457200"/>
           </a:xfrm>
           <a:prstGeom prst="rect">
@@ -162,34 +257,25 @@
           <a:ln>
             <a:noFill/>
           </a:ln>
-        </p:spPr>
-        <p:style>
-          <a:lnRef idx="2">
-            <a:schemeClr val="accent1">
-              <a:shade val="50000"/>
-            </a:schemeClr>
-          </a:lnRef>
-          <a:fillRef idx="1">
-            <a:schemeClr val="accent1"/>
-          </a:fillRef>
-          <a:effectRef idx="0">
-            <a:schemeClr val="accent1"/>
-          </a:effectRef>
-          <a:fontRef idx="minor">
-            <a:schemeClr val="lt1"/>
-          </a:fontRef>
-        </p:style>
-      </p:sp>
-      <p:sp>
-        <p:nvSpPr>
-          <p:cNvPr id="8" name="Rectangle 7"/>
-          <p:cNvSpPr/>
+          <a:effectLst/>
+        </p:spPr>
+      </p:sp>
+      <p:sp>
+        <p:nvSpPr>
+          <p:cNvPr id="3" name="Rectangle 7"/>
+          <p:cNvSpPr>
+            <a:extLst>
+              <a:ext uri="smNativeData">
+                <pr:smNativeData xmlns:pr="smNativeData" xmlns="smNativeData" val="SMDATA_15_OjGNYRMAAAAlAAAAZAAAAA0AAAAAkAAAAEgAAACQAAAASAAAAAAAAAAAAAAAAAAAAAEAAABQAAAAAAAAAAAA4D8AAAAAAADgPwAAAAAAAOA/AAAAAAAA4D8AAAAAAADgPwAAAAAAAOA/AAAAAAAA4D8AAAAAAADgPwAAAAAAAOA/AAAAAAAA4D8CAAAAjAAAAAEAAAAAAAAAHK3kDP///wgAAAAAAAAAAAAAAAAAAAAAAAAAAAAAAAAAAAAAZAAAAAEAAABAAAAAAAAAAAAAAAAAAAAAAAAAAAAAAAAAAAAAAAAAAAAAAAAAAAAAAAAAAAAAAAAAAAAAAAAAAAAAAAAAAAAAAAAAAAAAAAAAAAAAAAAAAAAAAAAAAAAAFAAAADwAAAAAAAAAAAAAABWAqQAZAAAAAQAAABQAAAAUAAAAFAAAAAEAAAAAAAAAZAAAAGQAAAAAAAAAZAAAAGQAAAAVAAAAYAAAAAAAAAAAAAAADwAAACADAAAAAAAAAAAAAAEAAACgMgAAVgcAAKr4//8BAAAAf39/AAEAAABkAAAAAAAAABQAAABAHwAAAAAAACYAAAAAAAAAwOD//wAAAAAmAAAAZAAAABYAAABMAAAAAAAAAAAAAAAEAAAAAAAAAAEAAADZ4OYKAAAAACgAAAAoAAAAZAAAAGQAAAAAAAAAzMzMAAAAAABQAAAAUAAAAGQAAABkAAAAAAAAABcAAAAUAAAAAAAAAAAAAAD/fwAA/38AAAAAAAAJAAAABAAAAOBSYlUeAAAAaAAAAAAAAAAAAAAAAAAAAAAAAAAAAAAAECcAABAnAAAAAAAAAAAAAAAAAAAAAAAAAAAAAAAAAAAAAAAAAAAAABQAAAAAAAAAwMD/AAAAAABkAAAAMgAAAAAAAABkAAAAAAAAAH9/fwAKAAAAIgAAABgAAAAAAAAAAAAAAAAAAAAAAAAAAAAAAAAAAAAkAAAAJAAAAAAAAAAHAAAAAAAAAAAAAAAAAAAAAAAAAAAAAAAAAAAAf39/ACUAAABYAAAAAAAAAAAAAAAAAAAAAAAAAAAAAAAAAAAAAAAAAAAAAAAAAAAAAAAAAAAAAAA/AAAAAAAAAKCGAQAAAAAAAAAAAAAAAAAMAAAAAQAAAAAAAAAAAAAAAAAAAB8AAABUAAAAHK3kBf///wEAAAAAAAAAAAAAAAAAAAAAAAAAAAAAAAAAAAAAAAAAABWAqQB/f38A2eDmA8zMzADAwP8Af39/AAAAAAAAAAAAAAAAAAAAAAAAAAAAIQAAABgAAAAUAAAAAAAAAPcmAAAASwAAYCcAABAAAAAmAAAACAAAAP//////////"/>
+              </a:ext>
+            </a:extLst>
+          </p:cNvSpPr>
           <p:nvPr/>
         </p:nvSpPr>
         <p:spPr>
           <a:xfrm>
-            <a:off x="1" y="6334316"/>
-            <a:ext cx="12192000" cy="66484"/>
+            <a:off x="0" y="6334125"/>
+            <a:ext cx="12192000" cy="66675"/>
           </a:xfrm>
           <a:prstGeom prst="rect">
             <a:avLst/>
@@ -200,29 +286,19 @@
           <a:ln>
             <a:noFill/>
           </a:ln>
-        </p:spPr>
-        <p:style>
-          <a:lnRef idx="2">
-            <a:schemeClr val="accent1">
-              <a:shade val="50000"/>
-            </a:schemeClr>
-          </a:lnRef>
-          <a:fillRef idx="1">
-            <a:schemeClr val="accent1"/>
-          </a:fillRef>
-          <a:effectRef idx="0">
-            <a:schemeClr val="accent1"/>
-          </a:effectRef>
-          <a:fontRef idx="minor">
-            <a:schemeClr val="lt1"/>
-          </a:fontRef>
-        </p:style>
-      </p:sp>
-      <p:sp>
-        <p:nvSpPr>
-          <p:cNvPr id="2" name="Title 1"/>
-          <p:cNvSpPr>
-            <a:spLocks noGrp="1"/>
+          <a:effectLst/>
+        </p:spPr>
+      </p:sp>
+      <p:sp>
+        <p:nvSpPr>
+          <p:cNvPr id="4" name="Title 1"/>
+          <p:cNvSpPr>
+            <a:spLocks noGrp="1" noChangeArrowheads="1"/>
+            <a:extLst>
+              <a:ext uri="smNativeData">
+                <pr:smNativeData xmlns:pr="smNativeData" xmlns="smNativeData" val="SMDATA_15_OjGNYRMAAAAlAAAAZAAAAA0AAAAAkAAAAEgAAACQAAAASAAAAAAAAAACAAAAAAAAAAEAAABQAAAAAAAAAAAA4D8AAAAAAADgPwAAAAAAAOA/AAAAAAAA4D8AAAAAAADgPwAAAAAAAOA/AAAAAAAA4D8AAAAAAADgPwAAAAAAAOA/AAAAAAAA4D8CAAAAjAAAAAAAAAAAAAAA////AP///wgAAAAAAAAAAAAAAAAAAAAAAAAAAAAAAAAAAAAAeAAAAAEAAABAAAAAAAAAAAAAAABaAAAAAAAAAAAAAAAAAAAAAAAAAAAAAAAAAAAAAAAAAAAAAAAAAAAAAAAAAAAAAAAAAAAAAAAAAAAAAAAAAAAAAAAAAAAAAAAAAAAAFAAAADwAAAAAAAAAAAAAAAAAAAAPAAAAAQAAACMAAAAjAAAAIwAAAB4AAAAAAAAAZAAAAGQAAAAAAAAAZAAAAGQAAAAVAAAAYAAAAAAAAAAAAAAADwAAACADAAAAAAAAAAAAAAEAAACgMgAAVgcAAKr4//8BAAAAf39/AAEAAABkAAAAAAAAABQAAABAHwAAAAAAACYAAAAAAAAAwOD//wAAAAAmAAAAZAAAABYAAABMAAAAAAAAAAAAAAAEAAAAAAAAAAEAAADZ4OYKAAAAACgAAAAoAAAAZAAAAGQAAAAAAAAAzMzMAAAAAABQAAAAUAAAAGQAAABkAAAAAAAAABcAAAAUAAAAAAAAAAAAAAD/fwAA/38AAAAAAAAJAAAABAAAAGjdUqceAAAAaAAAAAAAAAAAAAAAAAAAAAAAAAAAAAAAECcAABAnAAAAAAAAAAAAAAAAAAAAAAAAAAAAAAAAAAAAAAAAAAAAABQAAAAAAAAAwMD/AAAAAABkAAAAMgAAAAAAAABkAAAAAAAAAH9/fwAKAAAAIgAAABgAAAAAAAAAAAAAAAAAAAAAAAAAAAAAAAAAAAAkAAAAJAAAAAAAAAAHAAAAAAAAAAAAAAAAAAAAAAAAAAAAAAAAAAAAf39/ACUAAABYAAAAAAAAAAAAAAAAAAAAAAAAAAAAAAAAAAAAAAAAAAAAAAAAAAAAAAAAAAAAAAA/AAAAAAAAAKCGAQAAAAAAAAAAAAAAAAAMAAAAAQAAAAAAAAAAAAAAAAAAAB8AAABUAAAA////AAAAAAEAAAAAAAAAAAAAAAAAAAAAAAAAAAAAAAAAAAAAAAAAAAAAAAB/f38AAAAAA8zMzADAwP8Af39/AAAAAAAAAAAAAAAAAAAAAAAAAAAAIQAAABgAAAAUAAAAwAYAAJMKAACgRAAAuRwAABAAAAAmAAAACAAAAAGgAAAAAAAA"/>
+              </a:ext>
+            </a:extLst>
           </p:cNvSpPr>
           <p:nvPr>
             <p:ph type="ctrTitle"/>
@@ -230,43 +306,73 @@
         </p:nvSpPr>
         <p:spPr>
           <a:xfrm>
-            <a:off x="1097280" y="1719146"/>
-            <a:ext cx="10058400" cy="2949992"/>
-          </a:xfrm>
-        </p:spPr>
-        <p:txBody>
-          <a:bodyPr anchor="b">
-            <a:normAutofit/>
+            <a:off x="1097280" y="1718945"/>
+            <a:ext cx="10058400" cy="2950210"/>
+          </a:xfrm>
+        </p:spPr>
+        <p:txBody>
+          <a:bodyPr vert="horz" wrap="square" lIns="91440" tIns="45720" rIns="91440" bIns="45720" numCol="1" spcCol="215900" anchor="b">
+            <a:prstTxWarp prst="textNoShape">
+              <a:avLst/>
+            </a:prstTxWarp>
           </a:bodyPr>
           <a:lstStyle>
             <a:lvl1pPr algn="l">
               <a:lnSpc>
                 <a:spcPct val="85000"/>
               </a:lnSpc>
-              <a:defRPr sz="8000" spc="-50" baseline="0">
+              <a:defRPr lang="en-us" sz="8000" cap="none" spc="-7" baseline="0">
                 <a:solidFill>
-                  <a:schemeClr val="tx1">
-                    <a:lumMod val="85000"/>
-                    <a:lumOff val="15000"/>
-                  </a:schemeClr>
+                  <a:srgbClr val="262626"/>
                 </a:solidFill>
               </a:defRPr>
             </a:lvl1pPr>
+            <a:lvl2pPr>
+              <a:defRPr lang="en-us"/>
+            </a:lvl2pPr>
+            <a:lvl3pPr>
+              <a:defRPr lang="en-us"/>
+            </a:lvl3pPr>
+            <a:lvl4pPr>
+              <a:defRPr lang="en-us"/>
+            </a:lvl4pPr>
+            <a:lvl5pPr>
+              <a:defRPr lang="en-us"/>
+            </a:lvl5pPr>
+            <a:lvl6pPr>
+              <a:defRPr lang="en-us"/>
+            </a:lvl6pPr>
+            <a:lvl7pPr>
+              <a:defRPr lang="en-us"/>
+            </a:lvl7pPr>
+            <a:lvl8pPr>
+              <a:defRPr lang="en-us"/>
+            </a:lvl8pPr>
+            <a:lvl9pPr>
+              <a:defRPr lang="en-us"/>
+            </a:lvl9pPr>
           </a:lstStyle>
           <a:p>
-            <a:r>
-              <a:rPr lang="en-GB"/>
+            <a:pPr>
+              <a:defRPr lang="en-us"/>
+            </a:pPr>
+            <a:r>
+              <a:rPr lang="en-gb" cap="none"/>
               <a:t>Click to edit Master title style</a:t>
             </a:r>
-            <a:endParaRPr lang="en-US" dirty="0"/>
-          </a:p>
-        </p:txBody>
-      </p:sp>
-      <p:sp>
-        <p:nvSpPr>
-          <p:cNvPr id="3" name="Subtitle 2"/>
-          <p:cNvSpPr>
-            <a:spLocks noGrp="1"/>
+          </a:p>
+        </p:txBody>
+      </p:sp>
+      <p:sp>
+        <p:nvSpPr>
+          <p:cNvPr id="5" name="Subtitle 2"/>
+          <p:cNvSpPr>
+            <a:spLocks noGrp="1" noChangeArrowheads="1"/>
+            <a:extLst>
+              <a:ext uri="smNativeData">
+                <pr:smNativeData xmlns:pr="smNativeData" xmlns="smNativeData" val="SMDATA_15_OjGNYRMAAAAlAAAAZAAAAA0AAAAAkAAAAEgAAACQAAAASAAAAAAAAAAAAAAAAAAAAAEAAABQAAAAAAAAAAAA4D8AAAAAAADgPwAAAAAAAOA/AAAAAAAA4D8AAAAAAADgPwAAAAAAAOA/AAAAAAAA4D8AAAAAAADgPwAAAAAAAOA/AAAAAAAA4D8CAAAAjAAAAAAAAAAAAAAA////AP///wgAAAAAAAAAAAAAAAAAAAAAAAAAAAAAAAAAAAAAeAAAAAEAAABAAAAAAAAAAAAAAABaAAAAAAAAAAAAAAAAAAAAAAAAAAAAAAAAAAAAAAAAAAAAAAAAAAAAAAAAAAAAAAAAAAAAAAAAAAAAAAAAAAAAAAAAAAAAAAAAAAAAFAAAADwAAAAAAAAAAAAAAAAAAAAPAAAAAQAAACMAAAAjAAAAIwAAAB4AAAAAAAAAZAAAAGQAAAAAAAAAZAAAAGQAAAAVAAAAYAAAAAAAAAAAAAAADwAAACADAAAAAAAAAAAAAAEAAACgMgAAVgcAAKr4//8BAAAAf39/AAEAAABkAAAAAAAAABQAAABAHwAAAAAAACYAAAAAAAAAwOD//wAAAAAmAAAAZAAAABYAAABMAAAAAAAAAAAAAAAEAAAAAAAAAAEAAADZ4OYKAAAAACgAAAAoAAAAZAAAAGQAAAAAAAAAzMzMAAAAAABQAAAAUAAAAGQAAABkAAAAAAAAABcAAAAUAAAAAAAAAAAAAAD/fwAA/38AAAAAAAAJAAAABAAAALcumr0eAAAAaAAAAAAAAAAAAAAAAAAAAAAAAAAAAAAAECcAABAnAAAAAAAAAAAAAAAAAAAAAAAAAAAAAAAAAAAAAAAAAAAAABQAAAAAAAAAwMD/AAAAAABkAAAAMgAAAAAAAABkAAAAAAAAAH9/fwAKAAAAIgAAABgAAAAAAAAAAAAAAAAAAAAAAAAAAAAAAAAAAAAkAAAAJAAAAAAAAAAHAAAAAAAAAAAAAAAAAAAAAAAAAAAAAAAAAAAAf39/ACUAAABYAAAAAAAAAAAAAAAAAAAAAAAAAAAAAAAAAAAAAAAAAAAAAAAAAAAAAAAAAAAAAAA/AAAAAAAAAKCGAQAAAAAAAAAAAAAAAAAMAAAAAQAAAAAAAAAAAAAAAAAAAB8AAABUAAAA////AAAAAAEAAAAAAAAAAAAAAAAAAAAAAAAAAAAAAAAAAAAAAAAAAAAAAAB/f38AAAAAA8zMzADAwP8Af39/AAAAAAAAAAAAAAAAAAAAAAAAAAAAIQAAABgAAAAUAAAAxAYAAIYdAACkRAAAjiQAABAAAAAmAAAACAAAAA2gAAAAAAAA"/>
+              </a:ext>
+            </a:extLst>
           </p:cNvSpPr>
           <p:nvPr>
             <p:ph type="subTitle" idx="1"/>
@@ -274,71 +380,82 @@
         </p:nvSpPr>
         <p:spPr>
           <a:xfrm>
-            <a:off x="1100051" y="4799647"/>
+            <a:off x="1099820" y="4799330"/>
             <a:ext cx="10058400" cy="1143000"/>
           </a:xfrm>
         </p:spPr>
         <p:txBody>
-          <a:bodyPr lIns="91440" rIns="91440">
-            <a:normAutofit/>
+          <a:bodyPr vert="horz" wrap="square" lIns="91440" tIns="45720" rIns="91440" bIns="45720" numCol="1" spcCol="215900" anchor="t">
+            <a:prstTxWarp prst="textNoShape">
+              <a:avLst/>
+            </a:prstTxWarp>
           </a:bodyPr>
           <a:lstStyle>
             <a:lvl1pPr marL="0" indent="0" algn="l">
               <a:buNone/>
-              <a:defRPr sz="2400" cap="all" spc="200" baseline="0">
+              <a:defRPr lang="en-us" sz="2400" cap="all" spc="39" baseline="0">
                 <a:solidFill>
                   <a:schemeClr val="tx2"/>
                 </a:solidFill>
-                <a:latin typeface="+mj-lt"/>
+                <a:latin typeface="Calibri Light" pitchFamily="1" charset="0"/>
+                <a:ea typeface="Calibri" pitchFamily="1" charset="0"/>
+                <a:cs typeface="Calibri" pitchFamily="1" charset="0"/>
               </a:defRPr>
             </a:lvl1pPr>
             <a:lvl2pPr marL="457200" indent="0" algn="ctr">
               <a:buNone/>
-              <a:defRPr sz="2400"/>
+              <a:defRPr lang="en-us" sz="2400" cap="none"/>
             </a:lvl2pPr>
             <a:lvl3pPr marL="914400" indent="0" algn="ctr">
               <a:buNone/>
-              <a:defRPr sz="2400"/>
+              <a:defRPr lang="en-us" sz="2400" cap="none"/>
             </a:lvl3pPr>
             <a:lvl4pPr marL="1371600" indent="0" algn="ctr">
               <a:buNone/>
-              <a:defRPr sz="2000"/>
+              <a:defRPr lang="en-us" sz="2000" cap="none"/>
             </a:lvl4pPr>
             <a:lvl5pPr marL="1828800" indent="0" algn="ctr">
               <a:buNone/>
-              <a:defRPr sz="2000"/>
+              <a:defRPr lang="en-us" sz="2000" cap="none"/>
             </a:lvl5pPr>
             <a:lvl6pPr marL="2286000" indent="0" algn="ctr">
               <a:buNone/>
-              <a:defRPr sz="2000"/>
+              <a:defRPr lang="en-us" sz="2000" cap="none"/>
             </a:lvl6pPr>
             <a:lvl7pPr marL="2743200" indent="0" algn="ctr">
               <a:buNone/>
-              <a:defRPr sz="2000"/>
+              <a:defRPr lang="en-us" sz="2000" cap="none"/>
             </a:lvl7pPr>
             <a:lvl8pPr marL="3200400" indent="0" algn="ctr">
               <a:buNone/>
-              <a:defRPr sz="2000"/>
+              <a:defRPr lang="en-us" sz="2000" cap="none"/>
             </a:lvl8pPr>
             <a:lvl9pPr marL="3657600" indent="0" algn="ctr">
               <a:buNone/>
-              <a:defRPr sz="2000"/>
+              <a:defRPr lang="en-us" sz="2000" cap="none"/>
             </a:lvl9pPr>
           </a:lstStyle>
           <a:p>
-            <a:r>
-              <a:rPr lang="en-GB"/>
+            <a:pPr>
+              <a:defRPr lang="en-us"/>
+            </a:pPr>
+            <a:r>
+              <a:rPr lang="en-gb" cap="all"/>
               <a:t>Click to edit Master subtitle style</a:t>
             </a:r>
-            <a:endParaRPr lang="en-US" dirty="0"/>
-          </a:p>
-        </p:txBody>
-      </p:sp>
-      <p:sp>
-        <p:nvSpPr>
-          <p:cNvPr id="4" name="Date Placeholder 3"/>
-          <p:cNvSpPr>
-            <a:spLocks noGrp="1"/>
+          </a:p>
+        </p:txBody>
+      </p:sp>
+      <p:sp>
+        <p:nvSpPr>
+          <p:cNvPr id="6" name="Date Placeholder 3"/>
+          <p:cNvSpPr>
+            <a:spLocks noGrp="1" noChangeArrowheads="1"/>
+            <a:extLst>
+              <a:ext uri="smNativeData">
+                <pr:smNativeData xmlns:pr="smNativeData" xmlns="smNativeData" val="SMDATA_15_OjGNYRMAAAAlAAAAZAAAAA0AAAAAkAAAAEgAAACQAAAASAAAAAAAAAABAAAAAAAAAAEAAABQAAAAAAAAAAAA4D8AAAAAAADgPwAAAAAAAOA/AAAAAAAA4D8AAAAAAADgPwAAAAAAAOA/AAAAAAAA4D8AAAAAAADgPwAAAAAAAOA/AAAAAAAA4D8CAAAAjAAAAAAAAAAAAAAA////AP///wgAAAAAAAAAAAAAAAAAAAAAAAAAAAAAAAAAAAAAeAAAAAEAAABAAAAAAAAAAAAAAABaAAAAAAAAAAAAAAAAAAAAAAAAAAAAAAAAAAAAAAAAAAAAAAAAAAAAAAAAAAAAAAAAAAAAAAAAAAAAAAAAAAAAAAAAAAAAAAAAAAAAFAAAADwAAAAAAAAAAAAAAAAAAAAPAAAAAQAAACMAAAAjAAAAIwAAAB4AAAAAAAAAZAAAAGQAAAAAAAAAZAAAAGQAAAAVAAAAYAAAAAAAAAAAAAAADwAAACADAAAAAAAAAAAAAAEAAACgMgAAVgcAAKr4//8BAAAAf39/AAEAAABkAAAAAAAAABQAAABAHwAAAAAAACYAAAAAAAAAwOD//wAAAAAmAAAAZAAAABYAAABMAAAAAAAAAAAAAAAEAAAAAAAAAAEAAADZ4OYKAAAAACgAAAAoAAAAZAAAAGQAAAAAAAAAzMzMAAAAAABQAAAAUAAAAGQAAABkAAAAAAAAABcAAAAUAAAAAAAAAAAAAAD/fwAA/38AAAAAAAAJAAAABAAAAAAAAAAeAAAAaAAAAAAAAAAAAAAAAAAAAAAAAAAAAAAAECcAABAnAAAAAAAAAAAAAAAAAAAAAAAAAAAAAAAAAAAAAAAAAAAAABQAAAAAAAAAwMD/AAAAAABkAAAAMgAAAAAAAABkAAAAAAAAAH9/fwAKAAAAIgAAABgAAAAAAAAAAAAAAAAAAAAAAAAAAAAAAAAAAAAkAAAAJAAAAAAAAAAHAAAAAAAAAAAAAAAAAAAAAAAAAAAAAAAAAAAAf39/ACUAAABYAAAAAAAAAAAAAAAAAAAAAAAAAAAAAAAAAAAAAAAAAAAAAAAAAAAAAAAAAAAAAAA/AAAAAAAAAKCGAQAAAAAAAAAAAAAAAAAMAAAAAQAAAAAAAAAAAAAAAAAAAB8AAABUAAAA////AAAAAAEAAAAAAAAAAAAAAAAAAAAAAAAAAAAAAAAAAAAAAAAAAAAAAAB/f38AAAAAA8zMzADAwP8Af39/AAAAAAAAAAAAAAAAAAAAAAAAAAAAIQAAABgAAAAUAAAAwAYAAL0nAAD1FQAA/CkAABAAAAAmAAAACAAAAAAAAAAAAAAA"/>
+              </a:ext>
+            </a:extLst>
           </p:cNvSpPr>
           <p:nvPr>
             <p:ph type="dt" sz="half" idx="10"/>
@@ -349,19 +466,25 @@
           <a:bodyPr/>
           <a:lstStyle/>
           <a:p>
-            <a:fld id="{96DFF08F-DC6B-4601-B491-B0F83F6DD2DA}" type="datetimeFigureOut">
-              <a:rPr lang="en-US" dirty="0"/>
-              <a:t>11/11/21</a:t>
+            <a:pPr>
+              <a:defRPr lang="en-us"/>
+            </a:pPr>
+            <a:fld id="{742A7C0B-4599-7F8A-D792-B3DF32DC21E6}" type="datetime1">
+              <a:t/>
             </a:fld>
-            <a:endParaRPr lang="en-US" dirty="0"/>
-          </a:p>
-        </p:txBody>
-      </p:sp>
-      <p:sp>
-        <p:nvSpPr>
-          <p:cNvPr id="5" name="Footer Placeholder 4"/>
-          <p:cNvSpPr>
-            <a:spLocks noGrp="1"/>
+          </a:p>
+        </p:txBody>
+      </p:sp>
+      <p:sp>
+        <p:nvSpPr>
+          <p:cNvPr id="7" name="Footer Placeholder 4"/>
+          <p:cNvSpPr>
+            <a:spLocks noGrp="1" noChangeArrowheads="1"/>
+            <a:extLst>
+              <a:ext uri="smNativeData">
+                <pr:smNativeData xmlns:pr="smNativeData" xmlns="smNativeData" val="SMDATA_15_OjGNYRMAAAAlAAAAZAAAAA0AAAAAkAAAAEgAAACQAAAASAAAAAAAAAABAAAAAAAAAAEAAABQAAAAAAAAAAAA4D8AAAAAAADgPwAAAAAAAOA/AAAAAAAA4D8AAAAAAADgPwAAAAAAAOA/AAAAAAAA4D8AAAAAAADgPwAAAAAAAOA/AAAAAAAA4D8CAAAAjAAAAAAAAAAAAAAA////AP///wgAAAAAAAAAAAAAAAAAAAAAAAAAAAAAAAAAAAAAeAAAAAEAAABAAAAAAAAAAAAAAABaAAAAAAAAAAAAAAAAAAAAAAAAAAAAAAAAAAAAAAAAAAAAAAAAAAAAAAAAAAAAAAAAAAAAAAAAAAAAAAAAAAAAAAAAAAAAAAAAAAAAFAAAADwAAAAAAAAAAAAAAAAAAAAPAAAAAQAAACMAAAAjAAAAIwAAAB4AAAAAAAAAZAAAAGQAAAAAAAAAZAAAAGQAAAAVAAAAYAAAAAAAAAAAAAAADwAAACADAAAAAAAAAAAAAAEAAACgMgAAVgcAAKr4//8BAAAAf39/AAEAAABkAAAAAAAAABQAAABAHwAAAAAAACYAAAAAAAAAwOD//wAAAAAmAAAAZAAAABYAAABMAAAAAAAAAAAAAAAEAAAAAAAAAAEAAADZ4OYKAAAAACgAAAAoAAAAZAAAAGQAAAAAAAAAzMzMAAAAAABQAAAAUAAAAGQAAABkAAAAAAAAABcAAAAUAAAAAAAAAAAAAAD/fwAA/38AAAAAAAAJAAAABAAAAAAAAAAeAAAAaAAAAAAAAAAAAAAAAAAAAAAAAAAAAAAAECcAABAnAAAAAAAAAAAAAAAAAAAAAAAAAAAAAAAAAAAAAAAAAAAAABQAAAAAAAAAwMD/AAAAAABkAAAAMgAAAAAAAABkAAAAAAAAAH9/fwAKAAAAIgAAABgAAAAAAAAAAAAAAAAAAAAAAAAAAAAAAAAAAAAkAAAAJAAAAAAAAAAHAAAAAAAAAAAAAAAAAAAAAAAAAAAAAAAAAAAAf39/ACUAAABYAAAAAAAAAAAAAAAAAAAAAAAAAAAAAAAAAAAAAAAAAAAAAAAAAAAAAAAAAAAAAAA/AAAAAAAAAKCGAQAAAAAAAAAAAAAAAAAMAAAAAQAAAAAAAAAAAAAAAAAAAB8AAABUAAAA////AAAAAAEAAAAAAAAAAAAAAAAAAAAAAAAAAAAAAAAAAAAAAAAAAAAAAAB/f38AAAAAA8zMzADAwP8Af39/AAAAAAAAAAAAAAAAAAAAAAAAAAAAIQAAABgAAAAUAAAArRYAAL0nAABYNAAA/CkAABAAAAAmAAAACAAAAAAAAAAAAAAA"/>
+              </a:ext>
+            </a:extLst>
           </p:cNvSpPr>
           <p:nvPr>
             <p:ph type="ftr" sz="quarter" idx="11"/>
@@ -372,15 +495,22 @@
           <a:bodyPr/>
           <a:lstStyle/>
           <a:p>
-            <a:endParaRPr lang="en-US" dirty="0"/>
-          </a:p>
-        </p:txBody>
-      </p:sp>
-      <p:sp>
-        <p:nvSpPr>
-          <p:cNvPr id="6" name="Slide Number Placeholder 5"/>
-          <p:cNvSpPr>
-            <a:spLocks noGrp="1"/>
+            <a:pPr>
+              <a:defRPr lang="en-us"/>
+            </a:pPr>
+          </a:p>
+        </p:txBody>
+      </p:sp>
+      <p:sp>
+        <p:nvSpPr>
+          <p:cNvPr id="8" name="Slide Number Placeholder 5"/>
+          <p:cNvSpPr>
+            <a:spLocks noGrp="1" noChangeArrowheads="1"/>
+            <a:extLst>
+              <a:ext uri="smNativeData">
+                <pr:smNativeData xmlns:pr="smNativeData" xmlns="smNativeData" val="SMDATA_15_OjGNYRMAAAAlAAAAZAAAAA0AAAAAkAAAAEgAAACQAAAASAAAAAAAAAABAAAAAAAAAAEAAABQAAAAAAAAAAAA4D8AAAAAAADgPwAAAAAAAOA/AAAAAAAA4D8AAAAAAADgPwAAAAAAAOA/AAAAAAAA4D8AAAAAAADgPwAAAAAAAOA/AAAAAAAA4D8CAAAAjAAAAAAAAAAAAAAA////AP///wgAAAAAAAAAAAAAAAAAAAAAAAAAAAAAAAAAAAAAeAAAAAEAAABAAAAAAAAAAAAAAABaAAAAAAAAAAAAAAAAAAAAAAAAAAAAAAAAAAAAAAAAAAAAAAAAAAAAAAAAAAAAAAAAAAAAAAAAAAAAAAAAAAAAAAAAAAAAAAAAAAAAFAAAADwAAAAAAAAAAAAAAAAAAAAPAAAAAQAAACMAAAAjAAAAIwAAAB4AAAAAAAAAZAAAAGQAAAAAAAAAZAAAAGQAAAAVAAAAYAAAAAAAAAAAAAAADwAAACADAAAAAAAAAAAAAAEAAACgMgAAVgcAAKr4//8BAAAAf39/AAEAAABkAAAAAAAAABQAAABAHwAAAAAAACYAAAAAAAAAwOD//wAAAAAmAAAAZAAAABYAAABMAAAAAAAAAAAAAAAEAAAAAAAAAAEAAADZ4OYKAAAAACgAAAAoAAAAZAAAAGQAAAAAAAAAzMzMAAAAAABQAAAAUAAAAGQAAABkAAAAAAAAABcAAAAUAAAAAAAAAAAAAAD/fwAA/38AAAAAAAAJAAAABAAAAAAAAAAeAAAAaAAAAAAAAAAAAAAAAAAAAAAAAAAAAAAAECcAABAnAAAAAAAAAAAAAAAAAAAAAAAAAAAAAAAAAAAAAAAAAAAAABQAAAAAAAAAwMD/AAAAAABkAAAAMgAAAAAAAABkAAAAAAAAAH9/fwAKAAAAIgAAABgAAAAAAAAAAAAAAAAAAAAAAAAAAAAAAAAAAAAkAAAAJAAAAAAAAAAHAAAAAAAAAAAAAAAAAAAAAAAAAAAAAAAAAAAAf39/ACUAAABYAAAAAAAAAAAAAAAAAAAAAAAAAAAAAAAAAAAAAAAAAAAAAAAAAAAAAAAAAAAAAAA/AAAAAAAAAKCGAQAAAAAAAAAAAAAAAAAMAAAAAQAAAAAAAAAAAAAAAAAAAB8AAABUAAAA////AAAAAAEAAAAAAAAAAAAAAAAAAAAAAAAAAAAAAAAAAAAAAAAAAAAAAAB/f38AAAAAA8zMzADAwP8Af39/AAAAAAAAAAAAAAAAAAAAAAAAAAAAIQAAABgAAAAUAAAAEDUAAL0nAAAiPQAA/CkAABAAAAAmAAAACAAAAAAAAAAAAAAA"/>
+              </a:ext>
+            </a:extLst>
           </p:cNvSpPr>
           <p:nvPr>
             <p:ph type="sldNum" sz="quarter" idx="12"/>
@@ -391,79 +521,80 @@
           <a:bodyPr/>
           <a:lstStyle/>
           <a:p>
-            <a:fld id="{4FAB73BC-B049-4115-A692-8D63A059BFB8}" type="slidenum">
-              <a:rPr lang="en-US" dirty="0"/>
-              <a:t>‹#›</a:t>
+            <a:pPr>
+              <a:defRPr lang="en-us"/>
+            </a:pPr>
+            <a:fld id="{49832F9C-D2A4-D6D9-EA3B-248C61751C71}" type="slidenum">
+              <a:t/>
             </a:fld>
-            <a:endParaRPr lang="en-US" dirty="0"/>
-          </a:p>
-        </p:txBody>
-      </p:sp>
-      <p:cxnSp>
-        <p:nvCxnSpPr>
+          </a:p>
+        </p:txBody>
+      </p:sp>
+      <p:sp>
+        <p:nvSpPr>
           <p:cNvPr id="9" name="Straight Connector 8"/>
-          <p:cNvCxnSpPr/>
+          <p:cNvSpPr>
+            <a:extLst>
+              <a:ext uri="smNativeData">
+                <pr:smNativeData xmlns:pr="smNativeData" xmlns="smNativeData" val="SMDATA_15_OjGNYRMAAAAlAAAACgAAAA0AAAAAkAAAAEgAAACQAAAASAAAAAAAAAAAAAAAAAAAAAEAAABQAAAAAAAAAAAA4D8AAAAAAADgPwAAAAAAAOA/AAAAAAAA4D8AAAAAAADgPwAAAAAAAOA/AAAAAAAA4D8AAAAAAADgPwAAAAAAAOA/AAAAAAAA4D8CAAAAjAAAAAAAAAAAAAAA////AP///wgAAAAAAAAAAAAAAAAAAAAAAAAAAAAAAAAAAAAAeAAAAAEAAABAAAAAAAAAAAAAAABaAAAAAAAAAAAAAAAAAAAAAAAAAAAAAAAAAAAAAAAAAAAAAAAAAAAAAAAAAAAAAAAAAAAAAAAAAAAAAAAAAAAAAAAAAAAAAAAAAAAAFAAAADwAAAABAAAAAAAAAH9/fwAKAAAAAQAAABQAAAAUAAAAFAAAAAEAAAAAAAAAZAAAAGQAAAAAAAAAZAAAAGQAAAAVAAAAYAAAAAAAAAAAAAAADwAAACADAAAAAAAAAAAAAAEAAACgMgAAVgcAAKr4//8BAAAAf39/AAEAAABkAAAAAAAAABQAAABAHwAAAAAAACYAAAAAAAAAwOD//wAAAAAmAAAAZAAAABYAAABMAAAAAAAAAAAAAAAEAAAAAAAAAAEAAADZ4OYKAAAAACgAAAAoAAAAZAAAAGQAAAAAAAAAzMzMAAAAAABQAAAAUAAAAGQAAABkAAAAAAAAABcAAAAUAAAAAAAAAAAAAAD/fwAA/38AAAAAAAAJAAAABAAAAAAAAAAeAAAAaAAAAAAAAAAAAAAAAAAAAAAAAAAAAAAAECcAABAnAAAAAAAAAAAAAAAAAAAAAAAAAAAAAAAAAAAAAAAAAAAAABQAAAAAAAAAwMD/AAAAAABkAAAAMgAAAAAAAABkAAAAAAAAAH9/fwAKAAAAIgAAABgAAAAAAAAAAAAAAAAAAAAAAAAAAAAAAAAAAAAkAAAAJAAAAAAAAAAHAAAAAAAAAAAAAAAAAAAAAAAAAAAAAAAAAAAAf39/ACUAAABYAAAAAAAAAAAAAAAAAAAAAAAAAAAAAAAAAAAAAAAAAAAAAAAAAAAAAAAAAAAAAAA/AAAAAAAAAKCGAQAAAAAAAAAAAAAAAAAMAAAAAQAAAAAAAAAAAAAAAAAAAB8AAABUAAAA////AP///wEAAAAAAAAAAAAAAAAAAAAAAAAAAAAAAAAAAAAAAAAAAH9/fwB/f38A2eDmA8zMzADAwP8Af39/AAAAAAAAAAAAAAAAAAAAAAAAAAAAIQAAABgAAAAUAAAAbgcAANYcAAAuRAAA1hwAABAAAAAmAAAACAAAAP//////////"/>
+              </a:ext>
+            </a:extLst>
+          </p:cNvSpPr>
           <p:nvPr/>
-        </p:nvCxnSpPr>
-        <p:spPr>
-          <a:xfrm>
-            <a:off x="1207658" y="4687426"/>
+        </p:nvSpPr>
+        <p:spPr>
+          <a:xfrm>
+            <a:off x="1207770" y="4687570"/>
             <a:ext cx="9875520" cy="0"/>
           </a:xfrm>
           <a:prstGeom prst="line">
             <a:avLst/>
           </a:prstGeom>
-          <a:ln w="6350">
+          <a:noFill/>
+          <a:ln w="6350" cap="flat" cmpd="sng" algn="ctr">
             <a:solidFill>
-              <a:schemeClr val="tx1">
-                <a:lumMod val="50000"/>
-                <a:lumOff val="50000"/>
-              </a:schemeClr>
+              <a:srgbClr val="7F7F7F"/>
             </a:solidFill>
+            <a:prstDash val="solid"/>
+            <a:headEnd type="none"/>
+            <a:tailEnd type="none"/>
           </a:ln>
-        </p:spPr>
-        <p:style>
-          <a:lnRef idx="1">
-            <a:schemeClr val="accent1"/>
-          </a:lnRef>
-          <a:fillRef idx="0">
-            <a:schemeClr val="accent1"/>
-          </a:fillRef>
-          <a:effectRef idx="0">
-            <a:schemeClr val="accent1"/>
-          </a:effectRef>
-          <a:fontRef idx="minor">
-            <a:schemeClr val="tx1"/>
-          </a:fontRef>
-        </p:style>
-      </p:cxnSp>
+          <a:effectLst/>
+        </p:spPr>
+      </p:sp>
       <p:pic>
         <p:nvPicPr>
-          <p:cNvPr id="12" name="Picture 11"/>
+          <p:cNvPr id="10" name="Picture 11"/>
           <p:cNvPicPr>
             <a:picLocks noChangeAspect="1"/>
+            <a:extLst>
+              <a:ext uri="smNativeData">
+                <pr:smNativeData xmlns:pr="smNativeData" xmlns="smNativeData" val="SMDATA_17_OjGNYRMAAAAlAAAAEQAAAC0AAAAAkAAAAEgAAACQAAAASAAAAAAAAAAAAAAAAAAAAAEAAABQAAAAAAAAAAAA4D8AAAAAAADgPwAAAAAAAOA/AAAAAAAA4D8AAAAAAADgPwAAAAAAAOA/AAAAAAAA4D8AAAAAAADgPwAAAAAAAOA/AAAAAAAA4D8CAAAAjAAAAAAAAAAAAAAAHK3kDP///wgAAAAAAAAAAAAAAAAAAAAAAAAAAAAAAAAAAAAAZAAAAAEAAABAAAAAAAAAAAAAAAAAAAAAAAAAAAAAAAAAAAAAAAAAAAAAAAAAAAAAAAAAAAAAAAAAAAAAAAAAAAAAAAAAAAAAAAAAAAAAAAAAAAAAAAAAAAAAAAAAAAAAFAAAADwAAAAAAAAAAAAAAAAAAAkUAAAAAQAAABQAAAAUAAAAFAAAAAEAAAAAAAAAZAAAAGQAAAAAAAAAZAAAAGQAAAAVAAAAYAAAAAAAAAAAAAAADwAAACADAAAAAAAAAAAAAAEAAACgMgAAVgcAAKr4//8BAAAAf39/AAEAAABkAAAAAAAAABQAAABAHwAAAAAAACYAAAAAAAAAwOD//wAAAAAmAAAAZAAAABYAAABMAAAAAAAAAAAAAAAEAAAAAAAAAAEAAADZ4OYKAAAAACgAAAAoAAAAZAAAAGQAAAAAAAAAzMzMAAAAAABQAAAAUAAAAGQAAABkAAAAAAAAAAcAAAA4AAAAAAAAAAAAAAAAAAAA////AAAAAAAAAAAADQQAAFwGAABpBAAAaw0AAAAAAABkAAAAZAAAAAAAAAAjAAAABAAAAGQAAAAXAAAAFAAAAAAAAAAAAAAA/38AAP9/AAAAAAAACQAAAAQAAADtr1a/HgAAAGgAAAAAAAAAAAAAAAAAAAAAAAAAAAAAABAnAAAQJwAAAAAAAAAAAAAAAAAAAAAAAAAAAAAAAAAAAAAAAAAAAAAUAAAAAAAAAMDA/wAAAAAAZAAAADIAAAAAAAAAZAAAAAAAAAB/f38ACgAAACIAAAAYAAAAAAAAAAAAAAAAAAAAAAAAAAAAAAAAAAAAJAAAACQAAAAAAAAABwAAAAAAAAAAAAAAAAAAAAAAAAAAAAAAAAAAAH9/fwAlAAAAWAAAAAAAAAAAAAAAAAAAAAAAAAAAAAAAAAAAAAAAAAAAAAAAAAAAAAAAAAAAAAAAPwAAAAAAAACghgEAAAAAAAAAAAAAAAAADAAAAAEAAAAAAAAAAAAAAAAAAAAfAAAAVAAAAByt5AX///8BAAAAAAAAAAAAAAAAAAAAAAAAAAAAAAAAAAAAAAAAAAAAAAACf39/ANng5gPMzMwAwMD/AH9/fwAAAAAAAAAAAAAAAAD///8AAAAAACEAAAAYAAAAFAAAAGARAAAYAQAAPDoAAOMJAAAQAAAAJgAAAAgAAAD//////////w=="/>
+              </a:ext>
+            </a:extLst>
           </p:cNvPicPr>
-          <p:nvPr userDrawn="1"/>
+          <p:nvPr/>
         </p:nvPicPr>
-        <p:blipFill rotWithShape="1">
-          <a:blip r:embed="rId2">
-            <a:extLst>
-              <a:ext uri="{28A0092B-C50C-407E-A947-70E740481C1C}">
-                <a14:useLocalDpi xmlns:a14="http://schemas.microsoft.com/office/drawing/2010/main" val="0"/>
-              </a:ext>
-            </a:extLst>
-          </a:blip>
-          <a:srcRect l="10369" t="16283" r="11289" b="34347"/>
-          <a:stretch/>
+        <p:blipFill>
+          <a:blip r:embed="rId2"/>
+          <a:srcRect l="10370" t="16280" r="11290" b="34350"/>
+          <a:stretch>
+            <a:fillRect/>
+          </a:stretch>
         </p:blipFill>
         <p:spPr>
           <a:xfrm>
-            <a:off x="2824571" y="177860"/>
-            <a:ext cx="6641693" cy="1429066"/>
+            <a:off x="2824480" y="177800"/>
+            <a:ext cx="6642100" cy="1429385"/>
           </a:xfrm>
           <a:prstGeom prst="rect">
             <a:avLst/>
           </a:prstGeom>
+          <a:noFill/>
+          <a:ln>
+            <a:noFill/>
+          </a:ln>
+          <a:effectLst/>
         </p:spPr>
       </p:pic>
     </p:spTree>
@@ -471,11 +602,12 @@
   <p:clrMapOvr>
     <a:masterClrMapping/>
   </p:clrMapOvr>
+  <p:hf hdr="0" ftr="0"/>
 </p:sldLayout>
 </file>
 
 <file path=ppt/slideLayouts/slideLayout10.xml><?xml version="1.0" encoding="utf-8"?>
-<p:sldLayout xmlns:a="http://schemas.openxmlformats.org/drawingml/2006/main" xmlns:r="http://schemas.openxmlformats.org/officeDocument/2006/relationships" xmlns:p="http://schemas.openxmlformats.org/presentationml/2006/main" type="vertTx" preserve="1">
+<p:sldLayout xmlns:p="http://schemas.openxmlformats.org/presentationml/2006/main" xmlns:mc="http://schemas.openxmlformats.org/markup-compatibility/2006" xmlns:p14="http://schemas.microsoft.com/office/powerpoint/2010/main" xmlns:p15="http://schemas.microsoft.com/office/powerpoint/2012/main" xmlns:r="http://schemas.openxmlformats.org/officeDocument/2006/relationships" xmlns:a="http://schemas.openxmlformats.org/drawingml/2006/main" type="vertTx" preserve="1">
   <p:cSld name="Title and Vertical Text">
     <p:spTree>
       <p:nvGrpSpPr>
@@ -495,7 +627,12 @@
         <p:nvSpPr>
           <p:cNvPr id="2" name="Title 1"/>
           <p:cNvSpPr>
-            <a:spLocks noGrp="1"/>
+            <a:spLocks noGrp="1" noChangeArrowheads="1"/>
+            <a:extLst>
+              <a:ext uri="smNativeData">
+                <pr:smNativeData xmlns:pr="smNativeData" xmlns="smNativeData" val="SMDATA_15_OjGNYRMAAAAlAAAAZAAAAA0AAAAAkAAAAEgAAACQAAAASAAAAAAAAAACAAAAAAAAAAEAAABQAAAAAAAAAAAA4D8AAAAAAADgPwAAAAAAAOA/AAAAAAAA4D8AAAAAAADgPwAAAAAAAOA/AAAAAAAA4D8AAAAAAADgPwAAAAAAAOA/AAAAAAAA4D8CAAAAjAAAAAAAAAAAAAAA////AP///wgAAAAAAAAAAAAAAAAAAAAAAAAAAAAAAAAAAAAAeAAAAAEAAABAAAAAAAAAAAAAAABaAAAAAAAAAAAAAAAAAAAAAAAAAAAAAAAAAAAAAAAAAAAAAAAAAAAAAAAAAAAAAAAAAAAAAAAAAAAAAAAAAAAAAAAAAAAAAAAAAAAAFAAAADwAAAAAAAAAAAAAAAAAAAAPAAAAAQAAACMAAAAjAAAAIwAAAB4AAAAAAAAAZAAAAGQAAAAAAAAAZAAAAGQAAAAVAAAAYAAAAAAAAAAAAAAADwAAACADAAAAAAAAAAAAAAEAAACgMgAAVgcAAKr4//8BAAAAf39/AAEAAABkAAAAAAAAABQAAABAHwAAAAAAACYAAAAAAAAAwOD//wAAAAAmAAAAZAAAABYAAABMAAAAAAAAAAAAAAAEAAAAAAAAAAEAAADZ4OYKAAAAACgAAAAoAAAAZAAAAGQAAAAAAAAAzMzMAAAAAABQAAAAUAAAAGQAAABkAAAAAAAAABcAAAAUAAAAAAAAAAAAAAD/fwAA/38AAAAAAAAJAAAABAAAAAAAAAAeAAAAaAAAAAAAAAAAAAAAAAAAAAAAAAAAAAAAECcAABAnAAAAAAAAAAAAAAAAAAAAAAAAAAAAAAAAAAAAAAAAAAAAABQAAAAAAAAAwMD/AAAAAABkAAAAMgAAAAAAAABkAAAAAAAAAH9/fwAKAAAAIgAAABgAAAAAAAAAAAAAAAAAAAAAAAAAAAAAAAAAAAAkAAAAJAAAAAAAAAAHAAAAAAAAAAAAAAAAAAAAAAAAAAAAAAAAAAAAf39/ACUAAABYAAAAAAAAAAAAAAAAAAAAAAAAAAAAAAAAAAAAAAAAAAAAAAAAAAAAAAAAAAAAAAA/AAAAAAAAAKCGAQAAAAAAAAAAAAAAAAAMAAAAAQAAAAAAAAAAAAAAAAAAAB8AAABUAAAA////AAAAAAEAAAAAAAAAAAAAAAAAAAAAAAAAAAAAAAAAAAAAAAAAAAAAAAB/f38AAAAAA8zMzADAwP8Af39/AAAAAAAAAAAAAAAAAAAAAAAAAAAAIQAAABgAAAAUAAAAwAYAAMMBAACgRAAAsAoAABAAAAAmAAAACAAAAAAAAAAAAAAA"/>
+              </a:ext>
+            </a:extLst>
           </p:cNvSpPr>
           <p:nvPr>
             <p:ph type="title"/>
@@ -506,11 +643,13 @@
           <a:bodyPr/>
           <a:lstStyle/>
           <a:p>
-            <a:r>
-              <a:rPr lang="en-GB"/>
+            <a:pPr>
+              <a:defRPr lang="en-us"/>
+            </a:pPr>
+            <a:r>
+              <a:rPr lang="en-gb" cap="none"/>
               <a:t>Click to edit Master title style</a:t>
             </a:r>
-            <a:endParaRPr lang="en-US" dirty="0"/>
           </a:p>
         </p:txBody>
       </p:sp>
@@ -518,51 +657,73 @@
         <p:nvSpPr>
           <p:cNvPr id="3" name="Vertical Text Placeholder 2"/>
           <p:cNvSpPr>
-            <a:spLocks noGrp="1"/>
+            <a:spLocks noGrp="1" noChangeArrowheads="1"/>
+            <a:extLst>
+              <a:ext uri="smNativeData">
+                <pr:smNativeData xmlns:pr="smNativeData" xmlns="smNativeData" val="SMDATA_15_OjGNYRMAAAAlAAAAZAAAAA0AAAAASAAAAAAAAABIAAAAAAAAAAAAAAAAAAAAAQAAAAEAAABQAAAAAAAAAAAA4D8AAAAAAADgPwAAAAAAAOA/AAAAAAAA4D8AAAAAAADgPwAAAAAAAOA/AAAAAAAA4D8AAAAAAADgPwAAAAAAAOA/AAAAAAAA4D8CAAAAjAAAAAAAAAAAAAAA////AP///wgAAAAAAAAAAAAAAAAAAAAAAAAAAAAAAAAAAAAAeAAAAAEAAABAAAAAAAAAAAAAAABaAAAAAAAAAAAAAAAAAAAAAAAAAAAAAAAAAAAAAAAAAAAAAAAAAAAAAAAAAAAAAAAAAAAAAAAAAAAAAAAAAAAAAAAAAAAAAAAAAAAAFAAAADwAAAAAAAAAAAAAAAAAAAAPAAAAAQAAACMAAAAjAAAAIwAAAB4AAAAAAAAAZAAAAGQAAAAAAAAAZAAAAGQAAAAVAAAAYAAAAAAAAAAAAAAADwAAACADAAAAAAAAAAAAAAEAAACgMgAAVgcAAKr4//8BAAAAf39/AAEAAABkAAAAAAAAABQAAABAHwAAAAAAACYAAAAAAAAAwOD//wAAAAAmAAAAZAAAABYAAABMAAAAAAAAAAAAAAAEAAAAAAAAAAEAAADZ4OYKAAAAACgAAAAoAAAAZAAAAGQAAAAAAAAAzMzMAAAAAABQAAAAUAAAAGQAAABkAAAAAAAAABcAAAAUAAAAAAAAAAAAAAD/fwAA/38AAAAAAAAJAAAABAAAANAgJgEeAAAAaAAAAAAAAAAAAAAAAAAAAAAAAAAAAAAAECcAABAnAAAAAAAAAAAAAAAAAAAAAAAAAAAAAAAAAAAAAAAAAAAAABQAAAAAAAAAwMD/AAAAAABkAAAAMgAAAAAAAABkAAAAAAAAAH9/fwAKAAAAIgAAABgAAAAAAAAAAAAAAAAAAAAAAAAAAAAAAAAAAAAkAAAAJAAAAAAAAAAHAAAAAAAAAAAAAAAAAAAAAAAAAAAAAAAAAAAAf39/ACUAAABYAAAAAAAAAAAAAAAAAAAAAAAAAAAAAAAAAAAAAAAAAAAAAAAAAAAAAAAAAAAAAAA/AAAAAAAAAKCGAQAAAAAAAAAAAAAAAAAMAAAAAQAAAAAAAAAAAAAAAAAAAB8AAABUAAAA////AAAAAAEAAAAAAAAAAAAAAAAAAAAAAAAAAAAAAAAAAAAAAAAAAAAAAAB/f38AAAAAA8zMzADAwP8Af39/AAAAAAAAAAAAAAAAAAAAAAAAAAAAIQAAABgAAAAUAAAAwAYAAFsLAACgRAAAGyQAABAAAAAmAAAACAAAAD4AAAAAAAAA"/>
+              </a:ext>
+            </a:extLst>
           </p:cNvSpPr>
           <p:nvPr>
-            <p:ph type="body" orient="vert" idx="1"/>
+            <p:ph idx="1"/>
           </p:nvPr>
         </p:nvSpPr>
         <p:spPr/>
         <p:txBody>
-          <a:bodyPr vert="eaVert" lIns="45720" tIns="0" rIns="45720" bIns="0"/>
+          <a:bodyPr vert="vert" wrap="square" lIns="45720" tIns="0" rIns="45720" bIns="0" numCol="1" spcCol="215900" anchor="t">
+            <a:prstTxWarp prst="textNoShape">
+              <a:avLst/>
+            </a:prstTxWarp>
+          </a:bodyPr>
           <a:lstStyle/>
           <a:p>
-            <a:pPr lvl="0"/>
-            <a:r>
-              <a:rPr lang="en-GB"/>
+            <a:pPr>
+              <a:defRPr lang="en-us"/>
+            </a:pPr>
+            <a:r>
+              <a:rPr lang="en-gb" cap="none"/>
               <a:t>Click to edit Master text styles</a:t>
             </a:r>
-          </a:p>
-          <a:p>
-            <a:pPr lvl="1"/>
-            <a:r>
-              <a:rPr lang="en-GB"/>
+            <a:endParaRPr lang="en-gb" cap="none"/>
+          </a:p>
+          <a:p>
+            <a:pPr lvl="1">
+              <a:defRPr lang="en-us"/>
+            </a:pPr>
+            <a:r>
+              <a:rPr lang="en-gb" cap="none"/>
               <a:t>Second level</a:t>
             </a:r>
-          </a:p>
-          <a:p>
-            <a:pPr lvl="2"/>
-            <a:r>
-              <a:rPr lang="en-GB"/>
+            <a:endParaRPr lang="en-gb" cap="none"/>
+          </a:p>
+          <a:p>
+            <a:pPr lvl="2">
+              <a:defRPr lang="en-us"/>
+            </a:pPr>
+            <a:r>
+              <a:rPr lang="en-gb" cap="none"/>
               <a:t>Third level</a:t>
             </a:r>
-          </a:p>
-          <a:p>
-            <a:pPr lvl="3"/>
-            <a:r>
-              <a:rPr lang="en-GB"/>
+            <a:endParaRPr lang="en-gb" cap="none"/>
+          </a:p>
+          <a:p>
+            <a:pPr lvl="3">
+              <a:defRPr lang="en-us"/>
+            </a:pPr>
+            <a:r>
+              <a:rPr lang="en-gb" cap="none"/>
               <a:t>Fourth level</a:t>
             </a:r>
-          </a:p>
-          <a:p>
-            <a:pPr lvl="4"/>
-            <a:r>
-              <a:rPr lang="en-GB"/>
+            <a:endParaRPr lang="en-gb" cap="none"/>
+          </a:p>
+          <a:p>
+            <a:pPr lvl="4">
+              <a:defRPr lang="en-us"/>
+            </a:pPr>
+            <a:r>
+              <a:rPr lang="en-gb" cap="none"/>
               <a:t>Fifth level</a:t>
             </a:r>
-            <a:endParaRPr lang="en-US" dirty="0"/>
           </a:p>
         </p:txBody>
       </p:sp>
@@ -570,7 +731,12 @@
         <p:nvSpPr>
           <p:cNvPr id="4" name="Date Placeholder 3"/>
           <p:cNvSpPr>
-            <a:spLocks noGrp="1"/>
+            <a:spLocks noGrp="1" noChangeArrowheads="1"/>
+            <a:extLst>
+              <a:ext uri="smNativeData">
+                <pr:smNativeData xmlns:pr="smNativeData" xmlns="smNativeData" val="SMDATA_15_OjGNYRMAAAAlAAAAZAAAAA0AAAAAkAAAAEgAAACQAAAASAAAAAAAAAABAAAAAAAAAAEAAABQAAAAAAAAAAAA4D8AAAAAAADgPwAAAAAAAOA/AAAAAAAA4D8AAAAAAADgPwAAAAAAAOA/AAAAAAAA4D8AAAAAAADgPwAAAAAAAOA/AAAAAAAA4D8CAAAAjAAAAAAAAAAAAAAA////AP///wgAAAAAAAAAAAAAAAAAAAAAAAAAAAAAAAAAAAAAeAAAAAEAAABAAAAAAAAAAAAAAABaAAAAAAAAAAAAAAAAAAAAAAAAAAAAAAAAAAAAAAAAAAAAAAAAAAAAAAAAAAAAAAAAAAAAAAAAAAAAAAAAAAAAAAAAAAAAAAAAAAAAFAAAADwAAAAAAAAAAAAAAAAAAAAPAAAAAQAAACMAAAAjAAAAIwAAAB4AAAAAAAAAZAAAAGQAAAAAAAAAZAAAAGQAAAAVAAAAYAAAAAAAAAAAAAAADwAAACADAAAAAAAAAAAAAAEAAACgMgAAVgcAAKr4//8BAAAAf39/AAEAAABkAAAAAAAAABQAAABAHwAAAAAAACYAAAAAAAAAwOD//wAAAAAmAAAAZAAAABYAAABMAAAAAAAAAAAAAAAEAAAAAAAAAAEAAADZ4OYKAAAAACgAAAAoAAAAZAAAAGQAAAAAAAAAzMzMAAAAAABQAAAAUAAAAGQAAABkAAAAAAAAABcAAAAUAAAAAAAAAAAAAAD/fwAA/38AAAAAAAAJAAAABAAAAAAAAAAeAAAAaAAAAAAAAAAAAAAAAAAAAAAAAAAAAAAAECcAABAnAAAAAAAAAAAAAAAAAAAAAAAAAAAAAAAAAAAAAAAAAAAAABQAAAAAAAAAwMD/AAAAAABkAAAAMgAAAAAAAABkAAAAAAAAAH9/fwAKAAAAIgAAABgAAAAAAAAAAAAAAAAAAAAAAAAAAAAAAAAAAAAkAAAAJAAAAAAAAAAHAAAAAAAAAAAAAAAAAAAAAAAAAAAAAAAAAAAAf39/ACUAAABYAAAAAAAAAAAAAAAAAAAAAAAAAAAAAAAAAAAAAAAAAAAAAAAAAAAAAAAAAAAAAAA/AAAAAAAAAKCGAQAAAAAAAAAAAAAAAAAMAAAAAQAAAAAAAAAAAAAAAAAAAB8AAABUAAAA////AAAAAAEAAAAAAAAAAAAAAAAAAAAAAAAAAAAAAAAAAAAAAAAAAAAAAAB/f38AAAAAA8zMzADAwP8Af39/AAAAAAAAAAAAAAAAAAAAAAAAAAAAIQAAABgAAAAUAAAAwAYAAL0nAAD1FQAA/CkAABAAAAAmAAAACAAAAAAAAAAAAAAA"/>
+              </a:ext>
+            </a:extLst>
           </p:cNvSpPr>
           <p:nvPr>
             <p:ph type="dt" sz="half" idx="10"/>
@@ -581,11 +747,12 @@
           <a:bodyPr/>
           <a:lstStyle/>
           <a:p>
-            <a:fld id="{96DFF08F-DC6B-4601-B491-B0F83F6DD2DA}" type="datetimeFigureOut">
-              <a:rPr lang="en-US" dirty="0"/>
+            <a:pPr>
+              <a:defRPr lang="en-us"/>
+            </a:pPr>
+            <a:fld id="{4475B8BA-F4A9-204E-E7CD-021BF6831157}" type="datetime1">
               <a:t>11/11/21</a:t>
             </a:fld>
-            <a:endParaRPr lang="en-US" dirty="0"/>
           </a:p>
         </p:txBody>
       </p:sp>
@@ -593,7 +760,12 @@
         <p:nvSpPr>
           <p:cNvPr id="5" name="Footer Placeholder 4"/>
           <p:cNvSpPr>
-            <a:spLocks noGrp="1"/>
+            <a:spLocks noGrp="1" noChangeArrowheads="1"/>
+            <a:extLst>
+              <a:ext uri="smNativeData">
+                <pr:smNativeData xmlns:pr="smNativeData" xmlns="smNativeData" val="SMDATA_15_OjGNYRMAAAAlAAAAZAAAAA0AAAAAkAAAAEgAAACQAAAASAAAAAAAAAABAAAAAAAAAAEAAABQAAAAAAAAAAAA4D8AAAAAAADgPwAAAAAAAOA/AAAAAAAA4D8AAAAAAADgPwAAAAAAAOA/AAAAAAAA4D8AAAAAAADgPwAAAAAAAOA/AAAAAAAA4D8CAAAAjAAAAAAAAAAAAAAA////AP///wgAAAAAAAAAAAAAAAAAAAAAAAAAAAAAAAAAAAAAeAAAAAEAAABAAAAAAAAAAAAAAABaAAAAAAAAAAAAAAAAAAAAAAAAAAAAAAAAAAAAAAAAAAAAAAAAAAAAAAAAAAAAAAAAAAAAAAAAAAAAAAAAAAAAAAAAAAAAAAAAAAAAFAAAADwAAAAAAAAAAAAAAAAAAAAPAAAAAQAAACMAAAAjAAAAIwAAAB4AAAAAAAAAZAAAAGQAAAAAAAAAZAAAAGQAAAAVAAAAYAAAAAAAAAAAAAAADwAAACADAAAAAAAAAAAAAAEAAACgMgAAVgcAAKr4//8BAAAAf39/AAEAAABkAAAAAAAAABQAAABAHwAAAAAAACYAAAAAAAAAwOD//wAAAAAmAAAAZAAAABYAAABMAAAAAAAAAAAAAAAEAAAAAAAAAAEAAADZ4OYKAAAAACgAAAAoAAAAZAAAAGQAAAAAAAAAzMzMAAAAAABQAAAAUAAAAGQAAABkAAAAAAAAABcAAAAUAAAAAAAAAAAAAAD/fwAA/38AAAAAAAAJAAAABAAAAAAAAAAeAAAAaAAAAAAAAAAAAAAAAAAAAAAAAAAAAAAAECcAABAnAAAAAAAAAAAAAAAAAAAAAAAAAAAAAAAAAAAAAAAAAAAAABQAAAAAAAAAwMD/AAAAAABkAAAAMgAAAAAAAABkAAAAAAAAAH9/fwAKAAAAIgAAABgAAAAAAAAAAAAAAAAAAAAAAAAAAAAAAAAAAAAkAAAAJAAAAAAAAAAHAAAAAAAAAAAAAAAAAAAAAAAAAAAAAAAAAAAAf39/ACUAAABYAAAAAAAAAAAAAAAAAAAAAAAAAAAAAAAAAAAAAAAAAAAAAAAAAAAAAAAAAAAAAAA/AAAAAAAAAKCGAQAAAAAAAAAAAAAAAAAMAAAAAQAAAAAAAAAAAAAAAAAAAB8AAABUAAAA////AAAAAAEAAAAAAAAAAAAAAAAAAAAAAAAAAAAAAAAAAAAAAAAAAAAAAAB/f38AAAAAA8zMzADAwP8Af39/AAAAAAAAAAAAAAAAAAAAAAAAAAAAIQAAABgAAAAUAAAArRYAAL0nAABYNAAA/CkAABAAAAAmAAAACAAAAAAAAAAAAAAA"/>
+              </a:ext>
+            </a:extLst>
           </p:cNvSpPr>
           <p:nvPr>
             <p:ph type="ftr" sz="quarter" idx="11"/>
@@ -604,7 +776,9 @@
           <a:bodyPr/>
           <a:lstStyle/>
           <a:p>
-            <a:endParaRPr lang="en-US" dirty="0"/>
+            <a:pPr>
+              <a:defRPr lang="en-us"/>
+            </a:pPr>
           </a:p>
         </p:txBody>
       </p:sp>
@@ -612,7 +786,12 @@
         <p:nvSpPr>
           <p:cNvPr id="6" name="Slide Number Placeholder 5"/>
           <p:cNvSpPr>
-            <a:spLocks noGrp="1"/>
+            <a:spLocks noGrp="1" noChangeArrowheads="1"/>
+            <a:extLst>
+              <a:ext uri="smNativeData">
+                <pr:smNativeData xmlns:pr="smNativeData" xmlns="smNativeData" val="SMDATA_15_OjGNYRMAAAAlAAAAZAAAAA0AAAAAkAAAAEgAAACQAAAASAAAAAAAAAABAAAAAAAAAAEAAABQAAAAAAAAAAAA4D8AAAAAAADgPwAAAAAAAOA/AAAAAAAA4D8AAAAAAADgPwAAAAAAAOA/AAAAAAAA4D8AAAAAAADgPwAAAAAAAOA/AAAAAAAA4D8CAAAAjAAAAAAAAAAAAAAA////AP///wgAAAAAAAAAAAAAAAAAAAAAAAAAAAAAAAAAAAAAeAAAAAEAAABAAAAAAAAAAAAAAABaAAAAAAAAAAAAAAAAAAAAAAAAAAAAAAAAAAAAAAAAAAAAAAAAAAAAAAAAAAAAAAAAAAAAAAAAAAAAAAAAAAAAAAAAAAAAAAAAAAAAFAAAADwAAAAAAAAAAAAAAAAAAAAPAAAAAQAAACMAAAAjAAAAIwAAAB4AAAAAAAAAZAAAAGQAAAAAAAAAZAAAAGQAAAAVAAAAYAAAAAAAAAAAAAAADwAAACADAAAAAAAAAAAAAAEAAACgMgAAVgcAAKr4//8BAAAAf39/AAEAAABkAAAAAAAAABQAAABAHwAAAAAAACYAAAAAAAAAwOD//wAAAAAmAAAAZAAAABYAAABMAAAAAAAAAAAAAAAEAAAAAAAAAAEAAADZ4OYKAAAAACgAAAAoAAAAZAAAAGQAAAAAAAAAzMzMAAAAAABQAAAAUAAAAGQAAABkAAAAAAAAABcAAAAUAAAAAAAAAAAAAAD/fwAA/38AAAAAAAAJAAAABAAAAAAAAAAeAAAAaAAAAAAAAAAAAAAAAAAAAAAAAAAAAAAAECcAABAnAAAAAAAAAAAAAAAAAAAAAAAAAAAAAAAAAAAAAAAAAAAAABQAAAAAAAAAwMD/AAAAAABkAAAAMgAAAAAAAABkAAAAAAAAAH9/fwAKAAAAIgAAABgAAAAAAAAAAAAAAAAAAAAAAAAAAAAAAAAAAAAkAAAAJAAAAAAAAAAHAAAAAAAAAAAAAAAAAAAAAAAAAAAAAAAAAAAAf39/ACUAAABYAAAAAAAAAAAAAAAAAAAAAAAAAAAAAAAAAAAAAAAAAAAAAAAAAAAAAAAAAAAAAAA/AAAAAAAAAKCGAQAAAAAAAAAAAAAAAAAMAAAAAQAAAAAAAAAAAAAAAAAAAB8AAABUAAAA////AAAAAAEAAAAAAAAAAAAAAAAAAAAAAAAAAAAAAAAAAAAAAAAAAAAAAAB/f38AAAAAA8zMzADAwP8Af39/AAAAAAAAAAAAAAAAAAAAAAAAAAAAIQAAABgAAAAUAAAAEDUAAL0nAAAiPQAA/CkAABAAAAAmAAAACAAAAAAAAAAAAAAA"/>
+              </a:ext>
+            </a:extLst>
           </p:cNvSpPr>
           <p:nvPr>
             <p:ph type="sldNum" sz="quarter" idx="12"/>
@@ -623,11 +802,12 @@
           <a:bodyPr/>
           <a:lstStyle/>
           <a:p>
-            <a:fld id="{4FAB73BC-B049-4115-A692-8D63A059BFB8}" type="slidenum">
-              <a:rPr lang="en-US" dirty="0"/>
+            <a:pPr>
+              <a:defRPr lang="en-us"/>
+            </a:pPr>
+            <a:fld id="{39998A5F-11D4-CC7C-9A21-E729C46F6CB2}" type="slidenum">
               <a:t>‹#›</a:t>
             </a:fld>
-            <a:endParaRPr lang="en-US" dirty="0"/>
           </a:p>
         </p:txBody>
       </p:sp>
@@ -636,11 +816,12 @@
   <p:clrMapOvr>
     <a:masterClrMapping/>
   </p:clrMapOvr>
+  <p:hf hdr="0" ftr="0"/>
 </p:sldLayout>
 </file>
 
 <file path=ppt/slideLayouts/slideLayout11.xml><?xml version="1.0" encoding="utf-8"?>
-<p:sldLayout xmlns:a="http://schemas.openxmlformats.org/drawingml/2006/main" xmlns:r="http://schemas.openxmlformats.org/officeDocument/2006/relationships" xmlns:p="http://schemas.openxmlformats.org/presentationml/2006/main" showMasterSp="0" type="vertTitleAndTx" preserve="1">
+<p:sldLayout xmlns:p="http://schemas.openxmlformats.org/presentationml/2006/main" xmlns:mc="http://schemas.openxmlformats.org/markup-compatibility/2006" xmlns:p14="http://schemas.microsoft.com/office/powerpoint/2010/main" xmlns:p15="http://schemas.microsoft.com/office/powerpoint/2012/main" xmlns:r="http://schemas.openxmlformats.org/officeDocument/2006/relationships" xmlns:a="http://schemas.openxmlformats.org/drawingml/2006/main" showMasterSp="0" type="vertTitleAndTx" preserve="1">
   <p:cSld name="Vertical Title and Text">
     <p:spTree>
       <p:nvGrpSpPr>
@@ -658,8 +839,14 @@
       </p:grpSpPr>
       <p:sp>
         <p:nvSpPr>
-          <p:cNvPr id="7" name="Rectangle 6"/>
-          <p:cNvSpPr/>
+          <p:cNvPr id="2" name="Rectangle 6"/>
+          <p:cNvSpPr>
+            <a:extLst>
+              <a:ext uri="smNativeData">
+                <pr:smNativeData xmlns:pr="smNativeData" xmlns="smNativeData" val="SMDATA_15_OjGNYRMAAAAlAAAAZAAAAA0AAAAAkAAAAEgAAACQAAAASAAAAAAAAAAAAAAAAAAAAAEAAABQAAAAAAAAAAAA4D8AAAAAAADgPwAAAAAAAOA/AAAAAAAA4D8AAAAAAADgPwAAAAAAAOA/AAAAAAAA4D8AAAAAAADgPwAAAAAAAOA/AAAAAAAA4D8CAAAAjAAAAAEAAAAAAAAAJoPGDf///wgAAAAAAAAAAAAAAAAAAAAAAAAAAAAAAAAAAAAAZAAAAAEAAABAAAAAAAAAAAAAAAAAAAAAAAAAAAAAAAAAAAAAAAAAAAAAAAAAAAAAAAAAAAAAAAAAAAAAAAAAAAAAAAAAAAAAAAAAAAAAAAAAAAAAAAAAAAAAAAAAAAAAFAAAADwAAAAAAAAAAAAAABWAqQAZAAAAAQAAABQAAAAUAAAAFAAAAAEAAAAAAAAAZAAAAGQAAAAAAAAAZAAAAGQAAAAVAAAAYAAAAAAAAAAAAAAADwAAACADAAAAAAAAAAAAAAEAAACgMgAAVgcAAKr4//8BAAAAf39/AAEAAABkAAAAAAAAABQAAABAHwAAAAAAACYAAAAAAAAAwOD//wAAAAAmAAAAZAAAABYAAABMAAAAAAAAAAAAAAAEAAAAAAAAAAEAAADZ4OYKAAAAACgAAAAoAAAAZAAAAGQAAAAAAAAAzMzMAAAAAABQAAAAUAAAAGQAAABkAAAAAAAAABcAAAAUAAAAAAAAAAAAAAD/fwAA/38AAAAAAAAJAAAABAAAAAAAAAAeAAAAaAAAAAAAAAAAAAAAAAAAAAAAAAAAAAAAECcAABAnAAAAAAAAAAAAAAAAAAAAAAAAAAAAAAAAAAAAAAAAAAAAABQAAAAAAAAAwMD/AAAAAABkAAAAMgAAAAAAAABkAAAAAAAAAH9/fwAKAAAAIgAAABgAAAAAAAAAAAAAAAAAAAAAAAAAAAAAAAAAAAAkAAAAJAAAAAAAAAAHAAAAAAAAAAAAAAAAAAAAAAAAAAAAAAAAAAAAf39/ACUAAABYAAAAAAAAAAAAAAAAAAAAAAAAAAAAAAAAAAAAAAAAAAAAAAAAAAAAAAAAAAAAAAA/AAAAAAAAAKCGAQAAAAAAAAAAAAAAAAAMAAAAAQAAAAAAAAAAAAAAAAAAAB8AAABUAAAAAAAABgAAAAEAAAAAAAAAAAAAAAAAAAAAAAAAAAAAAAAAAAAAAAAAABWAqQB/f38AAAAAA8zMzADAwP8Af39/AAAAAAAAAAAAAAAAAAAAAAAAAAAAIQAAABgAAAAUAAAABQAAAGAnAAAASwAAMCoAABAAAAAmAAAACAAAAP//////////"/>
+              </a:ext>
+            </a:extLst>
+          </p:cNvSpPr>
           <p:nvPr/>
         </p:nvSpPr>
         <p:spPr>
@@ -676,34 +863,25 @@
           <a:ln>
             <a:noFill/>
           </a:ln>
-        </p:spPr>
-        <p:style>
-          <a:lnRef idx="2">
-            <a:schemeClr val="accent1">
-              <a:shade val="50000"/>
-            </a:schemeClr>
-          </a:lnRef>
-          <a:fillRef idx="1">
-            <a:schemeClr val="accent1"/>
-          </a:fillRef>
-          <a:effectRef idx="0">
-            <a:schemeClr val="accent1"/>
-          </a:effectRef>
-          <a:fontRef idx="minor">
-            <a:schemeClr val="lt1"/>
-          </a:fontRef>
-        </p:style>
-      </p:sp>
-      <p:sp>
-        <p:nvSpPr>
-          <p:cNvPr id="8" name="Rectangle 7"/>
-          <p:cNvSpPr/>
+          <a:effectLst/>
+        </p:spPr>
+      </p:sp>
+      <p:sp>
+        <p:nvSpPr>
+          <p:cNvPr id="3" name="Rectangle 7"/>
+          <p:cNvSpPr>
+            <a:extLst>
+              <a:ext uri="smNativeData">
+                <pr:smNativeData xmlns:pr="smNativeData" xmlns="smNativeData" val="SMDATA_15_OjGNYRMAAAAlAAAAZAAAAA0AAAAAkAAAAEgAAACQAAAASAAAAAAAAAAAAAAAAAAAAAEAAABQAAAAAAAAAAAA4D8AAAAAAADgPwAAAAAAAOA/AAAAAAAA4D8AAAAAAADgPwAAAAAAAOA/AAAAAAAA4D8AAAAAAADgPwAAAAAAAOA/AAAAAAAA4D8CAAAAjAAAAAEAAAAAAAAAHK3kDP///wgAAAAAAAAAAAAAAAAAAAAAAAAAAAAAAAAAAAAAZAAAAAEAAABAAAAAAAAAAAAAAAAAAAAAAAAAAAAAAAAAAAAAAAAAAAAAAAAAAAAAAAAAAAAAAAAAAAAAAAAAAAAAAAAAAAAAAAAAAAAAAAAAAAAAAAAAAAAAAAAAAAAAFAAAADwAAAAAAAAAAAAAABWAqQAZAAAAAQAAABQAAAAUAAAAFAAAAAEAAAAAAAAAZAAAAGQAAAAAAAAAZAAAAGQAAAAVAAAAYAAAAAAAAAAAAAAADwAAACADAAAAAAAAAAAAAAEAAACgMgAAVgcAAKr4//8BAAAAf39/AAEAAABkAAAAAAAAABQAAABAHwAAAAAAACYAAAAAAAAAwOD//wAAAAAmAAAAZAAAABYAAABMAAAAAAAAAAAAAAAEAAAAAAAAAAEAAADZ4OYKAAAAACgAAAAoAAAAZAAAAGQAAAAAAAAAzMzMAAAAAABQAAAAUAAAAGQAAABkAAAAAAAAABcAAAAUAAAAAAAAAAAAAAD/fwAA/38AAAAAAAAJAAAABAAAAAAAAAAeAAAAaAAAAAAAAAAAAAAAAAAAAAAAAAAAAAAAECcAABAnAAAAAAAAAAAAAAAAAAAAAAAAAAAAAAAAAAAAAAAAAAAAABQAAAAAAAAAwMD/AAAAAABkAAAAMgAAAAAAAABkAAAAAAAAAH9/fwAKAAAAIgAAABgAAAAAAAAAAAAAAAAAAAAAAAAAAAAAAAAAAAAkAAAAJAAAAAAAAAAHAAAAAAAAAAAAAAAAAAAAAAAAAAAAAAAAAAAAf39/ACUAAABYAAAAAAAAAAAAAAAAAAAAAAAAAAAAAAAAAAAAAAAAAAAAAAAAAAAAAAAAAAAAAAA/AAAAAAAAAKCGAQAAAAAAAAAAAAAAAAAMAAAAAQAAAAAAAAAAAAAAAAAAAB8AAABUAAAAAAAABQAAAAEAAAAAAAAAAAAAAAAAAAAAAAAAAAAAAAAAAAAAAAAAABWAqQB/f38AAAAAA8zMzADAwP8Af39/AAAAAAAAAAAAAAAAAAAAAAAAAAAAIQAAABgAAAAUAAAAAAAAAPcmAAD7SgAAXCcAABAAAAAmAAAACAAAAP//////////"/>
+              </a:ext>
+            </a:extLst>
+          </p:cNvSpPr>
           <p:nvPr/>
         </p:nvSpPr>
         <p:spPr>
           <a:xfrm>
-            <a:off x="15" y="6334316"/>
-            <a:ext cx="12188825" cy="64008"/>
+            <a:off x="0" y="6334125"/>
+            <a:ext cx="12188825" cy="64135"/>
           </a:xfrm>
           <a:prstGeom prst="rect">
             <a:avLst/>
@@ -714,114 +892,137 @@
           <a:ln>
             <a:noFill/>
           </a:ln>
-        </p:spPr>
-        <p:style>
-          <a:lnRef idx="2">
-            <a:schemeClr val="accent1">
-              <a:shade val="50000"/>
-            </a:schemeClr>
-          </a:lnRef>
-          <a:fillRef idx="1">
-            <a:schemeClr val="accent1"/>
-          </a:fillRef>
-          <a:effectRef idx="0">
-            <a:schemeClr val="accent1"/>
-          </a:effectRef>
-          <a:fontRef idx="minor">
-            <a:schemeClr val="lt1"/>
-          </a:fontRef>
-        </p:style>
-      </p:sp>
-      <p:sp>
-        <p:nvSpPr>
-          <p:cNvPr id="2" name="Vertical Title 1"/>
-          <p:cNvSpPr>
-            <a:spLocks noGrp="1"/>
+          <a:effectLst/>
+        </p:spPr>
+      </p:sp>
+      <p:sp>
+        <p:nvSpPr>
+          <p:cNvPr id="4" name="Vertical Title 1"/>
+          <p:cNvSpPr>
+            <a:spLocks noGrp="1" noChangeArrowheads="1"/>
+            <a:extLst>
+              <a:ext uri="smNativeData">
+                <pr:smNativeData xmlns:pr="smNativeData" xmlns="smNativeData" val="SMDATA_15_OjGNYRMAAAAlAAAAZAAAAA0AAAAAkAAAAEgAAACQAAAASAAAAAAAAAACAAAAAQAAAAEAAABQAAAAAAAAAAAA4D8AAAAAAADgPwAAAAAAAOA/AAAAAAAA4D8AAAAAAADgPwAAAAAAAOA/AAAAAAAA4D8AAAAAAADgPwAAAAAAAOA/AAAAAAAA4D8CAAAAjAAAAAAAAAAAAAAA////AP///wgAAAAAAAAAAAAAAAAAAAAAAAAAAAAAAAAAAAAAeAAAAAEAAABAAAAAAAAAAAAAAABaAAAAAAAAAAAAAAAAAAAAAAAAAAAAAAAAAAAAAAAAAAAAAAAAAAAAAAAAAAAAAAAAAAAAAAAAAAAAAAAAAAAAAAAAAAAAAAAAAAAAFAAAADwAAAAAAAAAAAAAAAAAAAAPAAAAAQAAACMAAAAjAAAAIwAAAB4AAAAAAAAAZAAAAGQAAAAAAAAAZAAAAGQAAAAVAAAAYAAAAAAAAAAAAAAADwAAACADAAAAAAAAAAAAAAEAAACgMgAAVgcAAKr4//8BAAAAf39/AAEAAABkAAAAAAAAABQAAABAHwAAAAAAACYAAAAAAAAAwOD//wAAAAAmAAAAZAAAABYAAABMAAAAAAAAAAAAAAAEAAAAAAAAAAEAAADZ4OYKAAAAACgAAAAoAAAAZAAAAGQAAAAAAAAAzMzMAAAAAABQAAAAUAAAAGQAAABkAAAAAAAAABcAAAAUAAAAAAAAAAAAAAD/fwAA/38AAAAAAAAJAAAABAAAAAAAAAAeAAAAaAAAAAAAAAAAAAAAAAAAAAAAAAAAAAAAECcAABAnAAAAAAAAAAAAAAAAAAAAAAAAAAAAAAAAAAAAAAAAAAAAABQAAAAAAAAAwMD/AAAAAABkAAAAMgAAAAAAAABkAAAAAAAAAH9/fwAKAAAAIgAAABgAAAAAAAAAAAAAAAAAAAAAAAAAAAAAAAAAAAAkAAAAJAAAAAAAAAAHAAAAAAAAAAAAAAAAAAAAAAAAAAAAAAAAAAAAf39/ACUAAABYAAAAAAAAAAAAAAAAAAAAAAAAAAAAAAAAAAAAAAAAAAAAAAAAAAAAAAAAAAAAAAA/AAAAAAAAAKCGAQAAAAAAAAAAAAAAAAAMAAAAAQAAAAAAAAAAAAAAAAAAAB8AAABUAAAA////AAAAAAEAAAAAAAAAAAAAAAAAAAAAAAAAAAAAAAAAAAAAAAAAAAAAAAB/f38AAAAAA8zMzADAwP8Af39/AAAAAAAAAAAAAAAAAAAAAAAAAAAAIQAAABgAAAAUAAAArDUAAIkCAADYRQAA+CUAABAAAAAmAAAACAAAAAMAAAAAAAAA"/>
+              </a:ext>
+            </a:extLst>
           </p:cNvSpPr>
           <p:nvPr>
-            <p:ph type="title" orient="vert"/>
+            <p:ph type="title"/>
           </p:nvPr>
         </p:nvSpPr>
         <p:spPr>
           <a:xfrm>
-            <a:off x="8724900" y="412302"/>
-            <a:ext cx="2628900" cy="5759898"/>
-          </a:xfrm>
-        </p:spPr>
-        <p:txBody>
-          <a:bodyPr vert="eaVert"/>
+            <a:off x="8724900" y="412115"/>
+            <a:ext cx="2628900" cy="5760085"/>
+          </a:xfrm>
+        </p:spPr>
+        <p:txBody>
+          <a:bodyPr vert="vert" wrap="square" lIns="91440" tIns="45720" rIns="91440" bIns="45720" numCol="1" spcCol="215900" anchor="b">
+            <a:prstTxWarp prst="textNoShape">
+              <a:avLst/>
+            </a:prstTxWarp>
+          </a:bodyPr>
           <a:lstStyle/>
           <a:p>
-            <a:r>
-              <a:rPr lang="en-GB"/>
+            <a:pPr>
+              <a:defRPr lang="en-us"/>
+            </a:pPr>
+            <a:r>
+              <a:rPr lang="en-gb" cap="none"/>
               <a:t>Click to edit Master title style</a:t>
             </a:r>
-            <a:endParaRPr lang="en-US" dirty="0"/>
-          </a:p>
-        </p:txBody>
-      </p:sp>
-      <p:sp>
-        <p:nvSpPr>
-          <p:cNvPr id="3" name="Vertical Text Placeholder 2"/>
-          <p:cNvSpPr>
-            <a:spLocks noGrp="1"/>
+          </a:p>
+        </p:txBody>
+      </p:sp>
+      <p:sp>
+        <p:nvSpPr>
+          <p:cNvPr id="5" name="Vertical Text Placeholder 2"/>
+          <p:cNvSpPr>
+            <a:spLocks noGrp="1" noChangeArrowheads="1"/>
+            <a:extLst>
+              <a:ext uri="smNativeData">
+                <pr:smNativeData xmlns:pr="smNativeData" xmlns="smNativeData" val="SMDATA_15_OjGNYRMAAAAlAAAAZAAAAA0AAAAASAAAAAAAAABIAAAAAAAAAAAAAAAAAAAAAQAAAAEAAABQAAAAAAAAAAAA4D8AAAAAAADgPwAAAAAAAOA/AAAAAAAA4D8AAAAAAADgPwAAAAAAAOA/AAAAAAAA4D8AAAAAAADgPwAAAAAAAOA/AAAAAAAA4D8CAAAAjAAAAAAAAAAAAAAA////AP///wgAAAAAAAAAAAAAAAAAAAAAAAAAAAAAAAAAAAAAeAAAAAEAAABAAAAAAAAAAAAAAABaAAAAAAAAAAAAAAAAAAAAAAAAAAAAAAAAAAAAAAAAAAAAAAAAAAAAAAAAAAAAAAAAAAAAAAAAAAAAAAAAAAAAAAAAAAAAAAAAAAAAFAAAADwAAAAAAAAAAAAAAAAAAAAPAAAAAQAAACMAAAAjAAAAIwAAAB4AAAAAAAAAZAAAAGQAAAAAAAAAZAAAAGQAAAAVAAAAYAAAAAAAAAAAAAAADwAAACADAAAAAAAAAAAAAAEAAACgMgAAVgcAAKr4//8BAAAAf39/AAEAAABkAAAAAAAAABQAAABAHwAAAAAAACYAAAAAAAAAwOD//wAAAAAmAAAAZAAAABYAAABMAAAAAAAAAAAAAAAEAAAAAAAAAAEAAADZ4OYKAAAAACgAAAAoAAAAZAAAAGQAAAAAAAAAzMzMAAAAAABQAAAAUAAAAGQAAABkAAAAAAAAABcAAAAUAAAAAAAAAAAAAAD/fwAA/38AAAAAAAAJAAAABAAAAAAAAAAeAAAAaAAAAAAAAAAAAAAAAAAAAAAAAAAAAAAAECcAABAnAAAAAAAAAAAAAAAAAAAAAAAAAAAAAAAAAAAAAAAAAAAAABQAAAAAAAAAwMD/AAAAAABkAAAAMgAAAAAAAABkAAAAAAAAAH9/fwAKAAAAIgAAABgAAAAAAAAAAAAAAAAAAAAAAAAAAAAAAAAAAAAkAAAAJAAAAAAAAAAHAAAAAAAAAAAAAAAAAAAAAAAAAAAAAAAAAAAAf39/ACUAAABYAAAAAAAAAAAAAAAAAAAAAAAAAAAAAAAAAAAAAAAAAAAAAAAAAAAAAAAAAAAAAAA/AAAAAAAAAKCGAQAAAAAAAAAAAAAAAAAMAAAAAQAAAAAAAAAAAAAAAAAAAB8AAABUAAAA////AAAAAAEAAAAAAAAAAAAAAAAAAAAAAAAAAAAAAAAAAAAAAAAAAAAAAAB/f38AAAAAA8zMzADAwP8Af39/AAAAAAAAAAAAAAAAAAAAAAAAAAAAIQAAABgAAAAUAAAAKAUAAIkCAAC8NAAA+CUAABAAAAAmAAAACAAAAD8AAAAAAAAA"/>
+              </a:ext>
+            </a:extLst>
           </p:cNvSpPr>
           <p:nvPr>
-            <p:ph type="body" orient="vert" idx="1"/>
+            <p:ph idx="1"/>
           </p:nvPr>
         </p:nvSpPr>
         <p:spPr>
           <a:xfrm>
-            <a:off x="838200" y="412302"/>
-            <a:ext cx="7734300" cy="5759898"/>
-          </a:xfrm>
-        </p:spPr>
-        <p:txBody>
-          <a:bodyPr vert="eaVert" lIns="45720" tIns="0" rIns="45720" bIns="0"/>
+            <a:off x="838200" y="412115"/>
+            <a:ext cx="7734300" cy="5760085"/>
+          </a:xfrm>
+        </p:spPr>
+        <p:txBody>
+          <a:bodyPr vert="vert" wrap="square" lIns="45720" tIns="0" rIns="45720" bIns="0" numCol="1" spcCol="215900" anchor="t">
+            <a:prstTxWarp prst="textNoShape">
+              <a:avLst/>
+            </a:prstTxWarp>
+          </a:bodyPr>
           <a:lstStyle/>
           <a:p>
-            <a:pPr lvl="0"/>
-            <a:r>
-              <a:rPr lang="en-GB"/>
+            <a:pPr>
+              <a:defRPr lang="en-us"/>
+            </a:pPr>
+            <a:r>
+              <a:rPr lang="en-gb" cap="none"/>
               <a:t>Click to edit Master text styles</a:t>
             </a:r>
-          </a:p>
-          <a:p>
-            <a:pPr lvl="1"/>
-            <a:r>
-              <a:rPr lang="en-GB"/>
+            <a:endParaRPr lang="en-gb" cap="none"/>
+          </a:p>
+          <a:p>
+            <a:pPr lvl="1">
+              <a:defRPr lang="en-us"/>
+            </a:pPr>
+            <a:r>
+              <a:rPr lang="en-gb" cap="none"/>
               <a:t>Second level</a:t>
             </a:r>
-          </a:p>
-          <a:p>
-            <a:pPr lvl="2"/>
-            <a:r>
-              <a:rPr lang="en-GB"/>
+            <a:endParaRPr lang="en-gb" cap="none"/>
+          </a:p>
+          <a:p>
+            <a:pPr lvl="2">
+              <a:defRPr lang="en-us"/>
+            </a:pPr>
+            <a:r>
+              <a:rPr lang="en-gb" cap="none"/>
               <a:t>Third level</a:t>
             </a:r>
-          </a:p>
-          <a:p>
-            <a:pPr lvl="3"/>
-            <a:r>
-              <a:rPr lang="en-GB"/>
+            <a:endParaRPr lang="en-gb" cap="none"/>
+          </a:p>
+          <a:p>
+            <a:pPr lvl="3">
+              <a:defRPr lang="en-us"/>
+            </a:pPr>
+            <a:r>
+              <a:rPr lang="en-gb" cap="none"/>
               <a:t>Fourth level</a:t>
             </a:r>
-          </a:p>
-          <a:p>
-            <a:pPr lvl="4"/>
-            <a:r>
-              <a:rPr lang="en-GB"/>
+            <a:endParaRPr lang="en-gb" cap="none"/>
+          </a:p>
+          <a:p>
+            <a:pPr lvl="4">
+              <a:defRPr lang="en-us"/>
+            </a:pPr>
+            <a:r>
+              <a:rPr lang="en-gb" cap="none"/>
               <a:t>Fifth level</a:t>
             </a:r>
-            <a:endParaRPr lang="en-US" dirty="0"/>
-          </a:p>
-        </p:txBody>
-      </p:sp>
-      <p:sp>
-        <p:nvSpPr>
-          <p:cNvPr id="4" name="Date Placeholder 3"/>
-          <p:cNvSpPr>
-            <a:spLocks noGrp="1"/>
+          </a:p>
+        </p:txBody>
+      </p:sp>
+      <p:sp>
+        <p:nvSpPr>
+          <p:cNvPr id="6" name="Date Placeholder 3"/>
+          <p:cNvSpPr>
+            <a:spLocks noGrp="1" noChangeArrowheads="1"/>
+            <a:extLst>
+              <a:ext uri="smNativeData">
+                <pr:smNativeData xmlns:pr="smNativeData" xmlns="smNativeData" val="SMDATA_15_OjGNYRMAAAAlAAAAZAAAAA0AAAAAkAAAAEgAAACQAAAASAAAAAAAAAABAAAAAAAAAAEAAABQAAAAAAAAAAAA4D8AAAAAAADgPwAAAAAAAOA/AAAAAAAA4D8AAAAAAADgPwAAAAAAAOA/AAAAAAAA4D8AAAAAAADgPwAAAAAAAOA/AAAAAAAA4D8CAAAAjAAAAAAAAAAAAAAA////AP///wgAAAAAAAAAAAAAAAAAAAAAAAAAAAAAAAAAAAAAeAAAAAEAAABAAAAAAAAAAAAAAABaAAAAAAAAAAAAAAAAAAAAAAAAAAAAAAAAAAAAAAAAAAAAAAAAAAAAAAAAAAAAAAAAAAAAAAAAAAAAAAAAAAAAAAAAAAAAAAAAAAAAFAAAADwAAAAAAAAAAAAAAAAAAAAPAAAAAQAAACMAAAAjAAAAIwAAAB4AAAAAAAAAZAAAAGQAAAAAAAAAZAAAAGQAAAAVAAAAYAAAAAAAAAAAAAAADwAAACADAAAAAAAAAAAAAAEAAACgMgAAVgcAAKr4//8BAAAAf39/AAEAAABkAAAAAAAAABQAAABAHwAAAAAAACYAAAAAAAAAwOD//wAAAAAmAAAAZAAAABYAAABMAAAAAAAAAAAAAAAEAAAAAAAAAAEAAADZ4OYKAAAAACgAAAAoAAAAZAAAAGQAAAAAAAAAzMzMAAAAAABQAAAAUAAAAGQAAABkAAAAAAAAABcAAAAUAAAAAAAAAAAAAAD/fwAA/38AAAAAAAAJAAAABAAAAAAAAAAeAAAAaAAAAAAAAAAAAAAAAAAAAAAAAAAAAAAAECcAABAnAAAAAAAAAAAAAAAAAAAAAAAAAAAAAAAAAAAAAAAAAAAAABQAAAAAAAAAwMD/AAAAAABkAAAAMgAAAAAAAABkAAAAAAAAAH9/fwAKAAAAIgAAABgAAAAAAAAAAAAAAAAAAAAAAAAAAAAAAAAAAAAkAAAAJAAAAAAAAAAHAAAAAAAAAAAAAAAAAAAAAAAAAAAAAAAAAAAAf39/ACUAAABYAAAAAAAAAAAAAAAAAAAAAAAAAAAAAAAAAAAAAAAAAAAAAAAAAAAAAAAAAAAAAAA/AAAAAAAAAKCGAQAAAAAAAAAAAAAAAAAMAAAAAQAAAAAAAAAAAAAAAAAAAB8AAABUAAAA////AAAAAAEAAAAAAAAAAAAAAAAAAAAAAAAAAAAAAAAAAAAAAAAAAAAAAAB/f38AAAAAA8zMzADAwP8Af39/AAAAAAAAAAAAAAAAAAAAAAAAAAAAIQAAABgAAAAUAAAAwAYAAL0nAAD1FQAA/CkAABAAAAAmAAAACAAAAAAAAAAAAAAA"/>
+              </a:ext>
+            </a:extLst>
           </p:cNvSpPr>
           <p:nvPr>
             <p:ph type="dt" sz="half" idx="10"/>
@@ -832,19 +1033,25 @@
           <a:bodyPr/>
           <a:lstStyle/>
           <a:p>
-            <a:fld id="{96DFF08F-DC6B-4601-B491-B0F83F6DD2DA}" type="datetimeFigureOut">
-              <a:rPr lang="en-US" dirty="0"/>
+            <a:pPr>
+              <a:defRPr lang="en-us"/>
+            </a:pPr>
+            <a:fld id="{1E7815F9-B7F3-2DE3-BDC0-41B65B8E4B14}" type="datetime1">
               <a:t>11/11/21</a:t>
             </a:fld>
-            <a:endParaRPr lang="en-US" dirty="0"/>
-          </a:p>
-        </p:txBody>
-      </p:sp>
-      <p:sp>
-        <p:nvSpPr>
-          <p:cNvPr id="5" name="Footer Placeholder 4"/>
-          <p:cNvSpPr>
-            <a:spLocks noGrp="1"/>
+          </a:p>
+        </p:txBody>
+      </p:sp>
+      <p:sp>
+        <p:nvSpPr>
+          <p:cNvPr id="7" name="Footer Placeholder 4"/>
+          <p:cNvSpPr>
+            <a:spLocks noGrp="1" noChangeArrowheads="1"/>
+            <a:extLst>
+              <a:ext uri="smNativeData">
+                <pr:smNativeData xmlns:pr="smNativeData" xmlns="smNativeData" val="SMDATA_15_OjGNYRMAAAAlAAAAZAAAAA0AAAAAkAAAAEgAAACQAAAASAAAAAAAAAABAAAAAAAAAAEAAABQAAAAAAAAAAAA4D8AAAAAAADgPwAAAAAAAOA/AAAAAAAA4D8AAAAAAADgPwAAAAAAAOA/AAAAAAAA4D8AAAAAAADgPwAAAAAAAOA/AAAAAAAA4D8CAAAAjAAAAAAAAAAAAAAA////AP///wgAAAAAAAAAAAAAAAAAAAAAAAAAAAAAAAAAAAAAeAAAAAEAAABAAAAAAAAAAAAAAABaAAAAAAAAAAAAAAAAAAAAAAAAAAAAAAAAAAAAAAAAAAAAAAAAAAAAAAAAAAAAAAAAAAAAAAAAAAAAAAAAAAAAAAAAAAAAAAAAAAAAFAAAADwAAAAAAAAAAAAAAAAAAAAPAAAAAQAAACMAAAAjAAAAIwAAAB4AAAAAAAAAZAAAAGQAAAAAAAAAZAAAAGQAAAAVAAAAYAAAAAAAAAAAAAAADwAAACADAAAAAAAAAAAAAAEAAACgMgAAVgcAAKr4//8BAAAAf39/AAEAAABkAAAAAAAAABQAAABAHwAAAAAAACYAAAAAAAAAwOD//wAAAAAmAAAAZAAAABYAAABMAAAAAAAAAAAAAAAEAAAAAAAAAAEAAADZ4OYKAAAAACgAAAAoAAAAZAAAAGQAAAAAAAAAzMzMAAAAAABQAAAAUAAAAGQAAABkAAAAAAAAABcAAAAUAAAAAAAAAAAAAAD/fwAA/38AAAAAAAAJAAAABAAAAAAAAAAeAAAAaAAAAAAAAAAAAAAAAAAAAAAAAAAAAAAAECcAABAnAAAAAAAAAAAAAAAAAAAAAAAAAAAAAAAAAAAAAAAAAAAAABQAAAAAAAAAwMD/AAAAAABkAAAAMgAAAAAAAABkAAAAAAAAAH9/fwAKAAAAIgAAABgAAAAAAAAAAAAAAAAAAAAAAAAAAAAAAAAAAAAkAAAAJAAAAAAAAAAHAAAAAAAAAAAAAAAAAAAAAAAAAAAAAAAAAAAAf39/ACUAAABYAAAAAAAAAAAAAAAAAAAAAAAAAAAAAAAAAAAAAAAAAAAAAAAAAAAAAAAAAAAAAAA/AAAAAAAAAKCGAQAAAAAAAAAAAAAAAAAMAAAAAQAAAAAAAAAAAAAAAAAAAB8AAABUAAAA////AAAAAAEAAAAAAAAAAAAAAAAAAAAAAAAAAAAAAAAAAAAAAAAAAAAAAAB/f38AAAAAA8zMzADAwP8Af39/AAAAAAAAAAAAAAAAAAAAAAAAAAAAIQAAABgAAAAUAAAArRYAAL0nAABYNAAA/CkAABAAAAAmAAAACAAAAAAAAAAAAAAA"/>
+              </a:ext>
+            </a:extLst>
           </p:cNvSpPr>
           <p:nvPr>
             <p:ph type="ftr" sz="quarter" idx="11"/>
@@ -855,15 +1062,22 @@
           <a:bodyPr/>
           <a:lstStyle/>
           <a:p>
-            <a:endParaRPr lang="en-US" dirty="0"/>
-          </a:p>
-        </p:txBody>
-      </p:sp>
-      <p:sp>
-        <p:nvSpPr>
-          <p:cNvPr id="6" name="Slide Number Placeholder 5"/>
-          <p:cNvSpPr>
-            <a:spLocks noGrp="1"/>
+            <a:pPr>
+              <a:defRPr lang="en-us"/>
+            </a:pPr>
+          </a:p>
+        </p:txBody>
+      </p:sp>
+      <p:sp>
+        <p:nvSpPr>
+          <p:cNvPr id="8" name="Slide Number Placeholder 5"/>
+          <p:cNvSpPr>
+            <a:spLocks noGrp="1" noChangeArrowheads="1"/>
+            <a:extLst>
+              <a:ext uri="smNativeData">
+                <pr:smNativeData xmlns:pr="smNativeData" xmlns="smNativeData" val="SMDATA_15_OjGNYRMAAAAlAAAAZAAAAA0AAAAAkAAAAEgAAACQAAAASAAAAAAAAAABAAAAAAAAAAEAAABQAAAAAAAAAAAA4D8AAAAAAADgPwAAAAAAAOA/AAAAAAAA4D8AAAAAAADgPwAAAAAAAOA/AAAAAAAA4D8AAAAAAADgPwAAAAAAAOA/AAAAAAAA4D8CAAAAjAAAAAAAAAAAAAAA////AP///wgAAAAAAAAAAAAAAAAAAAAAAAAAAAAAAAAAAAAAeAAAAAEAAABAAAAAAAAAAAAAAABaAAAAAAAAAAAAAAAAAAAAAAAAAAAAAAAAAAAAAAAAAAAAAAAAAAAAAAAAAAAAAAAAAAAAAAAAAAAAAAAAAAAAAAAAAAAAAAAAAAAAFAAAADwAAAAAAAAAAAAAAAAAAAAPAAAAAQAAACMAAAAjAAAAIwAAAB4AAAAAAAAAZAAAAGQAAAAAAAAAZAAAAGQAAAAVAAAAYAAAAAAAAAAAAAAADwAAACADAAAAAAAAAAAAAAEAAACgMgAAVgcAAKr4//8BAAAAf39/AAEAAABkAAAAAAAAABQAAABAHwAAAAAAACYAAAAAAAAAwOD//wAAAAAmAAAAZAAAABYAAABMAAAAAAAAAAAAAAAEAAAAAAAAAAEAAADZ4OYKAAAAACgAAAAoAAAAZAAAAGQAAAAAAAAAzMzMAAAAAABQAAAAUAAAAGQAAABkAAAAAAAAABcAAAAUAAAAAAAAAAAAAAD/fwAA/38AAAAAAAAJAAAABAAAAAAAAAAeAAAAaAAAAAAAAAAAAAAAAAAAAAAAAAAAAAAAECcAABAnAAAAAAAAAAAAAAAAAAAAAAAAAAAAAAAAAAAAAAAAAAAAABQAAAAAAAAAwMD/AAAAAABkAAAAMgAAAAAAAABkAAAAAAAAAH9/fwAKAAAAIgAAABgAAAAAAAAAAAAAAAAAAAAAAAAAAAAAAAAAAAAkAAAAJAAAAAAAAAAHAAAAAAAAAAAAAAAAAAAAAAAAAAAAAAAAAAAAf39/ACUAAABYAAAAAAAAAAAAAAAAAAAAAAAAAAAAAAAAAAAAAAAAAAAAAAAAAAAAAAAAAAAAAAA/AAAAAAAAAKCGAQAAAAAAAAAAAAAAAAAMAAAAAQAAAAAAAAAAAAAAAAAAAB8AAABUAAAA////AAAAAAEAAAAAAAAAAAAAAAAAAAAAAAAAAAAAAAAAAAAAAAAAAAAAAAB/f38AAAAAA8zMzADAwP8Af39/AAAAAAAAAAAAAAAAAAAAAAAAAAAAIQAAABgAAAAUAAAAEDUAAL0nAAAiPQAA/CkAABAAAAAmAAAACAAAAAAAAAAAAAAA"/>
+              </a:ext>
+            </a:extLst>
           </p:cNvSpPr>
           <p:nvPr>
             <p:ph type="sldNum" sz="quarter" idx="12"/>
@@ -874,11 +1088,12 @@
           <a:bodyPr/>
           <a:lstStyle/>
           <a:p>
-            <a:fld id="{4FAB73BC-B049-4115-A692-8D63A059BFB8}" type="slidenum">
-              <a:rPr lang="en-US" dirty="0"/>
+            <a:pPr>
+              <a:defRPr lang="en-us"/>
+            </a:pPr>
+            <a:fld id="{7BE865C6-8896-BD93-D850-7EC62B1E2E2B}" type="slidenum">
               <a:t>‹#›</a:t>
             </a:fld>
-            <a:endParaRPr lang="en-US" dirty="0"/>
           </a:p>
         </p:txBody>
       </p:sp>
@@ -887,28 +1102,34 @@
           <p:cNvPr id="9" name="Picture 8"/>
           <p:cNvPicPr>
             <a:picLocks noChangeAspect="1"/>
+            <a:extLst>
+              <a:ext uri="smNativeData">
+                <pr:smNativeData xmlns:pr="smNativeData" xmlns="smNativeData" val="SMDATA_17_OjGNYRMAAAAlAAAAEQAAAC0AAAAAkAAAAEgAAACQAAAASAAAAAAAAAAAAAAAAAAAAAEAAABQAAAAAAAAAAAA4D8AAAAAAADgPwAAAAAAAOA/AAAAAAAA4D8AAAAAAADgPwAAAAAAAOA/AAAAAAAA4D8AAAAAAADgPwAAAAAAAOA/AAAAAAAA4D8CAAAAjAAAAAAAAAAAAAAAHK3kDP///wgAAAAAAAAAAAAAAAAAAAAAAAAAAAAAAAAAAAAAZAAAAAEAAABAAAAAAAAAAAAAAAAAAAAAAAAAAAAAAAAAAAAAAAAAAAAAAAAAAAAAAAAAAAAAAAAAAAAAAAAAAAAAAAAAAAAAAAAAAAAAAAAAAAAAAAAAAAAAAAAAAAAAFAAAADwAAAAAAAAAAAAAAAAAAAkUAAAAAQAAABQAAAAUAAAAFAAAAAEAAAAAAAAAZAAAAGQAAAAAAAAAZAAAAGQAAAAVAAAAYAAAAAAAAAAAAAAADwAAACADAAAAAAAAAAAAAAEAAACgMgAAVgcAAKr4//8BAAAAf39/AAEAAABkAAAAAAAAABQAAABAHwAAAAAAACYAAAAAAAAAwOD//wAAAAAmAAAAZAAAABYAAABMAAAAAAAAAAAAAAAEAAAAAAAAAAEAAADZ4OYKAAAAACgAAAAoAAAAZAAAAGQAAAAAAAAAzMzMAAAAAABQAAAAUAAAAGQAAABkAAAAAAAAAAcAAAA4AAAAAAAAAAAAAAAAAAAA////AAAAAAAAAAAASwQAANIGAAAAAAAAYw0AAAAAAABkAAAAZAAAAAAAAAAjAAAABAAAAGQAAAAXAAAAFAAAAAAAAAAAAAAA/38AAP9/AAAAAAAACQAAAAQAAAAAAAAAHgAAAGgAAAAAAAAAAAAAAAAAAAAAAAAAAAAAABAnAAAQJwAAAAAAAAAAAAAAAAAAAAAAAAAAAAAAAAAAAAAAAAAAAAAUAAAAAAAAAMDA/wAAAAAAZAAAADIAAAAAAAAAZAAAAAAAAAB/f38ACgAAACIAAAAYAAAAAAAAAAAAAAAAAAAAAAAAAAAAAAAAAAAAJAAAACQAAAAAAAAABwAAAAAAAAAAAAAAAAAAAAAAAAAAAAAAAAAAAH9/fwAlAAAAWAAAAAAAAAAAAAAAAAAAAAAAAAAAAAAAAAAAAAAAAAAAAAAAAAAAAAAAAAAAAAAAPwAAAAAAAACghgEAAAAAAAAAAAAAAAAADAAAAAEAAAAAAAAAAAAAAAAAAAAfAAAAVAAAAAAAAAUAAAABAAAAAAAAAAAAAAAAAAAAAAAAAAAAAAAAAAAAAAAAAAAAAAACf39/AAAAAAPMzMwAwMD/AH9/fwAAAAAAAAAAAAAAAAD///8AAAAAACEAAAAYAAAAFAAAAL0+AACeJwAAg0oAAPIpAAAQAAAAJgAAAAgAAAD//////////w=="/>
+              </a:ext>
+            </a:extLst>
           </p:cNvPicPr>
-          <p:nvPr userDrawn="1"/>
+          <p:nvPr/>
         </p:nvPicPr>
-        <p:blipFill rotWithShape="1">
-          <a:blip r:embed="rId2">
-            <a:extLst>
-              <a:ext uri="{28A0092B-C50C-407E-A947-70E740481C1C}">
-                <a14:useLocalDpi xmlns:a14="http://schemas.microsoft.com/office/drawing/2010/main" val="0"/>
-              </a:ext>
-            </a:extLst>
-          </a:blip>
-          <a:srcRect l="10991" t="17465" b="34266"/>
-          <a:stretch/>
+        <p:blipFill>
+          <a:blip r:embed="rId2"/>
+          <a:srcRect l="10990" t="17460" r="0" b="34270"/>
+          <a:stretch>
+            <a:fillRect/>
+          </a:stretch>
         </p:blipFill>
         <p:spPr>
           <a:xfrm>
-            <a:off x="10198628" y="6440172"/>
-            <a:ext cx="1914104" cy="378456"/>
+            <a:off x="10198735" y="6440170"/>
+            <a:ext cx="1913890" cy="378460"/>
           </a:xfrm>
           <a:prstGeom prst="rect">
             <a:avLst/>
           </a:prstGeom>
+          <a:noFill/>
+          <a:ln>
+            <a:noFill/>
+          </a:ln>
+          <a:effectLst/>
         </p:spPr>
       </p:pic>
     </p:spTree>
@@ -916,11 +1137,12 @@
   <p:clrMapOvr>
     <a:masterClrMapping/>
   </p:clrMapOvr>
+  <p:hf hdr="0" ftr="0"/>
 </p:sldLayout>
 </file>
 
 <file path=ppt/slideLayouts/slideLayout2.xml><?xml version="1.0" encoding="utf-8"?>
-<p:sldLayout xmlns:a="http://schemas.openxmlformats.org/drawingml/2006/main" xmlns:r="http://schemas.openxmlformats.org/officeDocument/2006/relationships" xmlns:p="http://schemas.openxmlformats.org/presentationml/2006/main" type="obj" preserve="1">
+<p:sldLayout xmlns:p="http://schemas.openxmlformats.org/presentationml/2006/main" xmlns:mc="http://schemas.openxmlformats.org/markup-compatibility/2006" xmlns:p14="http://schemas.microsoft.com/office/powerpoint/2010/main" xmlns:p15="http://schemas.microsoft.com/office/powerpoint/2012/main" xmlns:r="http://schemas.openxmlformats.org/officeDocument/2006/relationships" xmlns:a="http://schemas.openxmlformats.org/drawingml/2006/main" type="obj" preserve="1">
   <p:cSld name="Title and Content">
     <p:spTree>
       <p:nvGrpSpPr>
@@ -940,7 +1162,12 @@
         <p:nvSpPr>
           <p:cNvPr id="2" name="Title 1"/>
           <p:cNvSpPr>
-            <a:spLocks noGrp="1"/>
+            <a:spLocks noGrp="1" noChangeArrowheads="1"/>
+            <a:extLst>
+              <a:ext uri="smNativeData">
+                <pr:smNativeData xmlns:pr="smNativeData" xmlns="smNativeData" val="SMDATA_15_OjGNYRMAAAAlAAAAZAAAAA0AAAAAkAAAAEgAAACQAAAASAAAAAAAAAACAAAAAAAAAAEAAABQAAAAAAAAAAAA4D8AAAAAAADgPwAAAAAAAOA/AAAAAAAA4D8AAAAAAADgPwAAAAAAAOA/AAAAAAAA4D8AAAAAAADgPwAAAAAAAOA/AAAAAAAA4D8CAAAAjAAAAAAAAAAAAAAA////AP///wgAAAAAAAAAAAAAAAAAAAAAAAAAAAAAAAAAAAAAeAAAAAEAAABAAAAAAAAAAAAAAABaAAAAAAAAAAAAAAAAAAAAAAAAAAAAAAAAAAAAAAAAAAAAAAAAAAAAAAAAAAAAAAAAAAAAAAAAAAAAAAAAAAAAAAAAAAAAAAAAAAAAFAAAADwAAAAAAAAAAAAAAAAAAAAPAAAAAQAAACMAAAAjAAAAIwAAAB4AAAAAAAAAZAAAAGQAAAAAAAAAZAAAAGQAAAAVAAAAYAAAAAAAAAAAAAAADwAAACADAAAAAAAAAAAAAAEAAACgMgAAVgcAAKr4//8BAAAAf39/AAEAAABkAAAAAAAAABQAAABAHwAAAAAAACYAAAAAAAAAwOD//wAAAAAmAAAAZAAAABYAAABMAAAAAAAAAAAAAAAEAAAAAAAAAAEAAADZ4OYKAAAAACgAAAAoAAAAZAAAAGQAAAAAAAAAzMzMAAAAAABQAAAAUAAAAGQAAABkAAAAAAAAABcAAAAUAAAAAAAAAAAAAAD/fwAA/38AAAAAAAAJAAAABAAAAAAAAAAeAAAAaAAAAAAAAAAAAAAAAAAAAAAAAAAAAAAAECcAABAnAAAAAAAAAAAAAAAAAAAAAAAAAAAAAAAAAAAAAAAAAAAAABQAAAAAAAAAwMD/AAAAAABkAAAAMgAAAAAAAABkAAAAAAAAAH9/fwAKAAAAIgAAABgAAAAAAAAAAAAAAAAAAAAAAAAAAAAAAAAAAAAkAAAAJAAAAAAAAAAHAAAAAAAAAAAAAAAAAAAAAAAAAAAAAAAAAAAAf39/ACUAAABYAAAAAAAAAAAAAAAAAAAAAAAAAAAAAAAAAAAAAAAAAAAAAAAAAAAAAAAAAAAAAAA/AAAAAAAAAKCGAQAAAAAAAAAAAAAAAAAMAAAAAQAAAAAAAAAAAAAAAAAAAB8AAABUAAAA////AAAAAAEAAAAAAAAAAAAAAAAAAAAAAAAAAAAAAAAAAAAAAAAAAAAAAAB/f38AAAAAA8zMzADAwP8Af39/AAAAAAAAAAAAAAAAAAAAAAAAAAAAIQAAABgAAAAUAAAAwAYAAMMBAACgRAAAsAoAABAAAAAmAAAACAAAAAAAAAAAAAAA"/>
+              </a:ext>
+            </a:extLst>
           </p:cNvSpPr>
           <p:nvPr>
             <p:ph type="title"/>
@@ -951,11 +1178,13 @@
           <a:bodyPr/>
           <a:lstStyle/>
           <a:p>
-            <a:r>
-              <a:rPr lang="en-GB"/>
+            <a:pPr>
+              <a:defRPr lang="en-us"/>
+            </a:pPr>
+            <a:r>
+              <a:rPr lang="en-gb" cap="none"/>
               <a:t>Click to edit Master title style</a:t>
             </a:r>
-            <a:endParaRPr lang="en-US" dirty="0"/>
           </a:p>
         </p:txBody>
       </p:sp>
@@ -963,7 +1192,12 @@
         <p:nvSpPr>
           <p:cNvPr id="3" name="Content Placeholder 2"/>
           <p:cNvSpPr>
-            <a:spLocks noGrp="1"/>
+            <a:spLocks noGrp="1" noChangeArrowheads="1"/>
+            <a:extLst>
+              <a:ext uri="smNativeData">
+                <pr:smNativeData xmlns:pr="smNativeData" xmlns="smNativeData" val="SMDATA_15_OjGNYRMAAAAlAAAAZAAAAA0AAAAAAAAAAEgAAAAAAAAASAAAAAAAAAAAAAAAAAAAAAEAAABQAAAAAAAAAAAA4D8AAAAAAADgPwAAAAAAAOA/AAAAAAAA4D8AAAAAAADgPwAAAAAAAOA/AAAAAAAA4D8AAAAAAADgPwAAAAAAAOA/AAAAAAAA4D8CAAAAjAAAAAAAAAAAAAAA////AP///wgAAAAAAAAAAAAAAAAAAAAAAAAAAAAAAAAAAAAAeAAAAAEAAABAAAAAAAAAAAAAAABaAAAAAAAAAAAAAAAAAAAAAAAAAAAAAAAAAAAAAAAAAAAAAAAAAAAAAAAAAAAAAAAAAAAAAAAAAAAAAAAAAAAAAAAAAAAAAAAAAAAAFAAAADwAAAAAAAAAAAAAAAAAAAAPAAAAAQAAACMAAAAjAAAAIwAAAB4AAAAAAAAAZAAAAGQAAAAAAAAAZAAAAGQAAAAVAAAAYAAAAAAAAAAAAAAADwAAACADAAAAAAAAAAAAAAEAAACgMgAAVgcAAKr4//8BAAAAf39/AAEAAABkAAAAAAAAABQAAABAHwAAAAAAACYAAAAAAAAAwOD//wAAAAAmAAAAZAAAABYAAABMAAAAAAAAAAAAAAAEAAAAAAAAAAEAAADZ4OYKAAAAACgAAAAoAAAAZAAAAGQAAAAAAAAAzMzMAAAAAABQAAAAUAAAAGQAAABkAAAAAAAAABcAAAAUAAAAAAAAAAAAAAD/fwAA/38AAAAAAAAJAAAABAAAAAAAAAAeAAAAaAAAAAAAAAAAAAAAAAAAAAAAAAAAAAAAECcAABAnAAAAAAAAAAAAAAAAAAAAAAAAAAAAAAAAAAAAAAAAAAAAABQAAAAAAAAAwMD/AAAAAABkAAAAMgAAAAAAAABkAAAAAAAAAH9/fwAKAAAAIgAAABgAAAAAAAAAAAAAAAAAAAAAAAAAAAAAAAAAAAAkAAAAJAAAAAAAAAAHAAAAAAAAAAAAAAAAAAAAAAAAAAAAAAAAAAAAf39/ACUAAABYAAAAAAAAAAAAAAAAAAAAAAAAAAAAAAAAAAAAAAAAAAAAAAAAAAAAAAAAAAAAAAA/AAAAAAAAAKCGAQAAAAAAAAAAAAAAAAAMAAAAAQAAAAAAAAAAAAAAAAAAAB8AAABUAAAA////AAAAAAEAAAAAAAAAAAAAAAAAAAAAAAAAAAAAAAAAAAAAAAAAAAAAAAB/f38AAAAAA8zMzADAwP8Af39/AAAAAAAAAAAAAAAAAAAAAAAAAAAAIQAAABgAAAAUAAAAwAYAAFsLAACgRAAAGyQAABAAAAAmAAAACAAAAAAAAAAAAAAA"/>
+              </a:ext>
+            </a:extLst>
           </p:cNvSpPr>
           <p:nvPr>
             <p:ph idx="1"/>
@@ -974,40 +1208,53 @@
           <a:bodyPr/>
           <a:lstStyle/>
           <a:p>
-            <a:pPr lvl="0"/>
-            <a:r>
-              <a:rPr lang="en-GB"/>
+            <a:pPr>
+              <a:defRPr lang="en-us"/>
+            </a:pPr>
+            <a:r>
+              <a:rPr lang="en-gb" cap="none"/>
               <a:t>Click to edit Master text styles</a:t>
             </a:r>
-          </a:p>
-          <a:p>
-            <a:pPr lvl="1"/>
-            <a:r>
-              <a:rPr lang="en-GB"/>
+            <a:endParaRPr lang="en-gb" cap="none"/>
+          </a:p>
+          <a:p>
+            <a:pPr lvl="1">
+              <a:defRPr lang="en-us"/>
+            </a:pPr>
+            <a:r>
+              <a:rPr lang="en-gb" cap="none"/>
               <a:t>Second level</a:t>
             </a:r>
-          </a:p>
-          <a:p>
-            <a:pPr lvl="2"/>
-            <a:r>
-              <a:rPr lang="en-GB"/>
+            <a:endParaRPr lang="en-gb" cap="none"/>
+          </a:p>
+          <a:p>
+            <a:pPr lvl="2">
+              <a:defRPr lang="en-us"/>
+            </a:pPr>
+            <a:r>
+              <a:rPr lang="en-gb" cap="none"/>
               <a:t>Third level</a:t>
             </a:r>
-          </a:p>
-          <a:p>
-            <a:pPr lvl="3"/>
-            <a:r>
-              <a:rPr lang="en-GB"/>
+            <a:endParaRPr lang="en-gb" cap="none"/>
+          </a:p>
+          <a:p>
+            <a:pPr lvl="3">
+              <a:defRPr lang="en-us"/>
+            </a:pPr>
+            <a:r>
+              <a:rPr lang="en-gb" cap="none"/>
               <a:t>Fourth level</a:t>
             </a:r>
-          </a:p>
-          <a:p>
-            <a:pPr lvl="4"/>
-            <a:r>
-              <a:rPr lang="en-GB"/>
+            <a:endParaRPr lang="en-gb" cap="none"/>
+          </a:p>
+          <a:p>
+            <a:pPr lvl="4">
+              <a:defRPr lang="en-us"/>
+            </a:pPr>
+            <a:r>
+              <a:rPr lang="en-gb" cap="none"/>
               <a:t>Fifth level</a:t>
             </a:r>
-            <a:endParaRPr lang="en-US" dirty="0"/>
           </a:p>
         </p:txBody>
       </p:sp>
@@ -1015,7 +1262,12 @@
         <p:nvSpPr>
           <p:cNvPr id="4" name="Date Placeholder 3"/>
           <p:cNvSpPr>
-            <a:spLocks noGrp="1"/>
+            <a:spLocks noGrp="1" noChangeArrowheads="1"/>
+            <a:extLst>
+              <a:ext uri="smNativeData">
+                <pr:smNativeData xmlns:pr="smNativeData" xmlns="smNativeData" val="SMDATA_15_OjGNYRMAAAAlAAAAZAAAAA0AAAAAkAAAAEgAAACQAAAASAAAAAAAAAABAAAAAAAAAAEAAABQAAAAAAAAAAAA4D8AAAAAAADgPwAAAAAAAOA/AAAAAAAA4D8AAAAAAADgPwAAAAAAAOA/AAAAAAAA4D8AAAAAAADgPwAAAAAAAOA/AAAAAAAA4D8CAAAAjAAAAAAAAAAAAAAA////AP///wgAAAAAAAAAAAAAAAAAAAAAAAAAAAAAAAAAAAAAeAAAAAEAAABAAAAAAAAAAAAAAABaAAAAAAAAAAAAAAAAAAAAAAAAAAAAAAAAAAAAAAAAAAAAAAAAAAAAAAAAAAAAAAAAAAAAAAAAAAAAAAAAAAAAAAAAAAAAAAAAAAAAFAAAADwAAAAAAAAAAAAAAAAAAAAPAAAAAQAAACMAAAAjAAAAIwAAAB4AAAAAAAAAZAAAAGQAAAAAAAAAZAAAAGQAAAAVAAAAYAAAAAAAAAAAAAAADwAAACADAAAAAAAAAAAAAAEAAACgMgAAVgcAAKr4//8BAAAAf39/AAEAAABkAAAAAAAAABQAAABAHwAAAAAAACYAAAAAAAAAwOD//wAAAAAmAAAAZAAAABYAAABMAAAAAAAAAAAAAAAEAAAAAAAAAAEAAADZ4OYKAAAAACgAAAAoAAAAZAAAAGQAAAAAAAAAzMzMAAAAAABQAAAAUAAAAGQAAABkAAAAAAAAABcAAAAUAAAAAAAAAAAAAAD/fwAA/38AAAAAAAAJAAAABAAAAAAAAAAeAAAAaAAAAAAAAAAAAAAAAAAAAAAAAAAAAAAAECcAABAnAAAAAAAAAAAAAAAAAAAAAAAAAAAAAAAAAAAAAAAAAAAAABQAAAAAAAAAwMD/AAAAAABkAAAAMgAAAAAAAABkAAAAAAAAAH9/fwAKAAAAIgAAABgAAAAAAAAAAAAAAAAAAAAAAAAAAAAAAAAAAAAkAAAAJAAAAAAAAAAHAAAAAAAAAAAAAAAAAAAAAAAAAAAAAAAAAAAAf39/ACUAAABYAAAAAAAAAAAAAAAAAAAAAAAAAAAAAAAAAAAAAAAAAAAAAAAAAAAAAAAAAAAAAAA/AAAAAAAAAKCGAQAAAAAAAAAAAAAAAAAMAAAAAQAAAAAAAAAAAAAAAAAAAB8AAABUAAAA////AAAAAAEAAAAAAAAAAAAAAAAAAAAAAAAAAAAAAAAAAAAAAAAAAAAAAAB/f38AAAAAA8zMzADAwP8Af39/AAAAAAAAAAAAAAAAAAAAAAAAAAAAIQAAABgAAAAUAAAAwAYAAL0nAAD1FQAA/CkAABAAAAAmAAAACAAAAAAAAAAAAAAA"/>
+              </a:ext>
+            </a:extLst>
           </p:cNvSpPr>
           <p:nvPr>
             <p:ph type="dt" sz="half" idx="10"/>
@@ -1026,11 +1278,12 @@
           <a:bodyPr/>
           <a:lstStyle/>
           <a:p>
-            <a:fld id="{D62CEF3B-A037-46D0-B02C-1428F07E9383}" type="datetimeFigureOut">
-              <a:rPr lang="en-US" dirty="0"/>
+            <a:pPr>
+              <a:defRPr lang="en-us"/>
+            </a:pPr>
+            <a:fld id="{5C2223DE-90B1-77D5-FF9A-66806DD40933}" type="datetime1">
               <a:t>11/11/21</a:t>
             </a:fld>
-            <a:endParaRPr lang="en-US" dirty="0"/>
           </a:p>
         </p:txBody>
       </p:sp>
@@ -1038,7 +1291,12 @@
         <p:nvSpPr>
           <p:cNvPr id="5" name="Footer Placeholder 4"/>
           <p:cNvSpPr>
-            <a:spLocks noGrp="1"/>
+            <a:spLocks noGrp="1" noChangeArrowheads="1"/>
+            <a:extLst>
+              <a:ext uri="smNativeData">
+                <pr:smNativeData xmlns:pr="smNativeData" xmlns="smNativeData" val="SMDATA_15_OjGNYRMAAAAlAAAAZAAAAA0AAAAAkAAAAEgAAACQAAAASAAAAAAAAAABAAAAAAAAAAEAAABQAAAAAAAAAAAA4D8AAAAAAADgPwAAAAAAAOA/AAAAAAAA4D8AAAAAAADgPwAAAAAAAOA/AAAAAAAA4D8AAAAAAADgPwAAAAAAAOA/AAAAAAAA4D8CAAAAjAAAAAAAAAAAAAAA////AP///wgAAAAAAAAAAAAAAAAAAAAAAAAAAAAAAAAAAAAAeAAAAAEAAABAAAAAAAAAAAAAAABaAAAAAAAAAAAAAAAAAAAAAAAAAAAAAAAAAAAAAAAAAAAAAAAAAAAAAAAAAAAAAAAAAAAAAAAAAAAAAAAAAAAAAAAAAAAAAAAAAAAAFAAAADwAAAAAAAAAAAAAAAAAAAAPAAAAAQAAACMAAAAjAAAAIwAAAB4AAAAAAAAAZAAAAGQAAAAAAAAAZAAAAGQAAAAVAAAAYAAAAAAAAAAAAAAADwAAACADAAAAAAAAAAAAAAEAAACgMgAAVgcAAKr4//8BAAAAf39/AAEAAABkAAAAAAAAABQAAABAHwAAAAAAACYAAAAAAAAAwOD//wAAAAAmAAAAZAAAABYAAABMAAAAAAAAAAAAAAAEAAAAAAAAAAEAAADZ4OYKAAAAACgAAAAoAAAAZAAAAGQAAAAAAAAAzMzMAAAAAABQAAAAUAAAAGQAAABkAAAAAAAAABcAAAAUAAAAAAAAAAAAAAD/fwAA/38AAAAAAAAJAAAABAAAAAAAAAAeAAAAaAAAAAAAAAAAAAAAAAAAAAAAAAAAAAAAECcAABAnAAAAAAAAAAAAAAAAAAAAAAAAAAAAAAAAAAAAAAAAAAAAABQAAAAAAAAAwMD/AAAAAABkAAAAMgAAAAAAAABkAAAAAAAAAH9/fwAKAAAAIgAAABgAAAAAAAAAAAAAAAAAAAAAAAAAAAAAAAAAAAAkAAAAJAAAAAAAAAAHAAAAAAAAAAAAAAAAAAAAAAAAAAAAAAAAAAAAf39/ACUAAABYAAAAAAAAAAAAAAAAAAAAAAAAAAAAAAAAAAAAAAAAAAAAAAAAAAAAAAAAAAAAAAA/AAAAAAAAAKCGAQAAAAAAAAAAAAAAAAAMAAAAAQAAAAAAAAAAAAAAAAAAAB8AAABUAAAA////AAAAAAEAAAAAAAAAAAAAAAAAAAAAAAAAAAAAAAAAAAAAAAAAAAAAAAB/f38AAAAAA8zMzADAwP8Af39/AAAAAAAAAAAAAAAAAAAAAAAAAAAAIQAAABgAAAAUAAAArRYAAL0nAABYNAAA/CkAABAAAAAmAAAACAAAAAAAAAAAAAAA"/>
+              </a:ext>
+            </a:extLst>
           </p:cNvSpPr>
           <p:nvPr>
             <p:ph type="ftr" sz="quarter" idx="11"/>
@@ -1049,7 +1307,9 @@
           <a:bodyPr/>
           <a:lstStyle/>
           <a:p>
-            <a:endParaRPr lang="en-US" dirty="0"/>
+            <a:pPr>
+              <a:defRPr lang="en-us"/>
+            </a:pPr>
           </a:p>
         </p:txBody>
       </p:sp>
@@ -1057,7 +1317,12 @@
         <p:nvSpPr>
           <p:cNvPr id="6" name="Slide Number Placeholder 5"/>
           <p:cNvSpPr>
-            <a:spLocks noGrp="1"/>
+            <a:spLocks noGrp="1" noChangeArrowheads="1"/>
+            <a:extLst>
+              <a:ext uri="smNativeData">
+                <pr:smNativeData xmlns:pr="smNativeData" xmlns="smNativeData" val="SMDATA_15_OjGNYRMAAAAlAAAAZAAAAA0AAAAAkAAAAEgAAACQAAAASAAAAAAAAAABAAAAAAAAAAEAAABQAAAAAAAAAAAA4D8AAAAAAADgPwAAAAAAAOA/AAAAAAAA4D8AAAAAAADgPwAAAAAAAOA/AAAAAAAA4D8AAAAAAADgPwAAAAAAAOA/AAAAAAAA4D8CAAAAjAAAAAAAAAAAAAAA////AP///wgAAAAAAAAAAAAAAAAAAAAAAAAAAAAAAAAAAAAAeAAAAAEAAABAAAAAAAAAAAAAAABaAAAAAAAAAAAAAAAAAAAAAAAAAAAAAAAAAAAAAAAAAAAAAAAAAAAAAAAAAAAAAAAAAAAAAAAAAAAAAAAAAAAAAAAAAAAAAAAAAAAAFAAAADwAAAAAAAAAAAAAAAAAAAAPAAAAAQAAACMAAAAjAAAAIwAAAB4AAAAAAAAAZAAAAGQAAAAAAAAAZAAAAGQAAAAVAAAAYAAAAAAAAAAAAAAADwAAACADAAAAAAAAAAAAAAEAAACgMgAAVgcAAKr4//8BAAAAf39/AAEAAABkAAAAAAAAABQAAABAHwAAAAAAACYAAAAAAAAAwOD//wAAAAAmAAAAZAAAABYAAABMAAAAAAAAAAAAAAAEAAAAAAAAAAEAAADZ4OYKAAAAACgAAAAoAAAAZAAAAGQAAAAAAAAAzMzMAAAAAABQAAAAUAAAAGQAAABkAAAAAAAAABcAAAAUAAAAAAAAAAAAAAD/fwAA/38AAAAAAAAJAAAABAAAAAAAAAAeAAAAaAAAAAAAAAAAAAAAAAAAAAAAAAAAAAAAECcAABAnAAAAAAAAAAAAAAAAAAAAAAAAAAAAAAAAAAAAAAAAAAAAABQAAAAAAAAAwMD/AAAAAABkAAAAMgAAAAAAAABkAAAAAAAAAH9/fwAKAAAAIgAAABgAAAAAAAAAAAAAAAAAAAAAAAAAAAAAAAAAAAAkAAAAJAAAAAAAAAAHAAAAAAAAAAAAAAAAAAAAAAAAAAAAAAAAAAAAf39/ACUAAABYAAAAAAAAAAAAAAAAAAAAAAAAAAAAAAAAAAAAAAAAAAAAAAAAAAAAAAAAAAAAAAA/AAAAAAAAAKCGAQAAAAAAAAAAAAAAAAAMAAAAAQAAAAAAAAAAAAAAAAAAAB8AAABUAAAA////AAAAAAEAAAAAAAAAAAAAAAAAAAAAAAAAAAAAAAAAAAAAAAAAAAAAAAB/f38AAAAAA8zMzADAwP8Af39/AAAAAAAAAAAAAAAAAAAAAAAAAAAAIQAAABgAAAAUAAAAEDUAAL0nAAAiPQAA/CkAABAAAAAmAAAACAAAAAAAAAAAAAAA"/>
+              </a:ext>
+            </a:extLst>
           </p:cNvSpPr>
           <p:nvPr>
             <p:ph type="sldNum" sz="quarter" idx="12"/>
@@ -1068,11 +1333,12 @@
           <a:bodyPr/>
           <a:lstStyle/>
           <a:p>
-            <a:fld id="{4CE482DC-2269-4F26-9D2A-7E44B1A4CD85}" type="slidenum">
-              <a:rPr lang="en-US" dirty="0"/>
+            <a:pPr>
+              <a:defRPr lang="en-us"/>
+            </a:pPr>
+            <a:fld id="{34DACAE3-ADD9-8F3C-9762-5B69842C610E}" type="slidenum">
               <a:t>‹#›</a:t>
             </a:fld>
-            <a:endParaRPr lang="en-US" dirty="0"/>
           </a:p>
         </p:txBody>
       </p:sp>
@@ -1081,11 +1347,12 @@
   <p:clrMapOvr>
     <a:masterClrMapping/>
   </p:clrMapOvr>
+  <p:hf hdr="0" ftr="0"/>
 </p:sldLayout>
 </file>
 
 <file path=ppt/slideLayouts/slideLayout3.xml><?xml version="1.0" encoding="utf-8"?>
-<p:sldLayout xmlns:a="http://schemas.openxmlformats.org/drawingml/2006/main" xmlns:r="http://schemas.openxmlformats.org/officeDocument/2006/relationships" xmlns:p="http://schemas.openxmlformats.org/presentationml/2006/main" showMasterSp="0" type="secHead" preserve="1">
+<p:sldLayout xmlns:p="http://schemas.openxmlformats.org/presentationml/2006/main" xmlns:mc="http://schemas.openxmlformats.org/markup-compatibility/2006" xmlns:p14="http://schemas.microsoft.com/office/powerpoint/2010/main" xmlns:p15="http://schemas.microsoft.com/office/powerpoint/2012/main" xmlns:r="http://schemas.openxmlformats.org/officeDocument/2006/relationships" xmlns:a="http://schemas.openxmlformats.org/drawingml/2006/main" showMasterSp="0" type="secHead" preserve="1">
   <p:cSld name="Section Header">
     <p:bg>
       <p:bgPr>
@@ -1111,8 +1378,14 @@
       </p:grpSpPr>
       <p:sp>
         <p:nvSpPr>
-          <p:cNvPr id="7" name="Rectangle 6"/>
-          <p:cNvSpPr/>
+          <p:cNvPr id="2" name="Rectangle 6"/>
+          <p:cNvSpPr>
+            <a:extLst>
+              <a:ext uri="smNativeData">
+                <pr:smNativeData xmlns:pr="smNativeData" xmlns="smNativeData" val="SMDATA_15_OjGNYRMAAAAlAAAAZAAAAA0AAAAAkAAAAEgAAACQAAAASAAAAAAAAAAAAAAAAAAAAAEAAABQAAAAAAAAAAAA4D8AAAAAAADgPwAAAAAAAOA/AAAAAAAA4D8AAAAAAADgPwAAAAAAAOA/AAAAAAAA4D8AAAAAAADgPwAAAAAAAOA/AAAAAAAA4D8CAAAAjAAAAAEAAAAAAAAAJoPGDf///wgAAAAAAAAAAAAAAAAAAAAAAAAAAAAAAAAAAAAAZAAAAAEAAABAAAAAAAAAAAAAAAAAAAAAAAAAAAAAAAAAAAAAAAAAAAAAAAAAAAAAAAAAAAAAAAAAAAAAAAAAAAAAAAAAAAAAAAAAAAAAAAAAAAAAAAAAAAAAAAAAAAAAFAAAADwAAAAAAAAAAAAAABWAqQAZAAAAAQAAABQAAAAUAAAAFAAAAAEAAAAAAAAAZAAAAGQAAAAAAAAAZAAAAGQAAAAVAAAAYAAAAAAAAAAAAAAADwAAACADAAAAAAAAAAAAAAEAAACgMgAAVgcAAKr4//8BAAAAf39/AAEAAABkAAAAAAAAABQAAABAHwAAAAAAACYAAAAAAAAAwOD//wAAAAAmAAAAZAAAABYAAABMAAAAAAAAAAAAAAAEAAAAAAAAAAEAAADZ4OYKAAAAACgAAAAoAAAAZAAAAGQAAAAAAAAAzMzMAAAAAABQAAAAUAAAAGQAAABkAAAAAAAAABcAAAAUAAAAAAAAAAAAAAD/fwAA/38AAAAAAAAJAAAABAAAAE8LPfUeAAAAaAAAAAAAAAAAAAAAAAAAAAAAAAAAAAAAECcAABAnAAAAAAAAAAAAAAAAAAAAAAAAAAAAAAAAAAAAAAAAAAAAABQAAAAAAAAAwMD/AAAAAABkAAAAMgAAAAAAAABkAAAAAAAAAH9/fwAKAAAAIgAAABgAAAAAAAAAAAAAAAAAAAAAAAAAAAAAAAAAAAAkAAAAJAAAAAAAAAAHAAAAAAAAAAAAAAAAAAAAAAAAAAAAAAAAAAAAf39/ACUAAABYAAAAAAAAAAAAAAAAAAAAAAAAAAAAAAAAAAAAAAAAAAAAAAAAAAAAAAAAAAAAAAA/AAAAAAAAAKCGAQAAAAAAAAAAAAAAAAAMAAAAAQAAAAAAAAAAAAAAAAAAAB8AAABUAAAAAAAABgAAAAEAAAAAAAAAAAAAAAAAAAAAAAAAAAAAAAAAAAAAAAAAABWAqQB/f38AAAAAA8zMzADAwP8Af39/AAAAAAAAAAAAAAAAAAAAAAAAAAAAIQAAABgAAAAUAAAABQAAAGAnAAAASwAAMCoAABAAAAAmAAAACAAAAP//////////"/>
+              </a:ext>
+            </a:extLst>
+          </p:cNvSpPr>
           <p:nvPr/>
         </p:nvSpPr>
         <p:spPr>
@@ -1129,34 +1402,25 @@
           <a:ln>
             <a:noFill/>
           </a:ln>
-        </p:spPr>
-        <p:style>
-          <a:lnRef idx="2">
-            <a:schemeClr val="accent1">
-              <a:shade val="50000"/>
-            </a:schemeClr>
-          </a:lnRef>
-          <a:fillRef idx="1">
-            <a:schemeClr val="accent1"/>
-          </a:fillRef>
-          <a:effectRef idx="0">
-            <a:schemeClr val="accent1"/>
-          </a:effectRef>
-          <a:fontRef idx="minor">
-            <a:schemeClr val="lt1"/>
-          </a:fontRef>
-        </p:style>
-      </p:sp>
-      <p:sp>
-        <p:nvSpPr>
-          <p:cNvPr id="8" name="Rectangle 7"/>
-          <p:cNvSpPr/>
+          <a:effectLst/>
+        </p:spPr>
+      </p:sp>
+      <p:sp>
+        <p:nvSpPr>
+          <p:cNvPr id="3" name="Rectangle 7"/>
+          <p:cNvSpPr>
+            <a:extLst>
+              <a:ext uri="smNativeData">
+                <pr:smNativeData xmlns:pr="smNativeData" xmlns="smNativeData" val="SMDATA_15_OjGNYRMAAAAlAAAAZAAAAA0AAAAAkAAAAEgAAACQAAAASAAAAAAAAAAAAAAAAAAAAAEAAABQAAAAAAAAAAAA4D8AAAAAAADgPwAAAAAAAOA/AAAAAAAA4D8AAAAAAADgPwAAAAAAAOA/AAAAAAAA4D8AAAAAAADgPwAAAAAAAOA/AAAAAAAA4D8CAAAAjAAAAAEAAAAAAAAAHK3kDP///wgAAAAAAAAAAAAAAAAAAAAAAAAAAAAAAAAAAAAAZAAAAAEAAABAAAAAAAAAAAAAAAAAAAAAAAAAAAAAAAAAAAAAAAAAAAAAAAAAAAAAAAAAAAAAAAAAAAAAAAAAAAAAAAAAAAAAAAAAAAAAAAAAAAAAAAAAAAAAAAAAAAAAFAAAADwAAAAAAAAAAAAAABWAqQAZAAAAAQAAABQAAAAUAAAAFAAAAAEAAAAAAAAAZAAAAGQAAAAAAAAAZAAAAGQAAAAVAAAAYAAAAAAAAAAAAAAADwAAACADAAAAAAAAAAAAAAEAAACgMgAAVgcAAKr4//8BAAAAf39/AAEAAABkAAAAAAAAABQAAABAHwAAAAAAACYAAAAAAAAAwOD//wAAAAAmAAAAZAAAABYAAABMAAAAAAAAAAAAAAAEAAAAAAAAAAEAAADZ4OYKAAAAACgAAAAoAAAAZAAAAGQAAAAAAAAAzMzMAAAAAABQAAAAUAAAAGQAAABkAAAAAAAAABcAAAAUAAAAAAAAAAAAAAD/fwAA/38AAAAAAAAJAAAABAAAAPO+Vr8eAAAAaAAAAAAAAAAAAAAAAAAAAAAAAAAAAAAAECcAABAnAAAAAAAAAAAAAAAAAAAAAAAAAAAAAAAAAAAAAAAAAAAAABQAAAAAAAAAwMD/AAAAAABkAAAAMgAAAAAAAABkAAAAAAAAAH9/fwAKAAAAIgAAABgAAAAAAAAAAAAAAAAAAAAAAAAAAAAAAAAAAAAkAAAAJAAAAAAAAAAHAAAAAAAAAAAAAAAAAAAAAAAAAAAAAAAAAAAAf39/ACUAAABYAAAAAAAAAAAAAAAAAAAAAAAAAAAAAAAAAAAAAAAAAAAAAAAAAAAAAAAAAAAAAAA/AAAAAAAAAKCGAQAAAAAAAAAAAAAAAAAMAAAAAQAAAAAAAAAAAAAAAAAAAB8AAABUAAAAAAAABQAAAAEAAAAAAAAAAAAAAAAAAAAAAAAAAAAAAAAAAAAAAAAAABWAqQB/f38AAAAAA8zMzADAwP8Af39/AAAAAAAAAAAAAAAAAAAAAAAAAAAAIQAAABgAAAAUAAAAAAAAAPcmAAD7SgAAXCcAABAAAAAmAAAACAAAAP//////////"/>
+              </a:ext>
+            </a:extLst>
+          </p:cNvSpPr>
           <p:nvPr/>
         </p:nvSpPr>
         <p:spPr>
           <a:xfrm>
-            <a:off x="15" y="6334316"/>
-            <a:ext cx="12188825" cy="64008"/>
+            <a:off x="0" y="6334125"/>
+            <a:ext cx="12188825" cy="64135"/>
           </a:xfrm>
           <a:prstGeom prst="rect">
             <a:avLst/>
@@ -1167,29 +1431,19 @@
           <a:ln>
             <a:noFill/>
           </a:ln>
-        </p:spPr>
-        <p:style>
-          <a:lnRef idx="2">
-            <a:schemeClr val="accent1">
-              <a:shade val="50000"/>
-            </a:schemeClr>
-          </a:lnRef>
-          <a:fillRef idx="1">
-            <a:schemeClr val="accent1"/>
-          </a:fillRef>
-          <a:effectRef idx="0">
-            <a:schemeClr val="accent1"/>
-          </a:effectRef>
-          <a:fontRef idx="minor">
-            <a:schemeClr val="lt1"/>
-          </a:fontRef>
-        </p:style>
-      </p:sp>
-      <p:sp>
-        <p:nvSpPr>
-          <p:cNvPr id="2" name="Title 1"/>
-          <p:cNvSpPr>
-            <a:spLocks noGrp="1"/>
+          <a:effectLst/>
+        </p:spPr>
+      </p:sp>
+      <p:sp>
+        <p:nvSpPr>
+          <p:cNvPr id="4" name="Title 1"/>
+          <p:cNvSpPr>
+            <a:spLocks noGrp="1" noChangeArrowheads="1"/>
+            <a:extLst>
+              <a:ext uri="smNativeData">
+                <pr:smNativeData xmlns:pr="smNativeData" xmlns="smNativeData" val="SMDATA_15_OjGNYRMAAAAlAAAAZAAAAA0AAAAAkAAAAEgAAACQAAAASAAAAAAAAAACAAAAAAAAAAEAAABQAAAAAAAAAAAA4D8AAAAAAADgPwAAAAAAAOA/AAAAAAAA4D8AAAAAAADgPwAAAAAAAOA/AAAAAAAA4D8AAAAAAADgPwAAAAAAAOA/AAAAAAAA4D8CAAAAjAAAAAAAAAAAAAAA////AP///wgAAAAAAAAAAAAAAAAAAAAAAAAAAAAAAAAAAAAAeAAAAAEAAABAAAAAAAAAAAAAAABaAAAAAAAAAAAAAAAAAAAAAAAAAAAAAAAAAAAAAAAAAAAAAAAAAAAAAAAAAAAAAAAAAAAAAAAAAAAAAAAAAAAAAAAAAAAAAAAAAAAAFAAAADwAAAAAAAAAAAAAAAAAAAAPAAAAAQAAACMAAAAjAAAAIwAAAB4AAAAAAAAAZAAAAGQAAAAAAAAAZAAAAGQAAAAVAAAAYAAAAAAAAAAAAAAADwAAACADAAAAAAAAAAAAAAEAAACgMgAAVgcAAKr4//8BAAAAf39/AAEAAABkAAAAAAAAABQAAABAHwAAAAAAACYAAAAAAAAAwOD//wAAAAAmAAAAZAAAABYAAABMAAAAAAAAAAAAAAAEAAAAAAAAAAEAAADZ4OYKAAAAACgAAAAoAAAAZAAAAGQAAAAAAAAAzMzMAAAAAABQAAAAUAAAAGQAAABkAAAAAAAAABcAAAAUAAAAAAAAAAAAAAD/fwAA/38AAAAAAAAJAAAABAAAAAAAAAAeAAAAaAAAAAAAAAAAAAAAAAAAAAAAAAAAAAAAECcAABAnAAAAAAAAAAAAAAAAAAAAAAAAAAAAAAAAAAAAAAAAAAAAABQAAAAAAAAAwMD/AAAAAABkAAAAMgAAAAAAAABkAAAAAAAAAH9/fwAKAAAAIgAAABgAAAAAAAAAAAAAAAAAAAAAAAAAAAAAAAAAAAAkAAAAJAAAAAAAAAAHAAAAAAAAAAAAAAAAAAAAAAAAAAAAAAAAAAAAf39/ACUAAABYAAAAAAAAAAAAAAAAAAAAAAAAAAAAAAAAAAAAAAAAAAAAAAAAAAAAAAAAAAAAAAA/AAAAAAAAAKCGAQAAAAAAAAAAAAAAAAAMAAAAAQAAAAAAAAAAAAAAAAAAAB8AAABUAAAA////AAAAAAEAAAAAAAAAAAAAAAAAAAAAAAAAAAAAAAAAAAAAAAAAAAAAAAB/f38AAAAAA8zMzADAwP8Af39/AAAAAAAAAAAAAAAAAAAAAAAAAAAAIQAAABgAAAAUAAAAwAYAAKsEAACgRAAAmxoAABAAAAAmAAAACAAAAAGgAAAAAAAA"/>
+              </a:ext>
+            </a:extLst>
           </p:cNvSpPr>
           <p:nvPr>
             <p:ph type="title"/>
@@ -1197,163 +1451,189 @@
         </p:nvSpPr>
         <p:spPr>
           <a:xfrm>
-            <a:off x="1097280" y="758952"/>
+            <a:off x="1097280" y="758825"/>
             <a:ext cx="10058400" cy="3566160"/>
           </a:xfrm>
         </p:spPr>
         <p:txBody>
-          <a:bodyPr anchor="b" anchorCtr="0">
-            <a:normAutofit/>
+          <a:bodyPr vert="horz" wrap="square" lIns="91440" tIns="45720" rIns="91440" bIns="45720" numCol="1" spcCol="215900" anchor="b">
+            <a:prstTxWarp prst="textNoShape">
+              <a:avLst/>
+            </a:prstTxWarp>
           </a:bodyPr>
           <a:lstStyle>
             <a:lvl1pPr>
               <a:lnSpc>
                 <a:spcPct val="85000"/>
               </a:lnSpc>
-              <a:defRPr sz="8000" b="0">
+              <a:defRPr lang="en-us" sz="8000" b="0" cap="none">
                 <a:solidFill>
-                  <a:schemeClr val="tx1">
-                    <a:lumMod val="85000"/>
-                    <a:lumOff val="15000"/>
-                  </a:schemeClr>
+                  <a:srgbClr val="262626"/>
                 </a:solidFill>
               </a:defRPr>
             </a:lvl1pPr>
+            <a:lvl2pPr>
+              <a:defRPr lang="en-us"/>
+            </a:lvl2pPr>
+            <a:lvl3pPr>
+              <a:defRPr lang="en-us"/>
+            </a:lvl3pPr>
+            <a:lvl4pPr>
+              <a:defRPr lang="en-us"/>
+            </a:lvl4pPr>
+            <a:lvl5pPr>
+              <a:defRPr lang="en-us"/>
+            </a:lvl5pPr>
+            <a:lvl6pPr>
+              <a:defRPr lang="en-us"/>
+            </a:lvl6pPr>
+            <a:lvl7pPr>
+              <a:defRPr lang="en-us"/>
+            </a:lvl7pPr>
+            <a:lvl8pPr>
+              <a:defRPr lang="en-us"/>
+            </a:lvl8pPr>
+            <a:lvl9pPr>
+              <a:defRPr lang="en-us"/>
+            </a:lvl9pPr>
           </a:lstStyle>
           <a:p>
-            <a:r>
-              <a:rPr lang="en-GB"/>
+            <a:pPr>
+              <a:defRPr lang="en-us"/>
+            </a:pPr>
+            <a:r>
+              <a:rPr lang="en-gb" cap="none"/>
               <a:t>Click to edit Master title style</a:t>
             </a:r>
-            <a:endParaRPr lang="en-US" dirty="0"/>
-          </a:p>
-        </p:txBody>
-      </p:sp>
-      <p:sp>
-        <p:nvSpPr>
-          <p:cNvPr id="3" name="Text Placeholder 2"/>
-          <p:cNvSpPr>
-            <a:spLocks noGrp="1"/>
+          </a:p>
+        </p:txBody>
+      </p:sp>
+      <p:sp>
+        <p:nvSpPr>
+          <p:cNvPr id="5" name="Text Placeholder 2"/>
+          <p:cNvSpPr>
+            <a:spLocks noGrp="1" noChangeArrowheads="1"/>
+            <a:extLst>
+              <a:ext uri="smNativeData">
+                <pr:smNativeData xmlns:pr="smNativeData" xmlns="smNativeData" val="SMDATA_15_OjGNYRMAAAAlAAAAZAAAAA0AAAAAkAAAAEgAAACQAAAASAAAAAAAAAAAAAAAAAAAAAEAAABQAAAAAAAAAAAA4D8AAAAAAADgPwAAAAAAAOA/AAAAAAAA4D8AAAAAAADgPwAAAAAAAOA/AAAAAAAA4D8AAAAAAADgPwAAAAAAAOA/AAAAAAAA4D8CAAAAjAAAAAAAAAAAAAAA////AP///wgAAAAAAAAAAAAAAAAAAAAAAAAAAAAAAAAAAAAAeAAAAAEAAABAAAAAAAAAAAAAAABaAAAAAAAAAAAAAAAAAAAAAAAAAAAAAAAAAAAAAAAAAAAAAAAAAAAAAAAAAAAAAAAAAAAAAAAAAAAAAAAAAAAAAAAAAAAAAAAAAAAAFAAAADwAAAAAAAAAAAAAAAAAAAAPAAAAAQAAACMAAAAjAAAAIwAAAB4AAAAAAAAAZAAAAGQAAAAAAAAAZAAAAGQAAAAVAAAAYAAAAAAAAAAAAAAADwAAACADAAAAAAAAAAAAAAEAAACgMgAAVgcAAKr4//8BAAAAf39/AAEAAABkAAAAAAAAABQAAABAHwAAAAAAACYAAAAAAAAAwOD//wAAAAAmAAAAZAAAABYAAABMAAAAAAAAAAAAAAAEAAAAAAAAAAEAAADZ4OYKAAAAACgAAAAoAAAAZAAAAGQAAAAAAAAAzMzMAAAAAABQAAAAUAAAAGQAAABkAAAAAAAAABcAAAAUAAAAAAAAAAAAAAD/fwAA/38AAAAAAAAJAAAABAAAAAAAAAAeAAAAaAAAAAAAAAAAAAAAAAAAAAAAAAAAAAAAECcAABAnAAAAAAAAAAAAAAAAAAAAAAAAAAAAAAAAAAAAAAAAAAAAABQAAAAAAAAAwMD/AAAAAABkAAAAMgAAAAAAAABkAAAAAAAAAH9/fwAKAAAAIgAAABgAAAAAAAAAAAAAAAAAAAAAAAAAAAAAAAAAAAAkAAAAJAAAAAAAAAAHAAAAAAAAAAAAAAAAAAAAAAAAAAAAAAAAAAAAf39/ACUAAABYAAAAAAAAAAAAAAAAAAAAAAAAAAAAAAAAAAAAAAAAAAAAAAAAAAAAAAAAAAAAAAA/AAAAAAAAAKCGAQAAAAAAAAAAAAAAAAAMAAAAAQAAAAAAAAAAAAAAAAAAAB8AAABUAAAA////AAAAAAEAAAAAAAAAAAAAAAAAAAAAAAAAAAAAAAAAAAAAAAAAAAAAAAB/f38AAAAAA8zMzADAwP8Af39/AAAAAAAAAAAAAAAAAAAAAAAAAAAAIQAAABgAAAAUAAAAwAYAAGUbAACgRAAAbSIAABAAAAAmAAAACAAAAA2gAAAAAAAA"/>
+              </a:ext>
+            </a:extLst>
           </p:cNvSpPr>
           <p:nvPr>
-            <p:ph type="body" idx="1"/>
+            <p:ph idx="1"/>
           </p:nvPr>
         </p:nvSpPr>
         <p:spPr>
           <a:xfrm>
-            <a:off x="1097280" y="4453128"/>
+            <a:off x="1097280" y="4453255"/>
             <a:ext cx="10058400" cy="1143000"/>
           </a:xfrm>
         </p:spPr>
         <p:txBody>
-          <a:bodyPr lIns="91440" rIns="91440" anchor="t" anchorCtr="0">
-            <a:normAutofit/>
+          <a:bodyPr vert="horz" wrap="square" lIns="91440" tIns="45720" rIns="91440" bIns="45720" numCol="1" spcCol="215900" anchor="t">
+            <a:prstTxWarp prst="textNoShape">
+              <a:avLst/>
+            </a:prstTxWarp>
           </a:bodyPr>
           <a:lstStyle>
             <a:lvl1pPr marL="0" indent="0">
               <a:buNone/>
-              <a:defRPr sz="2400" cap="all" spc="200" baseline="0">
+              <a:defRPr lang="en-us" sz="2400" cap="all" spc="39" baseline="0">
                 <a:solidFill>
                   <a:schemeClr val="tx2"/>
                 </a:solidFill>
-                <a:latin typeface="+mj-lt"/>
+                <a:latin typeface="Calibri Light" pitchFamily="1" charset="0"/>
+                <a:ea typeface="Calibri" pitchFamily="1" charset="0"/>
+                <a:cs typeface="Calibri" pitchFamily="1" charset="0"/>
               </a:defRPr>
             </a:lvl1pPr>
             <a:lvl2pPr marL="457200" indent="0">
               <a:buNone/>
-              <a:defRPr sz="1800">
+              <a:defRPr lang="en-us" sz="1800" cap="none">
                 <a:solidFill>
-                  <a:schemeClr val="tx1">
-                    <a:tint val="75000"/>
-                  </a:schemeClr>
+                  <a:srgbClr val="8C8C8C"/>
                 </a:solidFill>
               </a:defRPr>
             </a:lvl2pPr>
             <a:lvl3pPr marL="914400" indent="0">
               <a:buNone/>
-              <a:defRPr sz="1600">
+              <a:defRPr lang="en-us" sz="1600" cap="none">
                 <a:solidFill>
-                  <a:schemeClr val="tx1">
-                    <a:tint val="75000"/>
-                  </a:schemeClr>
+                  <a:srgbClr val="8C8C8C"/>
                 </a:solidFill>
               </a:defRPr>
             </a:lvl3pPr>
             <a:lvl4pPr marL="1371600" indent="0">
               <a:buNone/>
-              <a:defRPr sz="1400">
+              <a:defRPr lang="en-us" sz="1400" cap="none">
                 <a:solidFill>
-                  <a:schemeClr val="tx1">
-                    <a:tint val="75000"/>
-                  </a:schemeClr>
+                  <a:srgbClr val="8C8C8C"/>
                 </a:solidFill>
               </a:defRPr>
             </a:lvl4pPr>
             <a:lvl5pPr marL="1828800" indent="0">
               <a:buNone/>
-              <a:defRPr sz="1400">
+              <a:defRPr lang="en-us" sz="1400" cap="none">
                 <a:solidFill>
-                  <a:schemeClr val="tx1">
-                    <a:tint val="75000"/>
-                  </a:schemeClr>
+                  <a:srgbClr val="8C8C8C"/>
                 </a:solidFill>
               </a:defRPr>
             </a:lvl5pPr>
             <a:lvl6pPr marL="2286000" indent="0">
               <a:buNone/>
-              <a:defRPr sz="1400">
+              <a:defRPr lang="en-us" sz="1400" cap="none">
                 <a:solidFill>
-                  <a:schemeClr val="tx1">
-                    <a:tint val="75000"/>
-                  </a:schemeClr>
+                  <a:srgbClr val="8C8C8C"/>
                 </a:solidFill>
               </a:defRPr>
             </a:lvl6pPr>
             <a:lvl7pPr marL="2743200" indent="0">
               <a:buNone/>
-              <a:defRPr sz="1400">
+              <a:defRPr lang="en-us" sz="1400" cap="none">
                 <a:solidFill>
-                  <a:schemeClr val="tx1">
-                    <a:tint val="75000"/>
-                  </a:schemeClr>
+                  <a:srgbClr val="8C8C8C"/>
                 </a:solidFill>
               </a:defRPr>
             </a:lvl7pPr>
             <a:lvl8pPr marL="3200400" indent="0">
               <a:buNone/>
-              <a:defRPr sz="1400">
+              <a:defRPr lang="en-us" sz="1400" cap="none">
                 <a:solidFill>
-                  <a:schemeClr val="tx1">
-                    <a:tint val="75000"/>
-                  </a:schemeClr>
+                  <a:srgbClr val="8C8C8C"/>
                 </a:solidFill>
               </a:defRPr>
             </a:lvl8pPr>
             <a:lvl9pPr marL="3657600" indent="0">
               <a:buNone/>
-              <a:defRPr sz="1400">
+              <a:defRPr lang="en-us" sz="1400" cap="none">
                 <a:solidFill>
-                  <a:schemeClr val="tx1">
-                    <a:tint val="75000"/>
-                  </a:schemeClr>
+                  <a:srgbClr val="8C8C8C"/>
                 </a:solidFill>
               </a:defRPr>
             </a:lvl9pPr>
           </a:lstStyle>
           <a:p>
-            <a:pPr lvl="0"/>
-            <a:r>
-              <a:rPr lang="en-GB"/>
+            <a:pPr>
+              <a:defRPr lang="en-us"/>
+            </a:pPr>
+            <a:r>
+              <a:rPr lang="en-gb" cap="all"/>
               <a:t>Click to edit Master text styles</a:t>
             </a:r>
-          </a:p>
-        </p:txBody>
-      </p:sp>
-      <p:sp>
-        <p:nvSpPr>
-          <p:cNvPr id="4" name="Date Placeholder 3"/>
-          <p:cNvSpPr>
-            <a:spLocks noGrp="1"/>
+            <a:endParaRPr lang="en-gb" cap="all"/>
+          </a:p>
+        </p:txBody>
+      </p:sp>
+      <p:sp>
+        <p:nvSpPr>
+          <p:cNvPr id="6" name="Date Placeholder 3"/>
+          <p:cNvSpPr>
+            <a:spLocks noGrp="1" noChangeArrowheads="1"/>
+            <a:extLst>
+              <a:ext uri="smNativeData">
+                <pr:smNativeData xmlns:pr="smNativeData" xmlns="smNativeData" val="SMDATA_15_OjGNYRMAAAAlAAAAZAAAAA0AAAAAkAAAAEgAAACQAAAASAAAAAAAAAABAAAAAAAAAAEAAABQAAAAAAAAAAAA4D8AAAAAAADgPwAAAAAAAOA/AAAAAAAA4D8AAAAAAADgPwAAAAAAAOA/AAAAAAAA4D8AAAAAAADgPwAAAAAAAOA/AAAAAAAA4D8CAAAAjAAAAAAAAAAAAAAA////AP///wgAAAAAAAAAAAAAAAAAAAAAAAAAAAAAAAAAAAAAeAAAAAEAAABAAAAAAAAAAAAAAABaAAAAAAAAAAAAAAAAAAAAAAAAAAAAAAAAAAAAAAAAAAAAAAAAAAAAAAAAAAAAAAAAAAAAAAAAAAAAAAAAAAAAAAAAAAAAAAAAAAAAFAAAADwAAAAAAAAAAAAAAAAAAAAPAAAAAQAAACMAAAAjAAAAIwAAAB4AAAAAAAAAZAAAAGQAAAAAAAAAZAAAAGQAAAAVAAAAYAAAAAAAAAAAAAAADwAAACADAAAAAAAAAAAAAAEAAACgMgAAVgcAAKr4//8BAAAAf39/AAEAAABkAAAAAAAAABQAAABAHwAAAAAAACYAAAAAAAAAwOD//wAAAAAmAAAAZAAAABYAAABMAAAAAAAAAAAAAAAEAAAAAAAAAAEAAADZ4OYKAAAAACgAAAAoAAAAZAAAAGQAAAAAAAAAzMzMAAAAAABQAAAAUAAAAGQAAABkAAAAAAAAABcAAAAUAAAAAAAAAAAAAAD/fwAA/38AAAAAAAAJAAAABAAAAAAAAAAeAAAAaAAAAAAAAAAAAAAAAAAAAAAAAAAAAAAAECcAABAnAAAAAAAAAAAAAAAAAAAAAAAAAAAAAAAAAAAAAAAAAAAAABQAAAAAAAAAwMD/AAAAAABkAAAAMgAAAAAAAABkAAAAAAAAAH9/fwAKAAAAIgAAABgAAAAAAAAAAAAAAAAAAAAAAAAAAAAAAAAAAAAkAAAAJAAAAAAAAAAHAAAAAAAAAAAAAAAAAAAAAAAAAAAAAAAAAAAAf39/ACUAAABYAAAAAAAAAAAAAAAAAAAAAAAAAAAAAAAAAAAAAAAAAAAAAAAAAAAAAAAAAAAAAAA/AAAAAAAAAKCGAQAAAAAAAAAAAAAAAAAMAAAAAQAAAAAAAAAAAAAAAAAAAB8AAABUAAAA////AAAAAAEAAAAAAAAAAAAAAAAAAAAAAAAAAAAAAAAAAAAAAAAAAAAAAAB/f38AAAAAA8zMzADAwP8Af39/AAAAAAAAAAAAAAAAAAAAAAAAAAAAIQAAABgAAAAUAAAAwAYAAL0nAAD1FQAA/CkAABAAAAAmAAAACAAAAAAAAAAAAAAA"/>
+              </a:ext>
+            </a:extLst>
           </p:cNvSpPr>
           <p:nvPr>
             <p:ph type="dt" sz="half" idx="10"/>
@@ -1364,19 +1644,25 @@
           <a:bodyPr/>
           <a:lstStyle/>
           <a:p>
-            <a:fld id="{96DFF08F-DC6B-4601-B491-B0F83F6DD2DA}" type="datetimeFigureOut">
-              <a:rPr lang="en-US" dirty="0"/>
+            <a:pPr>
+              <a:defRPr lang="en-us"/>
+            </a:pPr>
+            <a:fld id="{3ABB86CB-85D7-EE70-9903-7325C84D6F26}" type="datetime1">
               <a:t>11/11/21</a:t>
             </a:fld>
-            <a:endParaRPr lang="en-US" dirty="0"/>
-          </a:p>
-        </p:txBody>
-      </p:sp>
-      <p:sp>
-        <p:nvSpPr>
-          <p:cNvPr id="5" name="Footer Placeholder 4"/>
-          <p:cNvSpPr>
-            <a:spLocks noGrp="1"/>
+          </a:p>
+        </p:txBody>
+      </p:sp>
+      <p:sp>
+        <p:nvSpPr>
+          <p:cNvPr id="7" name="Footer Placeholder 4"/>
+          <p:cNvSpPr>
+            <a:spLocks noGrp="1" noChangeArrowheads="1"/>
+            <a:extLst>
+              <a:ext uri="smNativeData">
+                <pr:smNativeData xmlns:pr="smNativeData" xmlns="smNativeData" val="SMDATA_15_OjGNYRMAAAAlAAAAZAAAAA0AAAAAkAAAAEgAAACQAAAASAAAAAAAAAABAAAAAAAAAAEAAABQAAAAAAAAAAAA4D8AAAAAAADgPwAAAAAAAOA/AAAAAAAA4D8AAAAAAADgPwAAAAAAAOA/AAAAAAAA4D8AAAAAAADgPwAAAAAAAOA/AAAAAAAA4D8CAAAAjAAAAAAAAAAAAAAA////AP///wgAAAAAAAAAAAAAAAAAAAAAAAAAAAAAAAAAAAAAeAAAAAEAAABAAAAAAAAAAAAAAABaAAAAAAAAAAAAAAAAAAAAAAAAAAAAAAAAAAAAAAAAAAAAAAAAAAAAAAAAAAAAAAAAAAAAAAAAAAAAAAAAAAAAAAAAAAAAAAAAAAAAFAAAADwAAAAAAAAAAAAAAAAAAAAPAAAAAQAAACMAAAAjAAAAIwAAAB4AAAAAAAAAZAAAAGQAAAAAAAAAZAAAAGQAAAAVAAAAYAAAAAAAAAAAAAAADwAAACADAAAAAAAAAAAAAAEAAACgMgAAVgcAAKr4//8BAAAAf39/AAEAAABkAAAAAAAAABQAAABAHwAAAAAAACYAAAAAAAAAwOD//wAAAAAmAAAAZAAAABYAAABMAAAAAAAAAAAAAAAEAAAAAAAAAAEAAADZ4OYKAAAAACgAAAAoAAAAZAAAAGQAAAAAAAAAzMzMAAAAAABQAAAAUAAAAGQAAABkAAAAAAAAABcAAAAUAAAAAAAAAAAAAAD/fwAA/38AAAAAAAAJAAAABAAAAAAAAAAeAAAAaAAAAAAAAAAAAAAAAAAAAAAAAAAAAAAAECcAABAnAAAAAAAAAAAAAAAAAAAAAAAAAAAAAAAAAAAAAAAAAAAAABQAAAAAAAAAwMD/AAAAAABkAAAAMgAAAAAAAABkAAAAAAAAAH9/fwAKAAAAIgAAABgAAAAAAAAAAAAAAAAAAAAAAAAAAAAAAAAAAAAkAAAAJAAAAAAAAAAHAAAAAAAAAAAAAAAAAAAAAAAAAAAAAAAAAAAAf39/ACUAAABYAAAAAAAAAAAAAAAAAAAAAAAAAAAAAAAAAAAAAAAAAAAAAAAAAAAAAAAAAAAAAAA/AAAAAAAAAKCGAQAAAAAAAAAAAAAAAAAMAAAAAQAAAAAAAAAAAAAAAAAAAB8AAABUAAAA////AAAAAAEAAAAAAAAAAAAAAAAAAAAAAAAAAAAAAAAAAAAAAAAAAAAAAAB/f38AAAAAA8zMzADAwP8Af39/AAAAAAAAAAAAAAAAAAAAAAAAAAAAIQAAABgAAAAUAAAArRYAAL0nAABYNAAA/CkAABAAAAAmAAAACAAAAAAAAAAAAAAA"/>
+              </a:ext>
+            </a:extLst>
           </p:cNvSpPr>
           <p:nvPr>
             <p:ph type="ftr" sz="quarter" idx="11"/>
@@ -1387,15 +1673,22 @@
           <a:bodyPr/>
           <a:lstStyle/>
           <a:p>
-            <a:endParaRPr lang="en-US" dirty="0"/>
-          </a:p>
-        </p:txBody>
-      </p:sp>
-      <p:sp>
-        <p:nvSpPr>
-          <p:cNvPr id="6" name="Slide Number Placeholder 5"/>
-          <p:cNvSpPr>
-            <a:spLocks noGrp="1"/>
+            <a:pPr>
+              <a:defRPr lang="en-us"/>
+            </a:pPr>
+          </a:p>
+        </p:txBody>
+      </p:sp>
+      <p:sp>
+        <p:nvSpPr>
+          <p:cNvPr id="8" name="Slide Number Placeholder 5"/>
+          <p:cNvSpPr>
+            <a:spLocks noGrp="1" noChangeArrowheads="1"/>
+            <a:extLst>
+              <a:ext uri="smNativeData">
+                <pr:smNativeData xmlns:pr="smNativeData" xmlns="smNativeData" val="SMDATA_15_OjGNYRMAAAAlAAAAZAAAAA0AAAAAkAAAAEgAAACQAAAASAAAAAAAAAABAAAAAAAAAAEAAABQAAAAAAAAAAAA4D8AAAAAAADgPwAAAAAAAOA/AAAAAAAA4D8AAAAAAADgPwAAAAAAAOA/AAAAAAAA4D8AAAAAAADgPwAAAAAAAOA/AAAAAAAA4D8CAAAAjAAAAAAAAAAAAAAA////AP///wgAAAAAAAAAAAAAAAAAAAAAAAAAAAAAAAAAAAAAeAAAAAEAAABAAAAAAAAAAAAAAABaAAAAAAAAAAAAAAAAAAAAAAAAAAAAAAAAAAAAAAAAAAAAAAAAAAAAAAAAAAAAAAAAAAAAAAAAAAAAAAAAAAAAAAAAAAAAAAAAAAAAFAAAADwAAAAAAAAAAAAAAAAAAAAPAAAAAQAAACMAAAAjAAAAIwAAAB4AAAAAAAAAZAAAAGQAAAAAAAAAZAAAAGQAAAAVAAAAYAAAAAAAAAAAAAAADwAAACADAAAAAAAAAAAAAAEAAACgMgAAVgcAAKr4//8BAAAAf39/AAEAAABkAAAAAAAAABQAAABAHwAAAAAAACYAAAAAAAAAwOD//wAAAAAmAAAAZAAAABYAAABMAAAAAAAAAAAAAAAEAAAAAAAAAAEAAADZ4OYKAAAAACgAAAAoAAAAZAAAAGQAAAAAAAAAzMzMAAAAAABQAAAAUAAAAGQAAABkAAAAAAAAABcAAAAUAAAAAAAAAAAAAAD/fwAA/38AAAAAAAAJAAAABAAAAAAAAAAeAAAAaAAAAAAAAAAAAAAAAAAAAAAAAAAAAAAAECcAABAnAAAAAAAAAAAAAAAAAAAAAAAAAAAAAAAAAAAAAAAAAAAAABQAAAAAAAAAwMD/AAAAAABkAAAAMgAAAAAAAABkAAAAAAAAAH9/fwAKAAAAIgAAABgAAAAAAAAAAAAAAAAAAAAAAAAAAAAAAAAAAAAkAAAAJAAAAAAAAAAHAAAAAAAAAAAAAAAAAAAAAAAAAAAAAAAAAAAAf39/ACUAAABYAAAAAAAAAAAAAAAAAAAAAAAAAAAAAAAAAAAAAAAAAAAAAAAAAAAAAAAAAAAAAAA/AAAAAAAAAKCGAQAAAAAAAAAAAAAAAAAMAAAAAQAAAAAAAAAAAAAAAAAAAB8AAABUAAAA////AAAAAAEAAAAAAAAAAAAAAAAAAAAAAAAAAAAAAAAAAAAAAAAAAAAAAAB/f38AAAAAA8zMzADAwP8Af39/AAAAAAAAAAAAAAAAAAAAAAAAAAAAIQAAABgAAAAUAAAAEDUAAL0nAAAiPQAA/CkAABAAAAAmAAAACAAAAAAAAAAAAAAA"/>
+              </a:ext>
+            </a:extLst>
           </p:cNvSpPr>
           <p:nvPr>
             <p:ph type="sldNum" sz="quarter" idx="12"/>
@@ -1406,79 +1699,80 @@
           <a:bodyPr/>
           <a:lstStyle/>
           <a:p>
-            <a:fld id="{4FAB73BC-B049-4115-A692-8D63A059BFB8}" type="slidenum">
-              <a:rPr lang="en-US" dirty="0"/>
+            <a:pPr>
+              <a:defRPr lang="en-us"/>
+            </a:pPr>
+            <a:fld id="{6D96AA24-6A80-C35C-CE2E-9C09E46038C9}" type="slidenum">
               <a:t>‹#›</a:t>
             </a:fld>
-            <a:endParaRPr lang="en-US" dirty="0"/>
-          </a:p>
-        </p:txBody>
-      </p:sp>
-      <p:cxnSp>
-        <p:nvCxnSpPr>
+          </a:p>
+        </p:txBody>
+      </p:sp>
+      <p:sp>
+        <p:nvSpPr>
           <p:cNvPr id="9" name="Straight Connector 8"/>
-          <p:cNvCxnSpPr/>
+          <p:cNvSpPr>
+            <a:extLst>
+              <a:ext uri="smNativeData">
+                <pr:smNativeData xmlns:pr="smNativeData" xmlns="smNativeData" val="SMDATA_15_OjGNYRMAAAAlAAAACgAAAA0AAAAAkAAAAEgAAACQAAAASAAAAAAAAAAAAAAAAAAAAAEAAABQAAAAAAAAAAAA4D8AAAAAAADgPwAAAAAAAOA/AAAAAAAA4D8AAAAAAADgPwAAAAAAAOA/AAAAAAAA4D8AAAAAAADgPwAAAAAAAOA/AAAAAAAA4D8CAAAAjAAAAAAAAAAAAAAA////AP///wgAAAAAAAAAAAAAAAAAAAAAAAAAAAAAAAAAAAAAeAAAAAEAAABAAAAAAAAAAAAAAABaAAAAAAAAAAAAAAAAAAAAAAAAAAAAAAAAAAAAAAAAAAAAAAAAAAAAAAAAAAAAAAAAAAAAAAAAAAAAAAAAAAAAAAAAAAAAAAAAAAAAFAAAADwAAAABAAAAAAAAAH9/fwAKAAAAAQAAABQAAAAUAAAAFAAAAAEAAAAAAAAAZAAAAGQAAAAAAAAAZAAAAGQAAAAVAAAAYAAAAAAAAAAAAAAADwAAACADAAAAAAAAAAAAAAEAAACgMgAAVgcAAKr4//8BAAAAf39/AAEAAABkAAAAAAAAABQAAABAHwAAAAAAACYAAAAAAAAAwOD//wAAAAAmAAAAZAAAABYAAABMAAAAAAAAAAAAAAAEAAAAAAAAAAEAAADZ4OYKAAAAACgAAAAoAAAAZAAAAGQAAAAAAAAAzMzMAAAAAABQAAAAUAAAAGQAAABkAAAAAAAAABcAAAAUAAAAAAAAAAAAAAD/fwAA/38AAAAAAAAJAAAABAAAAK/JPVseAAAAaAAAAAAAAAAAAAAAAAAAAAAAAAAAAAAAECcAABAnAAAAAAAAAAAAAAAAAAAAAAAAAAAAAAAAAAAAAAAAAAAAABQAAAAAAAAAwMD/AAAAAABkAAAAMgAAAAAAAABkAAAAAAAAAH9/fwAKAAAAIgAAABgAAAAAAAAAAAAAAAAAAAAAAAAAAAAAAAAAAAAkAAAAJAAAAAAAAAAHAAAAAAAAAAAAAAAAAAAAAAAAAAAAAAAAAAAAf39/ACUAAABYAAAAAAAAAAAAAAAAAAAAAAAAAAAAAAAAAAAAAAAAAAAAAAAAAAAAAAAAAAAAAAA/AAAAAAAAAKCGAQAAAAAAAAAAAAAAAAAMAAAAAQAAAAAAAAAAAAAAAAAAAB8AAABUAAAA////AAAAAAEAAAAAAAAAAAAAAAAAAAAAAAAAAAAAAAAAAAAAAAAAAH9/fwB/f38AAAAAA8zMzADAwP8Af39/AAAAAAAAAAAAAAAAAAAAAAAAAAAAIQAAABgAAAAUAAAAbgcAALgaAAAuRAAAuBoAABAAAAAmAAAACAAAAP//////////"/>
+              </a:ext>
+            </a:extLst>
+          </p:cNvSpPr>
           <p:nvPr/>
-        </p:nvCxnSpPr>
-        <p:spPr>
-          <a:xfrm>
-            <a:off x="1207658" y="4343400"/>
+        </p:nvSpPr>
+        <p:spPr>
+          <a:xfrm>
+            <a:off x="1207770" y="4343400"/>
             <a:ext cx="9875520" cy="0"/>
           </a:xfrm>
           <a:prstGeom prst="line">
             <a:avLst/>
           </a:prstGeom>
-          <a:ln w="6350">
+          <a:noFill/>
+          <a:ln w="6350" cap="flat" cmpd="sng" algn="ctr">
             <a:solidFill>
-              <a:schemeClr val="tx1">
-                <a:lumMod val="50000"/>
-                <a:lumOff val="50000"/>
-              </a:schemeClr>
+              <a:srgbClr val="7F7F7F"/>
             </a:solidFill>
+            <a:prstDash val="solid"/>
+            <a:headEnd type="none"/>
+            <a:tailEnd type="none"/>
           </a:ln>
-        </p:spPr>
-        <p:style>
-          <a:lnRef idx="1">
-            <a:schemeClr val="accent1"/>
-          </a:lnRef>
-          <a:fillRef idx="0">
-            <a:schemeClr val="accent1"/>
-          </a:fillRef>
-          <a:effectRef idx="0">
-            <a:schemeClr val="accent1"/>
-          </a:effectRef>
-          <a:fontRef idx="minor">
-            <a:schemeClr val="tx1"/>
-          </a:fontRef>
-        </p:style>
-      </p:cxnSp>
+          <a:effectLst/>
+        </p:spPr>
+      </p:sp>
       <p:pic>
         <p:nvPicPr>
           <p:cNvPr id="10" name="Picture 9"/>
           <p:cNvPicPr>
             <a:picLocks noChangeAspect="1"/>
+            <a:extLst>
+              <a:ext uri="smNativeData">
+                <pr:smNativeData xmlns:pr="smNativeData" xmlns="smNativeData" val="SMDATA_17_OjGNYRMAAAAlAAAAEQAAAC0AAAAAkAAAAEgAAACQAAAASAAAAAAAAAAAAAAAAAAAAAEAAABQAAAAAAAAAAAA4D8AAAAAAADgPwAAAAAAAOA/AAAAAAAA4D8AAAAAAADgPwAAAAAAAOA/AAAAAAAA4D8AAAAAAADgPwAAAAAAAOA/AAAAAAAA4D8CAAAAjAAAAAAAAAAAAAAAHK3kDP///wgAAAAAAAAAAAAAAAAAAAAAAAAAAAAAAAAAAAAAZAAAAAEAAABAAAAAAAAAAAAAAAAAAAAAAAAAAAAAAAAAAAAAAAAAAAAAAAAAAAAAAAAAAAAAAAAAAAAAAAAAAAAAAAAAAAAAAAAAAAAAAAAAAAAAAAAAAAAAAAAAAAAAFAAAADwAAAAAAAAAAAAAAAAAAAkUAAAAAQAAABQAAAAUAAAAFAAAAAEAAAAAAAAAZAAAAGQAAAAAAAAAZAAAAGQAAAAVAAAAYAAAAAAAAAAAAAAADwAAACADAAAAAAAAAAAAAAEAAACgMgAAVgcAAKr4//8BAAAAf39/AAEAAABkAAAAAAAAABQAAABAHwAAAAAAACYAAAAAAAAAwOD//wAAAAAmAAAAZAAAABYAAABMAAAAAAAAAAAAAAAEAAAAAAAAAAEAAADZ4OYKAAAAACgAAAAoAAAAZAAAAGQAAAAAAAAAzMzMAAAAAABQAAAAUAAAAGQAAABkAAAAAAAAAAcAAAA4AAAAAAAAAAAAAAAAAAAA////AAAAAAAAAAAASwQAANIGAAAAAAAAYw0AAAAAAABkAAAAZAAAAAAAAAAjAAAABAAAAGQAAAAXAAAAFAAAAAAAAAAAAAAA/38AAP9/AAAAAAAACQAAAAQAAAD2Ve/YHgAAAGgAAAAAAAAAAAAAAAAAAAAAAAAAAAAAABAnAAAQJwAAAAAAAAAAAAAAAAAAAAAAAAAAAAAAAAAAAAAAAAAAAAAUAAAAAAAAAMDA/wAAAAAAZAAAADIAAAAAAAAAZAAAAAAAAAB/f38ACgAAACIAAAAYAAAAAAAAAAAAAAAAAAAAAAAAAAAAAAAAAAAAJAAAACQAAAAAAAAABwAAAAAAAAAAAAAAAAAAAAAAAAAAAAAAAAAAAH9/fwAlAAAAWAAAAAAAAAAAAAAAAAAAAAAAAAAAAAAAAAAAAAAAAAAAAAAAAAAAAAAAAAAAAAAAPwAAAAAAAACghgEAAAAAAAAAAAAAAAAADAAAAAEAAAAAAAAAAAAAAAAAAAAfAAAAVAAAAAAAAAUAAAABAAAAAAAAAAAAAAAAAAAAAAAAAAAAAAAAAAAAAAAAAAAAAAACf39/AAAAAAPMzMwAwMD/AH9/fwAAAAAAAAAAAAAAAAD///8AAAAAACEAAAAYAAAAFAAAAL0+AACeJwAAg0oAAPIpAAAQAAAAJgAAAAgAAAD//////////w=="/>
+              </a:ext>
+            </a:extLst>
           </p:cNvPicPr>
-          <p:nvPr userDrawn="1"/>
+          <p:nvPr/>
         </p:nvPicPr>
-        <p:blipFill rotWithShape="1">
-          <a:blip r:embed="rId2">
-            <a:extLst>
-              <a:ext uri="{28A0092B-C50C-407E-A947-70E740481C1C}">
-                <a14:useLocalDpi xmlns:a14="http://schemas.microsoft.com/office/drawing/2010/main" val="0"/>
-              </a:ext>
-            </a:extLst>
-          </a:blip>
-          <a:srcRect l="10991" t="17465" b="34266"/>
-          <a:stretch/>
+        <p:blipFill>
+          <a:blip r:embed="rId2"/>
+          <a:srcRect l="10990" t="17460" r="0" b="34270"/>
+          <a:stretch>
+            <a:fillRect/>
+          </a:stretch>
         </p:blipFill>
         <p:spPr>
           <a:xfrm>
-            <a:off x="10198628" y="6440172"/>
-            <a:ext cx="1914104" cy="378456"/>
+            <a:off x="10198735" y="6440170"/>
+            <a:ext cx="1913890" cy="378460"/>
           </a:xfrm>
           <a:prstGeom prst="rect">
             <a:avLst/>
           </a:prstGeom>
+          <a:noFill/>
+          <a:ln>
+            <a:noFill/>
+          </a:ln>
+          <a:effectLst/>
         </p:spPr>
       </p:pic>
     </p:spTree>
@@ -1486,11 +1780,12 @@
   <p:clrMapOvr>
     <a:masterClrMapping/>
   </p:clrMapOvr>
+  <p:hf hdr="0" ftr="0"/>
 </p:sldLayout>
 </file>
 
 <file path=ppt/slideLayouts/slideLayout4.xml><?xml version="1.0" encoding="utf-8"?>
-<p:sldLayout xmlns:a="http://schemas.openxmlformats.org/drawingml/2006/main" xmlns:r="http://schemas.openxmlformats.org/officeDocument/2006/relationships" xmlns:p="http://schemas.openxmlformats.org/presentationml/2006/main" type="twoObj" preserve="1">
+<p:sldLayout xmlns:p="http://schemas.openxmlformats.org/presentationml/2006/main" xmlns:mc="http://schemas.openxmlformats.org/markup-compatibility/2006" xmlns:p14="http://schemas.microsoft.com/office/powerpoint/2010/main" xmlns:p15="http://schemas.microsoft.com/office/powerpoint/2012/main" xmlns:r="http://schemas.openxmlformats.org/officeDocument/2006/relationships" xmlns:a="http://schemas.openxmlformats.org/drawingml/2006/main" type="twoObj" preserve="1">
   <p:cSld name="Two Content">
     <p:spTree>
       <p:nvGrpSpPr>
@@ -1508,29 +1803,31 @@
       </p:grpSpPr>
       <p:sp>
         <p:nvSpPr>
-          <p:cNvPr id="8" name="Title 7"/>
-          <p:cNvSpPr>
-            <a:spLocks noGrp="1"/>
+          <p:cNvPr id="2" name="Title 7"/>
+          <p:cNvSpPr>
+            <a:spLocks noGrp="1" noChangeArrowheads="1"/>
+            <a:extLst>
+              <a:ext uri="smNativeData">
+                <pr:smNativeData xmlns:pr="smNativeData" xmlns="smNativeData" val="SMDATA_15_OjGNYRMAAAAlAAAAZAAAAA0AAAAAkAAAAEgAAACQAAAASAAAAAAAAAACAAAAAAAAAAEAAABQAAAAAAAAAAAA4D8AAAAAAADgPwAAAAAAAOA/AAAAAAAA4D8AAAAAAADgPwAAAAAAAOA/AAAAAAAA4D8AAAAAAADgPwAAAAAAAOA/AAAAAAAA4D8CAAAAjAAAAAAAAAAAAAAA////AP///wgAAAAAAAAAAAAAAAAAAAAAAAAAAAAAAAAAAAAAeAAAAAEAAABAAAAAAAAAAAAAAABaAAAAAAAAAAAAAAAAAAAAAAAAAAAAAAAAAAAAAAAAAAAAAAAAAAAAAAAAAAAAAAAAAAAAAAAAAAAAAAAAAAAAAAAAAAAAAAAAAAAAFAAAADwAAAAAAAAAAAAAAAAAAAAPAAAAAQAAACMAAAAjAAAAIwAAAB4AAAAAAAAAZAAAAGQAAAAAAAAAZAAAAGQAAAAVAAAAYAAAAAAAAAAAAAAADwAAACADAAAAAAAAAAAAAAEAAACgMgAAVgcAAKr4//8BAAAAf39/AAEAAABkAAAAAAAAABQAAABAHwAAAAAAACYAAAAAAAAAwOD//wAAAAAmAAAAZAAAABYAAABMAAAAAAAAAAAAAAAEAAAAAAAAAAEAAADZ4OYKAAAAACgAAAAoAAAAZAAAAGQAAAAAAAAAzMzMAAAAAABQAAAAUAAAAGQAAABkAAAAAAAAABcAAAAUAAAAAAAAAAAAAAD/fwAA/38AAAAAAAAJAAAABAAAANAgJgEeAAAAaAAAAAAAAAAAAAAAAAAAAAAAAAAAAAAAECcAABAnAAAAAAAAAAAAAAAAAAAAAAAAAAAAAAAAAAAAAAAAAAAAABQAAAAAAAAAwMD/AAAAAABkAAAAMgAAAAAAAABkAAAAAAAAAH9/fwAKAAAAIgAAABgAAAAAAAAAAAAAAAAAAAAAAAAAAAAAAAAAAAAkAAAAJAAAAAAAAAAHAAAAAAAAAAAAAAAAAAAAAAAAAAAAAAAAAAAAf39/ACUAAABYAAAAAAAAAAAAAAAAAAAAAAAAAAAAAAAAAAAAAAAAAAAAAAAAAAAAAAAAAAAAAAA/AAAAAAAAAKCGAQAAAAAAAAAAAAAAAAAMAAAAAQAAAAAAAAAAAAAAAAAAAB8AAABUAAAA////AAAAAAEAAAAAAAAAAAAAAAAAAAAAAAAAAAAAAAAAAAAAAAAAAAAAAAB/f38AAAAAA8zMzADAwP8Af39/AAAAAAAAAAAAAAAAAAAAAAAAAAAAIQAAABgAAAAUAAAAwAYAAMMBAACgRAAAsAoAABAAAAAmAAAACAAAAAAAAAAAAAAA"/>
+              </a:ext>
+            </a:extLst>
           </p:cNvSpPr>
           <p:nvPr>
             <p:ph type="title"/>
           </p:nvPr>
         </p:nvSpPr>
-        <p:spPr>
-          <a:xfrm>
-            <a:off x="1097280" y="286603"/>
-            <a:ext cx="10058400" cy="1450757"/>
-          </a:xfrm>
-        </p:spPr>
+        <p:spPr/>
         <p:txBody>
           <a:bodyPr/>
           <a:lstStyle/>
           <a:p>
-            <a:r>
-              <a:rPr lang="en-GB"/>
+            <a:pPr>
+              <a:defRPr lang="en-us"/>
+            </a:pPr>
+            <a:r>
+              <a:rPr lang="en-gb" cap="none"/>
               <a:t>Click to edit Master title style</a:t>
             </a:r>
-            <a:endParaRPr lang="en-US" dirty="0"/>
           </a:p>
         </p:txBody>
       </p:sp>
@@ -1538,56 +1835,74 @@
         <p:nvSpPr>
           <p:cNvPr id="3" name="Content Placeholder 2"/>
           <p:cNvSpPr>
-            <a:spLocks noGrp="1"/>
+            <a:spLocks noGrp="1" noChangeArrowheads="1"/>
+            <a:extLst>
+              <a:ext uri="smNativeData">
+                <pr:smNativeData xmlns:pr="smNativeData" xmlns="smNativeData" val="SMDATA_15_OjGNYRMAAAAlAAAAZAAAAA0AAAAAAAAAAEgAAAAAAAAASAAAAAAAAAAAAAAAAAAAAAEAAABQAAAAAAAAAAAA4D8AAAAAAADgPwAAAAAAAOA/AAAAAAAA4D8AAAAAAADgPwAAAAAAAOA/AAAAAAAA4D8AAAAAAADgPwAAAAAAAOA/AAAAAAAA4D8CAAAAjAAAAAAAAAAAAAAA////AP///wgAAAAAAAAAAAAAAAAAAAAAAAAAAAAAAAAAAAAAeAAAAAEAAABAAAAAAAAAAAAAAABaAAAAAAAAAAAAAAAAAAAAAAAAAAAAAAAAAAAAAAAAAAAAAAAAAAAAAAAAAAAAAAAAAAAAAAAAAAAAAAAAAAAAAAAAAAAAAAAAAAAAFAAAADwAAAAAAAAAAAAAAAAAAAAPAAAAAQAAACMAAAAjAAAAIwAAAB4AAAAAAAAAZAAAAGQAAAAAAAAAZAAAAGQAAAAVAAAAYAAAAAAAAAAAAAAADwAAACADAAAAAAAAAAAAAAEAAACgMgAAVgcAAKr4//8BAAAAf39/AAEAAABkAAAAAAAAABQAAABAHwAAAAAAACYAAAAAAAAAwOD//wAAAAAmAAAAZAAAABYAAABMAAAAAAAAAAAAAAAEAAAAAAAAAAEAAADZ4OYKAAAAACgAAAAoAAAAZAAAAGQAAAAAAAAAzMzMAAAAAABQAAAAUAAAAGQAAABkAAAAAAAAABcAAAAUAAAAAAAAAAAAAAD/fwAA/38AAAAAAAAJAAAABAAAAAAAAAAeAAAAaAAAAAAAAAAAAAAAAAAAAAAAAAAAAAAAECcAABAnAAAAAAAAAAAAAAAAAAAAAAAAAAAAAAAAAAAAAAAAAAAAABQAAAAAAAAAwMD/AAAAAABkAAAAMgAAAAAAAABkAAAAAAAAAH9/fwAKAAAAIgAAABgAAAAAAAAAAAAAAAAAAAAAAAAAAAAAAAAAAAAkAAAAJAAAAAAAAAAHAAAAAAAAAAAAAAAAAAAAAAAAAAAAAAAAAAAAf39/ACUAAABYAAAAAAAAAAAAAAAAAAAAAAAAAAAAAAAAAAAAAAAAAAAAAAAAAAAAAAAAAAAAAAA/AAAAAAAAAKCGAQAAAAAAAAAAAAAAAAAMAAAAAQAAAAAAAAAAAAAAAAAAAB8AAABUAAAA////AAAAAAEAAAAAAAAAAAAAAAAAAAAAAAAAAAAAAAAAAAAAAAAAAAAAAAB/f38AAAAAA8zMzADAwP8Af39/AAAAAAAAAAAAAAAAAAAAAAAAAAAAIQAAABgAAAAUAAAAwAYAAFsLAAAgJQAAGyQAABAAAAAmAAAACAAAAAEAAAAAAAAA"/>
+              </a:ext>
+            </a:extLst>
           </p:cNvSpPr>
           <p:nvPr>
-            <p:ph sz="half" idx="1"/>
+            <p:ph idx="1"/>
           </p:nvPr>
         </p:nvSpPr>
         <p:spPr>
           <a:xfrm>
-            <a:off x="1097280" y="1845734"/>
-            <a:ext cx="4937760" cy="4023359"/>
+            <a:off x="1097280" y="1845945"/>
+            <a:ext cx="4937760" cy="4023360"/>
           </a:xfrm>
         </p:spPr>
         <p:txBody>
           <a:bodyPr/>
           <a:lstStyle/>
           <a:p>
-            <a:pPr lvl="0"/>
-            <a:r>
-              <a:rPr lang="en-GB"/>
+            <a:pPr>
+              <a:defRPr lang="en-us"/>
+            </a:pPr>
+            <a:r>
+              <a:rPr lang="en-gb" cap="none"/>
               <a:t>Click to edit Master text styles</a:t>
             </a:r>
-          </a:p>
-          <a:p>
-            <a:pPr lvl="1"/>
-            <a:r>
-              <a:rPr lang="en-GB"/>
+            <a:endParaRPr lang="en-gb" cap="none"/>
+          </a:p>
+          <a:p>
+            <a:pPr lvl="1">
+              <a:defRPr lang="en-us"/>
+            </a:pPr>
+            <a:r>
+              <a:rPr lang="en-gb" cap="none"/>
               <a:t>Second level</a:t>
             </a:r>
-          </a:p>
-          <a:p>
-            <a:pPr lvl="2"/>
-            <a:r>
-              <a:rPr lang="en-GB"/>
+            <a:endParaRPr lang="en-gb" cap="none"/>
+          </a:p>
+          <a:p>
+            <a:pPr lvl="2">
+              <a:defRPr lang="en-us"/>
+            </a:pPr>
+            <a:r>
+              <a:rPr lang="en-gb" cap="none"/>
               <a:t>Third level</a:t>
             </a:r>
-          </a:p>
-          <a:p>
-            <a:pPr lvl="3"/>
-            <a:r>
-              <a:rPr lang="en-GB"/>
+            <a:endParaRPr lang="en-gb" cap="none"/>
+          </a:p>
+          <a:p>
+            <a:pPr lvl="3">
+              <a:defRPr lang="en-us"/>
+            </a:pPr>
+            <a:r>
+              <a:rPr lang="en-gb" cap="none"/>
               <a:t>Fourth level</a:t>
             </a:r>
-          </a:p>
-          <a:p>
-            <a:pPr lvl="4"/>
-            <a:r>
-              <a:rPr lang="en-GB"/>
+            <a:endParaRPr lang="en-gb" cap="none"/>
+          </a:p>
+          <a:p>
+            <a:pPr lvl="4">
+              <a:defRPr lang="en-us"/>
+            </a:pPr>
+            <a:r>
+              <a:rPr lang="en-gb" cap="none"/>
               <a:t>Fifth level</a:t>
             </a:r>
-            <a:endParaRPr lang="en-US" dirty="0"/>
           </a:p>
         </p:txBody>
       </p:sp>
@@ -1595,15 +1910,20 @@
         <p:nvSpPr>
           <p:cNvPr id="4" name="Content Placeholder 3"/>
           <p:cNvSpPr>
-            <a:spLocks noGrp="1"/>
+            <a:spLocks noGrp="1" noChangeArrowheads="1"/>
+            <a:extLst>
+              <a:ext uri="smNativeData">
+                <pr:smNativeData xmlns:pr="smNativeData" xmlns="smNativeData" val="SMDATA_15_OjGNYRMAAAAlAAAAZAAAAA0AAAAAAAAAAEgAAAAAAAAASAAAAAAAAAAAAAAAAAAAAAEAAABQAAAAAAAAAAAA4D8AAAAAAADgPwAAAAAAAOA/AAAAAAAA4D8AAAAAAADgPwAAAAAAAOA/AAAAAAAA4D8AAAAAAADgPwAAAAAAAOA/AAAAAAAA4D8CAAAAjAAAAAAAAAAAAAAA////AP///wgAAAAAAAAAAAAAAAAAAAAAAAAAAAAAAAAAAAAAeAAAAAEAAABAAAAAAAAAAAAAAABaAAAAAAAAAAAAAAAAAAAAAAAAAAAAAAAAAAAAAAAAAAAAAAAAAAAAAAAAAAAAAAAAAAAAAAAAAAAAAAAAAAAAAAAAAAAAAAAAAAAAFAAAADwAAAAAAAAAAAAAAAAAAAAPAAAAAQAAACMAAAAjAAAAIwAAAB4AAAAAAAAAZAAAAGQAAAAAAAAAZAAAAGQAAAAVAAAAYAAAAAAAAAAAAAAADwAAACADAAAAAAAAAAAAAAEAAACgMgAAVgcAAKr4//8BAAAAf39/AAEAAABkAAAAAAAAABQAAABAHwAAAAAAACYAAAAAAAAAwOD//wAAAAAmAAAAZAAAABYAAABMAAAAAAAAAAAAAAAEAAAAAAAAAAEAAADZ4OYKAAAAACgAAAAoAAAAZAAAAGQAAAAAAAAAzMzMAAAAAABQAAAAUAAAAGQAAABkAAAAAAAAABcAAAAUAAAAAAAAAAAAAAD/fwAA/38AAAAAAAAJAAAABAAAAAAAAAAeAAAAaAAAAAAAAAAAAAAAAAAAAAAAAAAAAAAAECcAABAnAAAAAAAAAAAAAAAAAAAAAAAAAAAAAAAAAAAAAAAAAAAAABQAAAAAAAAAwMD/AAAAAABkAAAAMgAAAAAAAABkAAAAAAAAAH9/fwAKAAAAIgAAABgAAAAAAAAAAAAAAAAAAAAAAAAAAAAAAAAAAAAkAAAAJAAAAAAAAAAHAAAAAAAAAAAAAAAAAAAAAAAAAAAAAAAAAAAAf39/ACUAAABYAAAAAAAAAAAAAAAAAAAAAAAAAAAAAAAAAAAAAAAAAAAAAAAAAAAAAAAAAAAAAAA/AAAAAAAAAKCGAQAAAAAAAAAAAAAAAAAMAAAAAQAAAAAAAAAAAAAAAAAAAB8AAABUAAAA////AAAAAAEAAAAAAAAAAAAAAAAAAAAAAAAAAAAAAAAAAAAAAAAAAAAAAAB/f38AAAAAA8zMzADAwP8Af39/AAAAAAAAAAAAAAAAAAAAAAAAAAAAIQAAABgAAAAUAAAAQCYAAFsLAACgRAAAGyQAABAAAAAmAAAACAAAAAEAAAAAAAAA"/>
+              </a:ext>
+            </a:extLst>
           </p:cNvSpPr>
           <p:nvPr>
-            <p:ph sz="half" idx="2"/>
+            <p:ph idx="2"/>
           </p:nvPr>
         </p:nvSpPr>
         <p:spPr>
           <a:xfrm>
-            <a:off x="6217920" y="1845735"/>
+            <a:off x="6217920" y="1845945"/>
             <a:ext cx="4937760" cy="4023360"/>
           </a:xfrm>
         </p:spPr>
@@ -1611,40 +1931,53 @@
           <a:bodyPr/>
           <a:lstStyle/>
           <a:p>
-            <a:pPr lvl="0"/>
-            <a:r>
-              <a:rPr lang="en-GB"/>
+            <a:pPr>
+              <a:defRPr lang="en-us"/>
+            </a:pPr>
+            <a:r>
+              <a:rPr lang="en-gb" cap="none"/>
               <a:t>Click to edit Master text styles</a:t>
             </a:r>
-          </a:p>
-          <a:p>
-            <a:pPr lvl="1"/>
-            <a:r>
-              <a:rPr lang="en-GB"/>
+            <a:endParaRPr lang="en-gb" cap="none"/>
+          </a:p>
+          <a:p>
+            <a:pPr lvl="1">
+              <a:defRPr lang="en-us"/>
+            </a:pPr>
+            <a:r>
+              <a:rPr lang="en-gb" cap="none"/>
               <a:t>Second level</a:t>
             </a:r>
-          </a:p>
-          <a:p>
-            <a:pPr lvl="2"/>
-            <a:r>
-              <a:rPr lang="en-GB"/>
+            <a:endParaRPr lang="en-gb" cap="none"/>
+          </a:p>
+          <a:p>
+            <a:pPr lvl="2">
+              <a:defRPr lang="en-us"/>
+            </a:pPr>
+            <a:r>
+              <a:rPr lang="en-gb" cap="none"/>
               <a:t>Third level</a:t>
             </a:r>
-          </a:p>
-          <a:p>
-            <a:pPr lvl="3"/>
-            <a:r>
-              <a:rPr lang="en-GB"/>
+            <a:endParaRPr lang="en-gb" cap="none"/>
+          </a:p>
+          <a:p>
+            <a:pPr lvl="3">
+              <a:defRPr lang="en-us"/>
+            </a:pPr>
+            <a:r>
+              <a:rPr lang="en-gb" cap="none"/>
               <a:t>Fourth level</a:t>
             </a:r>
-          </a:p>
-          <a:p>
-            <a:pPr lvl="4"/>
-            <a:r>
-              <a:rPr lang="en-GB"/>
+            <a:endParaRPr lang="en-gb" cap="none"/>
+          </a:p>
+          <a:p>
+            <a:pPr lvl="4">
+              <a:defRPr lang="en-us"/>
+            </a:pPr>
+            <a:r>
+              <a:rPr lang="en-gb" cap="none"/>
               <a:t>Fifth level</a:t>
             </a:r>
-            <a:endParaRPr lang="en-US" dirty="0"/>
           </a:p>
         </p:txBody>
       </p:sp>
@@ -1652,7 +1985,12 @@
         <p:nvSpPr>
           <p:cNvPr id="5" name="Date Placeholder 4"/>
           <p:cNvSpPr>
-            <a:spLocks noGrp="1"/>
+            <a:spLocks noGrp="1" noChangeArrowheads="1"/>
+            <a:extLst>
+              <a:ext uri="smNativeData">
+                <pr:smNativeData xmlns:pr="smNativeData" xmlns="smNativeData" val="SMDATA_15_OjGNYRMAAAAlAAAAZAAAAA0AAAAAkAAAAEgAAACQAAAASAAAAAAAAAABAAAAAAAAAAEAAABQAAAAAAAAAAAA4D8AAAAAAADgPwAAAAAAAOA/AAAAAAAA4D8AAAAAAADgPwAAAAAAAOA/AAAAAAAA4D8AAAAAAADgPwAAAAAAAOA/AAAAAAAA4D8CAAAAjAAAAAAAAAAAAAAA////AP///wgAAAAAAAAAAAAAAAAAAAAAAAAAAAAAAAAAAAAAeAAAAAEAAABAAAAAAAAAAAAAAABaAAAAAAAAAAAAAAAAAAAAAAAAAAAAAAAAAAAAAAAAAAAAAAAAAAAAAAAAAAAAAAAAAAAAAAAAAAAAAAAAAAAAAAAAAAAAAAAAAAAAFAAAADwAAAAAAAAAAAAAAAAAAAAPAAAAAQAAACMAAAAjAAAAIwAAAB4AAAAAAAAAZAAAAGQAAAAAAAAAZAAAAGQAAAAVAAAAYAAAAAAAAAAAAAAADwAAACADAAAAAAAAAAAAAAEAAACgMgAAVgcAAKr4//8BAAAAf39/AAEAAABkAAAAAAAAABQAAABAHwAAAAAAACYAAAAAAAAAwOD//wAAAAAmAAAAZAAAABYAAABMAAAAAAAAAAAAAAAEAAAAAAAAAAEAAADZ4OYKAAAAACgAAAAoAAAAZAAAAGQAAAAAAAAAzMzMAAAAAABQAAAAUAAAAGQAAABkAAAAAAAAABcAAAAUAAAAAAAAAAAAAAD/fwAA/38AAAAAAAAJAAAABAAAAAAAAAAeAAAAaAAAAAAAAAAAAAAAAAAAAAAAAAAAAAAAECcAABAnAAAAAAAAAAAAAAAAAAAAAAAAAAAAAAAAAAAAAAAAAAAAABQAAAAAAAAAwMD/AAAAAABkAAAAMgAAAAAAAABkAAAAAAAAAH9/fwAKAAAAIgAAABgAAAAAAAAAAAAAAAAAAAAAAAAAAAAAAAAAAAAkAAAAJAAAAAAAAAAHAAAAAAAAAAAAAAAAAAAAAAAAAAAAAAAAAAAAf39/ACUAAABYAAAAAAAAAAAAAAAAAAAAAAAAAAAAAAAAAAAAAAAAAAAAAAAAAAAAAAAAAAAAAAA/AAAAAAAAAKCGAQAAAAAAAAAAAAAAAAAMAAAAAQAAAAAAAAAAAAAAAAAAAB8AAABUAAAA////AAAAAAEAAAAAAAAAAAAAAAAAAAAAAAAAAAAAAAAAAAAAAAAAAAAAAAB/f38AAAAAA8zMzADAwP8Af39/AAAAAAAAAAAAAAAAAAAAAAAAAAAAIQAAABgAAAAUAAAAwAYAAL0nAAD1FQAA/CkAABAAAAAmAAAACAAAAAAAAAAAAAAA"/>
+              </a:ext>
+            </a:extLst>
           </p:cNvSpPr>
           <p:nvPr>
             <p:ph type="dt" sz="half" idx="10"/>
@@ -1663,11 +2001,12 @@
           <a:bodyPr/>
           <a:lstStyle/>
           <a:p>
-            <a:fld id="{96DFF08F-DC6B-4601-B491-B0F83F6DD2DA}" type="datetimeFigureOut">
-              <a:rPr lang="en-US" dirty="0"/>
+            <a:pPr>
+              <a:defRPr lang="en-us"/>
+            </a:pPr>
+            <a:fld id="{6F009D75-3B82-556B-CCB8-CD3ED3F63A98}" type="datetime1">
               <a:t>11/11/21</a:t>
             </a:fld>
-            <a:endParaRPr lang="en-US" dirty="0"/>
           </a:p>
         </p:txBody>
       </p:sp>
@@ -1675,7 +2014,12 @@
         <p:nvSpPr>
           <p:cNvPr id="6" name="Footer Placeholder 5"/>
           <p:cNvSpPr>
-            <a:spLocks noGrp="1"/>
+            <a:spLocks noGrp="1" noChangeArrowheads="1"/>
+            <a:extLst>
+              <a:ext uri="smNativeData">
+                <pr:smNativeData xmlns:pr="smNativeData" xmlns="smNativeData" val="SMDATA_15_OjGNYRMAAAAlAAAAZAAAAA0AAAAAkAAAAEgAAACQAAAASAAAAAAAAAABAAAAAAAAAAEAAABQAAAAAAAAAAAA4D8AAAAAAADgPwAAAAAAAOA/AAAAAAAA4D8AAAAAAADgPwAAAAAAAOA/AAAAAAAA4D8AAAAAAADgPwAAAAAAAOA/AAAAAAAA4D8CAAAAjAAAAAAAAAAAAAAA////AP///wgAAAAAAAAAAAAAAAAAAAAAAAAAAAAAAAAAAAAAeAAAAAEAAABAAAAAAAAAAAAAAABaAAAAAAAAAAAAAAAAAAAAAAAAAAAAAAAAAAAAAAAAAAAAAAAAAAAAAAAAAAAAAAAAAAAAAAAAAAAAAAAAAAAAAAAAAAAAAAAAAAAAFAAAADwAAAAAAAAAAAAAAAAAAAAPAAAAAQAAACMAAAAjAAAAIwAAAB4AAAAAAAAAZAAAAGQAAAAAAAAAZAAAAGQAAAAVAAAAYAAAAAAAAAAAAAAADwAAACADAAAAAAAAAAAAAAEAAACgMgAAVgcAAKr4//8BAAAAf39/AAEAAABkAAAAAAAAABQAAABAHwAAAAAAACYAAAAAAAAAwOD//wAAAAAmAAAAZAAAABYAAABMAAAAAAAAAAAAAAAEAAAAAAAAAAEAAADZ4OYKAAAAACgAAAAoAAAAZAAAAGQAAAAAAAAAzMzMAAAAAABQAAAAUAAAAGQAAABkAAAAAAAAABcAAAAUAAAAAAAAAAAAAAD/fwAA/38AAAAAAAAJAAAABAAAAAAAAAAeAAAAaAAAAAAAAAAAAAAAAAAAAAAAAAAAAAAAECcAABAnAAAAAAAAAAAAAAAAAAAAAAAAAAAAAAAAAAAAAAAAAAAAABQAAAAAAAAAwMD/AAAAAABkAAAAMgAAAAAAAABkAAAAAAAAAH9/fwAKAAAAIgAAABgAAAAAAAAAAAAAAAAAAAAAAAAAAAAAAAAAAAAkAAAAJAAAAAAAAAAHAAAAAAAAAAAAAAAAAAAAAAAAAAAAAAAAAAAAf39/ACUAAABYAAAAAAAAAAAAAAAAAAAAAAAAAAAAAAAAAAAAAAAAAAAAAAAAAAAAAAAAAAAAAAA/AAAAAAAAAKCGAQAAAAAAAAAAAAAAAAAMAAAAAQAAAAAAAAAAAAAAAAAAAB8AAABUAAAA////AAAAAAEAAAAAAAAAAAAAAAAAAAAAAAAAAAAAAAAAAAAAAAAAAAAAAAB/f38AAAAAA8zMzADAwP8Af39/AAAAAAAAAAAAAAAAAAAAAAAAAAAAIQAAABgAAAAUAAAArRYAAL0nAABYNAAA/CkAABAAAAAmAAAACAAAAAAAAAAAAAAA"/>
+              </a:ext>
+            </a:extLst>
           </p:cNvSpPr>
           <p:nvPr>
             <p:ph type="ftr" sz="quarter" idx="11"/>
@@ -1686,7 +2030,9 @@
           <a:bodyPr/>
           <a:lstStyle/>
           <a:p>
-            <a:endParaRPr lang="en-US" dirty="0"/>
+            <a:pPr>
+              <a:defRPr lang="en-us"/>
+            </a:pPr>
           </a:p>
         </p:txBody>
       </p:sp>
@@ -1694,7 +2040,12 @@
         <p:nvSpPr>
           <p:cNvPr id="7" name="Slide Number Placeholder 6"/>
           <p:cNvSpPr>
-            <a:spLocks noGrp="1"/>
+            <a:spLocks noGrp="1" noChangeArrowheads="1"/>
+            <a:extLst>
+              <a:ext uri="smNativeData">
+                <pr:smNativeData xmlns:pr="smNativeData" xmlns="smNativeData" val="SMDATA_15_OjGNYRMAAAAlAAAAZAAAAA0AAAAAkAAAAEgAAACQAAAASAAAAAAAAAABAAAAAAAAAAEAAABQAAAAAAAAAAAA4D8AAAAAAADgPwAAAAAAAOA/AAAAAAAA4D8AAAAAAADgPwAAAAAAAOA/AAAAAAAA4D8AAAAAAADgPwAAAAAAAOA/AAAAAAAA4D8CAAAAjAAAAAAAAAAAAAAA////AP///wgAAAAAAAAAAAAAAAAAAAAAAAAAAAAAAAAAAAAAeAAAAAEAAABAAAAAAAAAAAAAAABaAAAAAAAAAAAAAAAAAAAAAAAAAAAAAAAAAAAAAAAAAAAAAAAAAAAAAAAAAAAAAAAAAAAAAAAAAAAAAAAAAAAAAAAAAAAAAAAAAAAAFAAAADwAAAAAAAAAAAAAAAAAAAAPAAAAAQAAACMAAAAjAAAAIwAAAB4AAAAAAAAAZAAAAGQAAAAAAAAAZAAAAGQAAAAVAAAAYAAAAAAAAAAAAAAADwAAACADAAAAAAAAAAAAAAEAAACgMgAAVgcAAKr4//8BAAAAf39/AAEAAABkAAAAAAAAABQAAABAHwAAAAAAACYAAAAAAAAAwOD//wAAAAAmAAAAZAAAABYAAABMAAAAAAAAAAAAAAAEAAAAAAAAAAEAAADZ4OYKAAAAACgAAAAoAAAAZAAAAGQAAAAAAAAAzMzMAAAAAABQAAAAUAAAAGQAAABkAAAAAAAAABcAAAAUAAAAAAAAAAAAAAD/fwAA/38AAAAAAAAJAAAABAAAAAAAAAAeAAAAaAAAAAAAAAAAAAAAAAAAAAAAAAAAAAAAECcAABAnAAAAAAAAAAAAAAAAAAAAAAAAAAAAAAAAAAAAAAAAAAAAABQAAAAAAAAAwMD/AAAAAABkAAAAMgAAAAAAAABkAAAAAAAAAH9/fwAKAAAAIgAAABgAAAAAAAAAAAAAAAAAAAAAAAAAAAAAAAAAAAAkAAAAJAAAAAAAAAAHAAAAAAAAAAAAAAAAAAAAAAAAAAAAAAAAAAAAf39/ACUAAABYAAAAAAAAAAAAAAAAAAAAAAAAAAAAAAAAAAAAAAAAAAAAAAAAAAAAAAAAAAAAAAA/AAAAAAAAAKCGAQAAAAAAAAAAAAAAAAAMAAAAAQAAAAAAAAAAAAAAAAAAAB8AAABUAAAA////AAAAAAEAAAAAAAAAAAAAAAAAAAAAAAAAAAAAAAAAAAAAAAAAAAAAAAB/f38AAAAAA8zMzADAwP8Af39/AAAAAAAAAAAAAAAAAAAAAAAAAAAAIQAAABgAAAAUAAAAEDUAAL0nAAAiPQAA/CkAABAAAAAmAAAACAAAAAAAAAAAAAAA"/>
+              </a:ext>
+            </a:extLst>
           </p:cNvSpPr>
           <p:nvPr>
             <p:ph type="sldNum" sz="quarter" idx="12"/>
@@ -1705,11 +2056,12 @@
           <a:bodyPr/>
           <a:lstStyle/>
           <a:p>
-            <a:fld id="{4FAB73BC-B049-4115-A692-8D63A059BFB8}" type="slidenum">
-              <a:rPr lang="en-US" dirty="0"/>
+            <a:pPr>
+              <a:defRPr lang="en-us"/>
+            </a:pPr>
+            <a:fld id="{0F84FF50-1EE2-D109-AC3C-E85CB1725ABD}" type="slidenum">
               <a:t>‹#›</a:t>
             </a:fld>
-            <a:endParaRPr lang="en-US" dirty="0"/>
           </a:p>
         </p:txBody>
       </p:sp>
@@ -1718,11 +2070,12 @@
   <p:clrMapOvr>
     <a:masterClrMapping/>
   </p:clrMapOvr>
+  <p:hf hdr="0" ftr="0"/>
 </p:sldLayout>
 </file>
 
 <file path=ppt/slideLayouts/slideLayout5.xml><?xml version="1.0" encoding="utf-8"?>
-<p:sldLayout xmlns:a="http://schemas.openxmlformats.org/drawingml/2006/main" xmlns:r="http://schemas.openxmlformats.org/officeDocument/2006/relationships" xmlns:p="http://schemas.openxmlformats.org/presentationml/2006/main" type="twoTxTwoObj" preserve="1">
+<p:sldLayout xmlns:p="http://schemas.openxmlformats.org/presentationml/2006/main" xmlns:mc="http://schemas.openxmlformats.org/markup-compatibility/2006" xmlns:p14="http://schemas.microsoft.com/office/powerpoint/2010/main" xmlns:p15="http://schemas.microsoft.com/office/powerpoint/2012/main" xmlns:r="http://schemas.openxmlformats.org/officeDocument/2006/relationships" xmlns:a="http://schemas.openxmlformats.org/drawingml/2006/main" type="twoTxTwoObj" preserve="1">
   <p:cSld name="Comparison">
     <p:spTree>
       <p:nvGrpSpPr>
@@ -1740,29 +2093,31 @@
       </p:grpSpPr>
       <p:sp>
         <p:nvSpPr>
-          <p:cNvPr id="10" name="Title 9"/>
-          <p:cNvSpPr>
-            <a:spLocks noGrp="1"/>
+          <p:cNvPr id="2" name="Title 9"/>
+          <p:cNvSpPr>
+            <a:spLocks noGrp="1" noChangeArrowheads="1"/>
+            <a:extLst>
+              <a:ext uri="smNativeData">
+                <pr:smNativeData xmlns:pr="smNativeData" xmlns="smNativeData" val="SMDATA_15_OjGNYRMAAAAlAAAAZAAAAA0AAAAAkAAAAEgAAACQAAAASAAAAAAAAAACAAAAAAAAAAEAAABQAAAAAAAAAAAA4D8AAAAAAADgPwAAAAAAAOA/AAAAAAAA4D8AAAAAAADgPwAAAAAAAOA/AAAAAAAA4D8AAAAAAADgPwAAAAAAAOA/AAAAAAAA4D8CAAAAjAAAAAAAAAAAAAAA////AP///wgAAAAAAAAAAAAAAAAAAAAAAAAAAAAAAAAAAAAAeAAAAAEAAABAAAAAAAAAAAAAAABaAAAAAAAAAAAAAAAAAAAAAAAAAAAAAAAAAAAAAAAAAAAAAAAAAAAAAAAAAAAAAAAAAAAAAAAAAAAAAAAAAAAAAAAAAAAAAAAAAAAAFAAAADwAAAAAAAAAAAAAAAAAAAAPAAAAAQAAACMAAAAjAAAAIwAAAB4AAAAAAAAAZAAAAGQAAAAAAAAAZAAAAGQAAAAVAAAAYAAAAAAAAAAAAAAADwAAACADAAAAAAAAAAAAAAEAAACgMgAAVgcAAKr4//8BAAAAf39/AAEAAABkAAAAAAAAABQAAABAHwAAAAAAACYAAAAAAAAAwOD//wAAAAAmAAAAZAAAABYAAABMAAAAAAAAAAAAAAAEAAAAAAAAAAEAAADZ4OYKAAAAACgAAAAoAAAAZAAAAGQAAAAAAAAAzMzMAAAAAABQAAAAUAAAAGQAAABkAAAAAAAAABcAAAAUAAAAAAAAAAAAAAD/fwAA/38AAAAAAAAJAAAABAAAAAAAAAAeAAAAaAAAAAAAAAAAAAAAAAAAAAAAAAAAAAAAECcAABAnAAAAAAAAAAAAAAAAAAAAAAAAAAAAAAAAAAAAAAAAAAAAABQAAAAAAAAAwMD/AAAAAABkAAAAMgAAAAAAAABkAAAAAAAAAH9/fwAKAAAAIgAAABgAAAAAAAAAAAAAAAAAAAAAAAAAAAAAAAAAAAAkAAAAJAAAAAAAAAAHAAAAAAAAAAAAAAAAAAAAAAAAAAAAAAAAAAAAf39/ACUAAABYAAAAAAAAAAAAAAAAAAAAAAAAAAAAAAAAAAAAAAAAAAAAAAAAAAAAAAAAAAAAAAA/AAAAAAAAAKCGAQAAAAAAAAAAAAAAAAAMAAAAAQAAAAAAAAAAAAAAAAAAAB8AAABUAAAA////AAAAAAEAAAAAAAAAAAAAAAAAAAAAAAAAAAAAAAAAAAAAAAAAAAAAAAB/f38AAAAAA8zMzADAwP8Af39/AAAAAAAAAAAAAAAAAAAAAAAAAAAAIQAAABgAAAAUAAAAwAYAAMMBAACgRAAAsAoAABAAAAAmAAAACAAAAAAAAAAAAAAA"/>
+              </a:ext>
+            </a:extLst>
           </p:cNvSpPr>
           <p:nvPr>
             <p:ph type="title"/>
           </p:nvPr>
         </p:nvSpPr>
-        <p:spPr>
-          <a:xfrm>
-            <a:off x="1097280" y="286603"/>
-            <a:ext cx="10058400" cy="1450757"/>
-          </a:xfrm>
-        </p:spPr>
+        <p:spPr/>
         <p:txBody>
           <a:bodyPr/>
           <a:lstStyle/>
           <a:p>
-            <a:r>
-              <a:rPr lang="en-GB"/>
+            <a:pPr>
+              <a:defRPr lang="en-us"/>
+            </a:pPr>
+            <a:r>
+              <a:rPr lang="en-gb" cap="none"/>
               <a:t>Click to edit Master title style</a:t>
             </a:r>
-            <a:endParaRPr lang="en-US" dirty="0"/>
           </a:p>
         </p:txBody>
       </p:sp>
@@ -1770,26 +2125,33 @@
         <p:nvSpPr>
           <p:cNvPr id="3" name="Text Placeholder 2"/>
           <p:cNvSpPr>
-            <a:spLocks noGrp="1"/>
+            <a:spLocks noGrp="1" noChangeArrowheads="1"/>
+            <a:extLst>
+              <a:ext uri="smNativeData">
+                <pr:smNativeData xmlns:pr="smNativeData" xmlns="smNativeData" val="SMDATA_15_OjGNYRMAAAAlAAAAZAAAAA0AAAAAkAAAAEgAAACQAAAASAAAAAAAAAABAAAAAAAAAAEAAABQAAAAAAAAAAAA4D8AAAAAAADgPwAAAAAAAOA/AAAAAAAA4D8AAAAAAADgPwAAAAAAAOA/AAAAAAAA4D8AAAAAAADgPwAAAAAAAOA/AAAAAAAA4D8CAAAAjAAAAAAAAAAAAAAA////AP///wgAAAAAAAAAAAAAAAAAAAAAAAAAAAAAAAAAAAAAeAAAAAEAAABAAAAAAAAAAAAAAABaAAAAAAAAAAAAAAAAAAAAAAAAAAAAAAAAAAAAAAAAAAAAAAAAAAAAAAAAAAAAAAAAAAAAAAAAAAAAAAAAAAAAAAAAAAAAAAAAAAAAFAAAADwAAAAAAAAAAAAAAAAAAAAPAAAAAQAAACMAAAAjAAAAIwAAAB4AAAAAAAAAZAAAAGQAAAAAAAAAZAAAAGQAAAAVAAAAYAAAAAAAAAAAAAAADwAAACADAAAAAAAAAAAAAAEAAACgMgAAVgcAAKr4//8BAAAAf39/AAEAAABkAAAAAAAAABQAAABAHwAAAAAAACYAAAAAAAAAwOD//wAAAAAmAAAAZAAAABYAAABMAAAAAAAAAAAAAAAEAAAAAAAAAAEAAADZ4OYKAAAAACgAAAAoAAAAZAAAAGQAAAAAAAAAzMzMAAAAAABQAAAAUAAAAGQAAABkAAAAAAAAABcAAAAUAAAAAAAAAAAAAAD/fwAA/38AAAAAAAAJAAAABAAAAAAAAAAeAAAAaAAAAAAAAAAAAAAAAAAAAAAAAAAAAAAAECcAABAnAAAAAAAAAAAAAAAAAAAAAAAAAAAAAAAAAAAAAAAAAAAAABQAAAAAAAAAwMD/AAAAAABkAAAAMgAAAAAAAABkAAAAAAAAAH9/fwAKAAAAIgAAABgAAAAAAAAAAAAAAAAAAAAAAAAAAAAAAAAAAAAkAAAAJAAAAAAAAAAHAAAAAAAAAAAAAAAAAAAAAAAAAAAAAAAAAAAAf39/ACUAAABYAAAAAAAAAAAAAAAAAAAAAAAAAAAAAAAAAAAAAAAAAAAAAAAAAAAAAAAAAAAAAAA/AAAAAAAAAKCGAQAAAAAAAAAAAAAAAAAMAAAAAQAAAAAAAAAAAAAAAAAAAB8AAABUAAAA////AAAAAAEAAAAAAAAAAAAAAAAAAAAAAAAAAAAAAAAAAAAAAAAAAAAAAAB/f38AAAAAA8zMzADAwP8Af39/AAAAAAAAAAAAAAAAAAAAAAAAAAAAIQAAABgAAAAUAAAAwAYAAFsLAAAgJQAA4w8AABAAAAAmAAAACAAAAI2gAAAAAAAA"/>
+              </a:ext>
+            </a:extLst>
           </p:cNvSpPr>
           <p:nvPr>
-            <p:ph type="body" idx="1"/>
+            <p:ph idx="1"/>
           </p:nvPr>
         </p:nvSpPr>
         <p:spPr>
           <a:xfrm>
-            <a:off x="1097280" y="1846052"/>
-            <a:ext cx="4937760" cy="736282"/>
-          </a:xfrm>
-        </p:spPr>
-        <p:txBody>
-          <a:bodyPr lIns="91440" rIns="91440" anchor="ctr">
-            <a:normAutofit/>
+            <a:off x="1097280" y="1845945"/>
+            <a:ext cx="4937760" cy="736600"/>
+          </a:xfrm>
+        </p:spPr>
+        <p:txBody>
+          <a:bodyPr vert="horz" wrap="square" lIns="91440" tIns="45720" rIns="91440" bIns="45720" numCol="1" spcCol="215900" anchor="ctr">
+            <a:prstTxWarp prst="textNoShape">
+              <a:avLst/>
+            </a:prstTxWarp>
           </a:bodyPr>
           <a:lstStyle>
             <a:lvl1pPr marL="0" indent="0">
               <a:buNone/>
-              <a:defRPr sz="3200" b="0" cap="all" baseline="0">
+              <a:defRPr lang="en-us" sz="3200" b="0" cap="all" baseline="0">
                 <a:solidFill>
                   <a:schemeClr val="tx2"/>
                 </a:solidFill>
@@ -1797,43 +2159,46 @@
             </a:lvl1pPr>
             <a:lvl2pPr marL="457200" indent="0">
               <a:buNone/>
-              <a:defRPr sz="2000" b="1"/>
+              <a:defRPr lang="en-us" sz="2000" b="1" cap="none"/>
             </a:lvl2pPr>
             <a:lvl3pPr marL="914400" indent="0">
               <a:buNone/>
-              <a:defRPr sz="1800" b="1"/>
+              <a:defRPr lang="en-us" sz="1800" b="1" cap="none"/>
             </a:lvl3pPr>
             <a:lvl4pPr marL="1371600" indent="0">
               <a:buNone/>
-              <a:defRPr sz="1600" b="1"/>
+              <a:defRPr lang="en-us" sz="1600" b="1" cap="none"/>
             </a:lvl4pPr>
             <a:lvl5pPr marL="1828800" indent="0">
               <a:buNone/>
-              <a:defRPr sz="1600" b="1"/>
+              <a:defRPr lang="en-us" sz="1600" b="1" cap="none"/>
             </a:lvl5pPr>
             <a:lvl6pPr marL="2286000" indent="0">
               <a:buNone/>
-              <a:defRPr sz="1600" b="1"/>
+              <a:defRPr lang="en-us" sz="1600" b="1" cap="none"/>
             </a:lvl6pPr>
             <a:lvl7pPr marL="2743200" indent="0">
               <a:buNone/>
-              <a:defRPr sz="1600" b="1"/>
+              <a:defRPr lang="en-us" sz="1600" b="1" cap="none"/>
             </a:lvl7pPr>
             <a:lvl8pPr marL="3200400" indent="0">
               <a:buNone/>
-              <a:defRPr sz="1600" b="1"/>
+              <a:defRPr lang="en-us" sz="1600" b="1" cap="none"/>
             </a:lvl8pPr>
             <a:lvl9pPr marL="3657600" indent="0">
               <a:buNone/>
-              <a:defRPr sz="1600" b="1"/>
+              <a:defRPr lang="en-us" sz="1600" b="1" cap="none"/>
             </a:lvl9pPr>
           </a:lstStyle>
           <a:p>
-            <a:pPr lvl="0"/>
-            <a:r>
-              <a:rPr lang="en-GB"/>
+            <a:pPr>
+              <a:defRPr lang="en-us"/>
+            </a:pPr>
+            <a:r>
+              <a:rPr lang="en-gb" cap="all"/>
               <a:t>Click to edit Master text styles</a:t>
             </a:r>
+            <a:endParaRPr lang="en-gb" cap="all"/>
           </a:p>
         </p:txBody>
       </p:sp>
@@ -1841,15 +2206,20 @@
         <p:nvSpPr>
           <p:cNvPr id="4" name="Content Placeholder 3"/>
           <p:cNvSpPr>
-            <a:spLocks noGrp="1"/>
+            <a:spLocks noGrp="1" noChangeArrowheads="1"/>
+            <a:extLst>
+              <a:ext uri="smNativeData">
+                <pr:smNativeData xmlns:pr="smNativeData" xmlns="smNativeData" val="SMDATA_15_OjGNYRMAAAAlAAAAZAAAAA0AAAAAAAAAAEgAAAAAAAAASAAAAAAAAAAAAAAAAAAAAAEAAABQAAAAAAAAAAAA4D8AAAAAAADgPwAAAAAAAOA/AAAAAAAA4D8AAAAAAADgPwAAAAAAAOA/AAAAAAAA4D8AAAAAAADgPwAAAAAAAOA/AAAAAAAA4D8CAAAAjAAAAAAAAAAAAAAA////AP///wgAAAAAAAAAAAAAAAAAAAAAAAAAAAAAAAAAAAAAeAAAAAEAAABAAAAAAAAAAAAAAABaAAAAAAAAAAAAAAAAAAAAAAAAAAAAAAAAAAAAAAAAAAAAAAAAAAAAAAAAAAAAAAAAAAAAAAAAAAAAAAAAAAAAAAAAAAAAAAAAAAAAFAAAADwAAAAAAAAAAAAAAAAAAAAPAAAAAQAAACMAAAAjAAAAIwAAAB4AAAAAAAAAZAAAAGQAAAAAAAAAZAAAAGQAAAAVAAAAYAAAAAAAAAAAAAAADwAAACADAAAAAAAAAAAAAAEAAACgMgAAVgcAAKr4//8BAAAAf39/AAEAAABkAAAAAAAAABQAAABAHwAAAAAAACYAAAAAAAAAwOD//wAAAAAmAAAAZAAAABYAAABMAAAAAAAAAAAAAAAEAAAAAAAAAAEAAADZ4OYKAAAAACgAAAAoAAAAZAAAAGQAAAAAAAAAzMzMAAAAAABQAAAAUAAAAGQAAABkAAAAAAAAABcAAAAUAAAAAAAAAAAAAAD/fwAA/38AAAAAAAAJAAAABAAAAAAAAAAeAAAAaAAAAAAAAAAAAAAAAAAAAAAAAAAAAAAAECcAABAnAAAAAAAAAAAAAAAAAAAAAAAAAAAAAAAAAAAAAAAAAAAAABQAAAAAAAAAwMD/AAAAAABkAAAAMgAAAAAAAABkAAAAAAAAAH9/fwAKAAAAIgAAABgAAAAAAAAAAAAAAAAAAAAAAAAAAAAAAAAAAAAkAAAAJAAAAAAAAAAHAAAAAAAAAAAAAAAAAAAAAAAAAAAAAAAAAAAAf39/ACUAAABYAAAAAAAAAAAAAAAAAAAAAAAAAAAAAAAAAAAAAAAAAAAAAAAAAAAAAAAAAAAAAAA/AAAAAAAAAKCGAQAAAAAAAAAAAAAAAAAMAAAAAQAAAAAAAAAAAAAAAAAAAB8AAABUAAAA////AAAAAAEAAAAAAAAAAAAAAAAAAAAAAAAAAAAAAAAAAAAAAAAAAAAAAAB/f38AAAAAA8zMzADAwP8Af39/AAAAAAAAAAAAAAAAAAAAAAAAAAAAIQAAABgAAAAUAAAAwAYAAOMPAAAgJQAAGyQAABAAAAAmAAAACAAAAAEAAAAAAAAA"/>
+              </a:ext>
+            </a:extLst>
           </p:cNvSpPr>
           <p:nvPr>
-            <p:ph sz="half" idx="2"/>
+            <p:ph idx="2"/>
           </p:nvPr>
         </p:nvSpPr>
         <p:spPr>
           <a:xfrm>
-            <a:off x="1097280" y="2582335"/>
+            <a:off x="1097280" y="2582545"/>
             <a:ext cx="4937760" cy="3286760"/>
           </a:xfrm>
         </p:spPr>
@@ -1857,40 +2227,53 @@
           <a:bodyPr/>
           <a:lstStyle/>
           <a:p>
-            <a:pPr lvl="0"/>
-            <a:r>
-              <a:rPr lang="en-GB"/>
+            <a:pPr>
+              <a:defRPr lang="en-us"/>
+            </a:pPr>
+            <a:r>
+              <a:rPr lang="en-gb" cap="none"/>
               <a:t>Click to edit Master text styles</a:t>
             </a:r>
-          </a:p>
-          <a:p>
-            <a:pPr lvl="1"/>
-            <a:r>
-              <a:rPr lang="en-GB"/>
+            <a:endParaRPr lang="en-gb" cap="none"/>
+          </a:p>
+          <a:p>
+            <a:pPr lvl="1">
+              <a:defRPr lang="en-us"/>
+            </a:pPr>
+            <a:r>
+              <a:rPr lang="en-gb" cap="none"/>
               <a:t>Second level</a:t>
             </a:r>
-          </a:p>
-          <a:p>
-            <a:pPr lvl="2"/>
-            <a:r>
-              <a:rPr lang="en-GB"/>
+            <a:endParaRPr lang="en-gb" cap="none"/>
+          </a:p>
+          <a:p>
+            <a:pPr lvl="2">
+              <a:defRPr lang="en-us"/>
+            </a:pPr>
+            <a:r>
+              <a:rPr lang="en-gb" cap="none"/>
               <a:t>Third level</a:t>
             </a:r>
-          </a:p>
-          <a:p>
-            <a:pPr lvl="3"/>
-            <a:r>
-              <a:rPr lang="en-GB"/>
+            <a:endParaRPr lang="en-gb" cap="none"/>
+          </a:p>
+          <a:p>
+            <a:pPr lvl="3">
+              <a:defRPr lang="en-us"/>
+            </a:pPr>
+            <a:r>
+              <a:rPr lang="en-gb" cap="none"/>
               <a:t>Fourth level</a:t>
             </a:r>
-          </a:p>
-          <a:p>
-            <a:pPr lvl="4"/>
-            <a:r>
-              <a:rPr lang="en-GB"/>
+            <a:endParaRPr lang="en-gb" cap="none"/>
+          </a:p>
+          <a:p>
+            <a:pPr lvl="4">
+              <a:defRPr lang="en-us"/>
+            </a:pPr>
+            <a:r>
+              <a:rPr lang="en-gb" cap="none"/>
               <a:t>Fifth level</a:t>
             </a:r>
-            <a:endParaRPr lang="en-US" dirty="0"/>
           </a:p>
         </p:txBody>
       </p:sp>
@@ -1898,26 +2281,33 @@
         <p:nvSpPr>
           <p:cNvPr id="5" name="Text Placeholder 4"/>
           <p:cNvSpPr>
-            <a:spLocks noGrp="1"/>
+            <a:spLocks noGrp="1" noChangeArrowheads="1"/>
+            <a:extLst>
+              <a:ext uri="smNativeData">
+                <pr:smNativeData xmlns:pr="smNativeData" xmlns="smNativeData" val="SMDATA_15_OjGNYRMAAAAlAAAAZAAAAA0AAAAAkAAAAEgAAACQAAAASAAAAAAAAAABAAAAAAAAAAEAAABQAAAAAAAAAAAA4D8AAAAAAADgPwAAAAAAAOA/AAAAAAAA4D8AAAAAAADgPwAAAAAAAOA/AAAAAAAA4D8AAAAAAADgPwAAAAAAAOA/AAAAAAAA4D8CAAAAjAAAAAAAAAAAAAAA////AP///wgAAAAAAAAAAAAAAAAAAAAAAAAAAAAAAAAAAAAAeAAAAAEAAABAAAAAAAAAAAAAAABaAAAAAAAAAAAAAAAAAAAAAAAAAAAAAAAAAAAAAAAAAAAAAAAAAAAAAAAAAAAAAAAAAAAAAAAAAAAAAAAAAAAAAAAAAAAAAAAAAAAAFAAAADwAAAAAAAAAAAAAAAAAAAAPAAAAAQAAACMAAAAjAAAAIwAAAB4AAAAAAAAAZAAAAGQAAAAAAAAAZAAAAGQAAAAVAAAAYAAAAAAAAAAAAAAADwAAACADAAAAAAAAAAAAAAEAAACgMgAAVgcAAKr4//8BAAAAf39/AAEAAABkAAAAAAAAABQAAABAHwAAAAAAACYAAAAAAAAAwOD//wAAAAAmAAAAZAAAABYAAABMAAAAAAAAAAAAAAAEAAAAAAAAAAEAAADZ4OYKAAAAACgAAAAoAAAAZAAAAGQAAAAAAAAAzMzMAAAAAABQAAAAUAAAAGQAAABkAAAAAAAAABcAAAAUAAAAAAAAAAAAAAD/fwAA/38AAAAAAAAJAAAABAAAAAAAAAAeAAAAaAAAAAAAAAAAAAAAAAAAAAAAAAAAAAAAECcAABAnAAAAAAAAAAAAAAAAAAAAAAAAAAAAAAAAAAAAAAAAAAAAABQAAAAAAAAAwMD/AAAAAABkAAAAMgAAAAAAAABkAAAAAAAAAH9/fwAKAAAAIgAAABgAAAAAAAAAAAAAAAAAAAAAAAAAAAAAAAAAAAAkAAAAJAAAAAAAAAAHAAAAAAAAAAAAAAAAAAAAAAAAAAAAAAAAAAAAf39/ACUAAABYAAAAAAAAAAAAAAAAAAAAAAAAAAAAAAAAAAAAAAAAAAAAAAAAAAAAAAAAAAAAAAA/AAAAAAAAAKCGAQAAAAAAAAAAAAAAAAAMAAAAAQAAAAAAAAAAAAAAAAAAAB8AAABUAAAA////AAAAAAEAAAAAAAAAAAAAAAAAAAAAAAAAAAAAAAAAAAAAAAAAAAAAAAB/f38AAAAAA8zMzADAwP8Af39/AAAAAAAAAAAAAAAAAAAAAAAAAAAAIQAAABgAAAAUAAAAQCYAAFsLAACgRAAA4w8AABAAAAAmAAAACAAAAI2gAAAAAAAA"/>
+              </a:ext>
+            </a:extLst>
           </p:cNvSpPr>
           <p:nvPr>
-            <p:ph type="body" sz="quarter" idx="3"/>
+            <p:ph idx="3"/>
           </p:nvPr>
         </p:nvSpPr>
         <p:spPr>
           <a:xfrm>
-            <a:off x="6217920" y="1846052"/>
-            <a:ext cx="4937760" cy="736282"/>
-          </a:xfrm>
-        </p:spPr>
-        <p:txBody>
-          <a:bodyPr lIns="91440" rIns="91440" anchor="ctr">
-            <a:normAutofit/>
+            <a:off x="6217920" y="1845945"/>
+            <a:ext cx="4937760" cy="736600"/>
+          </a:xfrm>
+        </p:spPr>
+        <p:txBody>
+          <a:bodyPr vert="horz" wrap="square" lIns="91440" tIns="45720" rIns="91440" bIns="45720" numCol="1" spcCol="215900" anchor="ctr">
+            <a:prstTxWarp prst="textNoShape">
+              <a:avLst/>
+            </a:prstTxWarp>
           </a:bodyPr>
           <a:lstStyle>
             <a:lvl1pPr marL="0" indent="0">
               <a:buNone/>
-              <a:defRPr sz="3200" b="0" cap="all" baseline="0">
+              <a:defRPr lang="en-us" sz="3200" b="0" cap="all" baseline="0">
                 <a:solidFill>
                   <a:schemeClr val="tx2"/>
                 </a:solidFill>
@@ -1925,43 +2315,46 @@
             </a:lvl1pPr>
             <a:lvl2pPr marL="457200" indent="0">
               <a:buNone/>
-              <a:defRPr sz="2000" b="1"/>
+              <a:defRPr lang="en-us" sz="2000" b="1" cap="none"/>
             </a:lvl2pPr>
             <a:lvl3pPr marL="914400" indent="0">
               <a:buNone/>
-              <a:defRPr sz="1800" b="1"/>
+              <a:defRPr lang="en-us" sz="1800" b="1" cap="none"/>
             </a:lvl3pPr>
             <a:lvl4pPr marL="1371600" indent="0">
               <a:buNone/>
-              <a:defRPr sz="1600" b="1"/>
+              <a:defRPr lang="en-us" sz="1600" b="1" cap="none"/>
             </a:lvl4pPr>
             <a:lvl5pPr marL="1828800" indent="0">
               <a:buNone/>
-              <a:defRPr sz="1600" b="1"/>
+              <a:defRPr lang="en-us" sz="1600" b="1" cap="none"/>
             </a:lvl5pPr>
             <a:lvl6pPr marL="2286000" indent="0">
               <a:buNone/>
-              <a:defRPr sz="1600" b="1"/>
+              <a:defRPr lang="en-us" sz="1600" b="1" cap="none"/>
             </a:lvl6pPr>
             <a:lvl7pPr marL="2743200" indent="0">
               <a:buNone/>
-              <a:defRPr sz="1600" b="1"/>
+              <a:defRPr lang="en-us" sz="1600" b="1" cap="none"/>
             </a:lvl7pPr>
             <a:lvl8pPr marL="3200400" indent="0">
               <a:buNone/>
-              <a:defRPr sz="1600" b="1"/>
+              <a:defRPr lang="en-us" sz="1600" b="1" cap="none"/>
             </a:lvl8pPr>
             <a:lvl9pPr marL="3657600" indent="0">
               <a:buNone/>
-              <a:defRPr sz="1600" b="1"/>
+              <a:defRPr lang="en-us" sz="1600" b="1" cap="none"/>
             </a:lvl9pPr>
           </a:lstStyle>
           <a:p>
-            <a:pPr lvl="0"/>
-            <a:r>
-              <a:rPr lang="en-GB"/>
+            <a:pPr>
+              <a:defRPr lang="en-us"/>
+            </a:pPr>
+            <a:r>
+              <a:rPr lang="en-gb" cap="all"/>
               <a:t>Click to edit Master text styles</a:t>
             </a:r>
+            <a:endParaRPr lang="en-gb" cap="all"/>
           </a:p>
         </p:txBody>
       </p:sp>
@@ -1969,15 +2362,20 @@
         <p:nvSpPr>
           <p:cNvPr id="6" name="Content Placeholder 5"/>
           <p:cNvSpPr>
-            <a:spLocks noGrp="1"/>
+            <a:spLocks noGrp="1" noChangeArrowheads="1"/>
+            <a:extLst>
+              <a:ext uri="smNativeData">
+                <pr:smNativeData xmlns:pr="smNativeData" xmlns="smNativeData" val="SMDATA_15_OjGNYRMAAAAlAAAAZAAAAA0AAAAAAAAAAEgAAAAAAAAASAAAAAAAAAAAAAAAAAAAAAEAAABQAAAAAAAAAAAA4D8AAAAAAADgPwAAAAAAAOA/AAAAAAAA4D8AAAAAAADgPwAAAAAAAOA/AAAAAAAA4D8AAAAAAADgPwAAAAAAAOA/AAAAAAAA4D8CAAAAjAAAAAAAAAAAAAAA////AP///wgAAAAAAAAAAAAAAAAAAAAAAAAAAAAAAAAAAAAAeAAAAAEAAABAAAAAAAAAAAAAAABaAAAAAAAAAAAAAAAAAAAAAAAAAAAAAAAAAAAAAAAAAAAAAAAAAAAAAAAAAAAAAAAAAAAAAAAAAAAAAAAAAAAAAAAAAAAAAAAAAAAAFAAAADwAAAAAAAAAAAAAAAAAAAAPAAAAAQAAACMAAAAjAAAAIwAAAB4AAAAAAAAAZAAAAGQAAAAAAAAAZAAAAGQAAAAVAAAAYAAAAAAAAAAAAAAADwAAACADAAAAAAAAAAAAAAEAAACgMgAAVgcAAKr4//8BAAAAf39/AAEAAABkAAAAAAAAABQAAABAHwAAAAAAACYAAAAAAAAAwOD//wAAAAAmAAAAZAAAABYAAABMAAAAAAAAAAAAAAAEAAAAAAAAAAEAAADZ4OYKAAAAACgAAAAoAAAAZAAAAGQAAAAAAAAAzMzMAAAAAABQAAAAUAAAAGQAAABkAAAAAAAAABcAAAAUAAAAAAAAAAAAAAD/fwAA/38AAAAAAAAJAAAABAAAAAAAAAAeAAAAaAAAAAAAAAAAAAAAAAAAAAAAAAAAAAAAECcAABAnAAAAAAAAAAAAAAAAAAAAAAAAAAAAAAAAAAAAAAAAAAAAABQAAAAAAAAAwMD/AAAAAABkAAAAMgAAAAAAAABkAAAAAAAAAH9/fwAKAAAAIgAAABgAAAAAAAAAAAAAAAAAAAAAAAAAAAAAAAAAAAAkAAAAJAAAAAAAAAAHAAAAAAAAAAAAAAAAAAAAAAAAAAAAAAAAAAAAf39/ACUAAABYAAAAAAAAAAAAAAAAAAAAAAAAAAAAAAAAAAAAAAAAAAAAAAAAAAAAAAAAAAAAAAA/AAAAAAAAAKCGAQAAAAAAAAAAAAAAAAAMAAAAAQAAAAAAAAAAAAAAAAAAAB8AAABUAAAA////AAAAAAEAAAAAAAAAAAAAAAAAAAAAAAAAAAAAAAAAAAAAAAAAAAAAAAB/f38AAAAAA8zMzADAwP8Af39/AAAAAAAAAAAAAAAAAAAAAAAAAAAAIQAAABgAAAAUAAAAQCYAAOMPAACgRAAAGyQAABAAAAAmAAAACAAAAAEAAAAAAAAA"/>
+              </a:ext>
+            </a:extLst>
           </p:cNvSpPr>
           <p:nvPr>
-            <p:ph sz="quarter" idx="4"/>
+            <p:ph idx="4"/>
           </p:nvPr>
         </p:nvSpPr>
         <p:spPr>
           <a:xfrm>
-            <a:off x="6217920" y="2582334"/>
+            <a:off x="6217920" y="2582545"/>
             <a:ext cx="4937760" cy="3286760"/>
           </a:xfrm>
         </p:spPr>
@@ -1985,40 +2383,53 @@
           <a:bodyPr/>
           <a:lstStyle/>
           <a:p>
-            <a:pPr lvl="0"/>
-            <a:r>
-              <a:rPr lang="en-GB"/>
+            <a:pPr>
+              <a:defRPr lang="en-us"/>
+            </a:pPr>
+            <a:r>
+              <a:rPr lang="en-gb" cap="none"/>
               <a:t>Click to edit Master text styles</a:t>
             </a:r>
-          </a:p>
-          <a:p>
-            <a:pPr lvl="1"/>
-            <a:r>
-              <a:rPr lang="en-GB"/>
+            <a:endParaRPr lang="en-gb" cap="none"/>
+          </a:p>
+          <a:p>
+            <a:pPr lvl="1">
+              <a:defRPr lang="en-us"/>
+            </a:pPr>
+            <a:r>
+              <a:rPr lang="en-gb" cap="none"/>
               <a:t>Second level</a:t>
             </a:r>
-          </a:p>
-          <a:p>
-            <a:pPr lvl="2"/>
-            <a:r>
-              <a:rPr lang="en-GB"/>
+            <a:endParaRPr lang="en-gb" cap="none"/>
+          </a:p>
+          <a:p>
+            <a:pPr lvl="2">
+              <a:defRPr lang="en-us"/>
+            </a:pPr>
+            <a:r>
+              <a:rPr lang="en-gb" cap="none"/>
               <a:t>Third level</a:t>
             </a:r>
-          </a:p>
-          <a:p>
-            <a:pPr lvl="3"/>
-            <a:r>
-              <a:rPr lang="en-GB"/>
+            <a:endParaRPr lang="en-gb" cap="none"/>
+          </a:p>
+          <a:p>
+            <a:pPr lvl="3">
+              <a:defRPr lang="en-us"/>
+            </a:pPr>
+            <a:r>
+              <a:rPr lang="en-gb" cap="none"/>
               <a:t>Fourth level</a:t>
             </a:r>
-          </a:p>
-          <a:p>
-            <a:pPr lvl="4"/>
-            <a:r>
-              <a:rPr lang="en-GB"/>
+            <a:endParaRPr lang="en-gb" cap="none"/>
+          </a:p>
+          <a:p>
+            <a:pPr lvl="4">
+              <a:defRPr lang="en-us"/>
+            </a:pPr>
+            <a:r>
+              <a:rPr lang="en-gb" cap="none"/>
               <a:t>Fifth level</a:t>
             </a:r>
-            <a:endParaRPr lang="en-US" dirty="0"/>
           </a:p>
         </p:txBody>
       </p:sp>
@@ -2026,7 +2437,12 @@
         <p:nvSpPr>
           <p:cNvPr id="7" name="Date Placeholder 6"/>
           <p:cNvSpPr>
-            <a:spLocks noGrp="1"/>
+            <a:spLocks noGrp="1" noChangeArrowheads="1"/>
+            <a:extLst>
+              <a:ext uri="smNativeData">
+                <pr:smNativeData xmlns:pr="smNativeData" xmlns="smNativeData" val="SMDATA_15_OjGNYRMAAAAlAAAAZAAAAA0AAAAAkAAAAEgAAACQAAAASAAAAAAAAAABAAAAAAAAAAEAAABQAAAAAAAAAAAA4D8AAAAAAADgPwAAAAAAAOA/AAAAAAAA4D8AAAAAAADgPwAAAAAAAOA/AAAAAAAA4D8AAAAAAADgPwAAAAAAAOA/AAAAAAAA4D8CAAAAjAAAAAAAAAAAAAAA////AP///wgAAAAAAAAAAAAAAAAAAAAAAAAAAAAAAAAAAAAAeAAAAAEAAABAAAAAAAAAAAAAAABaAAAAAAAAAAAAAAAAAAAAAAAAAAAAAAAAAAAAAAAAAAAAAAAAAAAAAAAAAAAAAAAAAAAAAAAAAAAAAAAAAAAAAAAAAAAAAAAAAAAAFAAAADwAAAAAAAAAAAAAAAAAAAAPAAAAAQAAACMAAAAjAAAAIwAAAB4AAAAAAAAAZAAAAGQAAAAAAAAAZAAAAGQAAAAVAAAAYAAAAAAAAAAAAAAADwAAACADAAAAAAAAAAAAAAEAAACgMgAAVgcAAKr4//8BAAAAf39/AAEAAABkAAAAAAAAABQAAABAHwAAAAAAACYAAAAAAAAAwOD//wAAAAAmAAAAZAAAABYAAABMAAAAAAAAAAAAAAAEAAAAAAAAAAEAAADZ4OYKAAAAACgAAAAoAAAAZAAAAGQAAAAAAAAAzMzMAAAAAABQAAAAUAAAAGQAAABkAAAAAAAAABcAAAAUAAAAAAAAAAAAAAD/fwAA/38AAAAAAAAJAAAABAAAAAAAAAAeAAAAaAAAAAAAAAAAAAAAAAAAAAAAAAAAAAAAECcAABAnAAAAAAAAAAAAAAAAAAAAAAAAAAAAAAAAAAAAAAAAAAAAABQAAAAAAAAAwMD/AAAAAABkAAAAMgAAAAAAAABkAAAAAAAAAH9/fwAKAAAAIgAAABgAAAAAAAAAAAAAAAAAAAAAAAAAAAAAAAAAAAAkAAAAJAAAAAAAAAAHAAAAAAAAAAAAAAAAAAAAAAAAAAAAAAAAAAAAf39/ACUAAABYAAAAAAAAAAAAAAAAAAAAAAAAAAAAAAAAAAAAAAAAAAAAAAAAAAAAAAAAAAAAAAA/AAAAAAAAAKCGAQAAAAAAAAAAAAAAAAAMAAAAAQAAAAAAAAAAAAAAAAAAAB8AAABUAAAA////AAAAAAEAAAAAAAAAAAAAAAAAAAAAAAAAAAAAAAAAAAAAAAAAAAAAAAB/f38AAAAAA8zMzADAwP8Af39/AAAAAAAAAAAAAAAAAAAAAAAAAAAAIQAAABgAAAAUAAAAwAYAAL0nAAD1FQAA/CkAABAAAAAmAAAACAAAAAAAAAAAAAAA"/>
+              </a:ext>
+            </a:extLst>
           </p:cNvSpPr>
           <p:nvPr>
             <p:ph type="dt" sz="half" idx="10"/>
@@ -2037,11 +2453,12 @@
           <a:bodyPr/>
           <a:lstStyle/>
           <a:p>
-            <a:fld id="{96DFF08F-DC6B-4601-B491-B0F83F6DD2DA}" type="datetimeFigureOut">
-              <a:rPr lang="en-US" dirty="0"/>
+            <a:pPr>
+              <a:defRPr lang="en-us"/>
+            </a:pPr>
+            <a:fld id="{71E27BFD-B39C-B78D-D25A-45D835142410}" type="datetime1">
               <a:t>11/11/21</a:t>
             </a:fld>
-            <a:endParaRPr lang="en-US" dirty="0"/>
           </a:p>
         </p:txBody>
       </p:sp>
@@ -2049,7 +2466,12 @@
         <p:nvSpPr>
           <p:cNvPr id="8" name="Footer Placeholder 7"/>
           <p:cNvSpPr>
-            <a:spLocks noGrp="1"/>
+            <a:spLocks noGrp="1" noChangeArrowheads="1"/>
+            <a:extLst>
+              <a:ext uri="smNativeData">
+                <pr:smNativeData xmlns:pr="smNativeData" xmlns="smNativeData" val="SMDATA_15_OjGNYRMAAAAlAAAAZAAAAA0AAAAAkAAAAEgAAACQAAAASAAAAAAAAAABAAAAAAAAAAEAAABQAAAAAAAAAAAA4D8AAAAAAADgPwAAAAAAAOA/AAAAAAAA4D8AAAAAAADgPwAAAAAAAOA/AAAAAAAA4D8AAAAAAADgPwAAAAAAAOA/AAAAAAAA4D8CAAAAjAAAAAAAAAAAAAAA////AP///wgAAAAAAAAAAAAAAAAAAAAAAAAAAAAAAAAAAAAAeAAAAAEAAABAAAAAAAAAAAAAAABaAAAAAAAAAAAAAAAAAAAAAAAAAAAAAAAAAAAAAAAAAAAAAAAAAAAAAAAAAAAAAAAAAAAAAAAAAAAAAAAAAAAAAAAAAAAAAAAAAAAAFAAAADwAAAAAAAAAAAAAAAAAAAAPAAAAAQAAACMAAAAjAAAAIwAAAB4AAAAAAAAAZAAAAGQAAAAAAAAAZAAAAGQAAAAVAAAAYAAAAAAAAAAAAAAADwAAACADAAAAAAAAAAAAAAEAAACgMgAAVgcAAKr4//8BAAAAf39/AAEAAABkAAAAAAAAABQAAABAHwAAAAAAACYAAAAAAAAAwOD//wAAAAAmAAAAZAAAABYAAABMAAAAAAAAAAAAAAAEAAAAAAAAAAEAAADZ4OYKAAAAACgAAAAoAAAAZAAAAGQAAAAAAAAAzMzMAAAAAABQAAAAUAAAAGQAAABkAAAAAAAAABcAAAAUAAAAAAAAAAAAAAD/fwAA/38AAAAAAAAJAAAABAAAAAAAAAAeAAAAaAAAAAAAAAAAAAAAAAAAAAAAAAAAAAAAECcAABAnAAAAAAAAAAAAAAAAAAAAAAAAAAAAAAAAAAAAAAAAAAAAABQAAAAAAAAAwMD/AAAAAABkAAAAMgAAAAAAAABkAAAAAAAAAH9/fwAKAAAAIgAAABgAAAAAAAAAAAAAAAAAAAAAAAAAAAAAAAAAAAAkAAAAJAAAAAAAAAAHAAAAAAAAAAAAAAAAAAAAAAAAAAAAAAAAAAAAf39/ACUAAABYAAAAAAAAAAAAAAAAAAAAAAAAAAAAAAAAAAAAAAAAAAAAAAAAAAAAAAAAAAAAAAA/AAAAAAAAAKCGAQAAAAAAAAAAAAAAAAAMAAAAAQAAAAAAAAAAAAAAAAAAAB8AAABUAAAA////AAAAAAEAAAAAAAAAAAAAAAAAAAAAAAAAAAAAAAAAAAAAAAAAAAAAAAB/f38AAAAAA8zMzADAwP8Af39/AAAAAAAAAAAAAAAAAAAAAAAAAAAAIQAAABgAAAAUAAAArRYAAL0nAABYNAAA/CkAABAAAAAmAAAACAAAAAAAAAAAAAAA"/>
+              </a:ext>
+            </a:extLst>
           </p:cNvSpPr>
           <p:nvPr>
             <p:ph type="ftr" sz="quarter" idx="11"/>
@@ -2060,7 +2482,9 @@
           <a:bodyPr/>
           <a:lstStyle/>
           <a:p>
-            <a:endParaRPr lang="en-US" dirty="0"/>
+            <a:pPr>
+              <a:defRPr lang="en-us"/>
+            </a:pPr>
           </a:p>
         </p:txBody>
       </p:sp>
@@ -2068,7 +2492,12 @@
         <p:nvSpPr>
           <p:cNvPr id="9" name="Slide Number Placeholder 8"/>
           <p:cNvSpPr>
-            <a:spLocks noGrp="1"/>
+            <a:spLocks noGrp="1" noChangeArrowheads="1"/>
+            <a:extLst>
+              <a:ext uri="smNativeData">
+                <pr:smNativeData xmlns:pr="smNativeData" xmlns="smNativeData" val="SMDATA_15_OjGNYRMAAAAlAAAAZAAAAA0AAAAAkAAAAEgAAACQAAAASAAAAAAAAAABAAAAAAAAAAEAAABQAAAAAAAAAAAA4D8AAAAAAADgPwAAAAAAAOA/AAAAAAAA4D8AAAAAAADgPwAAAAAAAOA/AAAAAAAA4D8AAAAAAADgPwAAAAAAAOA/AAAAAAAA4D8CAAAAjAAAAAAAAAAAAAAA////AP///wgAAAAAAAAAAAAAAAAAAAAAAAAAAAAAAAAAAAAAeAAAAAEAAABAAAAAAAAAAAAAAABaAAAAAAAAAAAAAAAAAAAAAAAAAAAAAAAAAAAAAAAAAAAAAAAAAAAAAAAAAAAAAAAAAAAAAAAAAAAAAAAAAAAAAAAAAAAAAAAAAAAAFAAAADwAAAAAAAAAAAAAAAAAAAAPAAAAAQAAACMAAAAjAAAAIwAAAB4AAAAAAAAAZAAAAGQAAAAAAAAAZAAAAGQAAAAVAAAAYAAAAAAAAAAAAAAADwAAACADAAAAAAAAAAAAAAEAAACgMgAAVgcAAKr4//8BAAAAf39/AAEAAABkAAAAAAAAABQAAABAHwAAAAAAACYAAAAAAAAAwOD//wAAAAAmAAAAZAAAABYAAABMAAAAAAAAAAAAAAAEAAAAAAAAAAEAAADZ4OYKAAAAACgAAAAoAAAAZAAAAGQAAAAAAAAAzMzMAAAAAABQAAAAUAAAAGQAAABkAAAAAAAAABcAAAAUAAAAAAAAAAAAAAD/fwAA/38AAAAAAAAJAAAABAAAAAAAAAAeAAAAaAAAAAAAAAAAAAAAAAAAAAAAAAAAAAAAECcAABAnAAAAAAAAAAAAAAAAAAAAAAAAAAAAAAAAAAAAAAAAAAAAABQAAAAAAAAAwMD/AAAAAABkAAAAMgAAAAAAAABkAAAAAAAAAH9/fwAKAAAAIgAAABgAAAAAAAAAAAAAAAAAAAAAAAAAAAAAAAAAAAAkAAAAJAAAAAAAAAAHAAAAAAAAAAAAAAAAAAAAAAAAAAAAAAAAAAAAf39/ACUAAABYAAAAAAAAAAAAAAAAAAAAAAAAAAAAAAAAAAAAAAAAAAAAAAAAAAAAAAAAAAAAAAA/AAAAAAAAAKCGAQAAAAAAAAAAAAAAAAAMAAAAAQAAAAAAAAAAAAAAAAAAAB8AAABUAAAA////AAAAAAEAAAAAAAAAAAAAAAAAAAAAAAAAAAAAAAAAAAAAAAAAAAAAAAB/f38AAAAAA8zMzADAwP8Af39/AAAAAAAAAAAAAAAAAAAAAAAAAAAAIQAAABgAAAAUAAAAEDUAAL0nAAAiPQAA/CkAABAAAAAmAAAACAAAAAAAAAAAAAAA"/>
+              </a:ext>
+            </a:extLst>
           </p:cNvSpPr>
           <p:nvPr>
             <p:ph type="sldNum" sz="quarter" idx="12"/>
@@ -2079,11 +2508,12 @@
           <a:bodyPr/>
           <a:lstStyle/>
           <a:p>
-            <a:fld id="{4FAB73BC-B049-4115-A692-8D63A059BFB8}" type="slidenum">
-              <a:rPr lang="en-US" dirty="0"/>
+            <a:pPr>
+              <a:defRPr lang="en-us"/>
+            </a:pPr>
+            <a:fld id="{65D75750-1E88-82A1-C66F-E8F4192130BD}" type="slidenum">
               <a:t>‹#›</a:t>
             </a:fld>
-            <a:endParaRPr lang="en-US" dirty="0"/>
           </a:p>
         </p:txBody>
       </p:sp>
@@ -2092,11 +2522,12 @@
   <p:clrMapOvr>
     <a:masterClrMapping/>
   </p:clrMapOvr>
+  <p:hf hdr="0" ftr="0"/>
 </p:sldLayout>
 </file>
 
 <file path=ppt/slideLayouts/slideLayout6.xml><?xml version="1.0" encoding="utf-8"?>
-<p:sldLayout xmlns:a="http://schemas.openxmlformats.org/drawingml/2006/main" xmlns:r="http://schemas.openxmlformats.org/officeDocument/2006/relationships" xmlns:p="http://schemas.openxmlformats.org/presentationml/2006/main" type="titleOnly" preserve="1">
+<p:sldLayout xmlns:p="http://schemas.openxmlformats.org/presentationml/2006/main" xmlns:mc="http://schemas.openxmlformats.org/markup-compatibility/2006" xmlns:p14="http://schemas.microsoft.com/office/powerpoint/2010/main" xmlns:p15="http://schemas.microsoft.com/office/powerpoint/2012/main" xmlns:r="http://schemas.openxmlformats.org/officeDocument/2006/relationships" xmlns:a="http://schemas.openxmlformats.org/drawingml/2006/main" type="titleOnly" preserve="1">
   <p:cSld name="Title Only">
     <p:spTree>
       <p:nvGrpSpPr>
@@ -2116,7 +2547,12 @@
         <p:nvSpPr>
           <p:cNvPr id="2" name="Title 1"/>
           <p:cNvSpPr>
-            <a:spLocks noGrp="1"/>
+            <a:spLocks noGrp="1" noChangeArrowheads="1"/>
+            <a:extLst>
+              <a:ext uri="smNativeData">
+                <pr:smNativeData xmlns:pr="smNativeData" xmlns="smNativeData" val="SMDATA_15_OjGNYRMAAAAlAAAAZAAAAA0AAAAAkAAAAEgAAACQAAAASAAAAAAAAAACAAAAAAAAAAEAAABQAAAAAAAAAAAA4D8AAAAAAADgPwAAAAAAAOA/AAAAAAAA4D8AAAAAAADgPwAAAAAAAOA/AAAAAAAA4D8AAAAAAADgPwAAAAAAAOA/AAAAAAAA4D8CAAAAjAAAAAAAAAAAAAAA////AP///wgAAAAAAAAAAAAAAAAAAAAAAAAAAAAAAAAAAAAAeAAAAAEAAABAAAAAAAAAAAAAAABaAAAAAAAAAAAAAAAAAAAAAAAAAAAAAAAAAAAAAAAAAAAAAAAAAAAAAAAAAAAAAAAAAAAAAAAAAAAAAAAAAAAAAAAAAAAAAAAAAAAAFAAAADwAAAAAAAAAAAAAAAAAAAAPAAAAAQAAACMAAAAjAAAAIwAAAB4AAAAAAAAAZAAAAGQAAAAAAAAAZAAAAGQAAAAVAAAAYAAAAAAAAAAAAAAADwAAACADAAAAAAAAAAAAAAEAAACgMgAAVgcAAKr4//8BAAAAf39/AAEAAABkAAAAAAAAABQAAABAHwAAAAAAACYAAAAAAAAAwOD//wAAAAAmAAAAZAAAABYAAABMAAAAAAAAAAAAAAAEAAAAAAAAAAEAAADZ4OYKAAAAACgAAAAoAAAAZAAAAGQAAAAAAAAAzMzMAAAAAABQAAAAUAAAAGQAAABkAAAAAAAAABcAAAAUAAAAAAAAAAAAAAD/fwAA/38AAAAAAAAJAAAABAAAAAAAAAAeAAAAaAAAAAAAAAAAAAAAAAAAAAAAAAAAAAAAECcAABAnAAAAAAAAAAAAAAAAAAAAAAAAAAAAAAAAAAAAAAAAAAAAABQAAAAAAAAAwMD/AAAAAABkAAAAMgAAAAAAAABkAAAAAAAAAH9/fwAKAAAAIgAAABgAAAAAAAAAAAAAAAAAAAAAAAAAAAAAAAAAAAAkAAAAJAAAAAAAAAAHAAAAAAAAAAAAAAAAAAAAAAAAAAAAAAAAAAAAf39/ACUAAABYAAAAAAAAAAAAAAAAAAAAAAAAAAAAAAAAAAAAAAAAAAAAAAAAAAAAAAAAAAAAAAA/AAAAAAAAAKCGAQAAAAAAAAAAAAAAAAAMAAAAAQAAAAAAAAAAAAAAAAAAAB8AAABUAAAA////AAAAAAEAAAAAAAAAAAAAAAAAAAAAAAAAAAAAAAAAAAAAAAAAAAAAAAB/f38AAAAAA8zMzADAwP8Af39/AAAAAAAAAAAAAAAAAAAAAAAAAAAAIQAAABgAAAAUAAAAwAYAAMMBAACgRAAAsAoAABAAAAAmAAAACAAAAAAAAAAAAAAA"/>
+              </a:ext>
+            </a:extLst>
           </p:cNvSpPr>
           <p:nvPr>
             <p:ph type="title"/>
@@ -2127,11 +2563,13 @@
           <a:bodyPr/>
           <a:lstStyle/>
           <a:p>
-            <a:r>
-              <a:rPr lang="en-GB"/>
+            <a:pPr>
+              <a:defRPr lang="en-us"/>
+            </a:pPr>
+            <a:r>
+              <a:rPr lang="en-gb" cap="none"/>
               <a:t>Click to edit Master title style</a:t>
             </a:r>
-            <a:endParaRPr lang="en-US" dirty="0"/>
           </a:p>
         </p:txBody>
       </p:sp>
@@ -2139,7 +2577,12 @@
         <p:nvSpPr>
           <p:cNvPr id="3" name="Date Placeholder 2"/>
           <p:cNvSpPr>
-            <a:spLocks noGrp="1"/>
+            <a:spLocks noGrp="1" noChangeArrowheads="1"/>
+            <a:extLst>
+              <a:ext uri="smNativeData">
+                <pr:smNativeData xmlns:pr="smNativeData" xmlns="smNativeData" val="SMDATA_15_OjGNYRMAAAAlAAAAZAAAAA0AAAAAkAAAAEgAAACQAAAASAAAAAAAAAABAAAAAAAAAAEAAABQAAAAAAAAAAAA4D8AAAAAAADgPwAAAAAAAOA/AAAAAAAA4D8AAAAAAADgPwAAAAAAAOA/AAAAAAAA4D8AAAAAAADgPwAAAAAAAOA/AAAAAAAA4D8CAAAAjAAAAAAAAAAAAAAA////AP///wgAAAAAAAAAAAAAAAAAAAAAAAAAAAAAAAAAAAAAeAAAAAEAAABAAAAAAAAAAAAAAABaAAAAAAAAAAAAAAAAAAAAAAAAAAAAAAAAAAAAAAAAAAAAAAAAAAAAAAAAAAAAAAAAAAAAAAAAAAAAAAAAAAAAAAAAAAAAAAAAAAAAFAAAADwAAAAAAAAAAAAAAAAAAAAPAAAAAQAAACMAAAAjAAAAIwAAAB4AAAAAAAAAZAAAAGQAAAAAAAAAZAAAAGQAAAAVAAAAYAAAAAAAAAAAAAAADwAAACADAAAAAAAAAAAAAAEAAACgMgAAVgcAAKr4//8BAAAAf39/AAEAAABkAAAAAAAAABQAAABAHwAAAAAAACYAAAAAAAAAwOD//wAAAAAmAAAAZAAAABYAAABMAAAAAAAAAAAAAAAEAAAAAAAAAAEAAADZ4OYKAAAAACgAAAAoAAAAZAAAAGQAAAAAAAAAzMzMAAAAAABQAAAAUAAAAGQAAABkAAAAAAAAABcAAAAUAAAAAAAAAAAAAAD/fwAA/38AAAAAAAAJAAAABAAAAAAAAAAeAAAAaAAAAAAAAAAAAAAAAAAAAAAAAAAAAAAAECcAABAnAAAAAAAAAAAAAAAAAAAAAAAAAAAAAAAAAAAAAAAAAAAAABQAAAAAAAAAwMD/AAAAAABkAAAAMgAAAAAAAABkAAAAAAAAAH9/fwAKAAAAIgAAABgAAAAAAAAAAAAAAAAAAAAAAAAAAAAAAAAAAAAkAAAAJAAAAAAAAAAHAAAAAAAAAAAAAAAAAAAAAAAAAAAAAAAAAAAAf39/ACUAAABYAAAAAAAAAAAAAAAAAAAAAAAAAAAAAAAAAAAAAAAAAAAAAAAAAAAAAAAAAAAAAAA/AAAAAAAAAKCGAQAAAAAAAAAAAAAAAAAMAAAAAQAAAAAAAAAAAAAAAAAAAB8AAABUAAAA////AAAAAAEAAAAAAAAAAAAAAAAAAAAAAAAAAAAAAAAAAAAAAAAAAAAAAAB/f38AAAAAA8zMzADAwP8Af39/AAAAAAAAAAAAAAAAAAAAAAAAAAAAIQAAABgAAAAUAAAAwAYAAL0nAAD1FQAA/CkAABAAAAAmAAAACAAAAAAAAAAAAAAA"/>
+              </a:ext>
+            </a:extLst>
           </p:cNvSpPr>
           <p:nvPr>
             <p:ph type="dt" sz="half" idx="10"/>
@@ -2150,11 +2593,12 @@
           <a:bodyPr/>
           <a:lstStyle/>
           <a:p>
-            <a:fld id="{96DFF08F-DC6B-4601-B491-B0F83F6DD2DA}" type="datetimeFigureOut">
-              <a:rPr lang="en-US" dirty="0"/>
+            <a:pPr>
+              <a:defRPr lang="en-us"/>
+            </a:pPr>
+            <a:fld id="{11ED1823-6DFC-B8EE-B255-9BBB561B44CE}" type="datetime1">
               <a:t>11/11/21</a:t>
             </a:fld>
-            <a:endParaRPr lang="en-US" dirty="0"/>
           </a:p>
         </p:txBody>
       </p:sp>
@@ -2162,7 +2606,12 @@
         <p:nvSpPr>
           <p:cNvPr id="4" name="Footer Placeholder 3"/>
           <p:cNvSpPr>
-            <a:spLocks noGrp="1"/>
+            <a:spLocks noGrp="1" noChangeArrowheads="1"/>
+            <a:extLst>
+              <a:ext uri="smNativeData">
+                <pr:smNativeData xmlns:pr="smNativeData" xmlns="smNativeData" val="SMDATA_15_OjGNYRMAAAAlAAAAZAAAAA0AAAAAkAAAAEgAAACQAAAASAAAAAAAAAABAAAAAAAAAAEAAABQAAAAAAAAAAAA4D8AAAAAAADgPwAAAAAAAOA/AAAAAAAA4D8AAAAAAADgPwAAAAAAAOA/AAAAAAAA4D8AAAAAAADgPwAAAAAAAOA/AAAAAAAA4D8CAAAAjAAAAAAAAAAAAAAA////AP///wgAAAAAAAAAAAAAAAAAAAAAAAAAAAAAAAAAAAAAeAAAAAEAAABAAAAAAAAAAAAAAABaAAAAAAAAAAAAAAAAAAAAAAAAAAAAAAAAAAAAAAAAAAAAAAAAAAAAAAAAAAAAAAAAAAAAAAAAAAAAAAAAAAAAAAAAAAAAAAAAAAAAFAAAADwAAAAAAAAAAAAAAAAAAAAPAAAAAQAAACMAAAAjAAAAIwAAAB4AAAAAAAAAZAAAAGQAAAAAAAAAZAAAAGQAAAAVAAAAYAAAAAAAAAAAAAAADwAAACADAAAAAAAAAAAAAAEAAACgMgAAVgcAAKr4//8BAAAAf39/AAEAAABkAAAAAAAAABQAAABAHwAAAAAAACYAAAAAAAAAwOD//wAAAAAmAAAAZAAAABYAAABMAAAAAAAAAAAAAAAEAAAAAAAAAAEAAADZ4OYKAAAAACgAAAAoAAAAZAAAAGQAAAAAAAAAzMzMAAAAAABQAAAAUAAAAGQAAABkAAAAAAAAABcAAAAUAAAAAAAAAAAAAAD/fwAA/38AAAAAAAAJAAAABAAAAAAAAAAeAAAAaAAAAAAAAAAAAAAAAAAAAAAAAAAAAAAAECcAABAnAAAAAAAAAAAAAAAAAAAAAAAAAAAAAAAAAAAAAAAAAAAAABQAAAAAAAAAwMD/AAAAAABkAAAAMgAAAAAAAABkAAAAAAAAAH9/fwAKAAAAIgAAABgAAAAAAAAAAAAAAAAAAAAAAAAAAAAAAAAAAAAkAAAAJAAAAAAAAAAHAAAAAAAAAAAAAAAAAAAAAAAAAAAAAAAAAAAAf39/ACUAAABYAAAAAAAAAAAAAAAAAAAAAAAAAAAAAAAAAAAAAAAAAAAAAAAAAAAAAAAAAAAAAAA/AAAAAAAAAKCGAQAAAAAAAAAAAAAAAAAMAAAAAQAAAAAAAAAAAAAAAAAAAB8AAABUAAAA////AAAAAAEAAAAAAAAAAAAAAAAAAAAAAAAAAAAAAAAAAAAAAAAAAAAAAAB/f38AAAAAA8zMzADAwP8Af39/AAAAAAAAAAAAAAAAAAAAAAAAAAAAIQAAABgAAAAUAAAArRYAAL0nAABYNAAA/CkAABAAAAAmAAAACAAAAAAAAAAAAAAA"/>
+              </a:ext>
+            </a:extLst>
           </p:cNvSpPr>
           <p:nvPr>
             <p:ph type="ftr" sz="quarter" idx="11"/>
@@ -2173,7 +2622,9 @@
           <a:bodyPr/>
           <a:lstStyle/>
           <a:p>
-            <a:endParaRPr lang="en-US" dirty="0"/>
+            <a:pPr>
+              <a:defRPr lang="en-us"/>
+            </a:pPr>
           </a:p>
         </p:txBody>
       </p:sp>
@@ -2181,7 +2632,12 @@
         <p:nvSpPr>
           <p:cNvPr id="5" name="Slide Number Placeholder 4"/>
           <p:cNvSpPr>
-            <a:spLocks noGrp="1"/>
+            <a:spLocks noGrp="1" noChangeArrowheads="1"/>
+            <a:extLst>
+              <a:ext uri="smNativeData">
+                <pr:smNativeData xmlns:pr="smNativeData" xmlns="smNativeData" val="SMDATA_15_OjGNYRMAAAAlAAAAZAAAAA0AAAAAkAAAAEgAAACQAAAASAAAAAAAAAABAAAAAAAAAAEAAABQAAAAAAAAAAAA4D8AAAAAAADgPwAAAAAAAOA/AAAAAAAA4D8AAAAAAADgPwAAAAAAAOA/AAAAAAAA4D8AAAAAAADgPwAAAAAAAOA/AAAAAAAA4D8CAAAAjAAAAAAAAAAAAAAA////AP///wgAAAAAAAAAAAAAAAAAAAAAAAAAAAAAAAAAAAAAeAAAAAEAAABAAAAAAAAAAAAAAABaAAAAAAAAAAAAAAAAAAAAAAAAAAAAAAAAAAAAAAAAAAAAAAAAAAAAAAAAAAAAAAAAAAAAAAAAAAAAAAAAAAAAAAAAAAAAAAAAAAAAFAAAADwAAAAAAAAAAAAAAAAAAAAPAAAAAQAAACMAAAAjAAAAIwAAAB4AAAAAAAAAZAAAAGQAAAAAAAAAZAAAAGQAAAAVAAAAYAAAAAAAAAAAAAAADwAAACADAAAAAAAAAAAAAAEAAACgMgAAVgcAAKr4//8BAAAAf39/AAEAAABkAAAAAAAAABQAAABAHwAAAAAAACYAAAAAAAAAwOD//wAAAAAmAAAAZAAAABYAAABMAAAAAAAAAAAAAAAEAAAAAAAAAAEAAADZ4OYKAAAAACgAAAAoAAAAZAAAAGQAAAAAAAAAzMzMAAAAAABQAAAAUAAAAGQAAABkAAAAAAAAABcAAAAUAAAAAAAAAAAAAAD/fwAA/38AAAAAAAAJAAAABAAAAAAAAAAeAAAAaAAAAAAAAAAAAAAAAAAAAAAAAAAAAAAAECcAABAnAAAAAAAAAAAAAAAAAAAAAAAAAAAAAAAAAAAAAAAAAAAAABQAAAAAAAAAwMD/AAAAAABkAAAAMgAAAAAAAABkAAAAAAAAAH9/fwAKAAAAIgAAABgAAAAAAAAAAAAAAAAAAAAAAAAAAAAAAAAAAAAkAAAAJAAAAAAAAAAHAAAAAAAAAAAAAAAAAAAAAAAAAAAAAAAAAAAAf39/ACUAAABYAAAAAAAAAAAAAAAAAAAAAAAAAAAAAAAAAAAAAAAAAAAAAAAAAAAAAAAAAAAAAAA/AAAAAAAAAKCGAQAAAAAAAAAAAAAAAAAMAAAAAQAAAAAAAAAAAAAAAAAAAB8AAABUAAAA////AAAAAAEAAAAAAAAAAAAAAAAAAAAAAAAAAAAAAAAAAAAAAAAAAAAAAAB/f38AAAAAA8zMzADAwP8Af39/AAAAAAAAAAAAAAAAAAAAAAAAAAAAIQAAABgAAAAUAAAAEDUAAL0nAAAiPQAA/CkAABAAAAAmAAAACAAAAAAAAAAAAAAA"/>
+              </a:ext>
+            </a:extLst>
           </p:cNvSpPr>
           <p:nvPr>
             <p:ph type="sldNum" sz="quarter" idx="12"/>
@@ -2192,11 +2648,12 @@
           <a:bodyPr/>
           <a:lstStyle/>
           <a:p>
-            <a:fld id="{4FAB73BC-B049-4115-A692-8D63A059BFB8}" type="slidenum">
-              <a:rPr lang="en-US" dirty="0"/>
+            <a:pPr>
+              <a:defRPr lang="en-us"/>
+            </a:pPr>
+            <a:fld id="{693D0A62-2C84-68FC-CA85-DAA944CB3C8F}" type="slidenum">
               <a:t>‹#›</a:t>
             </a:fld>
-            <a:endParaRPr lang="en-US" dirty="0"/>
           </a:p>
         </p:txBody>
       </p:sp>
@@ -2205,11 +2662,12 @@
   <p:clrMapOvr>
     <a:masterClrMapping/>
   </p:clrMapOvr>
+  <p:hf hdr="0" ftr="0"/>
 </p:sldLayout>
 </file>
 
 <file path=ppt/slideLayouts/slideLayout7.xml><?xml version="1.0" encoding="utf-8"?>
-<p:sldLayout xmlns:a="http://schemas.openxmlformats.org/drawingml/2006/main" xmlns:r="http://schemas.openxmlformats.org/officeDocument/2006/relationships" xmlns:p="http://schemas.openxmlformats.org/presentationml/2006/main" showMasterSp="0" type="blank" preserve="1">
+<p:sldLayout xmlns:p="http://schemas.openxmlformats.org/presentationml/2006/main" xmlns:mc="http://schemas.openxmlformats.org/markup-compatibility/2006" xmlns:p14="http://schemas.microsoft.com/office/powerpoint/2010/main" xmlns:p15="http://schemas.microsoft.com/office/powerpoint/2012/main" xmlns:r="http://schemas.openxmlformats.org/officeDocument/2006/relationships" xmlns:a="http://schemas.openxmlformats.org/drawingml/2006/main" showMasterSp="0" type="blank" preserve="1">
   <p:cSld name="Blank">
     <p:spTree>
       <p:nvGrpSpPr>
@@ -2227,8 +2685,14 @@
       </p:grpSpPr>
       <p:sp>
         <p:nvSpPr>
-          <p:cNvPr id="5" name="Rectangle 4"/>
-          <p:cNvSpPr/>
+          <p:cNvPr id="2" name="Rectangle 4"/>
+          <p:cNvSpPr>
+            <a:extLst>
+              <a:ext uri="smNativeData">
+                <pr:smNativeData xmlns:pr="smNativeData" xmlns="smNativeData" val="SMDATA_15_OjGNYRMAAAAlAAAAZAAAAA0AAAAAkAAAAEgAAACQAAAASAAAAAAAAAAAAAAAAAAAAAEAAABQAAAAAAAAAAAA4D8AAAAAAADgPwAAAAAAAOA/AAAAAAAA4D8AAAAAAADgPwAAAAAAAOA/AAAAAAAA4D8AAAAAAADgPwAAAAAAAOA/AAAAAAAA4D8CAAAAjAAAAAEAAAAAAAAAJoPGDf///wgAAAAAAAAAAAAAAAAAAAAAAAAAAAAAAAAAAAAAZAAAAAEAAABAAAAAAAAAAAAAAAAAAAAAAAAAAAAAAAAAAAAAAAAAAAAAAAAAAAAAAAAAAAAAAAAAAAAAAAAAAAAAAAAAAAAAAAAAAAAAAAAAAAAAAAAAAAAAAAAAAAAAFAAAADwAAAAAAAAAAAAAABWAqQAZAAAAAQAAABQAAAAUAAAAFAAAAAEAAAAAAAAAZAAAAGQAAAAAAAAAZAAAAGQAAAAVAAAAYAAAAAAAAAAAAAAADwAAACADAAAAAAAAAAAAAAEAAACgMgAAVgcAAKr4//8BAAAAf39/AAEAAABkAAAAAAAAABQAAABAHwAAAAAAACYAAAAAAAAAwOD//wAAAAAmAAAAZAAAABYAAABMAAAAAAAAAAAAAAAEAAAAAAAAAAEAAADZ4OYKAAAAACgAAAAoAAAAZAAAAGQAAAAAAAAAzMzMAAAAAABQAAAAUAAAAGQAAABkAAAAAAAAABcAAAAUAAAAAAAAAAAAAAD/fwAA/38AAAAAAAAJAAAABAAAAPDh2XUeAAAAaAAAAAAAAAAAAAAAAAAAAAAAAAAAAAAAECcAABAnAAAAAAAAAAAAAAAAAAAAAAAAAAAAAAAAAAAAAAAAAAAAABQAAAAAAAAAwMD/AAAAAABkAAAAMgAAAAAAAABkAAAAAAAAAH9/fwAKAAAAIgAAABgAAAAAAAAAAAAAAAAAAAAAAAAAAAAAAAAAAAAkAAAAJAAAAAAAAAAHAAAAAAAAAAAAAAAAAAAAAAAAAAAAAAAAAAAAf39/ACUAAABYAAAAAAAAAAAAAAAAAAAAAAAAAAAAAAAAAAAAAAAAAAAAAAAAAAAAAAAAAAAAAAA/AAAAAAAAAKCGAQAAAAAAAAAAAAAAAAAMAAAAAQAAAAAAAAAAAAAAAAAAAB8AAABUAAAAJoPGBv///wEAAAAAAAAAAAAAAAAAAAAAAAAAAAAAAAAAAAAAAAAAABWAqQB/f38A2eDmA8zMzADAwP8Af39/AAAAAAAAAAAAAAAAAAAAAAAAAAAAIQAAABgAAAAUAAAABQAAAGAnAAAASwAAMCoAABAAAAAmAAAACAAAAP//////////"/>
+              </a:ext>
+            </a:extLst>
+          </p:cNvSpPr>
           <p:nvPr/>
         </p:nvSpPr>
         <p:spPr>
@@ -2245,34 +2709,25 @@
           <a:ln>
             <a:noFill/>
           </a:ln>
-        </p:spPr>
-        <p:style>
-          <a:lnRef idx="2">
-            <a:schemeClr val="accent1">
-              <a:shade val="50000"/>
-            </a:schemeClr>
-          </a:lnRef>
-          <a:fillRef idx="1">
-            <a:schemeClr val="accent1"/>
-          </a:fillRef>
-          <a:effectRef idx="0">
-            <a:schemeClr val="accent1"/>
-          </a:effectRef>
-          <a:fontRef idx="minor">
-            <a:schemeClr val="lt1"/>
-          </a:fontRef>
-        </p:style>
-      </p:sp>
-      <p:sp>
-        <p:nvSpPr>
-          <p:cNvPr id="6" name="Rectangle 5"/>
-          <p:cNvSpPr/>
+          <a:effectLst/>
+        </p:spPr>
+      </p:sp>
+      <p:sp>
+        <p:nvSpPr>
+          <p:cNvPr id="3" name="Rectangle 5"/>
+          <p:cNvSpPr>
+            <a:extLst>
+              <a:ext uri="smNativeData">
+                <pr:smNativeData xmlns:pr="smNativeData" xmlns="smNativeData" val="SMDATA_15_OjGNYRMAAAAlAAAAZAAAAA0AAAAAkAAAAEgAAACQAAAASAAAAAAAAAAAAAAAAAAAAAEAAABQAAAAAAAAAAAA4D8AAAAAAADgPwAAAAAAAOA/AAAAAAAA4D8AAAAAAADgPwAAAAAAAOA/AAAAAAAA4D8AAAAAAADgPwAAAAAAAOA/AAAAAAAA4D8CAAAAjAAAAAEAAAAAAAAAHK3kDP///wgAAAAAAAAAAAAAAAAAAAAAAAAAAAAAAAAAAAAAZAAAAAEAAABAAAAAAAAAAAAAAAAAAAAAAAAAAAAAAAAAAAAAAAAAAAAAAAAAAAAAAAAAAAAAAAAAAAAAAAAAAAAAAAAAAAAAAAAAAAAAAAAAAAAAAAAAAAAAAAAAAAAAFAAAADwAAAAAAAAAAAAAABWAqQAZAAAAAQAAABQAAAAUAAAAFAAAAAEAAAAAAAAAZAAAAGQAAAAAAAAAZAAAAGQAAAAVAAAAYAAAAAAAAAAAAAAADwAAACADAAAAAAAAAAAAAAEAAACgMgAAVgcAAKr4//8BAAAAf39/AAEAAABkAAAAAAAAABQAAABAHwAAAAAAACYAAAAAAAAAwOD//wAAAAAmAAAAZAAAABYAAABMAAAAAAAAAAAAAAAEAAAAAAAAAAEAAADZ4OYKAAAAACgAAAAoAAAAZAAAAGQAAAAAAAAAzMzMAAAAAABQAAAAUAAAAGQAAABkAAAAAAAAABcAAAAUAAAAAAAAAAAAAAD/fwAA/38AAAAAAAAJAAAABAAAAAAAAAAeAAAAaAAAAAAAAAAAAAAAAAAAAAAAAAAAAAAAECcAABAnAAAAAAAAAAAAAAAAAAAAAAAAAAAAAAAAAAAAAAAAAAAAABQAAAAAAAAAwMD/AAAAAABkAAAAMgAAAAAAAABkAAAAAAAAAH9/fwAKAAAAIgAAABgAAAAAAAAAAAAAAAAAAAAAAAAAAAAAAAAAAAAkAAAAJAAAAAAAAAAHAAAAAAAAAAAAAAAAAAAAAAAAAAAAAAAAAAAAf39/ACUAAABYAAAAAAAAAAAAAAAAAAAAAAAAAAAAAAAAAAAAAAAAAAAAAAAAAAAAAAAAAAAAAAA/AAAAAAAAAKCGAQAAAAAAAAAAAAAAAAAMAAAAAQAAAAAAAAAAAAAAAAAAAB8AAABUAAAAHK3kBf///wEAAAAAAAAAAAAAAAAAAAAAAAAAAAAAAAAAAAAAAAAAABWAqQB/f38A2eDmA8zMzADAwP8Af39/AAAAAAAAAAAAAAAAAAAAAAAAAAAAIQAAABgAAAAUAAAAAAAAAPcmAAD7SgAAXCcAABAAAAAmAAAACAAAAP//////////"/>
+              </a:ext>
+            </a:extLst>
+          </p:cNvSpPr>
           <p:nvPr/>
         </p:nvSpPr>
         <p:spPr>
           <a:xfrm>
-            <a:off x="15" y="6334316"/>
-            <a:ext cx="12188825" cy="64008"/>
+            <a:off x="0" y="6334125"/>
+            <a:ext cx="12188825" cy="64135"/>
           </a:xfrm>
           <a:prstGeom prst="rect">
             <a:avLst/>
@@ -2283,29 +2738,19 @@
           <a:ln>
             <a:noFill/>
           </a:ln>
-        </p:spPr>
-        <p:style>
-          <a:lnRef idx="2">
-            <a:schemeClr val="accent1">
-              <a:shade val="50000"/>
-            </a:schemeClr>
-          </a:lnRef>
-          <a:fillRef idx="1">
-            <a:schemeClr val="accent1"/>
-          </a:fillRef>
-          <a:effectRef idx="0">
-            <a:schemeClr val="accent1"/>
-          </a:effectRef>
-          <a:fontRef idx="minor">
-            <a:schemeClr val="lt1"/>
-          </a:fontRef>
-        </p:style>
-      </p:sp>
-      <p:sp>
-        <p:nvSpPr>
-          <p:cNvPr id="7" name="Date Placeholder 6"/>
-          <p:cNvSpPr>
-            <a:spLocks noGrp="1"/>
+          <a:effectLst/>
+        </p:spPr>
+      </p:sp>
+      <p:sp>
+        <p:nvSpPr>
+          <p:cNvPr id="4" name="Date Placeholder 6"/>
+          <p:cNvSpPr>
+            <a:spLocks noGrp="1" noChangeArrowheads="1"/>
+            <a:extLst>
+              <a:ext uri="smNativeData">
+                <pr:smNativeData xmlns:pr="smNativeData" xmlns="smNativeData" val="SMDATA_15_OjGNYRMAAAAlAAAAZAAAAA0AAAAAkAAAAEgAAACQAAAASAAAAAAAAAABAAAAAAAAAAEAAABQAAAAAAAAAAAA4D8AAAAAAADgPwAAAAAAAOA/AAAAAAAA4D8AAAAAAADgPwAAAAAAAOA/AAAAAAAA4D8AAAAAAADgPwAAAAAAAOA/AAAAAAAA4D8CAAAAjAAAAAAAAAAAAAAA////AP///wgAAAAAAAAAAAAAAAAAAAAAAAAAAAAAAAAAAAAAeAAAAAEAAABAAAAAAAAAAAAAAABaAAAAAAAAAAAAAAAAAAAAAAAAAAAAAAAAAAAAAAAAAAAAAAAAAAAAAAAAAAAAAAAAAAAAAAAAAAAAAAAAAAAAAAAAAAAAAAAAAAAAFAAAADwAAAAAAAAAAAAAAAAAAAAPAAAAAQAAACMAAAAjAAAAIwAAAB4AAAAAAAAAZAAAAGQAAAAAAAAAZAAAAGQAAAAVAAAAYAAAAAAAAAAAAAAADwAAACADAAAAAAAAAAAAAAEAAACgMgAAVgcAAKr4//8BAAAAf39/AAEAAABkAAAAAAAAABQAAABAHwAAAAAAACYAAAAAAAAAwOD//wAAAAAmAAAAZAAAABYAAABMAAAAAAAAAAAAAAAEAAAAAAAAAAEAAADZ4OYKAAAAACgAAAAoAAAAZAAAAGQAAAAAAAAAzMzMAAAAAABQAAAAUAAAAGQAAABkAAAAAAAAABcAAAAUAAAAAAAAAAAAAAD/fwAA/38AAAAAAAAJAAAABAAAAAAAAAAeAAAAaAAAAAAAAAAAAAAAAAAAAAAAAAAAAAAAECcAABAnAAAAAAAAAAAAAAAAAAAAAAAAAAAAAAAAAAAAAAAAAAAAABQAAAAAAAAAwMD/AAAAAABkAAAAMgAAAAAAAABkAAAAAAAAAH9/fwAKAAAAIgAAABgAAAAAAAAAAAAAAAAAAAAAAAAAAAAAAAAAAAAkAAAAJAAAAAAAAAAHAAAAAAAAAAAAAAAAAAAAAAAAAAAAAAAAAAAAf39/ACUAAABYAAAAAAAAAAAAAAAAAAAAAAAAAAAAAAAAAAAAAAAAAAAAAAAAAAAAAAAAAAAAAAA/AAAAAAAAAKCGAQAAAAAAAAAAAAAAAAAMAAAAAQAAAAAAAAAAAAAAAAAAAB8AAABUAAAA////AAAAAAEAAAAAAAAAAAAAAAAAAAAAAAAAAAAAAAAAAAAAAAAAAAAAAAB/f38AAAAAA8zMzADAwP8Af39/AAAAAAAAAAAAAAAAAAAAAAAAAAAAIQAAABgAAAAUAAAAwAYAAL0nAAD1FQAA/CkAABAAAAAmAAAACAAAAAAAAAAAAAAA"/>
+              </a:ext>
+            </a:extLst>
           </p:cNvSpPr>
           <p:nvPr>
             <p:ph type="dt" sz="half" idx="10"/>
@@ -2316,20 +2761,25 @@
           <a:bodyPr/>
           <a:lstStyle/>
           <a:p>
-            <a:fld id="{96DFF08F-DC6B-4601-B491-B0F83F6DD2DA}" type="datetimeFigureOut">
-              <a:rPr lang="en-US" dirty="0"/>
-              <a:pPr/>
-              <a:t>11/11/21</a:t>
+            <a:pPr>
+              <a:defRPr lang="en-us"/>
+            </a:pPr>
+            <a:fld id="{7241362F-619F-14C0-D1F9-979578B727C2}" type="datetime1">
+              <a:t/>
             </a:fld>
-            <a:endParaRPr lang="en-US" dirty="0"/>
-          </a:p>
-        </p:txBody>
-      </p:sp>
-      <p:sp>
-        <p:nvSpPr>
-          <p:cNvPr id="8" name="Footer Placeholder 7"/>
-          <p:cNvSpPr>
-            <a:spLocks noGrp="1"/>
+          </a:p>
+        </p:txBody>
+      </p:sp>
+      <p:sp>
+        <p:nvSpPr>
+          <p:cNvPr id="5" name="Footer Placeholder 7"/>
+          <p:cNvSpPr>
+            <a:spLocks noGrp="1" noChangeArrowheads="1"/>
+            <a:extLst>
+              <a:ext uri="smNativeData">
+                <pr:smNativeData xmlns:pr="smNativeData" xmlns="smNativeData" val="SMDATA_15_OjGNYRMAAAAlAAAAZAAAAA0AAAAAkAAAAEgAAACQAAAASAAAAAAAAAABAAAAAAAAAAEAAABQAAAAAAAAAAAA4D8AAAAAAADgPwAAAAAAAOA/AAAAAAAA4D8AAAAAAADgPwAAAAAAAOA/AAAAAAAA4D8AAAAAAADgPwAAAAAAAOA/AAAAAAAA4D8CAAAAjAAAAAAAAAAAAAAA////AP///wgAAAAAAAAAAAAAAAAAAAAAAAAAAAAAAAAAAAAAeAAAAAEAAABAAAAAAAAAAAAAAABaAAAAAAAAAAAAAAAAAAAAAAAAAAAAAAAAAAAAAAAAAAAAAAAAAAAAAAAAAAAAAAAAAAAAAAAAAAAAAAAAAAAAAAAAAAAAAAAAAAAAFAAAADwAAAAAAAAAAAAAAAAAAAAPAAAAAQAAACMAAAAjAAAAIwAAAB4AAAAAAAAAZAAAAGQAAAAAAAAAZAAAAGQAAAAVAAAAYAAAAAAAAAAAAAAADwAAACADAAAAAAAAAAAAAAEAAACgMgAAVgcAAKr4//8BAAAAf39/AAEAAABkAAAAAAAAABQAAABAHwAAAAAAACYAAAAAAAAAwOD//wAAAAAmAAAAZAAAABYAAABMAAAAAAAAAAAAAAAEAAAAAAAAAAEAAADZ4OYKAAAAACgAAAAoAAAAZAAAAGQAAAAAAAAAzMzMAAAAAABQAAAAUAAAAGQAAABkAAAAAAAAABcAAAAUAAAAAAAAAAAAAAD/fwAA/38AAAAAAAAJAAAABAAAAAAAAAAeAAAAaAAAAAAAAAAAAAAAAAAAAAAAAAAAAAAAECcAABAnAAAAAAAAAAAAAAAAAAAAAAAAAAAAAAAAAAAAAAAAAAAAABQAAAAAAAAAwMD/AAAAAABkAAAAMgAAAAAAAABkAAAAAAAAAH9/fwAKAAAAIgAAABgAAAAAAAAAAAAAAAAAAAAAAAAAAAAAAAAAAAAkAAAAJAAAAAAAAAAHAAAAAAAAAAAAAAAAAAAAAAAAAAAAAAAAAAAAf39/ACUAAABYAAAAAAAAAAAAAAAAAAAAAAAAAAAAAAAAAAAAAAAAAAAAAAAAAAAAAAAAAAAAAAA/AAAAAAAAAKCGAQAAAAAAAAAAAAAAAAAMAAAAAQAAAAAAAAAAAAAAAAAAAB8AAABUAAAA////AAAAAAEAAAAAAAAAAAAAAAAAAAAAAAAAAAAAAAAAAAAAAAAAAAAAAAB/f38AAAAAA8zMzADAwP8Af39/AAAAAAAAAAAAAAAAAAAAAAAAAAAAIQAAABgAAAAUAAAArRYAAL0nAABYNAAA/CkAABAAAAAmAAAACAAAAACAAAAAAAAA"/>
+              </a:ext>
+            </a:extLst>
           </p:cNvSpPr>
           <p:nvPr>
             <p:ph type="ftr" sz="quarter" idx="11"/>
@@ -2340,23 +2790,54 @@
           <a:bodyPr/>
           <a:lstStyle>
             <a:lvl1pPr>
-              <a:defRPr>
+              <a:defRPr lang="en-us" cap="all">
                 <a:solidFill>
                   <a:srgbClr val="FFFFFF"/>
                 </a:solidFill>
               </a:defRPr>
             </a:lvl1pPr>
+            <a:lvl2pPr>
+              <a:defRPr lang="en-us"/>
+            </a:lvl2pPr>
+            <a:lvl3pPr>
+              <a:defRPr lang="en-us"/>
+            </a:lvl3pPr>
+            <a:lvl4pPr>
+              <a:defRPr lang="en-us"/>
+            </a:lvl4pPr>
+            <a:lvl5pPr>
+              <a:defRPr lang="en-us"/>
+            </a:lvl5pPr>
+            <a:lvl6pPr>
+              <a:defRPr lang="en-us"/>
+            </a:lvl6pPr>
+            <a:lvl7pPr>
+              <a:defRPr lang="en-us"/>
+            </a:lvl7pPr>
+            <a:lvl8pPr>
+              <a:defRPr lang="en-us"/>
+            </a:lvl8pPr>
+            <a:lvl9pPr>
+              <a:defRPr lang="en-us"/>
+            </a:lvl9pPr>
           </a:lstStyle>
           <a:p>
-            <a:endParaRPr lang="en-US" dirty="0"/>
-          </a:p>
-        </p:txBody>
-      </p:sp>
-      <p:sp>
-        <p:nvSpPr>
-          <p:cNvPr id="9" name="Slide Number Placeholder 8"/>
-          <p:cNvSpPr>
-            <a:spLocks noGrp="1"/>
+            <a:pPr>
+              <a:defRPr lang="en-us"/>
+            </a:pPr>
+          </a:p>
+        </p:txBody>
+      </p:sp>
+      <p:sp>
+        <p:nvSpPr>
+          <p:cNvPr id="6" name="Slide Number Placeholder 8"/>
+          <p:cNvSpPr>
+            <a:spLocks noGrp="1" noChangeArrowheads="1"/>
+            <a:extLst>
+              <a:ext uri="smNativeData">
+                <pr:smNativeData xmlns:pr="smNativeData" xmlns="smNativeData" val="SMDATA_15_OjGNYRMAAAAlAAAAZAAAAA0AAAAAkAAAAEgAAACQAAAASAAAAAAAAAABAAAAAAAAAAEAAABQAAAAAAAAAAAA4D8AAAAAAADgPwAAAAAAAOA/AAAAAAAA4D8AAAAAAADgPwAAAAAAAOA/AAAAAAAA4D8AAAAAAADgPwAAAAAAAOA/AAAAAAAA4D8CAAAAjAAAAAAAAAAAAAAA////AP///wgAAAAAAAAAAAAAAAAAAAAAAAAAAAAAAAAAAAAAeAAAAAEAAABAAAAAAAAAAAAAAABaAAAAAAAAAAAAAAAAAAAAAAAAAAAAAAAAAAAAAAAAAAAAAAAAAAAAAAAAAAAAAAAAAAAAAAAAAAAAAAAAAAAAAAAAAAAAAAAAAAAAFAAAADwAAAAAAAAAAAAAAAAAAAAPAAAAAQAAACMAAAAjAAAAIwAAAB4AAAAAAAAAZAAAAGQAAAAAAAAAZAAAAGQAAAAVAAAAYAAAAAAAAAAAAAAADwAAACADAAAAAAAAAAAAAAEAAACgMgAAVgcAAKr4//8BAAAAf39/AAEAAABkAAAAAAAAABQAAABAHwAAAAAAACYAAAAAAAAAwOD//wAAAAAmAAAAZAAAABYAAABMAAAAAAAAAAAAAAAEAAAAAAAAAAEAAADZ4OYKAAAAACgAAAAoAAAAZAAAAGQAAAAAAAAAzMzMAAAAAABQAAAAUAAAAGQAAABkAAAAAAAAABcAAAAUAAAAAAAAAAAAAAD/fwAA/38AAAAAAAAJAAAABAAAAAAAAAAeAAAAaAAAAAAAAAAAAAAAAAAAAAAAAAAAAAAAECcAABAnAAAAAAAAAAAAAAAAAAAAAAAAAAAAAAAAAAAAAAAAAAAAABQAAAAAAAAAwMD/AAAAAABkAAAAMgAAAAAAAABkAAAAAAAAAH9/fwAKAAAAIgAAABgAAAAAAAAAAAAAAAAAAAAAAAAAAAAAAAAAAAAkAAAAJAAAAAAAAAAHAAAAAAAAAAAAAAAAAAAAAAAAAAAAAAAAAAAAf39/ACUAAABYAAAAAAAAAAAAAAAAAAAAAAAAAAAAAAAAAAAAAAAAAAAAAAAAAAAAAAAAAAAAAAA/AAAAAAAAAKCGAQAAAAAAAAAAAAAAAAAMAAAAAQAAAAAAAAAAAAAAAAAAAB8AAABUAAAA////AAAAAAEAAAAAAAAAAAAAAAAAAAAAAAAAAAAAAAAAAAAAAAAAAAAAAAB/f38AAAAAA8zMzADAwP8Af39/AAAAAAAAAAAAAAAAAAAAAAAAAAAAIQAAABgAAAAUAAAAEDUAAL0nAAAiPQAA/CkAABAAAAAmAAAACAAAAAAAAAAAAAAA"/>
+              </a:ext>
+            </a:extLst>
           </p:cNvSpPr>
           <p:nvPr>
             <p:ph type="sldNum" sz="quarter" idx="12"/>
@@ -2367,42 +2848,48 @@
           <a:bodyPr/>
           <a:lstStyle/>
           <a:p>
-            <a:fld id="{4FAB73BC-B049-4115-A692-8D63A059BFB8}" type="slidenum">
-              <a:rPr lang="en-US" dirty="0"/>
-              <a:pPr/>
-              <a:t>‹#›</a:t>
+            <a:pPr>
+              <a:defRPr lang="en-us"/>
+            </a:pPr>
+            <a:fld id="{4A01E1E9-A7A7-5417-E9B9-5142AFF71F04}" type="slidenum">
+              <a:t/>
             </a:fld>
-            <a:endParaRPr lang="en-US" dirty="0"/>
           </a:p>
         </p:txBody>
       </p:sp>
       <p:pic>
         <p:nvPicPr>
-          <p:cNvPr id="10" name="Picture 9"/>
+          <p:cNvPr id="7" name="Picture 9"/>
           <p:cNvPicPr>
             <a:picLocks noChangeAspect="1"/>
+            <a:extLst>
+              <a:ext uri="smNativeData">
+                <pr:smNativeData xmlns:pr="smNativeData" xmlns="smNativeData" val="SMDATA_17_OjGNYRMAAAAlAAAAEQAAAC0AAAAAkAAAAEgAAACQAAAASAAAAAAAAAAAAAAAAAAAAAEAAABQAAAAAAAAAAAA4D8AAAAAAADgPwAAAAAAAOA/AAAAAAAA4D8AAAAAAADgPwAAAAAAAOA/AAAAAAAA4D8AAAAAAADgPwAAAAAAAOA/AAAAAAAA4D8CAAAAjAAAAAAAAAAAAAAAHK3kDP///wgAAAAAAAAAAAAAAAAAAAAAAAAAAAAAAAAAAAAAZAAAAAEAAABAAAAAAAAAAAAAAAAAAAAAAAAAAAAAAAAAAAAAAAAAAAAAAAAAAAAAAAAAAAAAAAAAAAAAAAAAAAAAAAAAAAAAAAAAAAAAAAAAAAAAAAAAAAAAAAAAAAAAFAAAADwAAAAAAAAAAAAAAAAAAAkUAAAAAQAAABQAAAAUAAAAFAAAAAEAAAAAAAAAZAAAAGQAAAAAAAAAZAAAAGQAAAAVAAAAYAAAAAAAAAAAAAAADwAAACADAAAAAAAAAAAAAAEAAACgMgAAVgcAAKr4//8BAAAAf39/AAEAAABkAAAAAAAAABQAAABAHwAAAAAAACYAAAAAAAAAwOD//wAAAAAmAAAAZAAAABYAAABMAAAAAAAAAAAAAAAEAAAAAAAAAAEAAADZ4OYKAAAAACgAAAAoAAAAZAAAAGQAAAAAAAAAzMzMAAAAAABQAAAAUAAAAGQAAABkAAAAAAAAAAcAAAA4AAAAAAAAAAAAAAAAAAAA////AAAAAAAAAAAASwQAANIGAAAAAAAAYw0AAAAAAABkAAAAZAAAAAAAAAAjAAAABAAAAGQAAAAXAAAAFAAAAAAAAAAAAAAA/38AAP9/AAAAAAAACQAAAAQAAAAAAAAAHgAAAGgAAAAAAAAAAAAAAAAAAAAAAAAAAAAAABAnAAAQJwAAAAAAAAAAAAAAAAAAAAAAAAAAAAAAAAAAAAAAAAAAAAAUAAAAAAAAAMDA/wAAAAAAZAAAADIAAAAAAAAAZAAAAAAAAAB/f38ACgAAACIAAAAYAAAAAAAAAAAAAAAAAAAAAAAAAAAAAAAAAAAAJAAAACQAAAAAAAAABwAAAAAAAAAAAAAAAAAAAAAAAAAAAAAAAAAAAH9/fwAlAAAAWAAAAAAAAAAAAAAAAAAAAAAAAAAAAAAAAAAAAAAAAAAAAAAAAAAAAAAAAAAAAAAAPwAAAAAAAACghgEAAAAAAAAAAAAAAAAADAAAAAEAAAAAAAAAAAAAAAAAAAAfAAAAVAAAAByt5AX///8BAAAAAAAAAAAAAAAAAAAAAAAAAAAAAAAAAAAAAAAAAAAAAAACf39/ANng5gPMzMwAwMD/AH9/fwAAAAAAAAAAAAAAAAD///8AAAAAACEAAAAYAAAAFAAAAL0+AACeJwAAg0oAAPIpAAAQAAAAJgAAAAgAAAD//////////w=="/>
+              </a:ext>
+            </a:extLst>
           </p:cNvPicPr>
-          <p:nvPr userDrawn="1"/>
+          <p:nvPr/>
         </p:nvPicPr>
-        <p:blipFill rotWithShape="1">
-          <a:blip r:embed="rId2">
-            <a:extLst>
-              <a:ext uri="{28A0092B-C50C-407E-A947-70E740481C1C}">
-                <a14:useLocalDpi xmlns:a14="http://schemas.microsoft.com/office/drawing/2010/main" val="0"/>
-              </a:ext>
-            </a:extLst>
-          </a:blip>
-          <a:srcRect l="10991" t="17465" b="34266"/>
-          <a:stretch/>
+        <p:blipFill>
+          <a:blip r:embed="rId2"/>
+          <a:srcRect l="10990" t="17460" r="0" b="34270"/>
+          <a:stretch>
+            <a:fillRect/>
+          </a:stretch>
         </p:blipFill>
         <p:spPr>
           <a:xfrm>
-            <a:off x="10198628" y="6440172"/>
-            <a:ext cx="1914104" cy="378456"/>
+            <a:off x="10198735" y="6440170"/>
+            <a:ext cx="1913890" cy="378460"/>
           </a:xfrm>
           <a:prstGeom prst="rect">
             <a:avLst/>
           </a:prstGeom>
+          <a:noFill/>
+          <a:ln>
+            <a:noFill/>
+          </a:ln>
+          <a:effectLst/>
         </p:spPr>
       </p:pic>
     </p:spTree>
@@ -2410,11 +2897,12 @@
   <p:clrMapOvr>
     <a:masterClrMapping/>
   </p:clrMapOvr>
+  <p:hf hdr="0" ftr="0"/>
 </p:sldLayout>
 </file>
 
 <file path=ppt/slideLayouts/slideLayout8.xml><?xml version="1.0" encoding="utf-8"?>
-<p:sldLayout xmlns:a="http://schemas.openxmlformats.org/drawingml/2006/main" xmlns:r="http://schemas.openxmlformats.org/officeDocument/2006/relationships" xmlns:p="http://schemas.openxmlformats.org/presentationml/2006/main" showMasterSp="0" type="objTx" preserve="1">
+<p:sldLayout xmlns:p="http://schemas.openxmlformats.org/presentationml/2006/main" xmlns:mc="http://schemas.openxmlformats.org/markup-compatibility/2006" xmlns:p14="http://schemas.microsoft.com/office/powerpoint/2010/main" xmlns:p15="http://schemas.microsoft.com/office/powerpoint/2012/main" xmlns:r="http://schemas.openxmlformats.org/officeDocument/2006/relationships" xmlns:a="http://schemas.openxmlformats.org/drawingml/2006/main" showMasterSp="0" type="objTx" preserve="1">
   <p:cSld name="Content with Caption">
     <p:spTree>
       <p:nvGrpSpPr>
@@ -2432,14 +2920,20 @@
       </p:grpSpPr>
       <p:sp>
         <p:nvSpPr>
-          <p:cNvPr id="8" name="Rectangle 7"/>
-          <p:cNvSpPr/>
+          <p:cNvPr id="2" name="Rectangle 7"/>
+          <p:cNvSpPr>
+            <a:extLst>
+              <a:ext uri="smNativeData">
+                <pr:smNativeData xmlns:pr="smNativeData" xmlns="smNativeData" val="SMDATA_15_OjGNYRMAAAAlAAAAZAAAAA0AAAAAkAAAAEgAAACQAAAASAAAAAAAAAAAAAAAAAAAAAEAAABQAAAAAAAAAAAA4D8AAAAAAADgPwAAAAAAAOA/AAAAAAAA4D8AAAAAAADgPwAAAAAAAOA/AAAAAAAA4D8AAAAAAADgPwAAAAAAAOA/AAAAAAAA4D8CAAAAjAAAAAEAAAAAAAAAJoPGDf///wgAAAAAAAAAAAAAAAAAAAAAAAAAAAAAAAAAAAAAZAAAAAEAAABAAAAAAAAAAAAAAAAAAAAAAAAAAAAAAAAAAAAAAAAAAAAAAAAAAAAAAAAAAAAAAAAAAAAAAAAAAAAAAAAAAAAAAAAAAAAAAAAAAAAAAAAAAAAAAAAAAAAAFAAAADwAAAAAAAAAAAAAABWAqQAZAAAAAQAAABQAAAAUAAAAFAAAAAEAAAAAAAAAZAAAAGQAAAAAAAAAZAAAAGQAAAAVAAAAYAAAAAAAAAAAAAAADwAAACADAAAAAAAAAAAAAAEAAACgMgAAVgcAAKr4//8BAAAAf39/AAEAAABkAAAAAAAAABQAAABAHwAAAAAAACYAAAAAAAAAwOD//wAAAAAmAAAAZAAAABYAAABMAAAAAAAAAAAAAAAEAAAAAAAAAAEAAADZ4OYKAAAAACgAAAAoAAAAZAAAAGQAAAAAAAAAzMzMAAAAAABQAAAAUAAAAGQAAABkAAAAAAAAABcAAAAUAAAAAAAAAAAAAAD/fwAA/38AAAAAAAAJAAAABAAAAAUABgAeAAAAaAAAAAAAAAAAAAAAAAAAAAAAAAAAAAAAECcAABAnAAAAAAAAAAAAAAAAAAAAAAAAAAAAAAAAAAAAAAAAAAAAABQAAAAAAAAAwMD/AAAAAABkAAAAMgAAAAAAAABkAAAAAAAAAH9/fwAKAAAAIgAAABgAAAAAAAAAAAAAAAAAAAAAAAAAAAAAAAAAAAAkAAAAJAAAAAAAAAAHAAAAAAAAAAAAAAAAAAAAAAAAAAAAAAAAAAAAf39/ACUAAABYAAAAAAAAAAAAAAAAAAAAAAAAAAAAAAAAAAAAAAAAAAAAAAAAAAAAAAAAAAAAAAA/AAAAAAAAAKCGAQAAAAAAAAAAAAAAAAAMAAAAAQAAAAAAAAAAAAAAAAAAAB8AAABUAAAAAAAABgAAAAEAAAAAAAAAAAAAAAAAAAAAAAAAAAAAAAAAAAAAAAAAABWAqQB/f38AAAAAA8zMzADAwP8Af39/AAAAAAAAAAAAAAAAAAAAAAAAAAAAIQAAABgAAAAUAAAAAAAAAAAAAADrGAAAMCoAABAAAAAmAAAACAAAAP//////////"/>
+              </a:ext>
+            </a:extLst>
+          </p:cNvSpPr>
           <p:nvPr/>
         </p:nvSpPr>
         <p:spPr>
           <a:xfrm>
-            <a:off x="16" y="0"/>
-            <a:ext cx="4050791" cy="6858000"/>
+            <a:off x="0" y="0"/>
+            <a:ext cx="4050665" cy="6858000"/>
           </a:xfrm>
           <a:prstGeom prst="rect">
             <a:avLst/>
@@ -2450,34 +2944,25 @@
           <a:ln>
             <a:noFill/>
           </a:ln>
-        </p:spPr>
-        <p:style>
-          <a:lnRef idx="2">
-            <a:schemeClr val="accent1">
-              <a:shade val="50000"/>
-            </a:schemeClr>
-          </a:lnRef>
-          <a:fillRef idx="1">
-            <a:schemeClr val="accent1"/>
-          </a:fillRef>
-          <a:effectRef idx="0">
-            <a:schemeClr val="accent1"/>
-          </a:effectRef>
-          <a:fontRef idx="minor">
-            <a:schemeClr val="lt1"/>
-          </a:fontRef>
-        </p:style>
-      </p:sp>
-      <p:sp>
-        <p:nvSpPr>
-          <p:cNvPr id="9" name="Rectangle 8"/>
-          <p:cNvSpPr/>
+          <a:effectLst/>
+        </p:spPr>
+      </p:sp>
+      <p:sp>
+        <p:nvSpPr>
+          <p:cNvPr id="3" name="Rectangle 8"/>
+          <p:cNvSpPr>
+            <a:extLst>
+              <a:ext uri="smNativeData">
+                <pr:smNativeData xmlns:pr="smNativeData" xmlns="smNativeData" val="SMDATA_15_OjGNYRMAAAAlAAAAZAAAAA0AAAAAkAAAAEgAAACQAAAASAAAAAAAAAAAAAAAAAAAAAEAAABQAAAAAAAAAAAA4D8AAAAAAADgPwAAAAAAAOA/AAAAAAAA4D8AAAAAAADgPwAAAAAAAOA/AAAAAAAA4D8AAAAAAADgPwAAAAAAAOA/AAAAAAAA4D8CAAAAjAAAAAEAAAAAAAAAHK3kDP///wgAAAAAAAAAAAAAAAAAAAAAAAAAAAAAAAAAAAAAZAAAAAEAAABAAAAAAAAAAAAAAAAAAAAAAAAAAAAAAAAAAAAAAAAAAAAAAAAAAAAAAAAAAAAAAAAAAAAAAAAAAAAAAAAAAAAAAAAAAAAAAAAAAAAAAAAAAAAAAAAAAAAAFAAAADwAAAAAAAAAAAAAABWAqQAZAAAAAQAAABQAAAAUAAAAFAAAAAEAAAAAAAAAZAAAAGQAAAAAAAAAZAAAAGQAAAAVAAAAYAAAAAAAAAAAAAAADwAAACADAAAAAAAAAAAAAAEAAACgMgAAVgcAAKr4//8BAAAAf39/AAEAAABkAAAAAAAAABQAAABAHwAAAAAAACYAAAAAAAAAwOD//wAAAAAmAAAAZAAAABYAAABMAAAAAAAAAAAAAAAEAAAAAAAAAAEAAADZ4OYKAAAAACgAAAAoAAAAZAAAAGQAAAAAAAAAzMzMAAAAAABQAAAAUAAAAGQAAABkAAAAAAAAABcAAAAUAAAAAAAAAAAAAAD/fwAA/38AAAAAAAAJAAAABAAAAAAGIgAeAAAAaAAAAAAAAAAAAAAAAAAAAAAAAAAAAAAAECcAABAnAAAAAAAAAAAAAAAAAAAAAAAAAAAAAAAAAAAAAAAAAAAAABQAAAAAAAAAwMD/AAAAAABkAAAAMgAAAAAAAABkAAAAAAAAAH9/fwAKAAAAIgAAABgAAAAAAAAAAAAAAAAAAAAAAAAAAAAAAAAAAAAkAAAAJAAAAAAAAAAHAAAAAAAAAAAAAAAAAAAAAAAAAAAAAAAAAAAAf39/ACUAAABYAAAAAAAAAAAAAAAAAAAAAAAAAAAAAAAAAAAAAAAAAAAAAAAAAAAAAAAAAAAAAAA/AAAAAAAAAKCGAQAAAAAAAAAAAAAAAAAMAAAAAQAAAAAAAAAAAAAAAAAAAB8AAABUAAAAAAAABQAAAAEAAAAAAAAAAAAAAAAAAAAAAAAAAAAAAAAAAAAAAAAAABWAqQB/f38AAAAAA8zMzADAwP8Af39/AAAAAAAAAAAAAAAAAAAAAAAAAAAAIQAAABgAAAAUAAAA2hgAAAAAAAA/GQAAMCoAABAAAAAmAAAACAAAAP//////////"/>
+              </a:ext>
+            </a:extLst>
+          </p:cNvSpPr>
           <p:nvPr/>
         </p:nvSpPr>
         <p:spPr>
           <a:xfrm>
-            <a:off x="4040071" y="0"/>
-            <a:ext cx="64008" cy="6858000"/>
+            <a:off x="4039870" y="0"/>
+            <a:ext cx="64135" cy="6858000"/>
           </a:xfrm>
           <a:prstGeom prst="rect">
             <a:avLst/>
@@ -2488,29 +2973,19 @@
           <a:ln>
             <a:noFill/>
           </a:ln>
-        </p:spPr>
-        <p:style>
-          <a:lnRef idx="2">
-            <a:schemeClr val="accent1">
-              <a:shade val="50000"/>
-            </a:schemeClr>
-          </a:lnRef>
-          <a:fillRef idx="1">
-            <a:schemeClr val="accent1"/>
-          </a:fillRef>
-          <a:effectRef idx="0">
-            <a:schemeClr val="accent1"/>
-          </a:effectRef>
-          <a:fontRef idx="minor">
-            <a:schemeClr val="lt1"/>
-          </a:fontRef>
-        </p:style>
-      </p:sp>
-      <p:sp>
-        <p:nvSpPr>
-          <p:cNvPr id="2" name="Title 1"/>
-          <p:cNvSpPr>
-            <a:spLocks noGrp="1"/>
+          <a:effectLst/>
+        </p:spPr>
+      </p:sp>
+      <p:sp>
+        <p:nvSpPr>
+          <p:cNvPr id="4" name="Title 1"/>
+          <p:cNvSpPr>
+            <a:spLocks noGrp="1" noChangeArrowheads="1"/>
+            <a:extLst>
+              <a:ext uri="smNativeData">
+                <pr:smNativeData xmlns:pr="smNativeData" xmlns="smNativeData" val="SMDATA_15_OjGNYRMAAAAlAAAAZAAAAA0AAAAAkAAAAEgAAACQAAAASAAAAAAAAAACAAAAAAAAAAEAAABQAAAAAAAAAAAA4D8AAAAAAADgPwAAAAAAAOA/AAAAAAAA4D8AAAAAAADgPwAAAAAAAOA/AAAAAAAA4D8AAAAAAADgPwAAAAAAAOA/AAAAAAAA4D8CAAAAjAAAAAAAAAAAAAAA////AP///wgAAAAAAAAAAAAAAAAAAAAAAAAAAAAAAAAAAAAAeAAAAAEAAABAAAAAAAAAAAAAAABaAAAAAAAAAAAAAAAAAAAAAAAAAAAAAAAAAAAAAAAAAAAAAAAAAAAAAAAAAAAAAAAAAAAAAAAAAAAAAAAAAAAAAAAAAAAAAAAAAAAAFAAAADwAAAAAAAAAAAAAAAAAAAAPAAAAAQAAACMAAAAjAAAAIwAAAB4AAAAAAAAAZAAAAGQAAAAAAAAAZAAAAGQAAAAVAAAAYAAAAAAAAAAAAAAADwAAACADAAAAAAAAAAAAAAEAAACgMgAAVgcAAKr4//8BAAAAf39/AAEAAABkAAAAAAAAABQAAABAHwAAAAAAACYAAAAAAAAAwOD//wAAAAAmAAAAZAAAABYAAABMAAAAAAAAAAAAAAAEAAAAAAAAAAEAAADZ4OYKAAAAACgAAAAoAAAAZAAAAGQAAAAAAAAAzMzMAAAAAABQAAAAUAAAAGQAAABkAAAAAAAAABcAAAAUAAAAAAAAAAAAAAD/fwAA/38AAAAAAAAJAAAABAAAAAAAAAAeAAAAaAAAAAAAAAAAAAAAAAAAAAAAAAAAAAAAECcAABAnAAAAAAAAAAAAAAAAAAAAAAAAAAAAAAAAAAAAAAAAAAAAABQAAAAAAAAAwMD/AAAAAABkAAAAMgAAAAAAAABkAAAAAAAAAH9/fwAKAAAAIgAAABgAAAAAAAAAAAAAAAAAAAAAAAAAAAAAAAAAAAAkAAAAJAAAAAAAAAAHAAAAAAAAAAAAAAAAAAAAAAAAAAAAAAAAAAAAf39/ACUAAABYAAAAAAAAAAAAAAAAAAAAAAAAAAAAAAAAAAAAAAAAAAAAAAAAAAAAAAAAAAAAAAA/AAAAAAAAAKCGAQAAAAAAAAAAAAAAAAAMAAAAAQAAAAAAAAAAAAAAAAAAAB8AAABUAAAA////AAAAAAEAAAAAAAAAAAAAAAAAAAAAAAAAAAAAAAAAAAAAAAAAAAAAAAB/f38AAAAAA8zMzADAwP8Af39/AAAAAAAAAAAAAAAAAAAAAAAAAAAAIQAAABgAAAAUAAAA0AIAAKgDAACAFgAAuBEAABAAAAAmAAAACAAAAAGgAAAAAAAA"/>
+              </a:ext>
+            </a:extLst>
           </p:cNvSpPr>
           <p:nvPr>
             <p:ph type="title"/>
@@ -2518,37 +2993,70 @@
         </p:nvSpPr>
         <p:spPr>
           <a:xfrm>
-            <a:off x="457200" y="594359"/>
+            <a:off x="457200" y="594360"/>
             <a:ext cx="3200400" cy="2286000"/>
           </a:xfrm>
         </p:spPr>
         <p:txBody>
-          <a:bodyPr anchor="b">
-            <a:normAutofit/>
+          <a:bodyPr vert="horz" wrap="square" lIns="91440" tIns="45720" rIns="91440" bIns="45720" numCol="1" spcCol="215900" anchor="b">
+            <a:prstTxWarp prst="textNoShape">
+              <a:avLst/>
+            </a:prstTxWarp>
           </a:bodyPr>
           <a:lstStyle>
             <a:lvl1pPr>
-              <a:defRPr sz="4400" b="0">
+              <a:defRPr lang="en-us" sz="4400" b="0" cap="none">
                 <a:solidFill>
                   <a:srgbClr val="FFFFFF"/>
                 </a:solidFill>
               </a:defRPr>
             </a:lvl1pPr>
+            <a:lvl2pPr>
+              <a:defRPr lang="en-us"/>
+            </a:lvl2pPr>
+            <a:lvl3pPr>
+              <a:defRPr lang="en-us"/>
+            </a:lvl3pPr>
+            <a:lvl4pPr>
+              <a:defRPr lang="en-us"/>
+            </a:lvl4pPr>
+            <a:lvl5pPr>
+              <a:defRPr lang="en-us"/>
+            </a:lvl5pPr>
+            <a:lvl6pPr>
+              <a:defRPr lang="en-us"/>
+            </a:lvl6pPr>
+            <a:lvl7pPr>
+              <a:defRPr lang="en-us"/>
+            </a:lvl7pPr>
+            <a:lvl8pPr>
+              <a:defRPr lang="en-us"/>
+            </a:lvl8pPr>
+            <a:lvl9pPr>
+              <a:defRPr lang="en-us"/>
+            </a:lvl9pPr>
           </a:lstStyle>
           <a:p>
-            <a:r>
-              <a:rPr lang="en-GB"/>
+            <a:pPr>
+              <a:defRPr lang="en-us"/>
+            </a:pPr>
+            <a:r>
+              <a:rPr lang="en-gb" cap="none"/>
               <a:t>Click to edit Master title style</a:t>
             </a:r>
-            <a:endParaRPr lang="en-US" dirty="0"/>
-          </a:p>
-        </p:txBody>
-      </p:sp>
-      <p:sp>
-        <p:nvSpPr>
-          <p:cNvPr id="3" name="Content Placeholder 2"/>
-          <p:cNvSpPr>
-            <a:spLocks noGrp="1"/>
+          </a:p>
+        </p:txBody>
+      </p:sp>
+      <p:sp>
+        <p:nvSpPr>
+          <p:cNvPr id="5" name="Content Placeholder 2"/>
+          <p:cNvSpPr>
+            <a:spLocks noGrp="1" noChangeArrowheads="1"/>
+            <a:extLst>
+              <a:ext uri="smNativeData">
+                <pr:smNativeData xmlns:pr="smNativeData" xmlns="smNativeData" val="SMDATA_15_OjGNYRMAAAAlAAAAZAAAAA0AAAAAAAAAAEgAAAAAAAAASAAAAAAAAAAAAAAAAAAAAAEAAABQAAAAAAAAAAAA4D8AAAAAAADgPwAAAAAAAOA/AAAAAAAA4D8AAAAAAADgPwAAAAAAAOA/AAAAAAAA4D8AAAAAAADgPwAAAAAAAOA/AAAAAAAA4D8CAAAAjAAAAAAAAAAAAAAA////AP///wgAAAAAAAAAAAAAAAAAAAAAAAAAAAAAAAAAAAAAeAAAAAEAAABAAAAAAAAAAAAAAABaAAAAAAAAAAAAAAAAAAAAAAAAAAAAAAAAAAAAAAAAAAAAAAAAAAAAAAAAAAAAAAAAAAAAAAAAAAAAAAAAAAAAAAAAAAAAAAAAAAAAFAAAADwAAAAAAAAAAAAAAAAAAAAPAAAAAQAAACMAAAAjAAAAIwAAAB4AAAAAAAAAZAAAAGQAAAAAAAAAZAAAAGQAAAAVAAAAYAAAAAAAAAAAAAAADwAAACADAAAAAAAAAAAAAAEAAACgMgAAVgcAAKr4//8BAAAAf39/AAEAAABkAAAAAAAAABQAAABAHwAAAAAAACYAAAAAAAAAwOD//wAAAAAmAAAAZAAAABYAAABMAAAAAAAAAAAAAAAEAAAAAAAAAAEAAADZ4OYKAAAAACgAAAAoAAAAZAAAAGQAAAAAAAAAzMzMAAAAAABQAAAAUAAAAGQAAABkAAAAAAAAABcAAAAUAAAAAAAAAAAAAAD/fwAA/38AAAAAAAAJAAAABAAAAAAAAAAeAAAAaAAAAAAAAAAAAAAAAAAAAAAAAAAAAAAAECcAABAnAAAAAAAAAAAAAAAAAAAAAAAAAAAAAAAAAAAAAAAAAAAAABQAAAAAAAAAwMD/AAAAAABkAAAAMgAAAAAAAABkAAAAAAAAAH9/fwAKAAAAIgAAABgAAAAAAAAAAAAAAAAAAAAAAAAAAAAAAAAAAAAkAAAAJAAAAAAAAAAHAAAAAAAAAAAAAAAAAAAAAAAAAAAAAAAAAAAAf39/ACUAAABYAAAAAAAAAAAAAAAAAAAAAAAAAAAAAAAAAAAAAAAAAAAAAAAAAAAAAAAAAAAAAAA/AAAAAAAAAKCGAQAAAAAAAAAAAAAAAAAMAAAAAQAAAAAAAAAAAAAAAAAAAB8AAABUAAAA////AAAAAAEAAAAAAAAAAAAAAAAAAAAAAAAAAAAAAAAAAAAAAAAAAAAAAAB/f38AAAAAA8zMzADAwP8Af39/AAAAAAAAAAAAAAAAAAAAAAAAAAAAIQAAABgAAAAUAAAAiB0AAIAEAAB4RQAA2CQAABAAAAAmAAAACAAAAAEAAAAAAAAA"/>
+              </a:ext>
+            </a:extLst>
           </p:cNvSpPr>
           <p:nvPr>
             <p:ph idx="1"/>
@@ -2564,67 +3072,87 @@
           <a:bodyPr/>
           <a:lstStyle/>
           <a:p>
-            <a:pPr lvl="0"/>
-            <a:r>
-              <a:rPr lang="en-GB"/>
+            <a:pPr>
+              <a:defRPr lang="en-us"/>
+            </a:pPr>
+            <a:r>
+              <a:rPr lang="en-gb" cap="none"/>
               <a:t>Click to edit Master text styles</a:t>
             </a:r>
-          </a:p>
-          <a:p>
-            <a:pPr lvl="1"/>
-            <a:r>
-              <a:rPr lang="en-GB"/>
+            <a:endParaRPr lang="en-gb" cap="none"/>
+          </a:p>
+          <a:p>
+            <a:pPr lvl="1">
+              <a:defRPr lang="en-us"/>
+            </a:pPr>
+            <a:r>
+              <a:rPr lang="en-gb" cap="none"/>
               <a:t>Second level</a:t>
             </a:r>
-          </a:p>
-          <a:p>
-            <a:pPr lvl="2"/>
-            <a:r>
-              <a:rPr lang="en-GB"/>
+            <a:endParaRPr lang="en-gb" cap="none"/>
+          </a:p>
+          <a:p>
+            <a:pPr lvl="2">
+              <a:defRPr lang="en-us"/>
+            </a:pPr>
+            <a:r>
+              <a:rPr lang="en-gb" cap="none"/>
               <a:t>Third level</a:t>
             </a:r>
-          </a:p>
-          <a:p>
-            <a:pPr lvl="3"/>
-            <a:r>
-              <a:rPr lang="en-GB"/>
+            <a:endParaRPr lang="en-gb" cap="none"/>
+          </a:p>
+          <a:p>
+            <a:pPr lvl="3">
+              <a:defRPr lang="en-us"/>
+            </a:pPr>
+            <a:r>
+              <a:rPr lang="en-gb" cap="none"/>
               <a:t>Fourth level</a:t>
             </a:r>
-          </a:p>
-          <a:p>
-            <a:pPr lvl="4"/>
-            <a:r>
-              <a:rPr lang="en-GB"/>
+            <a:endParaRPr lang="en-gb" cap="none"/>
+          </a:p>
+          <a:p>
+            <a:pPr lvl="4">
+              <a:defRPr lang="en-us"/>
+            </a:pPr>
+            <a:r>
+              <a:rPr lang="en-gb" cap="none"/>
               <a:t>Fifth level</a:t>
             </a:r>
-            <a:endParaRPr lang="en-US" dirty="0"/>
-          </a:p>
-        </p:txBody>
-      </p:sp>
-      <p:sp>
-        <p:nvSpPr>
-          <p:cNvPr id="4" name="Text Placeholder 3"/>
-          <p:cNvSpPr>
-            <a:spLocks noGrp="1"/>
+          </a:p>
+        </p:txBody>
+      </p:sp>
+      <p:sp>
+        <p:nvSpPr>
+          <p:cNvPr id="6" name="Text Placeholder 3"/>
+          <p:cNvSpPr>
+            <a:spLocks noGrp="1" noChangeArrowheads="1"/>
+            <a:extLst>
+              <a:ext uri="smNativeData">
+                <pr:smNativeData xmlns:pr="smNativeData" xmlns="smNativeData" val="SMDATA_15_OjGNYRMAAAAlAAAAZAAAAA0AAAAAkAAAAEgAAACQAAAASAAAAAAAAAAAAAAAAAAAAAEAAABQAAAAAAAAAAAA4D8AAAAAAADgPwAAAAAAAOA/AAAAAAAA4D8AAAAAAADgPwAAAAAAAOA/AAAAAAAA4D8AAAAAAADgPwAAAAAAAOA/AAAAAAAA4D8CAAAAjAAAAAAAAAAAAAAA////AP///wgAAAAAAAAAAAAAAAAAAAAAAAAAAAAAAAAAAAAAeAAAAAEAAABAAAAAAAAAAAAAAABaAAAAAAAAAAAAAAAAAAAAAAAAAAAAAAAAAAAAAAAAAAAAAAAAAAAAAAAAAAAAAAAAAAAAAAAAAAAAAAAAAAAAAAAAAAAAAAAAAAAAFAAAADwAAAAAAAAAAAAAAAAAAAAPAAAAAQAAACMAAAAjAAAAIwAAAB4AAAAAAAAAZAAAAGQAAAAAAAAAZAAAAGQAAAAVAAAAYAAAAAAAAAAAAAAADwAAACADAAAAAAAAAAAAAAEAAACgMgAAVgcAAKr4//8BAAAAf39/AAEAAABkAAAAAAAAABQAAABAHwAAAAAAACYAAAAAAAAAwOD//wAAAAAmAAAAZAAAABYAAABMAAAAAAAAAAAAAAAEAAAAAAAAAAEAAADZ4OYKAAAAACgAAAAoAAAAZAAAAGQAAAAAAAAAzMzMAAAAAABQAAAAUAAAAGQAAABkAAAAAAAAABcAAAAUAAAAAAAAAAAAAAD/fwAA/38AAAAAAAAJAAAABAAAAAAAAAAeAAAAaAAAAAAAAAAAAAAAAAAAAAAAAAAAAAAAECcAABAnAAAAAAAAAAAAAAAAAAAAAAAAAAAAAAAAAAAAAAAAAAAAABQAAAAAAAAAwMD/AAAAAABkAAAAMgAAAAAAAABkAAAAAAAAAH9/fwAKAAAAIgAAABgAAAAAAAAAAAAAAAAAAAAAAAAAAAAAAAAAAAAkAAAAJAAAAAAAAAAHAAAAAAAAAAAAAAAAAAAAAAAAAAAAAAAAAAAAf39/ACUAAABYAAAAAAAAAAAAAAAAAAAAAAAAAAAAAAAAAAAAAAAAAAAAAAAAAAAAAAAAAAAAAAA/AAAAAAAAAKCGAQAAAAAAAAAAAAAAAAAMAAAAAQAAAAAAAAAAAAAAAAAAAB8AAABUAAAA////AAAAAAEAAAAAAAAAAAAAAAAAAAAAAAAAAAAAAAAAAAAAAAAAAAAAAAB/f38AAAAAA8zMzADAwP8Af39/AAAAAAAAAAAAAAAAAAAAAAAAAAAAIQAAABgAAAAUAAAA0AIAAAASAACAFgAAySYAABAAAAAmAAAACAAAAA2gAAAAAAAA"/>
+              </a:ext>
+            </a:extLst>
           </p:cNvSpPr>
           <p:nvPr>
-            <p:ph type="body" sz="half" idx="2"/>
+            <p:ph idx="2"/>
           </p:nvPr>
         </p:nvSpPr>
         <p:spPr>
           <a:xfrm>
             <a:off x="457200" y="2926080"/>
-            <a:ext cx="3200400" cy="3379124"/>
-          </a:xfrm>
-        </p:spPr>
-        <p:txBody>
-          <a:bodyPr lIns="91440" rIns="91440">
-            <a:normAutofit/>
+            <a:ext cx="3200400" cy="3378835"/>
+          </a:xfrm>
+        </p:spPr>
+        <p:txBody>
+          <a:bodyPr vert="horz" wrap="square" lIns="91440" tIns="45720" rIns="91440" bIns="45720" numCol="1" spcCol="215900" anchor="t">
+            <a:prstTxWarp prst="textNoShape">
+              <a:avLst/>
+            </a:prstTxWarp>
           </a:bodyPr>
           <a:lstStyle>
             <a:lvl1pPr marL="0" indent="0">
               <a:buNone/>
-              <a:defRPr sz="2000">
+              <a:defRPr lang="en-us" sz="2000" cap="none">
                 <a:solidFill>
                   <a:srgbClr val="FFFFFF"/>
                 </a:solidFill>
@@ -2632,51 +3160,59 @@
             </a:lvl1pPr>
             <a:lvl2pPr marL="457200" indent="0">
               <a:buNone/>
-              <a:defRPr sz="1200"/>
+              <a:defRPr lang="en-us" sz="1200" cap="none"/>
             </a:lvl2pPr>
             <a:lvl3pPr marL="914400" indent="0">
               <a:buNone/>
-              <a:defRPr sz="1000"/>
+              <a:defRPr lang="en-us" sz="1000" cap="none"/>
             </a:lvl3pPr>
             <a:lvl4pPr marL="1371600" indent="0">
               <a:buNone/>
-              <a:defRPr sz="900"/>
+              <a:defRPr lang="en-us" sz="900" cap="none"/>
             </a:lvl4pPr>
             <a:lvl5pPr marL="1828800" indent="0">
               <a:buNone/>
-              <a:defRPr sz="900"/>
+              <a:defRPr lang="en-us" sz="900" cap="none"/>
             </a:lvl5pPr>
             <a:lvl6pPr marL="2286000" indent="0">
               <a:buNone/>
-              <a:defRPr sz="900"/>
+              <a:defRPr lang="en-us" sz="900" cap="none"/>
             </a:lvl6pPr>
             <a:lvl7pPr marL="2743200" indent="0">
               <a:buNone/>
-              <a:defRPr sz="900"/>
+              <a:defRPr lang="en-us" sz="900" cap="none"/>
             </a:lvl7pPr>
             <a:lvl8pPr marL="3200400" indent="0">
               <a:buNone/>
-              <a:defRPr sz="900"/>
+              <a:defRPr lang="en-us" sz="900" cap="none"/>
             </a:lvl8pPr>
             <a:lvl9pPr marL="3657600" indent="0">
               <a:buNone/>
-              <a:defRPr sz="900"/>
+              <a:defRPr lang="en-us" sz="900" cap="none"/>
             </a:lvl9pPr>
           </a:lstStyle>
           <a:p>
-            <a:pPr lvl="0"/>
-            <a:r>
-              <a:rPr lang="en-GB"/>
+            <a:pPr>
+              <a:defRPr lang="en-us"/>
+            </a:pPr>
+            <a:r>
+              <a:rPr lang="en-gb" cap="none"/>
               <a:t>Click to edit Master text styles</a:t>
             </a:r>
-          </a:p>
-        </p:txBody>
-      </p:sp>
-      <p:sp>
-        <p:nvSpPr>
-          <p:cNvPr id="5" name="Date Placeholder 4"/>
-          <p:cNvSpPr>
-            <a:spLocks noGrp="1"/>
+            <a:endParaRPr lang="en-gb" cap="none"/>
+          </a:p>
+        </p:txBody>
+      </p:sp>
+      <p:sp>
+        <p:nvSpPr>
+          <p:cNvPr id="7" name="Date Placeholder 4"/>
+          <p:cNvSpPr>
+            <a:spLocks noGrp="1" noChangeArrowheads="1"/>
+            <a:extLst>
+              <a:ext uri="smNativeData">
+                <pr:smNativeData xmlns:pr="smNativeData" xmlns="smNativeData" val="SMDATA_15_OjGNYRMAAAAlAAAAZAAAAA0AAAAAkAAAAEgAAACQAAAASAAAAAAAAAABAAAAAAAAAAEAAABQAAAAAAAAAAAA4D8AAAAAAADgPwAAAAAAAOA/AAAAAAAA4D8AAAAAAADgPwAAAAAAAOA/AAAAAAAA4D8AAAAAAADgPwAAAAAAAOA/AAAAAAAA4D8CAAAAjAAAAAAAAAAAAAAA////AP///wgAAAAAAAAAAAAAAAAAAAAAAAAAAAAAAAAAAAAAeAAAAAEAAABAAAAAAAAAAAAAAABaAAAAAAAAAAAAAAAAAAAAAAAAAAAAAAAAAAAAAAAAAAAAAAAAAAAAAAAAAAAAAAAAAAAAAAAAAAAAAAAAAAAAAAAAAAAAAAAAAAAAFAAAADwAAAAAAAAAAAAAAAAAAAAPAAAAAQAAACMAAAAjAAAAIwAAAB4AAAAAAAAAZAAAAGQAAAAAAAAAZAAAAGQAAAAVAAAAYAAAAAAAAAAAAAAADwAAACADAAAAAAAAAAAAAAEAAACgMgAAVgcAAKr4//8BAAAAf39/AAEAAABkAAAAAAAAABQAAABAHwAAAAAAACYAAAAAAAAAwOD//wAAAAAmAAAAZAAAABYAAABMAAAAAAAAAAAAAAAEAAAAAAAAAAEAAADZ4OYKAAAAACgAAAAoAAAAZAAAAGQAAAAAAAAAzMzMAAAAAABQAAAAUAAAAGQAAABkAAAAAAAAABcAAAAUAAAAAAAAAAAAAAD/fwAA/38AAAAAAAAJAAAABAAAAAAAAAAeAAAAaAAAAAAAAAAAAAAAAAAAAAAAAAAAAAAAECcAABAnAAAAAAAAAAAAAAAAAAAAAAAAAAAAAAAAAAAAAAAAAAAAABQAAAAAAAAAwMD/AAAAAABkAAAAMgAAAAAAAABkAAAAAAAAAH9/fwAKAAAAIgAAABgAAAAAAAAAAAAAAAAAAAAAAAAAAAAAAAAAAAAkAAAAJAAAAAAAAAAHAAAAAAAAAAAAAAAAAAAAAAAAAAAAAAAAAAAAf39/ACUAAABYAAAAAAAAAAAAAAAAAAAAAAAAAAAAAAAAAAAAAAAAAAAAAAAAAAAAAAAAAAAAAAA/AAAAAAAAAKCGAQAAAAAAAAAAAAAAAAAMAAAAAQAAAAAAAAAAAAAAAAAAAB8AAABUAAAA////AAAAAAEAAAAAAAAAAAAAAAAAAAAAAAAAAAAAAAAAAAAAAAAAAAAAAAB/f38AAAAAA8zMzADAwP8Af39/AAAAAAAAAAAAAAAAAAAAAAAAAAAAIQAAABgAAAAUAAAA3QIAAL0nAAD5EgAA/CkAABAAAAAmAAAACAAAAAGAAAAAAAAA"/>
+              </a:ext>
+            </a:extLst>
           </p:cNvSpPr>
           <p:nvPr>
             <p:ph type="dt" sz="half" idx="10"/>
@@ -2684,32 +3220,61 @@
         </p:nvSpPr>
         <p:spPr>
           <a:xfrm>
-            <a:off x="465512" y="6459785"/>
-            <a:ext cx="2618510" cy="365125"/>
+            <a:off x="465455" y="6459855"/>
+            <a:ext cx="2618740" cy="365125"/>
           </a:xfrm>
         </p:spPr>
         <p:txBody>
           <a:bodyPr/>
           <a:lstStyle>
             <a:lvl1pPr algn="l">
-              <a:defRPr/>
+              <a:defRPr lang="en-us"/>
             </a:lvl1pPr>
+            <a:lvl2pPr>
+              <a:defRPr lang="en-us"/>
+            </a:lvl2pPr>
+            <a:lvl3pPr>
+              <a:defRPr lang="en-us"/>
+            </a:lvl3pPr>
+            <a:lvl4pPr>
+              <a:defRPr lang="en-us"/>
+            </a:lvl4pPr>
+            <a:lvl5pPr>
+              <a:defRPr lang="en-us"/>
+            </a:lvl5pPr>
+            <a:lvl6pPr>
+              <a:defRPr lang="en-us"/>
+            </a:lvl6pPr>
+            <a:lvl7pPr>
+              <a:defRPr lang="en-us"/>
+            </a:lvl7pPr>
+            <a:lvl8pPr>
+              <a:defRPr lang="en-us"/>
+            </a:lvl8pPr>
+            <a:lvl9pPr>
+              <a:defRPr lang="en-us"/>
+            </a:lvl9pPr>
           </a:lstStyle>
           <a:p>
-            <a:fld id="{96DFF08F-DC6B-4601-B491-B0F83F6DD2DA}" type="datetimeFigureOut">
-              <a:rPr lang="en-US" dirty="0"/>
-              <a:pPr/>
+            <a:pPr>
+              <a:defRPr lang="en-us"/>
+            </a:pPr>
+            <a:fld id="{75A23503-4D98-F7C3-D61A-BB967B5420EE}" type="datetime1">
               <a:t>11/11/21</a:t>
             </a:fld>
-            <a:endParaRPr lang="en-US" dirty="0"/>
-          </a:p>
-        </p:txBody>
-      </p:sp>
-      <p:sp>
-        <p:nvSpPr>
-          <p:cNvPr id="6" name="Footer Placeholder 5"/>
-          <p:cNvSpPr>
-            <a:spLocks noGrp="1"/>
+          </a:p>
+        </p:txBody>
+      </p:sp>
+      <p:sp>
+        <p:nvSpPr>
+          <p:cNvPr id="8" name="Footer Placeholder 5"/>
+          <p:cNvSpPr>
+            <a:spLocks noGrp="1" noChangeArrowheads="1"/>
+            <a:extLst>
+              <a:ext uri="smNativeData">
+                <pr:smNativeData xmlns:pr="smNativeData" xmlns="smNativeData" val="SMDATA_15_OjGNYRMAAAAlAAAAZAAAAA0AAAAAkAAAAEgAAACQAAAASAAAAAAAAAABAAAAAAAAAAEAAABQAAAAAAAAAAAA4D8AAAAAAADgPwAAAAAAAOA/AAAAAAAA4D8AAAAAAADgPwAAAAAAAOA/AAAAAAAA4D8AAAAAAADgPwAAAAAAAOA/AAAAAAAA4D8CAAAAjAAAAAAAAAAAAAAA////AP///wgAAAAAAAAAAAAAAAAAAAAAAAAAAAAAAAAAAAAAeAAAAAEAAABAAAAAAAAAAAAAAABaAAAAAAAAAAAAAAAAAAAAAAAAAAAAAAAAAAAAAAAAAAAAAAAAAAAAAAAAAAAAAAAAAAAAAAAAAAAAAAAAAAAAAAAAAAAAAAAAAAAAFAAAADwAAAAAAAAAAAAAAAAAAAAPAAAAAQAAACMAAAAjAAAAIwAAAB4AAAAAAAAAZAAAAGQAAAAAAAAAZAAAAGQAAAAVAAAAYAAAAAAAAAAAAAAADwAAACADAAAAAAAAAAAAAAEAAACgMgAAVgcAAKr4//8BAAAAf39/AAEAAABkAAAAAAAAABQAAABAHwAAAAAAACYAAAAAAAAAwOD//wAAAAAmAAAAZAAAABYAAABMAAAAAAAAAAAAAAAEAAAAAAAAAAEAAADZ4OYKAAAAACgAAAAoAAAAZAAAAGQAAAAAAAAAzMzMAAAAAABQAAAAUAAAAGQAAABkAAAAAAAAABcAAAAUAAAAAAAAAAAAAAD/fwAA/38AAAAAAAAJAAAABAAAAAAAAAAeAAAAaAAAAAAAAAAAAAAAAAAAAAAAAAAAAAAAECcAABAnAAAAAAAAAAAAAAAAAAAAAAAAAAAAAAAAAAAAAAAAAAAAABQAAAAAAAAAwMD/AAAAAABkAAAAMgAAAAAAAABkAAAAAAAAAH9/fwAKAAAAIgAAABgAAAAAAAAAAAAAAAAAAAAAAAAAAAAAAAAAAAAkAAAAJAAAAAAAAAAHAAAAAAAAAAAAAAAAAAAAAAAAAAAAAAAAAAAAf39/ACUAAABYAAAAAAAAAAAAAAAAAAAAAAAAAAAAAAAAAAAAAAAAAAAAAAAAAAAAAAAAAAAAAAA/AAAAAAAAAKCGAQAAAAAAAAAAAAAAAAAMAAAAAQAAAAAAAAAAAAAAAAAAAB8AAABUAAAA////AAAAAAEAAAAAAAAAAAAAAAAAAAAAAAAAAAAAAAAAAAAAAAAAAAAAAAB/f38AAAAAA8zMzADAwP8Af39/AAAAAAAAAAAAAAAAAAAAAAAAAAAAIQAAABgAAAAUAAAAiB0AAL0nAAAgOgAA/CkAABAAAAAmAAAACAAAAAGAAAAAAAAA"/>
+              </a:ext>
+            </a:extLst>
           </p:cNvSpPr>
           <p:nvPr>
             <p:ph type="ftr" sz="quarter" idx="11"/>
@@ -2717,7 +3282,7 @@
         </p:nvSpPr>
         <p:spPr>
           <a:xfrm>
-            <a:off x="4800600" y="6459785"/>
+            <a:off x="4800600" y="6459855"/>
             <a:ext cx="4648200" cy="365125"/>
           </a:xfrm>
         </p:spPr>
@@ -2725,23 +3290,54 @@
           <a:bodyPr/>
           <a:lstStyle>
             <a:lvl1pPr algn="l">
-              <a:defRPr>
+              <a:defRPr lang="en-us" cap="all">
                 <a:solidFill>
                   <a:schemeClr val="tx2"/>
                 </a:solidFill>
               </a:defRPr>
             </a:lvl1pPr>
+            <a:lvl2pPr>
+              <a:defRPr lang="en-us"/>
+            </a:lvl2pPr>
+            <a:lvl3pPr>
+              <a:defRPr lang="en-us"/>
+            </a:lvl3pPr>
+            <a:lvl4pPr>
+              <a:defRPr lang="en-us"/>
+            </a:lvl4pPr>
+            <a:lvl5pPr>
+              <a:defRPr lang="en-us"/>
+            </a:lvl5pPr>
+            <a:lvl6pPr>
+              <a:defRPr lang="en-us"/>
+            </a:lvl6pPr>
+            <a:lvl7pPr>
+              <a:defRPr lang="en-us"/>
+            </a:lvl7pPr>
+            <a:lvl8pPr>
+              <a:defRPr lang="en-us"/>
+            </a:lvl8pPr>
+            <a:lvl9pPr>
+              <a:defRPr lang="en-us"/>
+            </a:lvl9pPr>
           </a:lstStyle>
           <a:p>
-            <a:endParaRPr lang="en-US" dirty="0"/>
-          </a:p>
-        </p:txBody>
-      </p:sp>
-      <p:sp>
-        <p:nvSpPr>
-          <p:cNvPr id="7" name="Slide Number Placeholder 6"/>
-          <p:cNvSpPr>
-            <a:spLocks noGrp="1"/>
+            <a:pPr>
+              <a:defRPr lang="en-us"/>
+            </a:pPr>
+          </a:p>
+        </p:txBody>
+      </p:sp>
+      <p:sp>
+        <p:nvSpPr>
+          <p:cNvPr id="9" name="Slide Number Placeholder 6"/>
+          <p:cNvSpPr>
+            <a:spLocks noGrp="1" noChangeArrowheads="1"/>
+            <a:extLst>
+              <a:ext uri="smNativeData">
+                <pr:smNativeData xmlns:pr="smNativeData" xmlns="smNativeData" val="SMDATA_15_OjGNYRMAAAAlAAAAZAAAAA0AAAAAkAAAAEgAAACQAAAASAAAAAAAAAABAAAAAAAAAAEAAABQAAAAAAAAAAAA4D8AAAAAAADgPwAAAAAAAOA/AAAAAAAA4D8AAAAAAADgPwAAAAAAAOA/AAAAAAAA4D8AAAAAAADgPwAAAAAAAOA/AAAAAAAA4D8CAAAAjAAAAAAAAAAAAAAA////AP///wgAAAAAAAAAAAAAAAAAAAAAAAAAAAAAAAAAAAAAeAAAAAEAAABAAAAAAAAAAAAAAABaAAAAAAAAAAAAAAAAAAAAAAAAAAAAAAAAAAAAAAAAAAAAAAAAAAAAAAAAAAAAAAAAAAAAAAAAAAAAAAAAAAAAAAAAAAAAAAAAAAAAFAAAADwAAAAAAAAAAAAAAAAAAAAPAAAAAQAAACMAAAAjAAAAIwAAAB4AAAAAAAAAZAAAAGQAAAAAAAAAZAAAAGQAAAAVAAAAYAAAAAAAAAAAAAAADwAAACADAAAAAAAAAAAAAAEAAACgMgAAVgcAAKr4//8BAAAAf39/AAEAAABkAAAAAAAAABQAAABAHwAAAAAAACYAAAAAAAAAwOD//wAAAAAmAAAAZAAAABYAAABMAAAAAAAAAAAAAAAEAAAAAAAAAAEAAADZ4OYKAAAAACgAAAAoAAAAZAAAAGQAAAAAAAAAzMzMAAAAAABQAAAAUAAAAGQAAABkAAAAAAAAABcAAAAUAAAAAAAAAAAAAAD/fwAA/38AAAAAAAAJAAAABAAAAAAAAAAeAAAAaAAAAAAAAAAAAAAAAAAAAAAAAAAAAAAAECcAABAnAAAAAAAAAAAAAAAAAAAAAAAAAAAAAAAAAAAAAAAAAAAAABQAAAAAAAAAwMD/AAAAAABkAAAAMgAAAAAAAABkAAAAAAAAAH9/fwAKAAAAIgAAABgAAAAAAAAAAAAAAAAAAAAAAAAAAAAAAAAAAAAkAAAAJAAAAAAAAAAHAAAAAAAAAAAAAAAAAAAAAAAAAAAAAAAAAAAAf39/ACUAAABYAAAAAAAAAAAAAAAAAAAAAAAAAAAAAAAAAAAAAAAAAAAAAAAAAAAAAAAAAAAAAAA/AAAAAAAAAKCGAQAAAAAAAAAAAAAAAAAMAAAAAQAAAAAAAAAAAAAAAAAAAB8AAABUAAAA////AAAAAAEAAAAAAAAAAAAAAAAAAAAAAAAAAAAAAAAAAAAAAAAAAAAAAAB/f38AAAAAA8zMzADAwP8Af39/AAAAAAAAAAAAAAAAAAAAAAAAAAAAIQAAABgAAAAUAAAAEDUAAL0nAAAiPQAA/CkAABAAAAAmAAAACAAAAACAAAAAAAAA"/>
+              </a:ext>
+            </a:extLst>
           </p:cNvSpPr>
           <p:nvPr>
             <p:ph type="sldNum" sz="quarter" idx="12"/>
@@ -2752,50 +3348,80 @@
           <a:bodyPr/>
           <a:lstStyle>
             <a:lvl1pPr>
-              <a:defRPr>
+              <a:defRPr lang="en-us" cap="none">
                 <a:solidFill>
                   <a:schemeClr val="tx2"/>
                 </a:solidFill>
               </a:defRPr>
             </a:lvl1pPr>
+            <a:lvl2pPr>
+              <a:defRPr lang="en-us"/>
+            </a:lvl2pPr>
+            <a:lvl3pPr>
+              <a:defRPr lang="en-us"/>
+            </a:lvl3pPr>
+            <a:lvl4pPr>
+              <a:defRPr lang="en-us"/>
+            </a:lvl4pPr>
+            <a:lvl5pPr>
+              <a:defRPr lang="en-us"/>
+            </a:lvl5pPr>
+            <a:lvl6pPr>
+              <a:defRPr lang="en-us"/>
+            </a:lvl6pPr>
+            <a:lvl7pPr>
+              <a:defRPr lang="en-us"/>
+            </a:lvl7pPr>
+            <a:lvl8pPr>
+              <a:defRPr lang="en-us"/>
+            </a:lvl8pPr>
+            <a:lvl9pPr>
+              <a:defRPr lang="en-us"/>
+            </a:lvl9pPr>
           </a:lstStyle>
           <a:p>
-            <a:fld id="{4FAB73BC-B049-4115-A692-8D63A059BFB8}" type="slidenum">
-              <a:rPr lang="en-US" dirty="0"/>
-              <a:pPr/>
+            <a:pPr>
+              <a:defRPr lang="en-us"/>
+            </a:pPr>
+            <a:fld id="{0BEC157C-32E6-B9E3-A854-C4B65B1A5E91}" type="slidenum">
               <a:t>‹#›</a:t>
             </a:fld>
-            <a:endParaRPr lang="en-US" dirty="0"/>
           </a:p>
         </p:txBody>
       </p:sp>
       <p:pic>
         <p:nvPicPr>
-          <p:cNvPr id="12" name="Picture 11"/>
+          <p:cNvPr id="10" name="Picture 11"/>
           <p:cNvPicPr>
             <a:picLocks noChangeAspect="1"/>
+            <a:extLst>
+              <a:ext uri="smNativeData">
+                <pr:smNativeData xmlns:pr="smNativeData" xmlns="smNativeData" val="SMDATA_17_OjGNYRMAAAAlAAAAEQAAAC0AAAAAkAAAAEgAAACQAAAASAAAAAAAAAAAAAAAAAAAAAEAAABQAAAAAAAAAAAA4D8AAAAAAADgPwAAAAAAAOA/AAAAAAAA4D8AAAAAAADgPwAAAAAAAOA/AAAAAAAA4D8AAAAAAADgPwAAAAAAAOA/AAAAAAAA4D8CAAAAjAAAAAAAAAAAAAAAHK3kDP///wgAAAAAAAAAAAAAAAAAAAAAAAAAAAAAAAAAAAAAZAAAAAEAAABAAAAAAAAAAAAAAAAAAAAAAAAAAAAAAAAAAAAAAAAAAAAAAAAAAAAAAAAAAAAAAAAAAAAAAAAAAAAAAAAAAAAAAAAAAAAAAAAAAAAAAAAAAAAAAAAAAAAAFAAAADwAAAAAAAAAAAAAAAAAAAkUAAAAAQAAABQAAAAUAAAAFAAAAAEAAAAAAAAAZAAAAGQAAAAAAAAAZAAAAGQAAAAVAAAAYAAAAAAAAAAAAAAADwAAACADAAAAAAAAAAAAAAEAAACgMgAAVgcAAKr4//8BAAAAf39/AAEAAABkAAAAAAAAABQAAABAHwAAAAAAACYAAAAAAAAAwOD//wAAAAAmAAAAZAAAABYAAABMAAAAAAAAAAAAAAAEAAAAAAAAAAEAAADZ4OYKAAAAACgAAAAoAAAAZAAAAGQAAAAAAAAAzMzMAAAAAABQAAAAUAAAAGQAAABkAAAAAAAAAAcAAAA4AAAAAAAAAAAAAAAAAAAA////AAAAAAAAAAAADQQAAFwGAABpBAAAaw0AAAAAAABkAAAAZAAAAAAAAAAjAAAABAAAAGQAAAAXAAAAFAAAAAAAAAAAAAAA/38AAP9/AAAAAAAACQAAAAQAAAAAAAAAHgAAAGgAAAAAAAAAAAAAAAAAAAAAAAAAAAAAABAnAAAQJwAAAAAAAAAAAAAAAAAAAAAAAAAAAAAAAAAAAAAAAAAAAAAUAAAAAAAAAMDA/wAAAAAAZAAAADIAAAAAAAAAZAAAAAAAAAB/f38ACgAAACIAAAAYAAAAAAAAAAAAAAAAAAAAAAAAAAAAAAAAAAAAJAAAACQAAAAAAAAABwAAAAAAAAAAAAAAAAAAAAAAAAAAAAAAAAAAAH9/fwAlAAAAWAAAAAAAAAAAAAAAAAAAAAAAAAAAAAAAAAAAAAAAAAAAAAAAAAAAAAAAAAAAAAAAPwAAAAAAAACghgEAAAAAAAAAAAAAAAAADAAAAAEAAAAAAAAAAAAAAAAAAAAfAAAAVAAAAAAAAAUAAAABAAAAAAAAAAAAAAAAAAAAAAAAAAAAAAAAAAAAAAAAAAAAAAACf39/AAAAAAPMzMwAwMD/AH9/fwAAAAAAAAAAAAAAAAD///8AAAAAACEAAAAYAAAAFAAAAEEHAABhAAAADxIAALUCAAAQAAAAJgAAAAgAAAD//////////w=="/>
+              </a:ext>
+            </a:extLst>
           </p:cNvPicPr>
-          <p:nvPr userDrawn="1"/>
+          <p:nvPr/>
         </p:nvPicPr>
-        <p:blipFill rotWithShape="1">
-          <a:blip r:embed="rId2">
-            <a:extLst>
-              <a:ext uri="{28A0092B-C50C-407E-A947-70E740481C1C}">
-                <a14:useLocalDpi xmlns:a14="http://schemas.microsoft.com/office/drawing/2010/main" val="0"/>
-              </a:ext>
-            </a:extLst>
-          </a:blip>
-          <a:srcRect l="10369" t="16283" r="11289" b="34347"/>
-          <a:stretch/>
+        <p:blipFill>
+          <a:blip r:embed="rId2"/>
+          <a:srcRect l="10370" t="16280" r="11290" b="34350"/>
+          <a:stretch>
+            <a:fillRect/>
+          </a:stretch>
         </p:blipFill>
         <p:spPr>
           <a:xfrm>
-            <a:off x="1179008" y="61778"/>
-            <a:ext cx="1756784" cy="378000"/>
+            <a:off x="1179195" y="61595"/>
+            <a:ext cx="1756410" cy="378460"/>
           </a:xfrm>
           <a:prstGeom prst="rect">
             <a:avLst/>
           </a:prstGeom>
+          <a:noFill/>
+          <a:ln>
+            <a:noFill/>
+          </a:ln>
+          <a:effectLst/>
         </p:spPr>
       </p:pic>
     </p:spTree>
@@ -2803,11 +3429,12 @@
   <p:clrMapOvr>
     <a:masterClrMapping/>
   </p:clrMapOvr>
+  <p:hf hdr="0" ftr="0"/>
 </p:sldLayout>
 </file>
 
 <file path=ppt/slideLayouts/slideLayout9.xml><?xml version="1.0" encoding="utf-8"?>
-<p:sldLayout xmlns:a="http://schemas.openxmlformats.org/drawingml/2006/main" xmlns:r="http://schemas.openxmlformats.org/officeDocument/2006/relationships" xmlns:p="http://schemas.openxmlformats.org/presentationml/2006/main" showMasterSp="0" type="picTx" preserve="1">
+<p:sldLayout xmlns:p="http://schemas.openxmlformats.org/presentationml/2006/main" xmlns:mc="http://schemas.openxmlformats.org/markup-compatibility/2006" xmlns:p14="http://schemas.microsoft.com/office/powerpoint/2010/main" xmlns:p15="http://schemas.microsoft.com/office/powerpoint/2012/main" xmlns:r="http://schemas.openxmlformats.org/officeDocument/2006/relationships" xmlns:a="http://schemas.openxmlformats.org/drawingml/2006/main" showMasterSp="0" type="picTx" preserve="1">
   <p:cSld name="Picture with Caption">
     <p:spTree>
       <p:nvGrpSpPr>
@@ -2825,8 +3452,14 @@
       </p:grpSpPr>
       <p:sp>
         <p:nvSpPr>
-          <p:cNvPr id="8" name="Rectangle 7"/>
-          <p:cNvSpPr/>
+          <p:cNvPr id="2" name="Rectangle 7"/>
+          <p:cNvSpPr>
+            <a:extLst>
+              <a:ext uri="smNativeData">
+                <pr:smNativeData xmlns:pr="smNativeData" xmlns="smNativeData" val="SMDATA_15_OjGNYRMAAAAlAAAAZAAAAA0AAAAAkAAAAEgAAACQAAAASAAAAAAAAAAAAAAAAAAAAAEAAABQAAAAAAAAAAAA4D8AAAAAAADgPwAAAAAAAOA/AAAAAAAA4D8AAAAAAADgPwAAAAAAAOA/AAAAAAAA4D8AAAAAAADgPwAAAAAAAOA/AAAAAAAA4D8CAAAAjAAAAAEAAAAAAAAAJoPGDf///wgAAAAAAAAAAAAAAAAAAAAAAAAAAAAAAAAAAAAAZAAAAAEAAABAAAAAAAAAAAAAAAAAAAAAAAAAAAAAAAAAAAAAAAAAAAAAAAAAAAAAAAAAAAAAAAAAAAAAAAAAAAAAAAAAAAAAAAAAAAAAAAAAAAAAAAAAAAAAAAAAAAAAFAAAADwAAAAAAAAAAAAAABWAqQAZAAAAAQAAABQAAAAUAAAAFAAAAAEAAAAAAAAAZAAAAGQAAAAAAAAAZAAAAGQAAAAVAAAAYAAAAAAAAAAAAAAADwAAACADAAAAAAAAAAAAAAEAAACgMgAAVgcAAKr4//8BAAAAf39/AAEAAABkAAAAAAAAABQAAABAHwAAAAAAACYAAAAAAAAAwOD//wAAAAAmAAAAZAAAABYAAABMAAAAAAAAAAAAAAAEAAAAAAAAAAEAAADZ4OYKAAAAACgAAAAoAAAAZAAAAGQAAAAAAAAAzMzMAAAAAABQAAAAUAAAAGQAAABkAAAAAAAAABcAAAAUAAAAAAAAAAAAAAD/fwAA/38AAAAAAAAJAAAABAAAAAAAAAAeAAAAaAAAAAAAAAAAAAAAAAAAAAAAAAAAAAAAECcAABAnAAAAAAAAAAAAAAAAAAAAAAAAAAAAAAAAAAAAAAAAAAAAABQAAAAAAAAAwMD/AAAAAABkAAAAMgAAAAAAAABkAAAAAAAAAH9/fwAKAAAAIgAAABgAAAAAAAAAAAAAAAAAAAAAAAAAAAAAAAAAAAAkAAAAJAAAAAAAAAAHAAAAAAAAAAAAAAAAAAAAAAAAAAAAAAAAAAAAf39/ACUAAABYAAAAAAAAAAAAAAAAAAAAAAAAAAAAAAAAAAAAAAAAAAAAAAAAAAAAAAAAAAAAAAA/AAAAAAAAAKCGAQAAAAAAAAAAAAAAAAAMAAAAAQAAAAAAAAAAAAAAAAAAAB8AAABUAAAAAAAABgAAAAEAAAAAAAAAAAAAAAAAAAAAAAAAAAAAAAAAAAAAAAAAABWAqQB/f38AAAAAA8zMzADAwP8Af39/AAAAAAAAAAAAAAAAAAAAAAAAAAAAIQAAABgAAAAUAAAAAAAAAHgeAAD7SgAAMCoAABAAAAAmAAAACAAAAP//////////"/>
+              </a:ext>
+            </a:extLst>
+          </p:cNvSpPr>
           <p:nvPr/>
         </p:nvSpPr>
         <p:spPr>
@@ -2843,34 +3476,25 @@
           <a:ln>
             <a:noFill/>
           </a:ln>
-        </p:spPr>
-        <p:style>
-          <a:lnRef idx="2">
-            <a:schemeClr val="accent1">
-              <a:shade val="50000"/>
-            </a:schemeClr>
-          </a:lnRef>
-          <a:fillRef idx="1">
-            <a:schemeClr val="accent1"/>
-          </a:fillRef>
-          <a:effectRef idx="0">
-            <a:schemeClr val="accent1"/>
-          </a:effectRef>
-          <a:fontRef idx="minor">
-            <a:schemeClr val="lt1"/>
-          </a:fontRef>
-        </p:style>
-      </p:sp>
-      <p:sp>
-        <p:nvSpPr>
-          <p:cNvPr id="9" name="Rectangle 8"/>
-          <p:cNvSpPr/>
+          <a:effectLst/>
+        </p:spPr>
+      </p:sp>
+      <p:sp>
+        <p:nvSpPr>
+          <p:cNvPr id="3" name="Rectangle 8"/>
+          <p:cNvSpPr>
+            <a:extLst>
+              <a:ext uri="smNativeData">
+                <pr:smNativeData xmlns:pr="smNativeData" xmlns="smNativeData" val="SMDATA_15_OjGNYRMAAAAlAAAAZAAAAA0AAAAAkAAAAEgAAACQAAAASAAAAAAAAAAAAAAAAAAAAAEAAABQAAAAAAAAAAAA4D8AAAAAAADgPwAAAAAAAOA/AAAAAAAA4D8AAAAAAADgPwAAAAAAAOA/AAAAAAAA4D8AAAAAAADgPwAAAAAAAOA/AAAAAAAA4D8CAAAAjAAAAAEAAAAAAAAAHK3kDP///wgAAAAAAAAAAAAAAAAAAAAAAAAAAAAAAAAAAAAAZAAAAAEAAABAAAAAAAAAAAAAAAAAAAAAAAAAAAAAAAAAAAAAAAAAAAAAAAAAAAAAAAAAAAAAAAAAAAAAAAAAAAAAAAAAAAAAAAAAAAAAAAAAAAAAAAAAAAAAAAAAAAAAFAAAADwAAAAAAAAAAAAAABWAqQAZAAAAAQAAABQAAAAUAAAAFAAAAAEAAAAAAAAAZAAAAGQAAAAAAAAAZAAAAGQAAAAVAAAAYAAAAAAAAAAAAAAADwAAACADAAAAAAAAAAAAAAEAAACgMgAAVgcAAKr4//8BAAAAf39/AAEAAABkAAAAAAAAABQAAABAHwAAAAAAACYAAAAAAAAAwOD//wAAAAAmAAAAZAAAABYAAABMAAAAAAAAAAAAAAAEAAAAAAAAAAEAAADZ4OYKAAAAACgAAAAoAAAAZAAAAGQAAAAAAAAAzMzMAAAAAABQAAAAUAAAAGQAAABkAAAAAAAAABcAAAAUAAAAAAAAAAAAAAD/fwAA/38AAAAAAAAJAAAABAAAAAAAAAAeAAAAaAAAAAAAAAAAAAAAAAAAAAAAAAAAAAAAECcAABAnAAAAAAAAAAAAAAAAAAAAAAAAAAAAAAAAAAAAAAAAAAAAABQAAAAAAAAAwMD/AAAAAABkAAAAMgAAAAAAAABkAAAAAAAAAH9/fwAKAAAAIgAAABgAAAAAAAAAAAAAAAAAAAAAAAAAAAAAAAAAAAAkAAAAJAAAAAAAAAAHAAAAAAAAAAAAAAAAAAAAAAAAAAAAAAAAAAAAf39/ACUAAABYAAAAAAAAAAAAAAAAAAAAAAAAAAAAAAAAAAAAAAAAAAAAAAAAAAAAAAAAAAAAAAA/AAAAAAAAAKCGAQAAAAAAAAAAAAAAAAAMAAAAAQAAAAAAAAAAAAAAAAAAAB8AAABUAAAAAAAABQAAAAEAAAAAAAAAAAAAAAAAAAAAAAAAAAAAAAAAAAAAAAAAABWAqQB/f38AAAAAA8zMzADAwP8Af39/AAAAAAAAAAAAAAAAAAAAAAAAAAAAIQAAABgAAAAUAAAAAAAAADweAAD7SgAAoR4AABAAAAAmAAAACAAAAP//////////"/>
+              </a:ext>
+            </a:extLst>
+          </p:cNvSpPr>
           <p:nvPr/>
         </p:nvSpPr>
         <p:spPr>
           <a:xfrm>
-            <a:off x="15" y="4915076"/>
-            <a:ext cx="12188825" cy="64008"/>
+            <a:off x="0" y="4914900"/>
+            <a:ext cx="12188825" cy="64135"/>
           </a:xfrm>
           <a:prstGeom prst="rect">
             <a:avLst/>
@@ -2881,29 +3505,19 @@
           <a:ln>
             <a:noFill/>
           </a:ln>
-        </p:spPr>
-        <p:style>
-          <a:lnRef idx="2">
-            <a:schemeClr val="accent1">
-              <a:shade val="50000"/>
-            </a:schemeClr>
-          </a:lnRef>
-          <a:fillRef idx="1">
-            <a:schemeClr val="accent1"/>
-          </a:fillRef>
-          <a:effectRef idx="0">
-            <a:schemeClr val="accent1"/>
-          </a:effectRef>
-          <a:fontRef idx="minor">
-            <a:schemeClr val="lt1"/>
-          </a:fontRef>
-        </p:style>
-      </p:sp>
-      <p:sp>
-        <p:nvSpPr>
-          <p:cNvPr id="2" name="Title 1"/>
-          <p:cNvSpPr>
-            <a:spLocks noGrp="1"/>
+          <a:effectLst/>
+        </p:spPr>
+      </p:sp>
+      <p:sp>
+        <p:nvSpPr>
+          <p:cNvPr id="4" name="Title 1"/>
+          <p:cNvSpPr>
+            <a:spLocks noGrp="1" noChangeArrowheads="1"/>
+            <a:extLst>
+              <a:ext uri="smNativeData">
+                <pr:smNativeData xmlns:pr="smNativeData" xmlns="smNativeData" val="SMDATA_15_OjGNYRMAAAAlAAAAZAAAAA0AAAAAkAAAAAAAAACQAAAAAAAAAAAAAAACAAAAAAAAAAEAAABQAAAAAAAAAAAA4D8AAAAAAADgPwAAAAAAAOA/AAAAAAAA4D8AAAAAAADgPwAAAAAAAOA/AAAAAAAA4D8AAAAAAADgPwAAAAAAAOA/AAAAAAAA4D8CAAAAjAAAAAAAAAAAAAAA////AP///wgAAAAAAAAAAAAAAAAAAAAAAAAAAAAAAAAAAAAAeAAAAAEAAABAAAAAAAAAAAAAAABaAAAAAAAAAAAAAAAAAAAAAAAAAAAAAAAAAAAAAAAAAAAAAAAAAAAAAAAAAAAAAAAAAAAAAAAAAAAAAAAAAAAAAAAAAAAAAAAAAAAAFAAAADwAAAAAAAAAAAAAAAAAAAAPAAAAAQAAACMAAAAjAAAAIwAAAB4AAAAAAAAAZAAAAGQAAAAAAAAAZAAAAGQAAAAVAAAAYAAAAAAAAAAAAAAADwAAACADAAAAAAAAAAAAAAEAAACgMgAAVgcAAKr4//8BAAAAf39/AAEAAABkAAAAAAAAABQAAABAHwAAAAAAACYAAAAAAAAAwOD//wAAAAAmAAAAZAAAABYAAABMAAAAAAAAAAAAAAAEAAAAAAAAAAEAAADZ4OYKAAAAACgAAAAoAAAAZAAAAGQAAAAAAAAAzMzMAAAAAABQAAAAUAAAAGQAAABkAAAAAAAAABcAAAAUAAAAAAAAAAAAAAD/fwAA/38AAAAAAAAJAAAABAAAAAAAAAAeAAAAaAAAAAAAAAAAAAAAAAAAAAAAAAAAAAAAECcAABAnAAAAAAAAAAAAAAAAAAAAAAAAAAAAAAAAAAAAAAAAAAAAABQAAAAAAAAAwMD/AAAAAABkAAAAMgAAAAAAAABkAAAAAAAAAH9/fwAKAAAAIgAAABgAAAAAAAAAAAAAAAAAAAAAAAAAAAAAAAAAAAAkAAAAJAAAAAAAAAAHAAAAAAAAAAAAAAAAAAAAAAAAAAAAAAAAAAAAf39/ACUAAABYAAAAAAAAAAAAAAAAAAAAAAAAAAAAAAAAAAAAAAAAAAAAAAAAAAAAAAAAAAAAAAA/AAAAAAAAAKCGAQAAAAAAAAAAAAAAAAAMAAAAAQAAAAAAAAAAAAAAAAAAAB8AAABUAAAA////AAAAAAEAAAAAAAAAAAAAAAAAAAAAAAAAAAAAAAAAAAAAAAAAAAAAAAB/f38AAAAAA8zMzADAwP8Af39/AAAAAAAAAAAAAAAAAAAAAAAAAAAAIQAAABgAAAAUAAAAwAYAADgfAAD3RAAASCQAABAAAAAmAAAACAAAADGgAAAAAAAA"/>
+              </a:ext>
+            </a:extLst>
           </p:cNvSpPr>
           <p:nvPr>
             <p:ph type="title"/>
@@ -2916,32 +3530,65 @@
           </a:xfrm>
         </p:spPr>
         <p:txBody>
-          <a:bodyPr tIns="0" bIns="0" anchor="b">
-            <a:noAutofit/>
+          <a:bodyPr vert="horz" wrap="square" lIns="91440" tIns="0" rIns="91440" bIns="0" numCol="1" spcCol="215900" anchor="b">
+            <a:prstTxWarp prst="textNoShape">
+              <a:avLst/>
+            </a:prstTxWarp>
           </a:bodyPr>
           <a:lstStyle>
             <a:lvl1pPr>
-              <a:defRPr sz="4400" b="0">
+              <a:defRPr lang="en-us" sz="4400" b="0" cap="none">
                 <a:solidFill>
                   <a:srgbClr val="FFFFFF"/>
                 </a:solidFill>
               </a:defRPr>
             </a:lvl1pPr>
+            <a:lvl2pPr>
+              <a:defRPr lang="en-us"/>
+            </a:lvl2pPr>
+            <a:lvl3pPr>
+              <a:defRPr lang="en-us"/>
+            </a:lvl3pPr>
+            <a:lvl4pPr>
+              <a:defRPr lang="en-us"/>
+            </a:lvl4pPr>
+            <a:lvl5pPr>
+              <a:defRPr lang="en-us"/>
+            </a:lvl5pPr>
+            <a:lvl6pPr>
+              <a:defRPr lang="en-us"/>
+            </a:lvl6pPr>
+            <a:lvl7pPr>
+              <a:defRPr lang="en-us"/>
+            </a:lvl7pPr>
+            <a:lvl8pPr>
+              <a:defRPr lang="en-us"/>
+            </a:lvl8pPr>
+            <a:lvl9pPr>
+              <a:defRPr lang="en-us"/>
+            </a:lvl9pPr>
           </a:lstStyle>
           <a:p>
-            <a:r>
-              <a:rPr lang="en-GB"/>
+            <a:pPr>
+              <a:defRPr lang="en-us"/>
+            </a:pPr>
+            <a:r>
+              <a:rPr lang="en-gb" cap="none"/>
               <a:t>Click to edit Master title style</a:t>
             </a:r>
-            <a:endParaRPr lang="en-US" dirty="0"/>
-          </a:p>
-        </p:txBody>
-      </p:sp>
-      <p:sp>
-        <p:nvSpPr>
-          <p:cNvPr id="3" name="Picture Placeholder 2"/>
-          <p:cNvSpPr>
-            <a:spLocks noGrp="1" noChangeAspect="1"/>
+          </a:p>
+        </p:txBody>
+      </p:sp>
+      <p:sp>
+        <p:nvSpPr>
+          <p:cNvPr id="5" name="Picture Placeholder 2"/>
+          <p:cNvSpPr>
+            <a:spLocks noGrp="1" noChangeArrowheads="1"/>
+            <a:extLst>
+              <a:ext uri="smNativeData">
+                <pr:smNativeData xmlns:pr="smNativeData" xmlns="smNativeData" val="SMDATA_15_OjGNYRMAAAAlAAAAZAAAAC0AAAAA0AIAANACAAAAAAAASAAAAAAAAAAAAAAAAAAAAAEAAABQAAAAAAAAAAAA4D8AAAAAAADgPwAAAAAAAOA/AAAAAAAA4D8AAAAAAADgPwAAAAAAAOA/AAAAAAAA4D8AAAAAAADgPwAAAAAAAOA/AAAAAAAA4D8CAAAAjAAAAAEAAAAAAAAAvcrVAP///wgAAAAAAAAAAAAAAAAAAAAAAAAAAAAAAAAAAAAAeAAAAAEAAABAAAAAAAAAAAAAAABaAAAAAAAAAAAAAAAAAAAAAAAAAAAAAAAAAAAAAAAAAAAAAAAAAAAAAAAAAAAAAAAAAAAAAAAAAAAAAAAAAAAAAAAAAAAAAAAAAAAAFAAAADwAAAAAAAAAAAAAAAAAAAAPAAAAAQAAACMAAAAjAAAAIwAAAB4AAAAAAAAAZAAAAGQAAAAAAAAAZAAAAGQAAAAVAAAAYAAAAAAAAAAAAAAADwAAACADAAAAAAAAAAAAAAEAAACgMgAAVgcAAKr4//8BAAAAf39/AAEAAABkAAAAAAAAABQAAABAHwAAAAAAACYAAAAAAAAAwOD//wAAAAAmAAAAZAAAABYAAABMAAAAAAAAAAAAAAAEAAAAAAAAAAEAAADZ4OYKAAAAACgAAAAoAAAAZAAAAGQAAAAAAAAAzMzMAAAAAABQAAAAUAAAAGQAAABkAAAAAAAAABcAAAAUAAAAAAAAAAAAAAD/fwAA/38AAAAAAAAJAAAABAAAAAAAAAAeAAAAaAAAAAAAAAAAAAAAAAAAAAAAAAAAAAAAECcAABAnAAAAAAAAAAAAAAAAAAAAAAAAAAAAAAAAAAAAAAAAAAAAABQAAAAAAAAAwMD/AAAAAABkAAAAMgAAAAAAAABkAAAAAAAAAH9/fwAKAAAAIgAAABgAAAAAAAAAAAAAAAAAAAAAAAAAAAAAAAAAAAAkAAAAJAAAAAAAAAAHAAAAAAAAAAAAAAAAAAAAAAAAAAAAAAAAAAAAf39/ACUAAABYAAAAAAAAAAAAAAAAAAAAAAAAAAAAAAAAAAAAAAAAAAAAAAAAAAAAAAAAAAAAAAA/AAAAAAAAAKCGAQAAAAAAAAAAAAAAAAAMAAAAAQAAAAAAAAAAAAAAAAAAAB8AAABUAAAAvcrVAAAAAAEAAAAAAAAAAAAAAAAAAAAAAAAAAAAAAAAAAAAAAAAAAAAAAAB/f38AAAAAA8zMzADAwP8Af39/AAAAAAAAAAAAAAAAAAAAAAAAAAAAIQAAABgAAAAUAAAAAAAAAAAAAAAASwAAPB4AABAAAAAmAAAACAAAABWAAAB/AAAA"/>
+              </a:ext>
+            </a:extLst>
           </p:cNvSpPr>
           <p:nvPr>
             <p:ph type="pic" idx="1"/>
@@ -2949,83 +3596,94 @@
         </p:nvSpPr>
         <p:spPr>
           <a:xfrm>
-            <a:off x="15" y="0"/>
-            <a:ext cx="12191985" cy="4915076"/>
+            <a:off x="0" y="0"/>
+            <a:ext cx="12192000" cy="4914900"/>
           </a:xfrm>
           <a:solidFill>
-            <a:schemeClr val="bg2">
-              <a:lumMod val="90000"/>
-            </a:schemeClr>
+            <a:srgbClr val="BDCAD5"/>
           </a:solidFill>
         </p:spPr>
         <p:txBody>
-          <a:bodyPr lIns="457200" tIns="457200" anchor="t"/>
+          <a:bodyPr vert="horz" wrap="square" lIns="457200" tIns="457200" rIns="0" bIns="45720" numCol="1" spcCol="215900" anchor="t">
+            <a:prstTxWarp prst="textNoShape">
+              <a:avLst/>
+            </a:prstTxWarp>
+          </a:bodyPr>
           <a:lstStyle>
             <a:lvl1pPr marL="0" indent="0">
               <a:buNone/>
-              <a:defRPr sz="3200"/>
+              <a:defRPr lang="en-us" sz="3200" cap="none"/>
             </a:lvl1pPr>
             <a:lvl2pPr marL="457200" indent="0">
               <a:buNone/>
-              <a:defRPr sz="2800"/>
+              <a:defRPr lang="en-us" sz="2800" cap="none"/>
             </a:lvl2pPr>
             <a:lvl3pPr marL="914400" indent="0">
               <a:buNone/>
-              <a:defRPr sz="2400"/>
+              <a:defRPr lang="en-us" sz="2400" cap="none"/>
             </a:lvl3pPr>
             <a:lvl4pPr marL="1371600" indent="0">
               <a:buNone/>
-              <a:defRPr sz="2000"/>
+              <a:defRPr lang="en-us" sz="2000" cap="none"/>
             </a:lvl4pPr>
             <a:lvl5pPr marL="1828800" indent="0">
               <a:buNone/>
-              <a:defRPr sz="2000"/>
+              <a:defRPr lang="en-us" sz="2000" cap="none"/>
             </a:lvl5pPr>
             <a:lvl6pPr marL="2286000" indent="0">
               <a:buNone/>
-              <a:defRPr sz="2000"/>
+              <a:defRPr lang="en-us" sz="2000" cap="none"/>
             </a:lvl6pPr>
             <a:lvl7pPr marL="2743200" indent="0">
               <a:buNone/>
-              <a:defRPr sz="2000"/>
+              <a:defRPr lang="en-us" sz="2000" cap="none"/>
             </a:lvl7pPr>
             <a:lvl8pPr marL="3200400" indent="0">
               <a:buNone/>
-              <a:defRPr sz="2000"/>
+              <a:defRPr lang="en-us" sz="2000" cap="none"/>
             </a:lvl8pPr>
             <a:lvl9pPr marL="3657600" indent="0">
               <a:buNone/>
-              <a:defRPr sz="2000"/>
+              <a:defRPr lang="en-us" sz="2000" cap="none"/>
             </a:lvl9pPr>
           </a:lstStyle>
           <a:p>
-            <a:r>
-              <a:rPr lang="en-GB"/>
+            <a:pPr>
+              <a:defRPr lang="en-us"/>
+            </a:pPr>
+            <a:r>
+              <a:rPr lang="en-gb" cap="none"/>
               <a:t>Click icon to add picture</a:t>
             </a:r>
-            <a:endParaRPr lang="en-US" dirty="0"/>
-          </a:p>
-        </p:txBody>
-      </p:sp>
-      <p:sp>
-        <p:nvSpPr>
-          <p:cNvPr id="4" name="Text Placeholder 3"/>
-          <p:cNvSpPr>
-            <a:spLocks noGrp="1"/>
+          </a:p>
+        </p:txBody>
+      </p:sp>
+      <p:sp>
+        <p:nvSpPr>
+          <p:cNvPr id="6" name="Text Placeholder 3"/>
+          <p:cNvSpPr>
+            <a:spLocks noGrp="1" noChangeArrowheads="1"/>
+            <a:extLst>
+              <a:ext uri="smNativeData">
+                <pr:smNativeData xmlns:pr="smNativeData" xmlns="smNativeData" val="SMDATA_15_OjGNYRMAAAAlAAAAZAAAAA0AAAAAkAAAAAAAAACQAAAAAAAAAAAAAAAAAAAAAAAAAAEAAABQAAAAAAAAAAAA4D8AAAAAAADgPwAAAAAAAOA/AAAAAAAA4D8AAAAAAADgPwAAAAAAAOA/AAAAAAAA4D8AAAAAAADgPwAAAAAAAOA/AAAAAAAA4D8CAAAAjAAAAAAAAAAAAAAA////AP///wgAAAAAAAAAAAAAAAAAAAAAAAAAAAAAAAAAAAAAeAAAAAEAAABAAAAAAAAAAAAAAABaAAAAAAAAAAAAAAAAAAAAAAAAAAAAAAAAAAAAAAAAAAAAAAAAAAAAAAAAAAAAAAAAAAAAAAAAAAAAAAAAAAAAAAAAAAAAAAAAAAAAFAAAADwAAAAAAAAAAAAAAAAAAAAPAAAAAQAAACMAAAAjAAAAIwAAAB4AAAAAAAAAZAAAAGQAAAAAAAAAZAAAAGQAAAAVAAAAYAAAAAAAAAAAAAAADwAAACADAAAAAAAAAAAAAAEAAACgMgAAVgcAAKr4//8BAAAAf39/AAEAAABkAAAAAAAAABQAAABAHwAAAAAAACYAAAAAAAAAwOD//wAAAAAmAAAAZAAAABYAAABMAAAAAAAAAAAAAAAEAAAAAAAAAAEAAADZ4OYKAAAAACgAAAAoAAAAZAAAAGQAAAAAAAAAzMzMAAAAAABQAAAAUAAAAGQAAABkAAAAAAAAABcAAAAUAAAAAAAAAAAAAAD/fwAA/38AAAAAAAAJAAAABAAAAAAAAAAeAAAAaAAAAAAAAAAAAAAAAAAAAAAAAAAAAAAAECcAABAnAAAAAAAAAAAAAAAAAAAAAAAAAAAAAAAAAAAAAAAAAAAAABQAAAAAAAAAwMD/AAAAAABkAAAAMgAAAAAAAABkAAAAAAAAAH9/fwAKAAAAIgAAABgAAAAAAAAAAAAAAAAAAAAAAAAAAAAAAAAAAAAkAAAAJAAAAAAAAAAHAAAAAAAAAAAAAAAAAAAAAAAAAAAAAAAAAAAAf39/ACUAAABYAAAAAAAAAAAAAAAAAAAAAAAAAAAAAAAAAAAAAAAAAAAAAAAAAAAAAAAAAAAAAAA/AAAAAAAAAKCGAQAAAAAAAAAAAAAAAAAMAAAAAQAAAAAAAAAAAAAAAAAAAB8AAABUAAAA////AAAAAAEAAAAAAAAAAAAAAAAAAAAAAAAAAAAAAAAAAAAAAAAAAAAAAAB/f38AAAAAA8zMzADAwP8Af39/AAAAAAAAAAAAAAAAAAAAAAAAAAAAIQAAABgAAAAUAAAAwAYAAFYkAAD2RAAA/icAABAAAAAmAAAACAAAAD2gAAAAAAAA"/>
+              </a:ext>
+            </a:extLst>
           </p:cNvSpPr>
           <p:nvPr>
-            <p:ph type="body" sz="half" idx="2"/>
+            <p:ph idx="2"/>
           </p:nvPr>
         </p:nvSpPr>
         <p:spPr>
           <a:xfrm>
-            <a:off x="1097280" y="5907024"/>
-            <a:ext cx="10113264" cy="594360"/>
-          </a:xfrm>
-        </p:spPr>
-        <p:txBody>
-          <a:bodyPr lIns="91440" tIns="0" rIns="91440" bIns="0">
-            <a:normAutofit/>
+            <a:off x="1097280" y="5906770"/>
+            <a:ext cx="10113010" cy="594360"/>
+          </a:xfrm>
+        </p:spPr>
+        <p:txBody>
+          <a:bodyPr vert="horz" wrap="square" lIns="91440" tIns="0" rIns="91440" bIns="0" numCol="1" spcCol="215900" anchor="t">
+            <a:prstTxWarp prst="textNoShape">
+              <a:avLst/>
+            </a:prstTxWarp>
           </a:bodyPr>
           <a:lstStyle>
             <a:lvl1pPr marL="0" indent="0">
@@ -3036,7 +3694,7 @@
                 <a:spcPts val="600"/>
               </a:spcAft>
               <a:buNone/>
-              <a:defRPr sz="2000">
+              <a:defRPr lang="en-us" sz="2000" cap="none">
                 <a:solidFill>
                   <a:srgbClr val="FFFFFF"/>
                 </a:solidFill>
@@ -3044,51 +3702,59 @@
             </a:lvl1pPr>
             <a:lvl2pPr marL="457200" indent="0">
               <a:buNone/>
-              <a:defRPr sz="1200"/>
+              <a:defRPr lang="en-us" sz="1200" cap="none"/>
             </a:lvl2pPr>
             <a:lvl3pPr marL="914400" indent="0">
               <a:buNone/>
-              <a:defRPr sz="1000"/>
+              <a:defRPr lang="en-us" sz="1000" cap="none"/>
             </a:lvl3pPr>
             <a:lvl4pPr marL="1371600" indent="0">
               <a:buNone/>
-              <a:defRPr sz="900"/>
+              <a:defRPr lang="en-us" sz="900" cap="none"/>
             </a:lvl4pPr>
             <a:lvl5pPr marL="1828800" indent="0">
               <a:buNone/>
-              <a:defRPr sz="900"/>
+              <a:defRPr lang="en-us" sz="900" cap="none"/>
             </a:lvl5pPr>
             <a:lvl6pPr marL="2286000" indent="0">
               <a:buNone/>
-              <a:defRPr sz="900"/>
+              <a:defRPr lang="en-us" sz="900" cap="none"/>
             </a:lvl6pPr>
             <a:lvl7pPr marL="2743200" indent="0">
               <a:buNone/>
-              <a:defRPr sz="900"/>
+              <a:defRPr lang="en-us" sz="900" cap="none"/>
             </a:lvl7pPr>
             <a:lvl8pPr marL="3200400" indent="0">
               <a:buNone/>
-              <a:defRPr sz="900"/>
+              <a:defRPr lang="en-us" sz="900" cap="none"/>
             </a:lvl8pPr>
             <a:lvl9pPr marL="3657600" indent="0">
               <a:buNone/>
-              <a:defRPr sz="900"/>
+              <a:defRPr lang="en-us" sz="900" cap="none"/>
             </a:lvl9pPr>
           </a:lstStyle>
           <a:p>
-            <a:pPr lvl="0"/>
-            <a:r>
-              <a:rPr lang="en-GB"/>
+            <a:pPr>
+              <a:defRPr lang="en-us"/>
+            </a:pPr>
+            <a:r>
+              <a:rPr lang="en-gb" cap="none"/>
               <a:t>Click to edit Master text styles</a:t>
             </a:r>
-          </a:p>
-        </p:txBody>
-      </p:sp>
-      <p:sp>
-        <p:nvSpPr>
-          <p:cNvPr id="5" name="Date Placeholder 4"/>
-          <p:cNvSpPr>
-            <a:spLocks noGrp="1"/>
+            <a:endParaRPr lang="en-gb" cap="none"/>
+          </a:p>
+        </p:txBody>
+      </p:sp>
+      <p:sp>
+        <p:nvSpPr>
+          <p:cNvPr id="7" name="Date Placeholder 4"/>
+          <p:cNvSpPr>
+            <a:spLocks noGrp="1" noChangeArrowheads="1"/>
+            <a:extLst>
+              <a:ext uri="smNativeData">
+                <pr:smNativeData xmlns:pr="smNativeData" xmlns="smNativeData" val="SMDATA_15_OjGNYRMAAAAlAAAAZAAAAA0AAAAAkAAAAEgAAACQAAAASAAAAAAAAAABAAAAAAAAAAEAAABQAAAAAAAAAAAA4D8AAAAAAADgPwAAAAAAAOA/AAAAAAAA4D8AAAAAAADgPwAAAAAAAOA/AAAAAAAA4D8AAAAAAADgPwAAAAAAAOA/AAAAAAAA4D8CAAAAjAAAAAAAAAAAAAAA////AP///wgAAAAAAAAAAAAAAAAAAAAAAAAAAAAAAAAAAAAAeAAAAAEAAABAAAAAAAAAAAAAAABaAAAAAAAAAAAAAAAAAAAAAAAAAAAAAAAAAAAAAAAAAAAAAAAAAAAAAAAAAAAAAAAAAAAAAAAAAAAAAAAAAAAAAAAAAAAAAAAAAAAAFAAAADwAAAAAAAAAAAAAAAAAAAAPAAAAAQAAACMAAAAjAAAAIwAAAB4AAAAAAAAAZAAAAGQAAAAAAAAAZAAAAGQAAAAVAAAAYAAAAAAAAAAAAAAADwAAACADAAAAAAAAAAAAAAEAAACgMgAAVgcAAKr4//8BAAAAf39/AAEAAABkAAAAAAAAABQAAABAHwAAAAAAACYAAAAAAAAAwOD//wAAAAAmAAAAZAAAABYAAABMAAAAAAAAAAAAAAAEAAAAAAAAAAEAAADZ4OYKAAAAACgAAAAoAAAAZAAAAGQAAAAAAAAAzMzMAAAAAABQAAAAUAAAAGQAAABkAAAAAAAAABcAAAAUAAAAAAAAAAAAAAD/fwAA/38AAAAAAAAJAAAABAAAAAAAAAAeAAAAaAAAAAAAAAAAAAAAAAAAAAAAAAAAAAAAECcAABAnAAAAAAAAAAAAAAAAAAAAAAAAAAAAAAAAAAAAAAAAAAAAABQAAAAAAAAAwMD/AAAAAABkAAAAMgAAAAAAAABkAAAAAAAAAH9/fwAKAAAAIgAAABgAAAAAAAAAAAAAAAAAAAAAAAAAAAAAAAAAAAAkAAAAJAAAAAAAAAAHAAAAAAAAAAAAAAAAAAAAAAAAAAAAAAAAAAAAf39/ACUAAABYAAAAAAAAAAAAAAAAAAAAAAAAAAAAAAAAAAAAAAAAAAAAAAAAAAAAAAAAAAAAAAA/AAAAAAAAAKCGAQAAAAAAAAAAAAAAAAAMAAAAAQAAAAAAAAAAAAAAAAAAAB8AAABUAAAA////AAAAAAEAAAAAAAAAAAAAAAAAAAAAAAAAAAAAAAAAAAAAAAAAAAAAAAB/f38AAAAAA8zMzADAwP8Af39/AAAAAAAAAAAAAAAAAAAAAAAAAAAAIQAAABgAAAAUAAAAwAYAAL0nAAD1FQAA/CkAABAAAAAmAAAACAAAAAAAAAAAAAAA"/>
+              </a:ext>
+            </a:extLst>
           </p:cNvSpPr>
           <p:nvPr>
             <p:ph type="dt" sz="half" idx="10"/>
@@ -3099,19 +3765,25 @@
           <a:bodyPr/>
           <a:lstStyle/>
           <a:p>
-            <a:fld id="{96DFF08F-DC6B-4601-B491-B0F83F6DD2DA}" type="datetimeFigureOut">
-              <a:rPr lang="en-US" dirty="0"/>
+            <a:pPr>
+              <a:defRPr lang="en-us"/>
+            </a:pPr>
+            <a:fld id="{12D45552-1CFF-81A3-B16C-EAF61B2247BF}" type="datetime1">
               <a:t>11/11/21</a:t>
             </a:fld>
-            <a:endParaRPr lang="en-US" dirty="0"/>
-          </a:p>
-        </p:txBody>
-      </p:sp>
-      <p:sp>
-        <p:nvSpPr>
-          <p:cNvPr id="6" name="Footer Placeholder 5"/>
-          <p:cNvSpPr>
-            <a:spLocks noGrp="1"/>
+          </a:p>
+        </p:txBody>
+      </p:sp>
+      <p:sp>
+        <p:nvSpPr>
+          <p:cNvPr id="8" name="Footer Placeholder 5"/>
+          <p:cNvSpPr>
+            <a:spLocks noGrp="1" noChangeArrowheads="1"/>
+            <a:extLst>
+              <a:ext uri="smNativeData">
+                <pr:smNativeData xmlns:pr="smNativeData" xmlns="smNativeData" val="SMDATA_15_OjGNYRMAAAAlAAAAZAAAAA0AAAAAkAAAAEgAAACQAAAASAAAAAAAAAABAAAAAAAAAAEAAABQAAAAAAAAAAAA4D8AAAAAAADgPwAAAAAAAOA/AAAAAAAA4D8AAAAAAADgPwAAAAAAAOA/AAAAAAAA4D8AAAAAAADgPwAAAAAAAOA/AAAAAAAA4D8CAAAAjAAAAAAAAAAAAAAA////AP///wgAAAAAAAAAAAAAAAAAAAAAAAAAAAAAAAAAAAAAeAAAAAEAAABAAAAAAAAAAAAAAABaAAAAAAAAAAAAAAAAAAAAAAAAAAAAAAAAAAAAAAAAAAAAAAAAAAAAAAAAAAAAAAAAAAAAAAAAAAAAAAAAAAAAAAAAAAAAAAAAAAAAFAAAADwAAAAAAAAAAAAAAAAAAAAPAAAAAQAAACMAAAAjAAAAIwAAAB4AAAAAAAAAZAAAAGQAAAAAAAAAZAAAAGQAAAAVAAAAYAAAAAAAAAAAAAAADwAAACADAAAAAAAAAAAAAAEAAACgMgAAVgcAAKr4//8BAAAAf39/AAEAAABkAAAAAAAAABQAAABAHwAAAAAAACYAAAAAAAAAwOD//wAAAAAmAAAAZAAAABYAAABMAAAAAAAAAAAAAAAEAAAAAAAAAAEAAADZ4OYKAAAAACgAAAAoAAAAZAAAAGQAAAAAAAAAzMzMAAAAAABQAAAAUAAAAGQAAABkAAAAAAAAABcAAAAUAAAAAAAAAAAAAAD/fwAA/38AAAAAAAAJAAAABAAAAAAAAAAeAAAAaAAAAAAAAAAAAAAAAAAAAAAAAAAAAAAAECcAABAnAAAAAAAAAAAAAAAAAAAAAAAAAAAAAAAAAAAAAAAAAAAAABQAAAAAAAAAwMD/AAAAAABkAAAAMgAAAAAAAABkAAAAAAAAAH9/fwAKAAAAIgAAABgAAAAAAAAAAAAAAAAAAAAAAAAAAAAAAAAAAAAkAAAAJAAAAAAAAAAHAAAAAAAAAAAAAAAAAAAAAAAAAAAAAAAAAAAAf39/ACUAAABYAAAAAAAAAAAAAAAAAAAAAAAAAAAAAAAAAAAAAAAAAAAAAAAAAAAAAAAAAAAAAAA/AAAAAAAAAKCGAQAAAAAAAAAAAAAAAAAMAAAAAQAAAAAAAAAAAAAAAAAAAB8AAABUAAAA////AAAAAAEAAAAAAAAAAAAAAAAAAAAAAAAAAAAAAAAAAAAAAAAAAAAAAAB/f38AAAAAA8zMzADAwP8Af39/AAAAAAAAAAAAAAAAAAAAAAAAAAAAIQAAABgAAAAUAAAArRYAAL0nAABYNAAA/CkAABAAAAAmAAAACAAAAAAAAAAAAAAA"/>
+              </a:ext>
+            </a:extLst>
           </p:cNvSpPr>
           <p:nvPr>
             <p:ph type="ftr" sz="quarter" idx="11"/>
@@ -3122,15 +3794,22 @@
           <a:bodyPr/>
           <a:lstStyle/>
           <a:p>
-            <a:endParaRPr lang="en-US" dirty="0"/>
-          </a:p>
-        </p:txBody>
-      </p:sp>
-      <p:sp>
-        <p:nvSpPr>
-          <p:cNvPr id="7" name="Slide Number Placeholder 6"/>
-          <p:cNvSpPr>
-            <a:spLocks noGrp="1"/>
+            <a:pPr>
+              <a:defRPr lang="en-us"/>
+            </a:pPr>
+          </a:p>
+        </p:txBody>
+      </p:sp>
+      <p:sp>
+        <p:nvSpPr>
+          <p:cNvPr id="9" name="Slide Number Placeholder 6"/>
+          <p:cNvSpPr>
+            <a:spLocks noGrp="1" noChangeArrowheads="1"/>
+            <a:extLst>
+              <a:ext uri="smNativeData">
+                <pr:smNativeData xmlns:pr="smNativeData" xmlns="smNativeData" val="SMDATA_15_OjGNYRMAAAAlAAAAZAAAAA0AAAAAkAAAAEgAAACQAAAASAAAAAAAAAABAAAAAAAAAAEAAABQAAAAAAAAAAAA4D8AAAAAAADgPwAAAAAAAOA/AAAAAAAA4D8AAAAAAADgPwAAAAAAAOA/AAAAAAAA4D8AAAAAAADgPwAAAAAAAOA/AAAAAAAA4D8CAAAAjAAAAAAAAAAAAAAA////AP///wgAAAAAAAAAAAAAAAAAAAAAAAAAAAAAAAAAAAAAeAAAAAEAAABAAAAAAAAAAAAAAABaAAAAAAAAAAAAAAAAAAAAAAAAAAAAAAAAAAAAAAAAAAAAAAAAAAAAAAAAAAAAAAAAAAAAAAAAAAAAAAAAAAAAAAAAAAAAAAAAAAAAFAAAADwAAAAAAAAAAAAAAAAAAAAPAAAAAQAAACMAAAAjAAAAIwAAAB4AAAAAAAAAZAAAAGQAAAAAAAAAZAAAAGQAAAAVAAAAYAAAAAAAAAAAAAAADwAAACADAAAAAAAAAAAAAAEAAACgMgAAVgcAAKr4//8BAAAAf39/AAEAAABkAAAAAAAAABQAAABAHwAAAAAAACYAAAAAAAAAwOD//wAAAAAmAAAAZAAAABYAAABMAAAAAAAAAAAAAAAEAAAAAAAAAAEAAADZ4OYKAAAAACgAAAAoAAAAZAAAAGQAAAAAAAAAzMzMAAAAAABQAAAAUAAAAGQAAABkAAAAAAAAABcAAAAUAAAAAAAAAAAAAAD/fwAA/38AAAAAAAAJAAAABAAAAAAAAAAeAAAAaAAAAAAAAAAAAAAAAAAAAAAAAAAAAAAAECcAABAnAAAAAAAAAAAAAAAAAAAAAAAAAAAAAAAAAAAAAAAAAAAAABQAAAAAAAAAwMD/AAAAAABkAAAAMgAAAAAAAABkAAAAAAAAAH9/fwAKAAAAIgAAABgAAAAAAAAAAAAAAAAAAAAAAAAAAAAAAAAAAAAkAAAAJAAAAAAAAAAHAAAAAAAAAAAAAAAAAAAAAAAAAAAAAAAAAAAAf39/ACUAAABYAAAAAAAAAAAAAAAAAAAAAAAAAAAAAAAAAAAAAAAAAAAAAAAAAAAAAAAAAAAAAAA/AAAAAAAAAKCGAQAAAAAAAAAAAAAAAAAMAAAAAQAAAAAAAAAAAAAAAAAAAB8AAABUAAAA////AAAAAAEAAAAAAAAAAAAAAAAAAAAAAAAAAAAAAAAAAAAAAAAAAAAAAAB/f38AAAAAA8zMzADAwP8Af39/AAAAAAAAAAAAAAAAAAAAAAAAAAAAIQAAABgAAAAUAAAAEDUAAL0nAAAiPQAA/CkAABAAAAAmAAAACAAAAAAAAAAAAAAA"/>
+              </a:ext>
+            </a:extLst>
           </p:cNvSpPr>
           <p:nvPr>
             <p:ph type="sldNum" sz="quarter" idx="12"/>
@@ -3141,11 +3820,12 @@
           <a:bodyPr/>
           <a:lstStyle/>
           <a:p>
-            <a:fld id="{4FAB73BC-B049-4115-A692-8D63A059BFB8}" type="slidenum">
-              <a:rPr lang="en-US" dirty="0"/>
+            <a:pPr>
+              <a:defRPr lang="en-us"/>
+            </a:pPr>
+            <a:fld id="{7DB98BE8-A690-EC7D-DE01-5028C54F2805}" type="slidenum">
               <a:t>‹#›</a:t>
             </a:fld>
-            <a:endParaRPr lang="en-US" dirty="0"/>
           </a:p>
         </p:txBody>
       </p:sp>
@@ -3154,28 +3834,34 @@
           <p:cNvPr id="10" name="Picture 9"/>
           <p:cNvPicPr>
             <a:picLocks noChangeAspect="1"/>
+            <a:extLst>
+              <a:ext uri="smNativeData">
+                <pr:smNativeData xmlns:pr="smNativeData" xmlns="smNativeData" val="SMDATA_17_OjGNYRMAAAAlAAAAEQAAAC0AAAAAkAAAAEgAAACQAAAASAAAAAAAAAAAAAAAAAAAAAEAAABQAAAAAAAAAAAA4D8AAAAAAADgPwAAAAAAAOA/AAAAAAAA4D8AAAAAAADgPwAAAAAAAOA/AAAAAAAA4D8AAAAAAADgPwAAAAAAAOA/AAAAAAAA4D8CAAAAjAAAAAAAAAAAAAAAHK3kDP///wgAAAAAAAAAAAAAAAAAAAAAAAAAAAAAAAAAAAAAZAAAAAEAAABAAAAAAAAAAAAAAAAAAAAAAAAAAAAAAAAAAAAAAAAAAAAAAAAAAAAAAAAAAAAAAAAAAAAAAAAAAAAAAAAAAAAAAAAAAAAAAAAAAAAAAAAAAAAAAAAAAAAAFAAAADwAAAAAAAAAAAAAAAAAAAkUAAAAAQAAABQAAAAUAAAAFAAAAAEAAAAAAAAAZAAAAGQAAAAAAAAAZAAAAGQAAAAVAAAAYAAAAAAAAAAAAAAADwAAACADAAAAAAAAAAAAAAEAAACgMgAAVgcAAKr4//8BAAAAf39/AAEAAABkAAAAAAAAABQAAABAHwAAAAAAACYAAAAAAAAAwOD//wAAAAAmAAAAZAAAABYAAABMAAAAAAAAAAAAAAAEAAAAAAAAAAEAAADZ4OYKAAAAACgAAAAoAAAAZAAAAGQAAAAAAAAAzMzMAAAAAABQAAAAUAAAAGQAAABkAAAAAAAAAAcAAAA4AAAAAAAAAAAAAAAAAAAA////AAAAAAAAAAAASwQAANIGAAAAAAAAYw0AAAAAAABkAAAAZAAAAAAAAAAjAAAABAAAAGQAAAAXAAAAFAAAAAAAAAAAAAAA/38AAP9/AAAAAAAACQAAAAQAAAAAAAAAHgAAAGgAAAAAAAAAAAAAAAAAAAAAAAAAAAAAABAnAAAQJwAAAAAAAAAAAAAAAAAAAAAAAAAAAAAAAAAAAAAAAAAAAAAUAAAAAAAAAMDA/wAAAAAAZAAAADIAAAAAAAAAZAAAAAAAAAB/f38ACgAAACIAAAAYAAAAAAAAAAAAAAAAAAAAAAAAAAAAAAAAAAAAJAAAACQAAAAAAAAABwAAAAAAAAAAAAAAAAAAAAAAAAAAAAAAAAAAAH9/fwAlAAAAWAAAAAAAAAAAAAAAAAAAAAAAAAAAAAAAAAAAAAAAAAAAAAAAAAAAAAAAAAAAAAAAPwAAAAAAAACghgEAAAAAAAAAAAAAAAAADAAAAAEAAAAAAAAAAAAAAAAAAAAfAAAAVAAAAAAAAAUAAAABAAAAAAAAAAAAAAAAAAAAAAAAAAAAAAAAAAAAAAAAAAAAAAACf39/AAAAAAPMzMwAwMD/AH9/fwAAAAAAAAAAAAAAAAD///8AAAAAACEAAAAYAAAAFAAAAL0+AACeJwAAg0oAAPIpAAAQAAAAJgAAAAgAAAD//////////w=="/>
+              </a:ext>
+            </a:extLst>
           </p:cNvPicPr>
-          <p:nvPr userDrawn="1"/>
+          <p:nvPr/>
         </p:nvPicPr>
-        <p:blipFill rotWithShape="1">
-          <a:blip r:embed="rId2">
-            <a:extLst>
-              <a:ext uri="{28A0092B-C50C-407E-A947-70E740481C1C}">
-                <a14:useLocalDpi xmlns:a14="http://schemas.microsoft.com/office/drawing/2010/main" val="0"/>
-              </a:ext>
-            </a:extLst>
-          </a:blip>
-          <a:srcRect l="10991" t="17465" b="34266"/>
-          <a:stretch/>
+        <p:blipFill>
+          <a:blip r:embed="rId2"/>
+          <a:srcRect l="10990" t="17460" r="0" b="34270"/>
+          <a:stretch>
+            <a:fillRect/>
+          </a:stretch>
         </p:blipFill>
         <p:spPr>
           <a:xfrm>
-            <a:off x="10198628" y="6440172"/>
-            <a:ext cx="1914104" cy="378456"/>
+            <a:off x="10198735" y="6440170"/>
+            <a:ext cx="1913890" cy="378460"/>
           </a:xfrm>
           <a:prstGeom prst="rect">
             <a:avLst/>
           </a:prstGeom>
+          <a:noFill/>
+          <a:ln>
+            <a:noFill/>
+          </a:ln>
+          <a:effectLst/>
         </p:spPr>
       </p:pic>
     </p:spTree>
@@ -3183,16 +3869,20 @@
   <p:clrMapOvr>
     <a:masterClrMapping/>
   </p:clrMapOvr>
+  <p:hf hdr="0" ftr="0"/>
 </p:sldLayout>
 </file>
 
 <file path=ppt/slideMasters/slideMaster1.xml><?xml version="1.0" encoding="utf-8"?>
-<p:sldMaster xmlns:a="http://schemas.openxmlformats.org/drawingml/2006/main" xmlns:r="http://schemas.openxmlformats.org/officeDocument/2006/relationships" xmlns:p="http://schemas.openxmlformats.org/presentationml/2006/main">
+<p:sldMaster xmlns:p="http://schemas.openxmlformats.org/presentationml/2006/main" xmlns:mc="http://schemas.openxmlformats.org/markup-compatibility/2006" xmlns:p14="http://schemas.microsoft.com/office/powerpoint/2010/main" xmlns:p15="http://schemas.microsoft.com/office/powerpoint/2012/main" xmlns:r="http://schemas.openxmlformats.org/officeDocument/2006/relationships" xmlns:a="http://schemas.openxmlformats.org/drawingml/2006/main">
   <p:cSld>
     <p:bg>
-      <p:bgRef idx="1001">
-        <a:schemeClr val="bg1"/>
-      </p:bgRef>
+      <p:bgPr>
+        <a:solidFill>
+          <a:schemeClr val="bg1"/>
+        </a:solidFill>
+        <a:effectLst/>
+      </p:bgPr>
     </p:bg>
     <p:spTree>
       <p:nvGrpSpPr>
@@ -3210,8 +3900,14 @@
       </p:grpSpPr>
       <p:sp>
         <p:nvSpPr>
-          <p:cNvPr id="7" name="Rectangle 6"/>
-          <p:cNvSpPr/>
+          <p:cNvPr id="2" name="Rectangle 6"/>
+          <p:cNvSpPr>
+            <a:extLst>
+              <a:ext uri="smNativeData">
+                <pr:smNativeData xmlns:pr="smNativeData" xmlns="smNativeData" val="SMDATA_15_OjGNYRMAAAAlAAAAZAAAAA0AAAAAkAAAAEgAAACQAAAASAAAAAAAAAAAAAAAAAAAAAEAAABQAAAAAAAAAAAA4D8AAAAAAADgPwAAAAAAAOA/AAAAAAAA4D8AAAAAAADgPwAAAAAAAOA/AAAAAAAA4D8AAAAAAADgPwAAAAAAAOA/AAAAAAAA4D8CAAAAjAAAAAEAAAAAAAAAJoPGDf///wgAAAAAAAAAAAAAAAAAAAAAAAAAAAAAAAAAAAAAZAAAAAEAAABAAAAAAAAAAAAAAAAAAAAAAAAAAAAAAAAAAAAAAAAAAAAAAAAAAAAAAAAAAAAAAAAAAAAAAAAAAAAAAAAAAAAAAAAAAAAAAAAAAAAAAAAAAAAAAAAAAAAAFAAAADwAAAAAAAAAAAAAABWAqQAZAAAAAQAAABQAAAAUAAAAFAAAAAEAAAAAAAAAZAAAAGQAAAAAAAAAZAAAAGQAAAAVAAAAYAAAAAAAAAAAAAAADwAAACADAAAAAAAAAAAAAAEAAACgMgAAVgcAAKr4//8BAAAAf39/AAEAAABkAAAAAAAAABQAAABAHwAAAAAAACYAAAAAAAAAwOD//wAAAAAmAAAAZAAAABYAAABMAAAAAAAAAAAAAAAEAAAAAAAAAAEAAADZ4OYKAAAAACgAAAAoAAAAZAAAAGQAAAAAAAAAzMzMAAAAAABQAAAAUAAAAGQAAABkAAAAAAAAABcAAAAUAAAAAAAAAAAAAAD/fwAA/38AAAAAAAAJAAAABAAAAAAAAAAeAAAAaAAAAAAAAAAAAAAAAAAAAAAAAAAAAAAAECcAABAnAAAAAAAAAAAAAAAAAAAAAAAAAAAAAAAAAAAAAAAAAAAAABQAAAAAAAAAwMD/AAAAAABkAAAAMgAAAAAAAABkAAAAAAAAAH9/fwAKAAAAIgAAABgAAAAAAAAAAAAAAAAAAAAAAAAAAAAAAAAAAAAkAAAAJAAAAAAAAAAHAAAAAAAAAAAAAAAAAAAAAAAAAAAAAAAAAAAAf39/ACUAAABYAAAAAAAAAAAAAAAAAAAAAAAAAAAAAAAAAAAAAAAAAAAAAAAAAAAAAAAAAAAAAAA/AAAAAAAAAKCGAQAAAAAAAAAAAAAAAAAMAAAAAQAAAAAAAAAAAAAAAAAAAB8AAABUAAAAAAAABgAAAAEAAAAAAAAAAAAAAAAAAAAAAAAAAAAAAAAAAAAAAAAAABWAqQB/f38AAAAAA8zMzADAwP8Af39/AAAAAAAAAAAAAAAAAAAAAAAAAAAAIQAAABgAAAAUAAAABQAAAGAnAAAASwAAMCoAABAAAAAmAAAACAAAAP//////////"/>
+              </a:ext>
+            </a:extLst>
+          </p:cNvSpPr>
           <p:nvPr/>
         </p:nvSpPr>
         <p:spPr>
@@ -3228,34 +3924,25 @@
           <a:ln>
             <a:noFill/>
           </a:ln>
-        </p:spPr>
-        <p:style>
-          <a:lnRef idx="2">
-            <a:schemeClr val="accent1">
-              <a:shade val="50000"/>
-            </a:schemeClr>
-          </a:lnRef>
-          <a:fillRef idx="1">
-            <a:schemeClr val="accent1"/>
-          </a:fillRef>
-          <a:effectRef idx="0">
-            <a:schemeClr val="accent1"/>
-          </a:effectRef>
-          <a:fontRef idx="minor">
-            <a:schemeClr val="lt1"/>
-          </a:fontRef>
-        </p:style>
-      </p:sp>
-      <p:sp>
-        <p:nvSpPr>
-          <p:cNvPr id="9" name="Rectangle 8"/>
-          <p:cNvSpPr/>
+          <a:effectLst/>
+        </p:spPr>
+      </p:sp>
+      <p:sp>
+        <p:nvSpPr>
+          <p:cNvPr id="3" name="Rectangle 8"/>
+          <p:cNvSpPr>
+            <a:extLst>
+              <a:ext uri="smNativeData">
+                <pr:smNativeData xmlns:pr="smNativeData" xmlns="smNativeData" val="SMDATA_15_OjGNYRMAAAAlAAAAZAAAAA0AAAAAkAAAAEgAAACQAAAASAAAAAAAAAAAAAAAAAAAAAEAAABQAAAAAAAAAAAA4D8AAAAAAADgPwAAAAAAAOA/AAAAAAAA4D8AAAAAAADgPwAAAAAAAOA/AAAAAAAA4D8AAAAAAADgPwAAAAAAAOA/AAAAAAAA4D8CAAAAjAAAAAEAAAAAAAAAHK3kDP///wgAAAAAAAAAAAAAAAAAAAAAAAAAAAAAAAAAAAAAZAAAAAEAAABAAAAAAAAAAAAAAAAAAAAAAAAAAAAAAAAAAAAAAAAAAAAAAAAAAAAAAAAAAAAAAAAAAAAAAAAAAAAAAAAAAAAAAAAAAAAAAAAAAAAAAAAAAAAAAAAAAAAAFAAAADwAAAAAAAAAAAAAABWAqQAZAAAAAQAAABQAAAAUAAAAFAAAAAEAAAAAAAAAZAAAAGQAAAAAAAAAZAAAAGQAAAAVAAAAYAAAAAAAAAAAAAAADwAAACADAAAAAAAAAAAAAAEAAACgMgAAVgcAAKr4//8BAAAAf39/AAEAAABkAAAAAAAAABQAAABAHwAAAAAAACYAAAAAAAAAwOD//wAAAAAmAAAAZAAAABYAAABMAAAAAAAAAAAAAAAEAAAAAAAAAAEAAADZ4OYKAAAAACgAAAAoAAAAZAAAAGQAAAAAAAAAzMzMAAAAAABQAAAAUAAAAGQAAABkAAAAAAAAABcAAAAUAAAAAAAAAAAAAAD/fwAA/38AAAAAAAAJAAAABAAAAAAAAAAeAAAAaAAAAAAAAAAAAAAAAAAAAAAAAAAAAAAAECcAABAnAAAAAAAAAAAAAAAAAAAAAAAAAAAAAAAAAAAAAAAAAAAAABQAAAAAAAAAwMD/AAAAAABkAAAAMgAAAAAAAABkAAAAAAAAAH9/fwAKAAAAIgAAABgAAAAAAAAAAAAAAAAAAAAAAAAAAAAAAAAAAAAkAAAAJAAAAAAAAAAHAAAAAAAAAAAAAAAAAAAAAAAAAAAAAAAAAAAAf39/ACUAAABYAAAAAAAAAAAAAAAAAAAAAAAAAAAAAAAAAAAAAAAAAAAAAAAAAAAAAAAAAAAAAAA/AAAAAAAAAKCGAQAAAAAAAAAAAAAAAAAMAAAAAQAAAAAAAAAAAAAAAAAAAB8AAABUAAAAAAAABQAAAAEAAAAAAAAAAAAAAAAAAAAAAAAAAAAAAAAAAAAAAAAAABWAqQB/f38AAAAAA8zMzADAwP8Af39/AAAAAAAAAAAAAAAAAAAAAAAAAAAAIQAAABgAAAAUAAAAAAAAAPcmAAD7SgAAXCcAABAAAAAmAAAACAAAAP//////////"/>
+              </a:ext>
+            </a:extLst>
+          </p:cNvSpPr>
           <p:nvPr/>
         </p:nvSpPr>
         <p:spPr>
           <a:xfrm>
-            <a:off x="15" y="6334316"/>
-            <a:ext cx="12188825" cy="64008"/>
+            <a:off x="0" y="6334125"/>
+            <a:ext cx="12188825" cy="64135"/>
           </a:xfrm>
           <a:prstGeom prst="rect">
             <a:avLst/>
@@ -3266,29 +3953,19 @@
           <a:ln>
             <a:noFill/>
           </a:ln>
-        </p:spPr>
-        <p:style>
-          <a:lnRef idx="2">
-            <a:schemeClr val="accent1">
-              <a:shade val="50000"/>
-            </a:schemeClr>
-          </a:lnRef>
-          <a:fillRef idx="1">
-            <a:schemeClr val="accent1"/>
-          </a:fillRef>
-          <a:effectRef idx="0">
-            <a:schemeClr val="accent1"/>
-          </a:effectRef>
-          <a:fontRef idx="minor">
-            <a:schemeClr val="lt1"/>
-          </a:fontRef>
-        </p:style>
-      </p:sp>
-      <p:sp>
-        <p:nvSpPr>
-          <p:cNvPr id="2" name="Title Placeholder 1"/>
-          <p:cNvSpPr>
-            <a:spLocks noGrp="1"/>
+          <a:effectLst/>
+        </p:spPr>
+      </p:sp>
+      <p:sp>
+        <p:nvSpPr>
+          <p:cNvPr id="4" name="Title Placeholder 1"/>
+          <p:cNvSpPr>
+            <a:spLocks noGrp="1" noChangeArrowheads="1"/>
+            <a:extLst>
+              <a:ext uri="smNativeData">
+                <pr:smNativeData xmlns:pr="smNativeData" xmlns="smNativeData" val="SMDATA_15_OjGNYRMAAAAlAAAAZAAAAA0AAAAAkAAAAEgAAACQAAAASAAAAAAAAAACAAAAAAAAAAEAAABQAAAAAAAAAAAA4D8AAAAAAADgPwAAAAAAAOA/AAAAAAAA4D8AAAAAAADgPwAAAAAAAOA/AAAAAAAA4D8AAAAAAADgPwAAAAAAAOA/AAAAAAAA4D8CAAAAjAAAAAAAAAAAAAAA////AP///wgAAAAAAAAAAAAAAAAAAAAAAAAAAAAAAAAAAAAAeAAAAAEAAABAAAAAAAAAAAAAAABaAAAAAAAAAAAAAAAAAAAAAAAAAAAAAAAAAAAAAAAAAAAAAAAAAAAAAAAAAAAAAAAAAAAAAAAAAAAAAAAAAAAAAAAAAAAAAAAAAAAAFAAAADwAAAAAAAAAAAAAAAAAAAAPAAAAAQAAACMAAAAjAAAAIwAAAB4AAAAAAAAAZAAAAGQAAAAAAAAAZAAAAGQAAAAVAAAAYAAAAAAAAAAAAAAADwAAACADAAAAAAAAAAAAAAEAAACgMgAAVgcAAKr4//8BAAAAf39/AAEAAABkAAAAAAAAABQAAABAHwAAAAAAACYAAAAAAAAAwOD//wAAAAAmAAAAZAAAABYAAABMAAAAAAAAAAAAAAAEAAAAAAAAAAEAAADZ4OYKAAAAACgAAAAoAAAAZAAAAGQAAAAAAAAAzMzMAAAAAABQAAAAUAAAAGQAAABkAAAAAAAAABcAAAAUAAAAAAAAAAAAAAD/fwAA/38AAAAAAAAJAAAABAAAAAAAAAAeAAAAaAAAAAAAAAAAAAAAAAAAAAAAAAAAAAAAECcAABAnAAAAAAAAAAAAAAAAAAAAAAAAAAAAAAAAAAAAAAAAAAAAABQAAAAAAAAAwMD/AAAAAABkAAAAMgAAAAAAAABkAAAAAAAAAH9/fwAKAAAAIgAAABgAAAAAAAAAAAAAAAAAAAAAAAAAAAAAAAAAAAAkAAAAJAAAAAAAAAAHAAAAAAAAAAAAAAAAAAAAAAAAAAAAAAAAAAAAf39/ACUAAABYAAAAAAAAAAAAAAAAAAAAAAAAAAAAAAAAAAAAAAAAAAAAAAAAAAAAAAAAAAAAAAA/AAAAAAAAAKCGAQAAAAAAAAAAAAAAAAAMAAAAAQAAAAAAAAAAAAAAAAAAAB8AAABUAAAA////AAAAAAEAAAAAAAAAAAAAAAAAAAAAAAAAAAAAAAAAAAAAAAAAAAAAAAB/f38AAAAAA8zMzADAwP8Af39/AAAAAAAAAAAAAAAAAAAAAAAAAAAAIQAAABgAAAAUAAAAwAYAAMMBAACgRAAAsAoAABAAAAAmAAAACAAAAL8vAAD/HwAA"/>
+              </a:ext>
+            </a:extLst>
           </p:cNvSpPr>
           <p:nvPr>
             <p:ph type="title"/>
@@ -3296,32 +3973,45 @@
         </p:nvSpPr>
         <p:spPr>
           <a:xfrm>
-            <a:off x="1097280" y="286603"/>
-            <a:ext cx="10058400" cy="1450757"/>
+            <a:off x="1097280" y="286385"/>
+            <a:ext cx="10058400" cy="1450975"/>
           </a:xfrm>
           <a:prstGeom prst="rect">
             <a:avLst/>
           </a:prstGeom>
-        </p:spPr>
-        <p:txBody>
-          <a:bodyPr vert="horz" lIns="91440" tIns="45720" rIns="91440" bIns="45720" rtlCol="0" anchor="b">
-            <a:normAutofit/>
+          <a:noFill/>
+          <a:ln>
+            <a:noFill/>
+          </a:ln>
+        </p:spPr>
+        <p:txBody>
+          <a:bodyPr vert="horz" wrap="square" lIns="91440" tIns="45720" rIns="91440" bIns="45720" numCol="1" spcCol="215900" anchor="b">
+            <a:prstTxWarp prst="textNoShape">
+              <a:avLst/>
+            </a:prstTxWarp>
           </a:bodyPr>
           <a:lstStyle/>
           <a:p>
-            <a:r>
-              <a:rPr lang="en-GB"/>
+            <a:pPr>
+              <a:defRPr lang="en-us"/>
+            </a:pPr>
+            <a:r>
+              <a:rPr lang="en-gb" cap="none"/>
               <a:t>Click to edit Master title style</a:t>
             </a:r>
-            <a:endParaRPr lang="en-US" dirty="0"/>
-          </a:p>
-        </p:txBody>
-      </p:sp>
-      <p:sp>
-        <p:nvSpPr>
-          <p:cNvPr id="3" name="Text Placeholder 2"/>
-          <p:cNvSpPr>
-            <a:spLocks noGrp="1"/>
+          </a:p>
+        </p:txBody>
+      </p:sp>
+      <p:sp>
+        <p:nvSpPr>
+          <p:cNvPr id="5" name="Text Placeholder 2"/>
+          <p:cNvSpPr>
+            <a:spLocks noGrp="1" noChangeArrowheads="1"/>
+            <a:extLst>
+              <a:ext uri="smNativeData">
+                <pr:smNativeData xmlns:pr="smNativeData" xmlns="smNativeData" val="SMDATA_15_OjGNYRMAAAAlAAAAZAAAAA0AAAAAAAAAAEgAAAAAAAAASAAAAAAAAAAAAAAAAAAAAAEAAABQAAAAAAAAAAAA4D8AAAAAAADgPwAAAAAAAOA/AAAAAAAA4D8AAAAAAADgPwAAAAAAAOA/AAAAAAAA4D8AAAAAAADgPwAAAAAAAOA/AAAAAAAA4D8CAAAAjAAAAAAAAAAAAAAA////AP///wgAAAAAAAAAAAAAAAAAAAAAAAAAAAAAAAAAAAAAeAAAAAEAAABAAAAAAAAAAAAAAABaAAAAAAAAAAAAAAAAAAAAAAAAAAAAAAAAAAAAAAAAAAAAAAAAAAAAAAAAAAAAAAAAAAAAAAAAAAAAAAAAAAAAAAAAAAAAAAAAAAAAFAAAADwAAAAAAAAAAAAAAAAAAAAPAAAAAQAAACMAAAAjAAAAIwAAAB4AAAAAAAAAZAAAAGQAAAAAAAAAZAAAAGQAAAAVAAAAYAAAAAAAAAAAAAAADwAAACADAAAAAAAAAAAAAAEAAACgMgAAVgcAAKr4//8BAAAAf39/AAEAAABkAAAAAAAAABQAAABAHwAAAAAAACYAAAAAAAAAwOD//wAAAAAmAAAAZAAAABYAAABMAAAAAAAAAAAAAAAEAAAAAAAAAAEAAADZ4OYKAAAAACgAAAAoAAAAZAAAAGQAAAAAAAAAzMzMAAAAAABQAAAAUAAAAGQAAABkAAAAAAAAABcAAAAUAAAAAAAAAAAAAAD/fwAA/38AAAAAAAAJAAAABAAAAAAAAAAeAAAAaAAAAAAAAAAAAAAAAAAAAAAAAAAAAAAAECcAABAnAAAAAAAAAAAAAAAAAAAAAAAAAAAAAAAAAAAAAAAAAAAAABQAAAAAAAAAwMD/AAAAAABkAAAAMgAAAAAAAABkAAAAAAAAAH9/fwAKAAAAIgAAABgAAAAAAAAAAAAAAAAAAAAAAAAAAAAAAAAAAAAkAAAAJAAAAAAAAAAHAAAAAAAAAAAAAAAAAAAAAAAAAAAAAAAAAAAAf39/ACUAAABYAAAAAAAAAAAAAAAAAAAAAAAAAAAAAAAAAAAAAAAAAAAAAAAAAAAAAAAAAAAAAAA/AAAAAAAAAKCGAQAAAAAAAAAAAAAAAAAMAAAAAQAAAAAAAAAAAAAAAAAAAB8AAABUAAAA////AAAAAAEAAAAAAAAAAAAAAAAAAAAAAAAAAAAAAAAAAAAAAAAAAAAAAAB/f38AAAAAA8zMzADAwP8Af39/AAAAAAAAAAAAAAAAAAAAAAAAAAAAIQAAABgAAAAUAAAAwAYAAFsLAACgRAAAGyQAABAAAAAmAAAACAAAAD8vAAD/HwAA"/>
+              </a:ext>
+            </a:extLst>
           </p:cNvSpPr>
           <p:nvPr>
             <p:ph type="body" idx="1"/>
@@ -3329,61 +4019,85 @@
         </p:nvSpPr>
         <p:spPr>
           <a:xfrm>
-            <a:off x="1097280" y="1845734"/>
+            <a:off x="1097280" y="1845945"/>
             <a:ext cx="10058400" cy="4023360"/>
           </a:xfrm>
           <a:prstGeom prst="rect">
             <a:avLst/>
           </a:prstGeom>
-        </p:spPr>
-        <p:txBody>
-          <a:bodyPr vert="horz" lIns="0" tIns="45720" rIns="0" bIns="45720" rtlCol="0">
-            <a:normAutofit/>
+          <a:noFill/>
+          <a:ln>
+            <a:noFill/>
+          </a:ln>
+        </p:spPr>
+        <p:txBody>
+          <a:bodyPr vert="horz" wrap="square" lIns="0" tIns="45720" rIns="0" bIns="45720" numCol="1" spcCol="215900" anchor="t">
+            <a:prstTxWarp prst="textNoShape">
+              <a:avLst/>
+            </a:prstTxWarp>
           </a:bodyPr>
           <a:lstStyle/>
           <a:p>
-            <a:pPr lvl="0"/>
-            <a:r>
-              <a:rPr lang="en-GB"/>
+            <a:pPr>
+              <a:defRPr lang="en-us"/>
+            </a:pPr>
+            <a:r>
+              <a:rPr lang="en-gb" cap="none"/>
               <a:t>Click to edit Master text styles</a:t>
             </a:r>
-          </a:p>
-          <a:p>
-            <a:pPr lvl="1"/>
-            <a:r>
-              <a:rPr lang="en-GB"/>
+            <a:endParaRPr lang="en-gb" cap="none"/>
+          </a:p>
+          <a:p>
+            <a:pPr lvl="1">
+              <a:defRPr lang="en-us"/>
+            </a:pPr>
+            <a:r>
+              <a:rPr lang="en-gb" cap="none"/>
               <a:t>Second level</a:t>
             </a:r>
-          </a:p>
-          <a:p>
-            <a:pPr lvl="2"/>
-            <a:r>
-              <a:rPr lang="en-GB"/>
+            <a:endParaRPr lang="en-gb" cap="none"/>
+          </a:p>
+          <a:p>
+            <a:pPr lvl="2">
+              <a:defRPr lang="en-us"/>
+            </a:pPr>
+            <a:r>
+              <a:rPr lang="en-gb" cap="none"/>
               <a:t>Third level</a:t>
             </a:r>
-          </a:p>
-          <a:p>
-            <a:pPr lvl="3"/>
-            <a:r>
-              <a:rPr lang="en-GB"/>
+            <a:endParaRPr lang="en-gb" cap="none"/>
+          </a:p>
+          <a:p>
+            <a:pPr lvl="3">
+              <a:defRPr lang="en-us"/>
+            </a:pPr>
+            <a:r>
+              <a:rPr lang="en-gb" cap="none"/>
               <a:t>Fourth level</a:t>
             </a:r>
-          </a:p>
-          <a:p>
-            <a:pPr lvl="4"/>
-            <a:r>
-              <a:rPr lang="en-GB"/>
+            <a:endParaRPr lang="en-gb" cap="none"/>
+          </a:p>
+          <a:p>
+            <a:pPr lvl="4">
+              <a:defRPr lang="en-us"/>
+            </a:pPr>
+            <a:r>
+              <a:rPr lang="en-gb" cap="none"/>
               <a:t>Fifth level</a:t>
             </a:r>
-            <a:endParaRPr lang="en-US" dirty="0"/>
-          </a:p>
-        </p:txBody>
-      </p:sp>
-      <p:sp>
-        <p:nvSpPr>
-          <p:cNvPr id="4" name="Date Placeholder 3"/>
-          <p:cNvSpPr>
-            <a:spLocks noGrp="1"/>
+          </a:p>
+        </p:txBody>
+      </p:sp>
+      <p:sp>
+        <p:nvSpPr>
+          <p:cNvPr id="6" name="Date Placeholder 3"/>
+          <p:cNvSpPr>
+            <a:spLocks noGrp="1" noChangeArrowheads="1"/>
+            <a:extLst>
+              <a:ext uri="smNativeData">
+                <pr:smNativeData xmlns:pr="smNativeData" xmlns="smNativeData" val="SMDATA_15_OjGNYRMAAAAlAAAAZAAAAA0AAAAAkAAAAEgAAACQAAAASAAAAAAAAAABAAAAAAAAAAEAAABQAAAAAAAAAAAA4D8AAAAAAADgPwAAAAAAAOA/AAAAAAAA4D8AAAAAAADgPwAAAAAAAOA/AAAAAAAA4D8AAAAAAADgPwAAAAAAAOA/AAAAAAAA4D8CAAAAjAAAAAAAAAAAAAAA////AP///wgAAAAAAAAAAAAAAAAAAAAAAAAAAAAAAAAAAAAAeAAAAAEAAABAAAAAAAAAAAAAAABaAAAAAAAAAAAAAAAAAAAAAAAAAAAAAAAAAAAAAAAAAAAAAAAAAAAAAAAAAAAAAAAAAAAAAAAAAAAAAAAAAAAAAAAAAAAAAAAAAAAAFAAAADwAAAAAAAAAAAAAAAAAAAAPAAAAAQAAACMAAAAjAAAAIwAAAB4AAAAAAAAAZAAAAGQAAAAAAAAAZAAAAGQAAAAVAAAAYAAAAAAAAAAAAAAADwAAACADAAAAAAAAAAAAAAEAAACgMgAAVgcAAKr4//8BAAAAf39/AAEAAABkAAAAAAAAABQAAABAHwAAAAAAACYAAAAAAAAAwOD//wAAAAAmAAAAZAAAABYAAABMAAAAAAAAAAAAAAAEAAAAAAAAAAEAAADZ4OYKAAAAACgAAAAoAAAAZAAAAGQAAAAAAAAAzMzMAAAAAABQAAAAUAAAAGQAAABkAAAAAAAAABcAAAAUAAAAAAAAAAAAAAD/fwAA/38AAAAAAAAJAAAABAAAAAAAAAAeAAAAaAAAAAAAAAAAAAAAAAAAAAAAAAAAAAAAECcAABAnAAAAAAAAAAAAAAAAAAAAAAAAAAAAAAAAAAAAAAAAAAAAABQAAAAAAAAAwMD/AAAAAABkAAAAMgAAAAAAAABkAAAAAAAAAH9/fwAKAAAAIgAAABgAAAAAAAAAAAAAAAAAAAAAAAAAAAAAAAAAAAAkAAAAJAAAAAAAAAAHAAAAAAAAAAAAAAAAAAAAAAAAAAAAAAAAAAAAf39/ACUAAABYAAAAAAAAAAAAAAAAAAAAAAAAAAAAAAAAAAAAAAAAAAAAAAAAAAAAAAAAAAAAAAA/AAAAAAAAAKCGAQAAAAAAAAAAAAAAAAAMAAAAAQAAAAAAAAAAAAAAAAAAAB8AAABUAAAA////AAAAAAEAAAAAAAAAAAAAAAAAAAAAAAAAAAAAAAAAAAAAAAAAAAAAAAB/f38AAAAAA8zMzADAwP8Af39/AAAAAAAAAAAAAAAAAAAAAAAAAAAAIQAAABgAAAAUAAAAwAYAAL0nAAD1FQAA/CkAABAAAAAmAAAACAAAAL+PAAD/HwAA"/>
+              </a:ext>
+            </a:extLst>
           </p:cNvSpPr>
           <p:nvPr>
             <p:ph type="dt" sz="half" idx="2"/>
@@ -3391,39 +4105,76 @@
         </p:nvSpPr>
         <p:spPr>
           <a:xfrm>
-            <a:off x="1097280" y="6459785"/>
-            <a:ext cx="2472271" cy="365125"/>
+            <a:off x="1097280" y="6459855"/>
+            <a:ext cx="2472055" cy="365125"/>
           </a:xfrm>
           <a:prstGeom prst="rect">
             <a:avLst/>
           </a:prstGeom>
-        </p:spPr>
-        <p:txBody>
-          <a:bodyPr vert="horz" lIns="91440" tIns="45720" rIns="91440" bIns="45720" rtlCol="0" anchor="ctr"/>
+          <a:noFill/>
+          <a:ln>
+            <a:noFill/>
+          </a:ln>
+        </p:spPr>
+        <p:txBody>
+          <a:bodyPr vert="horz" wrap="square" lIns="91440" tIns="45720" rIns="91440" bIns="45720" numCol="1" spcCol="215900" anchor="ctr">
+            <a:prstTxWarp prst="textNoShape">
+              <a:avLst/>
+            </a:prstTxWarp>
+          </a:bodyPr>
           <a:lstStyle>
             <a:lvl1pPr algn="l">
-              <a:defRPr sz="1200">
+              <a:defRPr lang="en-us" sz="1200" cap="none">
                 <a:solidFill>
                   <a:srgbClr val="FFFFFF"/>
                 </a:solidFill>
               </a:defRPr>
             </a:lvl1pPr>
+            <a:lvl2pPr>
+              <a:defRPr lang="en-us"/>
+            </a:lvl2pPr>
+            <a:lvl3pPr>
+              <a:defRPr lang="en-us"/>
+            </a:lvl3pPr>
+            <a:lvl4pPr>
+              <a:defRPr lang="en-us"/>
+            </a:lvl4pPr>
+            <a:lvl5pPr>
+              <a:defRPr lang="en-us"/>
+            </a:lvl5pPr>
+            <a:lvl6pPr>
+              <a:defRPr lang="en-us"/>
+            </a:lvl6pPr>
+            <a:lvl7pPr>
+              <a:defRPr lang="en-us"/>
+            </a:lvl7pPr>
+            <a:lvl8pPr>
+              <a:defRPr lang="en-us"/>
+            </a:lvl8pPr>
+            <a:lvl9pPr>
+              <a:defRPr lang="en-us"/>
+            </a:lvl9pPr>
           </a:lstStyle>
           <a:p>
-            <a:fld id="{96DFF08F-DC6B-4601-B491-B0F83F6DD2DA}" type="datetimeFigureOut">
-              <a:rPr lang="en-US" smtClean="0"/>
-              <a:pPr/>
-              <a:t>11/11/21</a:t>
+            <a:pPr>
+              <a:defRPr lang="en-us"/>
+            </a:pPr>
+            <a:fld id="{1A8947E1-AFF7-DCB1-B931-59E4097F4F0C}" type="datetime1">
+              <a:t/>
             </a:fld>
-            <a:endParaRPr lang="en-US" dirty="0"/>
-          </a:p>
-        </p:txBody>
-      </p:sp>
-      <p:sp>
-        <p:nvSpPr>
-          <p:cNvPr id="5" name="Footer Placeholder 4"/>
-          <p:cNvSpPr>
-            <a:spLocks noGrp="1"/>
+          </a:p>
+        </p:txBody>
+      </p:sp>
+      <p:sp>
+        <p:nvSpPr>
+          <p:cNvPr id="7" name="Footer Placeholder 4"/>
+          <p:cNvSpPr>
+            <a:spLocks noGrp="1" noChangeArrowheads="1"/>
+            <a:extLst>
+              <a:ext uri="smNativeData">
+                <pr:smNativeData xmlns:pr="smNativeData" xmlns="smNativeData" val="SMDATA_15_OjGNYRMAAAAlAAAAZAAAAA0AAAAAkAAAAEgAAACQAAAASAAAAAAAAAABAAAAAAAAAAEAAABQAAAAAAAAAAAA4D8AAAAAAADgPwAAAAAAAOA/AAAAAAAA4D8AAAAAAADgPwAAAAAAAOA/AAAAAAAA4D8AAAAAAADgPwAAAAAAAOA/AAAAAAAA4D8CAAAAjAAAAAAAAAAAAAAA////AP///wgAAAAAAAAAAAAAAAAAAAAAAAAAAAAAAAAAAAAAeAAAAAEAAABAAAAAAAAAAAAAAABaAAAAAAAAAAAAAAAAAAAAAAAAAAAAAAAAAAAAAAAAAAAAAAAAAAAAAAAAAAAAAAAAAAAAAAAAAAAAAAAAAAAAAAAAAAAAAAAAAAAAFAAAADwAAAAAAAAAAAAAAAAAAAAPAAAAAQAAACMAAAAjAAAAIwAAAB4AAAAAAAAAZAAAAGQAAAAAAAAAZAAAAGQAAAAVAAAAYAAAAAAAAAAAAAAADwAAACADAAAAAAAAAAAAAAEAAACgMgAAVgcAAKr4//8BAAAAf39/AAEAAABkAAAAAAAAABQAAABAHwAAAAAAACYAAAAAAAAAwOD//wAAAAAmAAAAZAAAABYAAABMAAAAAAAAAAAAAAAEAAAAAAAAAAEAAADZ4OYKAAAAACgAAAAoAAAAZAAAAGQAAAAAAAAAzMzMAAAAAABQAAAAUAAAAGQAAABkAAAAAAAAABcAAAAUAAAAAAAAAAAAAAD/fwAA/38AAAAAAAAJAAAABAAAAAAAAAAeAAAAaAAAAAAAAAAAAAAAAAAAAAAAAAAAAAAAECcAABAnAAAAAAAAAAAAAAAAAAAAAAAAAAAAAAAAAAAAAAAAAAAAABQAAAAAAAAAwMD/AAAAAABkAAAAMgAAAAAAAABkAAAAAAAAAH9/fwAKAAAAIgAAABgAAAAAAAAAAAAAAAAAAAAAAAAAAAAAAAAAAAAkAAAAJAAAAAAAAAAHAAAAAAAAAAAAAAAAAAAAAAAAAAAAAAAAAAAAf39/ACUAAABYAAAAAAAAAAAAAAAAAAAAAAAAAAAAAAAAAAAAAAAAAAAAAAAAAAAAAAAAAAAAAAA/AAAAAAAAAKCGAQAAAAAAAAAAAAAAAAAMAAAAAQAAAAAAAAAAAAAAAAAAAB8AAABUAAAA////AAAAAAEAAAAAAAAAAAAAAAAAAAAAAAAAAAAAAAAAAAAAAAAAAAAAAAB/f38AAAAAA8zMzADAwP8Af39/AAAAAAAAAAAAAAAAAAAAAAAAAAAAIQAAABgAAAAUAAAArRYAAL0nAABYNAAA/CkAABAAAAAmAAAACAAAAL+PAAD/HwAA"/>
+              </a:ext>
+            </a:extLst>
           </p:cNvSpPr>
           <p:nvPr>
             <p:ph type="ftr" sz="quarter" idx="3"/>
@@ -3431,34 +4182,73 @@
         </p:nvSpPr>
         <p:spPr>
           <a:xfrm>
-            <a:off x="3686185" y="6459785"/>
-            <a:ext cx="4822804" cy="365125"/>
+            <a:off x="3686175" y="6459855"/>
+            <a:ext cx="4822825" cy="365125"/>
           </a:xfrm>
           <a:prstGeom prst="rect">
             <a:avLst/>
           </a:prstGeom>
-        </p:spPr>
-        <p:txBody>
-          <a:bodyPr vert="horz" lIns="91440" tIns="45720" rIns="91440" bIns="45720" rtlCol="0" anchor="ctr"/>
+          <a:noFill/>
+          <a:ln>
+            <a:noFill/>
+          </a:ln>
+        </p:spPr>
+        <p:txBody>
+          <a:bodyPr vert="horz" wrap="square" lIns="91440" tIns="45720" rIns="91440" bIns="45720" numCol="1" spcCol="215900" anchor="ctr">
+            <a:prstTxWarp prst="textNoShape">
+              <a:avLst/>
+            </a:prstTxWarp>
+          </a:bodyPr>
           <a:lstStyle>
             <a:lvl1pPr algn="ctr">
-              <a:defRPr sz="1200" cap="all" baseline="0">
+              <a:defRPr lang="en-us" sz="1200" cap="all" baseline="0">
                 <a:solidFill>
                   <a:srgbClr val="FFFFFF"/>
                 </a:solidFill>
               </a:defRPr>
             </a:lvl1pPr>
+            <a:lvl2pPr>
+              <a:defRPr lang="en-us"/>
+            </a:lvl2pPr>
+            <a:lvl3pPr>
+              <a:defRPr lang="en-us"/>
+            </a:lvl3pPr>
+            <a:lvl4pPr>
+              <a:defRPr lang="en-us"/>
+            </a:lvl4pPr>
+            <a:lvl5pPr>
+              <a:defRPr lang="en-us"/>
+            </a:lvl5pPr>
+            <a:lvl6pPr>
+              <a:defRPr lang="en-us"/>
+            </a:lvl6pPr>
+            <a:lvl7pPr>
+              <a:defRPr lang="en-us"/>
+            </a:lvl7pPr>
+            <a:lvl8pPr>
+              <a:defRPr lang="en-us"/>
+            </a:lvl8pPr>
+            <a:lvl9pPr>
+              <a:defRPr lang="en-us"/>
+            </a:lvl9pPr>
           </a:lstStyle>
           <a:p>
-            <a:endParaRPr lang="en-US" dirty="0"/>
-          </a:p>
-        </p:txBody>
-      </p:sp>
-      <p:sp>
-        <p:nvSpPr>
-          <p:cNvPr id="6" name="Slide Number Placeholder 5"/>
-          <p:cNvSpPr>
-            <a:spLocks noGrp="1"/>
+            <a:pPr>
+              <a:defRPr lang="en-us"/>
+            </a:pPr>
+          </a:p>
+        </p:txBody>
+      </p:sp>
+      <p:sp>
+        <p:nvSpPr>
+          <p:cNvPr id="8" name="Slide Number Placeholder 5"/>
+          <p:cNvSpPr>
+            <a:spLocks noGrp="1" noChangeArrowheads="1"/>
+            <a:extLst>
+              <a:ext uri="smNativeData">
+                <pr:smNativeData xmlns:pr="smNativeData" xmlns="smNativeData" val="SMDATA_15_OjGNYRMAAAAlAAAAZAAAAA0AAAAAkAAAAEgAAACQAAAASAAAAAAAAAABAAAAAAAAAAEAAABQAAAAAAAAAAAA4D8AAAAAAADgPwAAAAAAAOA/AAAAAAAA4D8AAAAAAADgPwAAAAAAAOA/AAAAAAAA4D8AAAAAAADgPwAAAAAAAOA/AAAAAAAA4D8CAAAAjAAAAAAAAAAAAAAA////AP///wgAAAAAAAAAAAAAAAAAAAAAAAAAAAAAAAAAAAAAeAAAAAEAAABAAAAAAAAAAAAAAABaAAAAAAAAAAAAAAAAAAAAAAAAAAAAAAAAAAAAAAAAAAAAAAAAAAAAAAAAAAAAAAAAAAAAAAAAAAAAAAAAAAAAAAAAAAAAAAAAAAAAFAAAADwAAAAAAAAAAAAAAAAAAAAPAAAAAQAAACMAAAAjAAAAIwAAAB4AAAAAAAAAZAAAAGQAAAAAAAAAZAAAAGQAAAAVAAAAYAAAAAAAAAAAAAAADwAAACADAAAAAAAAAAAAAAEAAACgMgAAVgcAAKr4//8BAAAAf39/AAEAAABkAAAAAAAAABQAAABAHwAAAAAAACYAAAAAAAAAwOD//wAAAAAmAAAAZAAAABYAAABMAAAAAAAAAAAAAAAEAAAAAAAAAAEAAADZ4OYKAAAAACgAAAAoAAAAZAAAAGQAAAAAAAAAzMzMAAAAAABQAAAAUAAAAGQAAABkAAAAAAAAABcAAAAUAAAAAAAAAAAAAAD/fwAA/38AAAAAAAAJAAAABAAAAAAAAAAeAAAAaAAAAAAAAAAAAAAAAAAAAAAAAAAAAAAAECcAABAnAAAAAAAAAAAAAAAAAAAAAAAAAAAAAAAAAAAAAAAAAAAAABQAAAAAAAAAwMD/AAAAAABkAAAAMgAAAAAAAABkAAAAAAAAAH9/fwAKAAAAIgAAABgAAAAAAAAAAAAAAAAAAAAAAAAAAAAAAAAAAAAkAAAAJAAAAAAAAAAHAAAAAAAAAAAAAAAAAAAAAAAAAAAAAAAAAAAAf39/ACUAAABYAAAAAAAAAAAAAAAAAAAAAAAAAAAAAAAAAAAAAAAAAAAAAAAAAAAAAAAAAAAAAAA/AAAAAAAAAKCGAQAAAAAAAAAAAAAAAAAMAAAAAQAAAAAAAAAAAAAAAAAAAB8AAABUAAAA////AAAAAAEAAAAAAAAAAAAAAAAAAAAAAAAAAAAAAAAAAAAAAAAAAAAAAAB/f38AAAAAA8zMzADAwP8Af39/AAAAAAAAAAAAAAAAAAAAAAAAAAAAIQAAABgAAAAUAAAAEDUAAL0nAAAiPQAA/CkAABAAAAAmAAAACAAAAL+PAAD/HwAA"/>
+              </a:ext>
+            </a:extLst>
           </p:cNvSpPr>
           <p:nvPr>
             <p:ph type="sldNum" sz="quarter" idx="4"/>
@@ -3466,142 +4256,353 @@
         </p:nvSpPr>
         <p:spPr>
           <a:xfrm>
-            <a:off x="8625623" y="6459785"/>
-            <a:ext cx="1312025" cy="365125"/>
+            <a:off x="8625840" y="6459855"/>
+            <a:ext cx="1311910" cy="365125"/>
           </a:xfrm>
           <a:prstGeom prst="rect">
             <a:avLst/>
           </a:prstGeom>
-        </p:spPr>
-        <p:txBody>
-          <a:bodyPr vert="horz" lIns="91440" tIns="45720" rIns="91440" bIns="45720" rtlCol="0" anchor="ctr"/>
+          <a:noFill/>
+          <a:ln>
+            <a:noFill/>
+          </a:ln>
+        </p:spPr>
+        <p:txBody>
+          <a:bodyPr vert="horz" wrap="square" lIns="91440" tIns="45720" rIns="91440" bIns="45720" numCol="1" spcCol="215900" anchor="ctr">
+            <a:prstTxWarp prst="textNoShape">
+              <a:avLst/>
+            </a:prstTxWarp>
+          </a:bodyPr>
           <a:lstStyle>
             <a:lvl1pPr algn="r">
-              <a:defRPr sz="1200">
+              <a:defRPr lang="en-us" sz="1200" cap="none">
                 <a:solidFill>
                   <a:srgbClr val="FFFFFF"/>
                 </a:solidFill>
               </a:defRPr>
             </a:lvl1pPr>
+            <a:lvl2pPr>
+              <a:defRPr lang="en-us"/>
+            </a:lvl2pPr>
+            <a:lvl3pPr>
+              <a:defRPr lang="en-us"/>
+            </a:lvl3pPr>
+            <a:lvl4pPr>
+              <a:defRPr lang="en-us"/>
+            </a:lvl4pPr>
+            <a:lvl5pPr>
+              <a:defRPr lang="en-us"/>
+            </a:lvl5pPr>
+            <a:lvl6pPr>
+              <a:defRPr lang="en-us"/>
+            </a:lvl6pPr>
+            <a:lvl7pPr>
+              <a:defRPr lang="en-us"/>
+            </a:lvl7pPr>
+            <a:lvl8pPr>
+              <a:defRPr lang="en-us"/>
+            </a:lvl8pPr>
+            <a:lvl9pPr>
+              <a:defRPr lang="en-us"/>
+            </a:lvl9pPr>
           </a:lstStyle>
           <a:p>
-            <a:fld id="{4FAB73BC-B049-4115-A692-8D63A059BFB8}" type="slidenum">
-              <a:rPr lang="en-US" smtClean="0"/>
-              <a:pPr/>
-              <a:t>‹#›</a:t>
+            <a:pPr>
+              <a:defRPr lang="en-us"/>
+            </a:pPr>
+            <a:fld id="{24518115-5BC9-0477-87E9-AD22CFA771F8}" type="slidenum">
+              <a:t/>
             </a:fld>
-            <a:endParaRPr lang="en-US" dirty="0"/>
-          </a:p>
-        </p:txBody>
-      </p:sp>
-      <p:cxnSp>
-        <p:nvCxnSpPr>
-          <p:cNvPr id="10" name="Straight Connector 9"/>
-          <p:cNvCxnSpPr/>
+          </a:p>
+        </p:txBody>
+      </p:sp>
+      <p:sp>
+        <p:nvSpPr>
+          <p:cNvPr id="9" name="Straight Connector 9"/>
+          <p:cNvSpPr>
+            <a:extLst>
+              <a:ext uri="smNativeData">
+                <pr:smNativeData xmlns:pr="smNativeData" xmlns="smNativeData" val="SMDATA_15_OjGNYRMAAAAlAAAACgAAAA0AAAAAkAAAAEgAAACQAAAASAAAAAAAAAAAAAAAAAAAAAEAAABQAAAAAAAAAAAA4D8AAAAAAADgPwAAAAAAAOA/AAAAAAAA4D8AAAAAAADgPwAAAAAAAOA/AAAAAAAA4D8AAAAAAADgPwAAAAAAAOA/AAAAAAAA4D8CAAAAjAAAAAAAAAAAAAAA////AP///wgAAAAAAAAAAAAAAAAAAAAAAAAAAAAAAAAAAAAAeAAAAAEAAABAAAAAAAAAAAAAAABaAAAAAAAAAAAAAAAAAAAAAAAAAAAAAAAAAAAAAAAAAAAAAAAAAAAAAAAAAAAAAAAAAAAAAAAAAAAAAAAAAAAAAAAAAAAAAAAAAAAAFAAAADwAAAABAAAAAAAAAH9/fwAKAAAAAQAAABQAAAAUAAAAFAAAAAEAAAAAAAAAZAAAAGQAAAAAAAAAZAAAAGQAAAAVAAAAYAAAAAAAAAAAAAAADwAAACADAAAAAAAAAAAAAAEAAACgMgAAVgcAAKr4//8BAAAAf39/AAEAAABkAAAAAAAAABQAAABAHwAAAAAAACYAAAAAAAAAwOD//wAAAAAmAAAAZAAAABYAAABMAAAAAAAAAAAAAAAEAAAAAAAAAAEAAADZ4OYKAAAAACgAAAAoAAAAZAAAAGQAAAAAAAAAzMzMAAAAAABQAAAAUAAAAGQAAABkAAAAAAAAABcAAAAUAAAAAAAAAAAAAAD/fwAA/38AAAAAAAAJAAAABAAAAAAAAAAeAAAAaAAAAAAAAAAAAAAAAAAAAAAAAAAAAAAAECcAABAnAAAAAAAAAAAAAAAAAAAAAAAAAAAAAAAAAAAAAAAAAAAAABQAAAAAAAAAwMD/AAAAAABkAAAAMgAAAAAAAABkAAAAAAAAAH9/fwAKAAAAIgAAABgAAAAAAAAAAAAAAAAAAAAAAAAAAAAAAAAAAAAkAAAAJAAAAAAAAAAHAAAAAAAAAAAAAAAAAAAAAAAAAAAAAAAAAAAAf39/ACUAAABYAAAAAAAAAAAAAAAAAAAAAAAAAAAAAAAAAAAAAAAAAAAAAAAAAAAAAAAAAAAAAAA/AAAAAAAAAKCGAQAAAAAAAAAAAAAAAAAMAAAAAQAAAAAAAAAAAAAAAAAAAB8AAABUAAAA////AAAAAAEAAAAAAAAAAAAAAAAAAAAAAAAAAAAAAAAAAAAAAAAAAH9/fwB/f38AAAAAA8zMzADAwP8Af39/AAAAAAAAAAAAAAAAAAAAAAAAAAAAIQAAABgAAAAUAAAAWAcAALEKAACoRAAAsQoAABAAAAAmAAAACAAAAP//////////"/>
+              </a:ext>
+            </a:extLst>
+          </p:cNvSpPr>
           <p:nvPr/>
-        </p:nvCxnSpPr>
-        <p:spPr>
-          <a:xfrm>
-            <a:off x="1193532" y="1737845"/>
+        </p:nvSpPr>
+        <p:spPr>
+          <a:xfrm>
+            <a:off x="1193800" y="1737995"/>
             <a:ext cx="9966960" cy="0"/>
           </a:xfrm>
           <a:prstGeom prst="line">
             <a:avLst/>
           </a:prstGeom>
-          <a:ln w="6350">
+          <a:noFill/>
+          <a:ln w="6350" cap="flat" cmpd="sng" algn="ctr">
             <a:solidFill>
-              <a:schemeClr val="tx1">
-                <a:lumMod val="50000"/>
-                <a:lumOff val="50000"/>
-              </a:schemeClr>
+              <a:srgbClr val="7F7F7F"/>
             </a:solidFill>
+            <a:prstDash val="solid"/>
+            <a:headEnd type="none"/>
+            <a:tailEnd type="none"/>
           </a:ln>
-        </p:spPr>
-        <p:style>
-          <a:lnRef idx="1">
-            <a:schemeClr val="accent1"/>
-          </a:lnRef>
-          <a:fillRef idx="0">
-            <a:schemeClr val="accent1"/>
-          </a:fillRef>
-          <a:effectRef idx="0">
-            <a:schemeClr val="accent1"/>
-          </a:effectRef>
-          <a:fontRef idx="minor">
-            <a:schemeClr val="tx1"/>
-          </a:fontRef>
-        </p:style>
-      </p:cxnSp>
+          <a:effectLst/>
+        </p:spPr>
+      </p:sp>
       <p:pic>
         <p:nvPicPr>
-          <p:cNvPr id="12" name="Picture 11"/>
+          <p:cNvPr id="10" name="Picture 11"/>
           <p:cNvPicPr>
             <a:picLocks noChangeAspect="1"/>
+            <a:extLst>
+              <a:ext uri="smNativeData">
+                <pr:smNativeData xmlns:pr="smNativeData" xmlns="smNativeData" val="SMDATA_17_OjGNYRMAAAAlAAAAEQAAAC0AAAAAkAAAAEgAAACQAAAASAAAAAAAAAAAAAAAAAAAAAEAAABQAAAAAAAAAAAA4D8AAAAAAADgPwAAAAAAAOA/AAAAAAAA4D8AAAAAAADgPwAAAAAAAOA/AAAAAAAA4D8AAAAAAADgPwAAAAAAAOA/AAAAAAAA4D8CAAAAjAAAAAAAAAAAAAAAHK3kDP///wgAAAAAAAAAAAAAAAAAAAAAAAAAAAAAAAAAAAAAZAAAAAEAAABAAAAAAAAAAAAAAAAAAAAAAAAAAAAAAAAAAAAAAAAAAAAAAAAAAAAAAAAAAAAAAAAAAAAAAAAAAAAAAAAAAAAAAAAAAAAAAAAAAAAAAAAAAAAAAAAAAAAAFAAAADwAAAAAAAAAAAAAAAAAAAkUAAAAAQAAABQAAAAUAAAAFAAAAAEAAAAAAAAAZAAAAGQAAAAAAAAAZAAAAGQAAAAVAAAAYAAAAAAAAAAAAAAADwAAACADAAAAAAAAAAAAAAEAAACgMgAAVgcAAKr4//8BAAAAf39/AAEAAABkAAAAAAAAABQAAABAHwAAAAAAACYAAAAAAAAAwOD//wAAAAAmAAAAZAAAABYAAABMAAAAAAAAAAAAAAAEAAAAAAAAAAEAAADZ4OYKAAAAACgAAAAoAAAAZAAAAGQAAAAAAAAAzMzMAAAAAABQAAAAUAAAAGQAAABkAAAAAAAAAAcAAAA4AAAAAAAAAAAAAAAAAAAA////AAAAAAAAAAAASwQAANIGAAAAAAAAYw0AAAAAAABkAAAAZAAAAAAAAAAjAAAABAAAAGQAAAAXAAAAFAAAAAAAAAAAAAAA/38AAP9/AAAAAAAACQAAAAQAAAAAAAAAHgAAAGgAAAAAAAAAAAAAAAAAAAAAAAAAAAAAABAnAAAQJwAAAAAAAAAAAAAAAAAAAAAAAAAAAAAAAAAAAAAAAAAAAAAUAAAAAAAAAMDA/wAAAAAAZAAAADIAAAAAAAAAZAAAAAAAAAB/f38ACgAAACIAAAAYAAAAAAAAAAAAAAAAAAAAAAAAAAAAAAAAAAAAJAAAACQAAAAAAAAABwAAAAAAAAAAAAAAAAAAAAAAAAAAAAAAAAAAAH9/fwAlAAAAWAAAAAAAAAAAAAAAAAAAAAAAAAAAAAAAAAAAAAAAAAAAAAAAAAAAAAAAAAAAAAAAPwAAAAAAAACghgEAAAAAAAAAAAAAAAAADAAAAAEAAAAAAAAAAAAAAAAAAAAfAAAAVAAAAAAAAAUAAAABAAAAAAAAAAAAAAAAAAAAAAAAAAAAAAAAAAAAAAAAAAAAAAACf39/AAAAAAPMzMwAwMD/AH9/fwAAAAAAAAAAAAAAAAD///8AAAAAACEAAAAYAAAAFAAAAL0+AACeJwAAg0oAAPIpAAAQAAAAJgAAAAgAAAD//////////w=="/>
+              </a:ext>
+            </a:extLst>
           </p:cNvPicPr>
-          <p:nvPr userDrawn="1"/>
+          <p:nvPr/>
         </p:nvPicPr>
-        <p:blipFill rotWithShape="1">
-          <a:blip r:embed="rId13">
-            <a:extLst>
-              <a:ext uri="{28A0092B-C50C-407E-A947-70E740481C1C}">
-                <a14:useLocalDpi xmlns:a14="http://schemas.microsoft.com/office/drawing/2010/main" val="0"/>
-              </a:ext>
-            </a:extLst>
-          </a:blip>
-          <a:srcRect l="10991" t="17465" b="34266"/>
-          <a:stretch/>
+        <p:blipFill>
+          <a:blip r:embed="rId1"/>
+          <a:srcRect l="10990" t="17460" r="0" b="34270"/>
+          <a:stretch>
+            <a:fillRect/>
+          </a:stretch>
         </p:blipFill>
         <p:spPr>
           <a:xfrm>
-            <a:off x="10198628" y="6440172"/>
-            <a:ext cx="1914104" cy="378456"/>
+            <a:off x="10198735" y="6440170"/>
+            <a:ext cx="1913890" cy="378460"/>
           </a:xfrm>
           <a:prstGeom prst="rect">
             <a:avLst/>
           </a:prstGeom>
+          <a:noFill/>
+          <a:ln>
+            <a:noFill/>
+          </a:ln>
+          <a:effectLst/>
         </p:spPr>
       </p:pic>
     </p:spTree>
   </p:cSld>
   <p:clrMap bg1="lt1" tx1="dk1" bg2="lt2" tx2="dk2" accent1="accent1" accent2="accent2" accent3="accent3" accent4="accent4" accent5="accent5" accent6="accent6" hlink="hlink" folHlink="folHlink"/>
   <p:sldLayoutIdLst>
-    <p:sldLayoutId id="2147483649" r:id="rId1"/>
-    <p:sldLayoutId id="2147483660" r:id="rId2"/>
-    <p:sldLayoutId id="2147483651" r:id="rId3"/>
-    <p:sldLayoutId id="2147483652" r:id="rId4"/>
-    <p:sldLayoutId id="2147483653" r:id="rId5"/>
-    <p:sldLayoutId id="2147483654" r:id="rId6"/>
-    <p:sldLayoutId id="2147483655" r:id="rId7"/>
-    <p:sldLayoutId id="2147483656" r:id="rId8"/>
-    <p:sldLayoutId id="2147483657" r:id="rId9"/>
-    <p:sldLayoutId id="2147483658" r:id="rId10"/>
-    <p:sldLayoutId id="2147483659" r:id="rId11"/>
+    <p:sldLayoutId id="2147483649" r:id="rId2"/>
+    <p:sldLayoutId id="2147483660" r:id="rId3"/>
+    <p:sldLayoutId id="2147483651" r:id="rId4"/>
+    <p:sldLayoutId id="2147483652" r:id="rId5"/>
+    <p:sldLayoutId id="2147483653" r:id="rId6"/>
+    <p:sldLayoutId id="2147483654" r:id="rId7"/>
+    <p:sldLayoutId id="2147483655" r:id="rId8"/>
+    <p:sldLayoutId id="2147483656" r:id="rId9"/>
+    <p:sldLayoutId id="2147483657" r:id="rId10"/>
+    <p:sldLayoutId id="2147483658" r:id="rId11"/>
+    <p:sldLayoutId id="2147483659" r:id="rId12"/>
   </p:sldLayoutIdLst>
+  <p:hf hdr="0" ftr="0"/>
   <p:txStyles>
     <p:titleStyle>
-      <a:lvl1pPr algn="l" defTabSz="914400" rtl="0" eaLnBrk="1" latinLnBrk="0" hangingPunct="1">
+      <a:lvl1pPr marL="0" marR="0" indent="0" algn="l" defTabSz="914400">
         <a:lnSpc>
           <a:spcPct val="85000"/>
         </a:lnSpc>
         <a:spcBef>
-          <a:spcPct val="0"/>
+          <a:spcPts val="0"/>
         </a:spcBef>
+        <a:spcAft>
+          <a:spcPts val="0"/>
+        </a:spcAft>
         <a:buNone/>
-        <a:defRPr sz="6000" kern="1200" spc="-50" baseline="0">
+        <a:tabLst/>
+        <a:defRPr lang="en-us" sz="6000" b="0" i="0" u="none" strike="noStrike" kern="1" cap="none" spc="-11" baseline="0">
           <a:solidFill>
-            <a:schemeClr val="tx1">
-              <a:lumMod val="75000"/>
-              <a:lumOff val="25000"/>
-            </a:schemeClr>
+            <a:srgbClr val="3F3F3F"/>
           </a:solidFill>
-          <a:latin typeface="+mj-lt"/>
-          <a:ea typeface="+mj-ea"/>
-          <a:cs typeface="+mj-cs"/>
+          <a:effectLst/>
+          <a:latin typeface="Calibri Light" pitchFamily="1" charset="0"/>
+          <a:ea typeface="Calibri Light" pitchFamily="1" charset="0"/>
+          <a:cs typeface="Calibri Light" pitchFamily="1" charset="0"/>
         </a:defRPr>
       </a:lvl1pPr>
+      <a:lvl2pPr marL="457200" marR="0" indent="0" algn="l" defTabSz="457200">
+        <a:lnSpc>
+          <a:spcPct val="100000"/>
+        </a:lnSpc>
+        <a:spcBef>
+          <a:spcPts val="0"/>
+        </a:spcBef>
+        <a:spcAft>
+          <a:spcPts val="0"/>
+        </a:spcAft>
+        <a:buNone/>
+        <a:tabLst/>
+        <a:defRPr lang="en-us" sz="1800" b="0" i="0" u="none" strike="noStrike" kern="1" cap="none" spc="0" baseline="0">
+          <a:solidFill>
+            <a:schemeClr val="tx1"/>
+          </a:solidFill>
+          <a:effectLst/>
+          <a:latin typeface="Calibri" pitchFamily="1" charset="0"/>
+          <a:ea typeface="Calibri" pitchFamily="1" charset="0"/>
+          <a:cs typeface="Calibri" pitchFamily="1" charset="0"/>
+        </a:defRPr>
+      </a:lvl2pPr>
+      <a:lvl3pPr marL="914400" marR="0" indent="0" algn="l" defTabSz="457200">
+        <a:lnSpc>
+          <a:spcPct val="100000"/>
+        </a:lnSpc>
+        <a:spcBef>
+          <a:spcPts val="0"/>
+        </a:spcBef>
+        <a:spcAft>
+          <a:spcPts val="0"/>
+        </a:spcAft>
+        <a:buNone/>
+        <a:tabLst/>
+        <a:defRPr lang="en-us" sz="1800" b="0" i="0" u="none" strike="noStrike" kern="1" cap="none" spc="0" baseline="0">
+          <a:solidFill>
+            <a:schemeClr val="tx1"/>
+          </a:solidFill>
+          <a:effectLst/>
+          <a:latin typeface="Calibri" pitchFamily="1" charset="0"/>
+          <a:ea typeface="Calibri" pitchFamily="1" charset="0"/>
+          <a:cs typeface="Calibri" pitchFamily="1" charset="0"/>
+        </a:defRPr>
+      </a:lvl3pPr>
+      <a:lvl4pPr marL="1371600" marR="0" indent="0" algn="l" defTabSz="457200">
+        <a:lnSpc>
+          <a:spcPct val="100000"/>
+        </a:lnSpc>
+        <a:spcBef>
+          <a:spcPts val="0"/>
+        </a:spcBef>
+        <a:spcAft>
+          <a:spcPts val="0"/>
+        </a:spcAft>
+        <a:buNone/>
+        <a:tabLst/>
+        <a:defRPr lang="en-us" sz="1800" b="0" i="0" u="none" strike="noStrike" kern="1" cap="none" spc="0" baseline="0">
+          <a:solidFill>
+            <a:schemeClr val="tx1"/>
+          </a:solidFill>
+          <a:effectLst/>
+          <a:latin typeface="Calibri" pitchFamily="1" charset="0"/>
+          <a:ea typeface="Calibri" pitchFamily="1" charset="0"/>
+          <a:cs typeface="Calibri" pitchFamily="1" charset="0"/>
+        </a:defRPr>
+      </a:lvl4pPr>
+      <a:lvl5pPr marL="1828800" marR="0" indent="0" algn="l" defTabSz="457200">
+        <a:lnSpc>
+          <a:spcPct val="100000"/>
+        </a:lnSpc>
+        <a:spcBef>
+          <a:spcPts val="0"/>
+        </a:spcBef>
+        <a:spcAft>
+          <a:spcPts val="0"/>
+        </a:spcAft>
+        <a:buNone/>
+        <a:tabLst/>
+        <a:defRPr lang="en-us" sz="1800" b="0" i="0" u="none" strike="noStrike" kern="1" cap="none" spc="0" baseline="0">
+          <a:solidFill>
+            <a:schemeClr val="tx1"/>
+          </a:solidFill>
+          <a:effectLst/>
+          <a:latin typeface="Calibri" pitchFamily="1" charset="0"/>
+          <a:ea typeface="Calibri" pitchFamily="1" charset="0"/>
+          <a:cs typeface="Calibri" pitchFamily="1" charset="0"/>
+        </a:defRPr>
+      </a:lvl5pPr>
+      <a:lvl6pPr marL="2286000" marR="0" indent="0" algn="l" defTabSz="457200">
+        <a:lnSpc>
+          <a:spcPct val="100000"/>
+        </a:lnSpc>
+        <a:spcBef>
+          <a:spcPts val="0"/>
+        </a:spcBef>
+        <a:spcAft>
+          <a:spcPts val="0"/>
+        </a:spcAft>
+        <a:buNone/>
+        <a:tabLst/>
+        <a:defRPr lang="en-us" sz="1800" b="0" i="0" u="none" strike="noStrike" kern="1" cap="none" spc="0" baseline="0">
+          <a:solidFill>
+            <a:schemeClr val="tx1"/>
+          </a:solidFill>
+          <a:effectLst/>
+          <a:latin typeface="Calibri" pitchFamily="1" charset="0"/>
+          <a:ea typeface="Calibri" pitchFamily="1" charset="0"/>
+          <a:cs typeface="Calibri" pitchFamily="1" charset="0"/>
+        </a:defRPr>
+      </a:lvl6pPr>
+      <a:lvl7pPr marL="2743200" marR="0" indent="0" algn="l" defTabSz="457200">
+        <a:lnSpc>
+          <a:spcPct val="100000"/>
+        </a:lnSpc>
+        <a:spcBef>
+          <a:spcPts val="0"/>
+        </a:spcBef>
+        <a:spcAft>
+          <a:spcPts val="0"/>
+        </a:spcAft>
+        <a:buNone/>
+        <a:tabLst/>
+        <a:defRPr lang="en-us" sz="1800" b="0" i="0" u="none" strike="noStrike" kern="1" cap="none" spc="0" baseline="0">
+          <a:solidFill>
+            <a:schemeClr val="tx1"/>
+          </a:solidFill>
+          <a:effectLst/>
+          <a:latin typeface="Calibri" pitchFamily="1" charset="0"/>
+          <a:ea typeface="Calibri" pitchFamily="1" charset="0"/>
+          <a:cs typeface="Calibri" pitchFamily="1" charset="0"/>
+        </a:defRPr>
+      </a:lvl7pPr>
+      <a:lvl8pPr marL="3200400" marR="0" indent="0" algn="l" defTabSz="457200">
+        <a:lnSpc>
+          <a:spcPct val="100000"/>
+        </a:lnSpc>
+        <a:spcBef>
+          <a:spcPts val="0"/>
+        </a:spcBef>
+        <a:spcAft>
+          <a:spcPts val="0"/>
+        </a:spcAft>
+        <a:buNone/>
+        <a:tabLst/>
+        <a:defRPr lang="en-us" sz="1800" b="0" i="0" u="none" strike="noStrike" kern="1" cap="none" spc="0" baseline="0">
+          <a:solidFill>
+            <a:schemeClr val="tx1"/>
+          </a:solidFill>
+          <a:effectLst/>
+          <a:latin typeface="Calibri" pitchFamily="1" charset="0"/>
+          <a:ea typeface="Calibri" pitchFamily="1" charset="0"/>
+          <a:cs typeface="Calibri" pitchFamily="1" charset="0"/>
+        </a:defRPr>
+      </a:lvl8pPr>
+      <a:lvl9pPr marL="3657600" marR="0" indent="0" algn="l" defTabSz="457200">
+        <a:lnSpc>
+          <a:spcPct val="100000"/>
+        </a:lnSpc>
+        <a:spcBef>
+          <a:spcPts val="0"/>
+        </a:spcBef>
+        <a:spcAft>
+          <a:spcPts val="0"/>
+        </a:spcAft>
+        <a:buNone/>
+        <a:tabLst/>
+        <a:defRPr lang="en-us" sz="1800" b="0" i="0" u="none" strike="noStrike" kern="1" cap="none" spc="0" baseline="0">
+          <a:solidFill>
+            <a:schemeClr val="tx1"/>
+          </a:solidFill>
+          <a:effectLst/>
+          <a:latin typeface="Calibri" pitchFamily="1" charset="0"/>
+          <a:ea typeface="Calibri" pitchFamily="1" charset="0"/>
+          <a:cs typeface="Calibri" pitchFamily="1" charset="0"/>
+        </a:defRPr>
+      </a:lvl9pPr>
     </p:titleStyle>
     <p:bodyStyle>
-      <a:lvl1pPr marL="91440" indent="-91440" algn="l" defTabSz="914400" rtl="0" eaLnBrk="1" latinLnBrk="0" hangingPunct="1">
+      <a:lvl1pPr marL="91440" marR="0" indent="-91440" algn="l" defTabSz="914400">
         <a:lnSpc>
           <a:spcPct val="90000"/>
         </a:lnSpc>
@@ -3614,22 +4615,21 @@
         <a:buClr>
           <a:schemeClr val="accent1"/>
         </a:buClr>
-        <a:buSzPct val="100000"/>
-        <a:buFont typeface="Calibri" panose="020F0502020204030204" pitchFamily="34" charset="0"/>
+        <a:buSzTx/>
+        <a:buFont typeface="Calibri" pitchFamily="1" charset="0"/>
         <a:buChar char=" "/>
-        <a:defRPr sz="3200" kern="1200">
+        <a:tabLst/>
+        <a:defRPr lang="en-us" sz="3200" b="0" i="0" u="none" strike="noStrike" kern="1" cap="none" spc="0" baseline="0">
           <a:solidFill>
-            <a:schemeClr val="tx1">
-              <a:lumMod val="75000"/>
-              <a:lumOff val="25000"/>
-            </a:schemeClr>
+            <a:srgbClr val="3F3F3F"/>
           </a:solidFill>
-          <a:latin typeface="+mn-lt"/>
-          <a:ea typeface="+mn-ea"/>
-          <a:cs typeface="+mn-cs"/>
+          <a:effectLst/>
+          <a:latin typeface="Calibri" pitchFamily="1" charset="0"/>
+          <a:ea typeface="Calibri" pitchFamily="1" charset="0"/>
+          <a:cs typeface="Calibri" pitchFamily="1" charset="0"/>
         </a:defRPr>
       </a:lvl1pPr>
-      <a:lvl2pPr marL="384048" indent="-182880" algn="l" defTabSz="914400" rtl="0" eaLnBrk="1" latinLnBrk="0" hangingPunct="1">
+      <a:lvl2pPr marL="384175" marR="0" indent="-182880" algn="l" defTabSz="914400">
         <a:lnSpc>
           <a:spcPct val="90000"/>
         </a:lnSpc>
@@ -3642,21 +4642,21 @@
         <a:buClr>
           <a:schemeClr val="accent1"/>
         </a:buClr>
-        <a:buFont typeface="Calibri" pitchFamily="34" charset="0"/>
+        <a:buSzTx/>
+        <a:buFont typeface="Calibri" pitchFamily="1" charset="0"/>
         <a:buChar char="◦"/>
-        <a:defRPr sz="2800" kern="1200">
+        <a:tabLst/>
+        <a:defRPr lang="en-us" sz="2800" b="0" i="0" u="none" strike="noStrike" kern="1" cap="none" spc="0" baseline="0">
           <a:solidFill>
-            <a:schemeClr val="tx1">
-              <a:lumMod val="75000"/>
-              <a:lumOff val="25000"/>
-            </a:schemeClr>
+            <a:srgbClr val="3F3F3F"/>
           </a:solidFill>
-          <a:latin typeface="+mn-lt"/>
-          <a:ea typeface="+mn-ea"/>
-          <a:cs typeface="+mn-cs"/>
+          <a:effectLst/>
+          <a:latin typeface="Calibri" pitchFamily="1" charset="0"/>
+          <a:ea typeface="Calibri" pitchFamily="1" charset="0"/>
+          <a:cs typeface="Calibri" pitchFamily="1" charset="0"/>
         </a:defRPr>
       </a:lvl2pPr>
-      <a:lvl3pPr marL="566928" indent="-182880" algn="l" defTabSz="914400" rtl="0" eaLnBrk="1" latinLnBrk="0" hangingPunct="1">
+      <a:lvl3pPr marL="567055" marR="0" indent="-182880" algn="l" defTabSz="914400">
         <a:lnSpc>
           <a:spcPct val="90000"/>
         </a:lnSpc>
@@ -3669,21 +4669,21 @@
         <a:buClr>
           <a:schemeClr val="accent1"/>
         </a:buClr>
-        <a:buFont typeface="Calibri" pitchFamily="34" charset="0"/>
+        <a:buSzTx/>
+        <a:buFont typeface="Calibri" pitchFamily="1" charset="0"/>
         <a:buChar char="◦"/>
-        <a:defRPr sz="2000" kern="1200">
+        <a:tabLst/>
+        <a:defRPr lang="en-us" sz="2000" b="0" i="0" u="none" strike="noStrike" kern="1" cap="none" spc="0" baseline="0">
           <a:solidFill>
-            <a:schemeClr val="tx1">
-              <a:lumMod val="75000"/>
-              <a:lumOff val="25000"/>
-            </a:schemeClr>
+            <a:srgbClr val="3F3F3F"/>
           </a:solidFill>
-          <a:latin typeface="+mn-lt"/>
-          <a:ea typeface="+mn-ea"/>
-          <a:cs typeface="+mn-cs"/>
+          <a:effectLst/>
+          <a:latin typeface="Calibri" pitchFamily="1" charset="0"/>
+          <a:ea typeface="Calibri" pitchFamily="1" charset="0"/>
+          <a:cs typeface="Calibri" pitchFamily="1" charset="0"/>
         </a:defRPr>
       </a:lvl3pPr>
-      <a:lvl4pPr marL="749808" indent="-182880" algn="l" defTabSz="914400" rtl="0" eaLnBrk="1" latinLnBrk="0" hangingPunct="1">
+      <a:lvl4pPr marL="749935" marR="0" indent="-182880" algn="l" defTabSz="914400">
         <a:lnSpc>
           <a:spcPct val="90000"/>
         </a:lnSpc>
@@ -3696,21 +4696,21 @@
         <a:buClr>
           <a:schemeClr val="accent1"/>
         </a:buClr>
-        <a:buFont typeface="Calibri" pitchFamily="34" charset="0"/>
+        <a:buSzTx/>
+        <a:buFont typeface="Calibri" pitchFamily="1" charset="0"/>
         <a:buChar char="◦"/>
-        <a:defRPr sz="2000" kern="1200">
+        <a:tabLst/>
+        <a:defRPr lang="en-us" sz="2000" b="0" i="0" u="none" strike="noStrike" kern="1" cap="none" spc="0" baseline="0">
           <a:solidFill>
-            <a:schemeClr val="tx1">
-              <a:lumMod val="75000"/>
-              <a:lumOff val="25000"/>
-            </a:schemeClr>
+            <a:srgbClr val="3F3F3F"/>
           </a:solidFill>
-          <a:latin typeface="+mn-lt"/>
-          <a:ea typeface="+mn-ea"/>
-          <a:cs typeface="+mn-cs"/>
+          <a:effectLst/>
+          <a:latin typeface="Calibri" pitchFamily="1" charset="0"/>
+          <a:ea typeface="Calibri" pitchFamily="1" charset="0"/>
+          <a:cs typeface="Calibri" pitchFamily="1" charset="0"/>
         </a:defRPr>
       </a:lvl4pPr>
-      <a:lvl5pPr marL="932688" indent="-182880" algn="l" defTabSz="914400" rtl="0" eaLnBrk="1" latinLnBrk="0" hangingPunct="1">
+      <a:lvl5pPr marL="932815" marR="0" indent="-182880" algn="l" defTabSz="914400">
         <a:lnSpc>
           <a:spcPct val="90000"/>
         </a:lnSpc>
@@ -3723,21 +4723,21 @@
         <a:buClr>
           <a:schemeClr val="accent1"/>
         </a:buClr>
-        <a:buFont typeface="Calibri" pitchFamily="34" charset="0"/>
+        <a:buSzTx/>
+        <a:buFont typeface="Calibri" pitchFamily="1" charset="0"/>
         <a:buChar char="◦"/>
-        <a:defRPr sz="2000" kern="1200">
+        <a:tabLst/>
+        <a:defRPr lang="en-us" sz="2000" b="0" i="0" u="none" strike="noStrike" kern="1" cap="none" spc="0" baseline="0">
           <a:solidFill>
-            <a:schemeClr val="tx1">
-              <a:lumMod val="75000"/>
-              <a:lumOff val="25000"/>
-            </a:schemeClr>
+            <a:srgbClr val="3F3F3F"/>
           </a:solidFill>
-          <a:latin typeface="+mn-lt"/>
-          <a:ea typeface="+mn-ea"/>
-          <a:cs typeface="+mn-cs"/>
+          <a:effectLst/>
+          <a:latin typeface="Calibri" pitchFamily="1" charset="0"/>
+          <a:ea typeface="Calibri" pitchFamily="1" charset="0"/>
+          <a:cs typeface="Calibri" pitchFamily="1" charset="0"/>
         </a:defRPr>
       </a:lvl5pPr>
-      <a:lvl6pPr marL="1100000" indent="-228600" algn="l" defTabSz="914400" rtl="0" eaLnBrk="1" latinLnBrk="0" hangingPunct="1">
+      <a:lvl6pPr marL="1099820" marR="0" indent="-228600" algn="l" defTabSz="914400">
         <a:lnSpc>
           <a:spcPct val="90000"/>
         </a:lnSpc>
@@ -3750,21 +4750,21 @@
         <a:buClr>
           <a:schemeClr val="accent1"/>
         </a:buClr>
-        <a:buFont typeface="Calibri" pitchFamily="34" charset="0"/>
+        <a:buSzTx/>
+        <a:buFont typeface="Calibri" pitchFamily="1" charset="0"/>
         <a:buChar char="◦"/>
-        <a:defRPr sz="1400" kern="1200">
+        <a:tabLst/>
+        <a:defRPr lang="en-us" sz="1400" b="0" i="0" u="none" strike="noStrike" kern="1" cap="none" spc="0" baseline="0">
           <a:solidFill>
-            <a:schemeClr val="tx1">
-              <a:lumMod val="75000"/>
-              <a:lumOff val="25000"/>
-            </a:schemeClr>
+            <a:srgbClr val="3F3F3F"/>
           </a:solidFill>
-          <a:latin typeface="+mn-lt"/>
-          <a:ea typeface="+mn-ea"/>
-          <a:cs typeface="+mn-cs"/>
+          <a:effectLst/>
+          <a:latin typeface="Calibri" pitchFamily="1" charset="0"/>
+          <a:ea typeface="Calibri" pitchFamily="1" charset="0"/>
+          <a:cs typeface="Calibri" pitchFamily="1" charset="0"/>
         </a:defRPr>
       </a:lvl6pPr>
-      <a:lvl7pPr marL="1300000" indent="-228600" algn="l" defTabSz="914400" rtl="0" eaLnBrk="1" latinLnBrk="0" hangingPunct="1">
+      <a:lvl7pPr marL="1299845" marR="0" indent="-228600" algn="l" defTabSz="914400">
         <a:lnSpc>
           <a:spcPct val="90000"/>
         </a:lnSpc>
@@ -3777,21 +4777,21 @@
         <a:buClr>
           <a:schemeClr val="accent1"/>
         </a:buClr>
-        <a:buFont typeface="Calibri" pitchFamily="34" charset="0"/>
+        <a:buSzTx/>
+        <a:buFont typeface="Calibri" pitchFamily="1" charset="0"/>
         <a:buChar char="◦"/>
-        <a:defRPr sz="1400" kern="1200">
+        <a:tabLst/>
+        <a:defRPr lang="en-us" sz="1400" b="0" i="0" u="none" strike="noStrike" kern="1" cap="none" spc="0" baseline="0">
           <a:solidFill>
-            <a:schemeClr val="tx1">
-              <a:lumMod val="75000"/>
-              <a:lumOff val="25000"/>
-            </a:schemeClr>
+            <a:srgbClr val="3F3F3F"/>
           </a:solidFill>
-          <a:latin typeface="+mn-lt"/>
-          <a:ea typeface="+mn-ea"/>
-          <a:cs typeface="+mn-cs"/>
+          <a:effectLst/>
+          <a:latin typeface="Calibri" pitchFamily="1" charset="0"/>
+          <a:ea typeface="Calibri" pitchFamily="1" charset="0"/>
+          <a:cs typeface="Calibri" pitchFamily="1" charset="0"/>
         </a:defRPr>
       </a:lvl7pPr>
-      <a:lvl8pPr marL="1500000" indent="-228600" algn="l" defTabSz="914400" rtl="0" eaLnBrk="1" latinLnBrk="0" hangingPunct="1">
+      <a:lvl8pPr marL="1499870" marR="0" indent="-228600" algn="l" defTabSz="914400">
         <a:lnSpc>
           <a:spcPct val="90000"/>
         </a:lnSpc>
@@ -3804,21 +4804,21 @@
         <a:buClr>
           <a:schemeClr val="accent1"/>
         </a:buClr>
-        <a:buFont typeface="Calibri" pitchFamily="34" charset="0"/>
+        <a:buSzTx/>
+        <a:buFont typeface="Calibri" pitchFamily="1" charset="0"/>
         <a:buChar char="◦"/>
-        <a:defRPr sz="1400" kern="1200">
+        <a:tabLst/>
+        <a:defRPr lang="en-us" sz="1400" b="0" i="0" u="none" strike="noStrike" kern="1" cap="none" spc="0" baseline="0">
           <a:solidFill>
-            <a:schemeClr val="tx1">
-              <a:lumMod val="75000"/>
-              <a:lumOff val="25000"/>
-            </a:schemeClr>
+            <a:srgbClr val="3F3F3F"/>
           </a:solidFill>
-          <a:latin typeface="+mn-lt"/>
-          <a:ea typeface="+mn-ea"/>
-          <a:cs typeface="+mn-cs"/>
+          <a:effectLst/>
+          <a:latin typeface="Calibri" pitchFamily="1" charset="0"/>
+          <a:ea typeface="Calibri" pitchFamily="1" charset="0"/>
+          <a:cs typeface="Calibri" pitchFamily="1" charset="0"/>
         </a:defRPr>
       </a:lvl8pPr>
-      <a:lvl9pPr marL="1700000" indent="-228600" algn="l" defTabSz="914400" rtl="0" eaLnBrk="1" latinLnBrk="0" hangingPunct="1">
+      <a:lvl9pPr marL="1699895" marR="0" indent="-228600" algn="l" defTabSz="914400">
         <a:lnSpc>
           <a:spcPct val="90000"/>
         </a:lnSpc>
@@ -3831,113 +4831,218 @@
         <a:buClr>
           <a:schemeClr val="accent1"/>
         </a:buClr>
-        <a:buFont typeface="Calibri" pitchFamily="34" charset="0"/>
+        <a:buSzTx/>
+        <a:buFont typeface="Calibri" pitchFamily="1" charset="0"/>
         <a:buChar char="◦"/>
-        <a:defRPr sz="1400" kern="1200">
+        <a:tabLst/>
+        <a:defRPr lang="en-us" sz="1400" b="0" i="0" u="none" strike="noStrike" kern="1" cap="none" spc="0" baseline="0">
           <a:solidFill>
-            <a:schemeClr val="tx1">
-              <a:lumMod val="75000"/>
-              <a:lumOff val="25000"/>
-            </a:schemeClr>
+            <a:srgbClr val="3F3F3F"/>
           </a:solidFill>
-          <a:latin typeface="+mn-lt"/>
-          <a:ea typeface="+mn-ea"/>
-          <a:cs typeface="+mn-cs"/>
+          <a:effectLst/>
+          <a:latin typeface="Calibri" pitchFamily="1" charset="0"/>
+          <a:ea typeface="Calibri" pitchFamily="1" charset="0"/>
+          <a:cs typeface="Calibri" pitchFamily="1" charset="0"/>
         </a:defRPr>
       </a:lvl9pPr>
     </p:bodyStyle>
     <p:otherStyle>
-      <a:defPPr>
-        <a:defRPr lang="en-US"/>
-      </a:defPPr>
-      <a:lvl1pPr marL="0" algn="l" defTabSz="914400" rtl="0" eaLnBrk="1" latinLnBrk="0" hangingPunct="1">
-        <a:defRPr sz="1800" kern="1200">
+      <a:lvl1pPr marL="0" marR="0" indent="0" algn="l" defTabSz="914400">
+        <a:lnSpc>
+          <a:spcPct val="100000"/>
+        </a:lnSpc>
+        <a:spcBef>
+          <a:spcPts val="0"/>
+        </a:spcBef>
+        <a:spcAft>
+          <a:spcPts val="0"/>
+        </a:spcAft>
+        <a:buNone/>
+        <a:tabLst/>
+        <a:defRPr lang="en-us" sz="1800" b="0" i="0" u="none" strike="noStrike" kern="1" cap="none" spc="0" baseline="0">
           <a:solidFill>
             <a:schemeClr val="tx1"/>
           </a:solidFill>
-          <a:latin typeface="+mn-lt"/>
-          <a:ea typeface="+mn-ea"/>
-          <a:cs typeface="+mn-cs"/>
+          <a:effectLst/>
+          <a:latin typeface="Calibri" pitchFamily="1" charset="0"/>
+          <a:ea typeface="Calibri" pitchFamily="1" charset="0"/>
+          <a:cs typeface="Calibri" pitchFamily="1" charset="0"/>
         </a:defRPr>
       </a:lvl1pPr>
-      <a:lvl2pPr marL="457200" algn="l" defTabSz="914400" rtl="0" eaLnBrk="1" latinLnBrk="0" hangingPunct="1">
-        <a:defRPr sz="1800" kern="1200">
+      <a:lvl2pPr marL="457200" marR="0" indent="0" algn="l" defTabSz="914400">
+        <a:lnSpc>
+          <a:spcPct val="100000"/>
+        </a:lnSpc>
+        <a:spcBef>
+          <a:spcPts val="0"/>
+        </a:spcBef>
+        <a:spcAft>
+          <a:spcPts val="0"/>
+        </a:spcAft>
+        <a:buNone/>
+        <a:tabLst/>
+        <a:defRPr lang="en-us" sz="1800" b="0" i="0" u="none" strike="noStrike" kern="1" cap="none" spc="0" baseline="0">
           <a:solidFill>
             <a:schemeClr val="tx1"/>
           </a:solidFill>
-          <a:latin typeface="+mn-lt"/>
-          <a:ea typeface="+mn-ea"/>
-          <a:cs typeface="+mn-cs"/>
+          <a:effectLst/>
+          <a:latin typeface="Calibri" pitchFamily="1" charset="0"/>
+          <a:ea typeface="Calibri" pitchFamily="1" charset="0"/>
+          <a:cs typeface="Calibri" pitchFamily="1" charset="0"/>
         </a:defRPr>
       </a:lvl2pPr>
-      <a:lvl3pPr marL="914400" algn="l" defTabSz="914400" rtl="0" eaLnBrk="1" latinLnBrk="0" hangingPunct="1">
-        <a:defRPr sz="1800" kern="1200">
+      <a:lvl3pPr marL="914400" marR="0" indent="0" algn="l" defTabSz="914400">
+        <a:lnSpc>
+          <a:spcPct val="100000"/>
+        </a:lnSpc>
+        <a:spcBef>
+          <a:spcPts val="0"/>
+        </a:spcBef>
+        <a:spcAft>
+          <a:spcPts val="0"/>
+        </a:spcAft>
+        <a:buNone/>
+        <a:tabLst/>
+        <a:defRPr lang="en-us" sz="1800" b="0" i="0" u="none" strike="noStrike" kern="1" cap="none" spc="0" baseline="0">
           <a:solidFill>
             <a:schemeClr val="tx1"/>
           </a:solidFill>
-          <a:latin typeface="+mn-lt"/>
-          <a:ea typeface="+mn-ea"/>
-          <a:cs typeface="+mn-cs"/>
+          <a:effectLst/>
+          <a:latin typeface="Calibri" pitchFamily="1" charset="0"/>
+          <a:ea typeface="Calibri" pitchFamily="1" charset="0"/>
+          <a:cs typeface="Calibri" pitchFamily="1" charset="0"/>
         </a:defRPr>
       </a:lvl3pPr>
-      <a:lvl4pPr marL="1371600" algn="l" defTabSz="914400" rtl="0" eaLnBrk="1" latinLnBrk="0" hangingPunct="1">
-        <a:defRPr sz="1800" kern="1200">
+      <a:lvl4pPr marL="1371600" marR="0" indent="0" algn="l" defTabSz="914400">
+        <a:lnSpc>
+          <a:spcPct val="100000"/>
+        </a:lnSpc>
+        <a:spcBef>
+          <a:spcPts val="0"/>
+        </a:spcBef>
+        <a:spcAft>
+          <a:spcPts val="0"/>
+        </a:spcAft>
+        <a:buNone/>
+        <a:tabLst/>
+        <a:defRPr lang="en-us" sz="1800" b="0" i="0" u="none" strike="noStrike" kern="1" cap="none" spc="0" baseline="0">
           <a:solidFill>
             <a:schemeClr val="tx1"/>
           </a:solidFill>
-          <a:latin typeface="+mn-lt"/>
-          <a:ea typeface="+mn-ea"/>
-          <a:cs typeface="+mn-cs"/>
+          <a:effectLst/>
+          <a:latin typeface="Calibri" pitchFamily="1" charset="0"/>
+          <a:ea typeface="Calibri" pitchFamily="1" charset="0"/>
+          <a:cs typeface="Calibri" pitchFamily="1" charset="0"/>
         </a:defRPr>
       </a:lvl4pPr>
-      <a:lvl5pPr marL="1828800" algn="l" defTabSz="914400" rtl="0" eaLnBrk="1" latinLnBrk="0" hangingPunct="1">
-        <a:defRPr sz="1800" kern="1200">
+      <a:lvl5pPr marL="1828800" marR="0" indent="0" algn="l" defTabSz="914400">
+        <a:lnSpc>
+          <a:spcPct val="100000"/>
+        </a:lnSpc>
+        <a:spcBef>
+          <a:spcPts val="0"/>
+        </a:spcBef>
+        <a:spcAft>
+          <a:spcPts val="0"/>
+        </a:spcAft>
+        <a:buNone/>
+        <a:tabLst/>
+        <a:defRPr lang="en-us" sz="1800" b="0" i="0" u="none" strike="noStrike" kern="1" cap="none" spc="0" baseline="0">
           <a:solidFill>
             <a:schemeClr val="tx1"/>
           </a:solidFill>
-          <a:latin typeface="+mn-lt"/>
-          <a:ea typeface="+mn-ea"/>
-          <a:cs typeface="+mn-cs"/>
+          <a:effectLst/>
+          <a:latin typeface="Calibri" pitchFamily="1" charset="0"/>
+          <a:ea typeface="Calibri" pitchFamily="1" charset="0"/>
+          <a:cs typeface="Calibri" pitchFamily="1" charset="0"/>
         </a:defRPr>
       </a:lvl5pPr>
-      <a:lvl6pPr marL="2286000" algn="l" defTabSz="914400" rtl="0" eaLnBrk="1" latinLnBrk="0" hangingPunct="1">
-        <a:defRPr sz="1800" kern="1200">
+      <a:lvl6pPr marL="2286000" marR="0" indent="0" algn="l" defTabSz="914400">
+        <a:lnSpc>
+          <a:spcPct val="100000"/>
+        </a:lnSpc>
+        <a:spcBef>
+          <a:spcPts val="0"/>
+        </a:spcBef>
+        <a:spcAft>
+          <a:spcPts val="0"/>
+        </a:spcAft>
+        <a:buNone/>
+        <a:tabLst/>
+        <a:defRPr lang="en-us" sz="1800" b="0" i="0" u="none" strike="noStrike" kern="1" cap="none" spc="0" baseline="0">
           <a:solidFill>
             <a:schemeClr val="tx1"/>
           </a:solidFill>
-          <a:latin typeface="+mn-lt"/>
-          <a:ea typeface="+mn-ea"/>
-          <a:cs typeface="+mn-cs"/>
+          <a:effectLst/>
+          <a:latin typeface="Calibri" pitchFamily="1" charset="0"/>
+          <a:ea typeface="Calibri" pitchFamily="1" charset="0"/>
+          <a:cs typeface="Calibri" pitchFamily="1" charset="0"/>
         </a:defRPr>
       </a:lvl6pPr>
-      <a:lvl7pPr marL="2743200" algn="l" defTabSz="914400" rtl="0" eaLnBrk="1" latinLnBrk="0" hangingPunct="1">
-        <a:defRPr sz="1800" kern="1200">
+      <a:lvl7pPr marL="2743200" marR="0" indent="0" algn="l" defTabSz="914400">
+        <a:lnSpc>
+          <a:spcPct val="100000"/>
+        </a:lnSpc>
+        <a:spcBef>
+          <a:spcPts val="0"/>
+        </a:spcBef>
+        <a:spcAft>
+          <a:spcPts val="0"/>
+        </a:spcAft>
+        <a:buNone/>
+        <a:tabLst/>
+        <a:defRPr lang="en-us" sz="1800" b="0" i="0" u="none" strike="noStrike" kern="1" cap="none" spc="0" baseline="0">
           <a:solidFill>
             <a:schemeClr val="tx1"/>
           </a:solidFill>
-          <a:latin typeface="+mn-lt"/>
-          <a:ea typeface="+mn-ea"/>
-          <a:cs typeface="+mn-cs"/>
+          <a:effectLst/>
+          <a:latin typeface="Calibri" pitchFamily="1" charset="0"/>
+          <a:ea typeface="Calibri" pitchFamily="1" charset="0"/>
+          <a:cs typeface="Calibri" pitchFamily="1" charset="0"/>
         </a:defRPr>
       </a:lvl7pPr>
-      <a:lvl8pPr marL="3200400" algn="l" defTabSz="914400" rtl="0" eaLnBrk="1" latinLnBrk="0" hangingPunct="1">
-        <a:defRPr sz="1800" kern="1200">
+      <a:lvl8pPr marL="3200400" marR="0" indent="0" algn="l" defTabSz="914400">
+        <a:lnSpc>
+          <a:spcPct val="100000"/>
+        </a:lnSpc>
+        <a:spcBef>
+          <a:spcPts val="0"/>
+        </a:spcBef>
+        <a:spcAft>
+          <a:spcPts val="0"/>
+        </a:spcAft>
+        <a:buNone/>
+        <a:tabLst/>
+        <a:defRPr lang="en-us" sz="1800" b="0" i="0" u="none" strike="noStrike" kern="1" cap="none" spc="0" baseline="0">
           <a:solidFill>
             <a:schemeClr val="tx1"/>
           </a:solidFill>
-          <a:latin typeface="+mn-lt"/>
-          <a:ea typeface="+mn-ea"/>
-          <a:cs typeface="+mn-cs"/>
+          <a:effectLst/>
+          <a:latin typeface="Calibri" pitchFamily="1" charset="0"/>
+          <a:ea typeface="Calibri" pitchFamily="1" charset="0"/>
+          <a:cs typeface="Calibri" pitchFamily="1" charset="0"/>
         </a:defRPr>
       </a:lvl8pPr>
-      <a:lvl9pPr marL="3657600" algn="l" defTabSz="914400" rtl="0" eaLnBrk="1" latinLnBrk="0" hangingPunct="1">
-        <a:defRPr sz="1800" kern="1200">
+      <a:lvl9pPr marL="3657600" marR="0" indent="0" algn="l" defTabSz="914400">
+        <a:lnSpc>
+          <a:spcPct val="100000"/>
+        </a:lnSpc>
+        <a:spcBef>
+          <a:spcPts val="0"/>
+        </a:spcBef>
+        <a:spcAft>
+          <a:spcPts val="0"/>
+        </a:spcAft>
+        <a:buNone/>
+        <a:tabLst/>
+        <a:defRPr lang="en-us" sz="1800" b="0" i="0" u="none" strike="noStrike" kern="1" cap="none" spc="0" baseline="0">
           <a:solidFill>
             <a:schemeClr val="tx1"/>
           </a:solidFill>
-          <a:latin typeface="+mn-lt"/>
-          <a:ea typeface="+mn-ea"/>
-          <a:cs typeface="+mn-cs"/>
+          <a:effectLst/>
+          <a:latin typeface="Calibri" pitchFamily="1" charset="0"/>
+          <a:ea typeface="Calibri" pitchFamily="1" charset="0"/>
+          <a:cs typeface="Calibri" pitchFamily="1" charset="0"/>
         </a:defRPr>
       </a:lvl9pPr>
     </p:otherStyle>
@@ -3946,7 +5051,7 @@
 </file>
 
 <file path=ppt/slides/slide1.xml><?xml version="1.0" encoding="utf-8"?>
-<p:sld xmlns:a="http://schemas.openxmlformats.org/drawingml/2006/main" xmlns:r="http://schemas.openxmlformats.org/officeDocument/2006/relationships" xmlns:p="http://schemas.openxmlformats.org/presentationml/2006/main">
+<p:sld xmlns:p="http://schemas.openxmlformats.org/presentationml/2006/main" xmlns:mc="http://schemas.openxmlformats.org/markup-compatibility/2006" xmlns:p14="http://schemas.microsoft.com/office/powerpoint/2010/main" xmlns:p15="http://schemas.microsoft.com/office/powerpoint/2012/main" xmlns:r="http://schemas.openxmlformats.org/officeDocument/2006/relationships" xmlns:a="http://schemas.openxmlformats.org/drawingml/2006/main" mc:Ignorable="p14">
   <p:cSld>
     <p:spTree>
       <p:nvGrpSpPr>
@@ -3966,7 +5071,12 @@
         <p:nvSpPr>
           <p:cNvPr id="2" name="Title 1"/>
           <p:cNvSpPr>
-            <a:spLocks noGrp="1"/>
+            <a:spLocks noGrp="1" noChangeArrowheads="1"/>
+            <a:extLst>
+              <a:ext uri="smNativeData">
+                <pr:smNativeData xmlns:pr="smNativeData" xmlns="smNativeData" val="SMDATA_15_OjGNYRMAAAAlAAAAZAAAAA0AAAAAkAAAAEgAAACQAAAASAAAAAAAAAACAAAAAAAAAAEAAABQAAAAAAAAAAAA4D8AAAAAAADgPwAAAAAAAOA/AAAAAAAA4D8AAAAAAADgPwAAAAAAAOA/AAAAAAAA4D8AAAAAAADgPwAAAAAAAOA/AAAAAAAA4D8CAAAAjAAAAAAAAAAAAAAA////AP///wgAAAAAAAAAAAAAAAAAAAAAAAAAAAAAAAAAAAAAeAAAAAEAAABAAAAAAAAAAAAAAABaAAAAAAAAAAAAAAAAAAAAAAAAAAAAAAAAAAAAAAAAAAAAAAAAAAAAAAAAAAAAAAAAAAAAAAAAAAAAAAAAAAAAAAAAAAAAAAAAAAAAFAAAADwAAAAAAAAAAAAAAAAAAAAPAAAAAQAAACMAAAAjAAAAIwAAAB4AAAAAAAAAZAAAAGQAAAAAAAAAZAAAAGQAAAAVAAAAYAAAAAAAAAAAAAAADwAAACADAAAAAAAAAAAAAAEAAACgMgAAVgcAAKr4//8BAAAAf39/AAEAAABkAAAAAAAAABQAAABAHwAAAAAAACYAAAAAAAAAwOD//wAAAAAmAAAAZAAAABYAAABMAAAAAAAAAAAAAAAEAAAAAAAAAAEAAADZ4OYKAAAAACgAAAAoAAAAZAAAAGQAAAAAAAAAzMzMAAAAAABQAAAAUAAAAGQAAABkAAAAAAAAABcAAAAUAAAAAAAAAAAAAAD/fwAA/38AAAAAAAAJAAAABAAAANAgJgEeAAAAaAAAAAAAAAAAAAAAAAAAAAAAAAAAAAAAECcAABAnAAAAAAAAAAAAAAAAAAAAAAAAAAAAAAAAAAAAAAAAAAAAABQAAAAAAAAAwMD/AAAAAABkAAAAMgAAAAAAAABkAAAAAAAAAH9/fwAKAAAAIgAAABgAAAAAAAAAAAAAAAAAAAAAAAAAAAAAAAAAAAAkAAAAJAAAAAAAAAAHAAAAAAAAAAAAAAAAAAAAAAAAAAAAAAAAAAAAf39/ACUAAABYAAAAAAAAAAAAAAAAAAAAAAAAAAAAAAAAAAAAAAAAAAAAAAAAAAAAAAAAAAAAAAA/AAAAAAAAAKCGAQAAAAAAAAAAAAAAAAAMAAAAAQAAAAAAAAAAAAAAAAAAAB8AAABUAAAA////AP///wEAAAAAAAAAAAAAAAAAAAAAAAAAAAAAAAAAAAAAAAAAAAAAAAB/f38A2eDmA8zMzADAwP8Af39/AAAAAAAAAAAAAAAAAAAAAAAAAAAAIQAAABgAAAAUAAAAwAYAAJMKAACgRAAAuRwAABAAAAAmAAAACAAAAAAAAAAAAAAA"/>
+              </a:ext>
+            </a:extLst>
           </p:cNvSpPr>
           <p:nvPr>
             <p:ph type="ctrTitle"/>
@@ -3977,10 +5087,14 @@
           <a:bodyPr/>
           <a:lstStyle/>
           <a:p>
-            <a:r>
-              <a:rPr lang="en-GB" dirty="0"/>
+            <a:pPr>
+              <a:defRPr lang="en-us"/>
+            </a:pPr>
+            <a:r>
+              <a:rPr lang="en-gb" cap="none"/>
               <a:t>Framework</a:t>
             </a:r>
+            <a:endParaRPr lang="en-gb" cap="none"/>
           </a:p>
         </p:txBody>
       </p:sp>
@@ -3988,7 +5102,12 @@
         <p:nvSpPr>
           <p:cNvPr id="3" name="Subtitle 2"/>
           <p:cNvSpPr>
-            <a:spLocks noGrp="1"/>
+            <a:spLocks noGrp="1" noChangeArrowheads="1"/>
+            <a:extLst>
+              <a:ext uri="smNativeData">
+                <pr:smNativeData xmlns:pr="smNativeData" xmlns="smNativeData" val="SMDATA_15_OjGNYRMAAAAlAAAAZAAAAA0AAAAAkAAAAEgAAACQAAAASAAAAAAAAAAAAAAAAAAAAAEAAABQAAAAAAAAAAAA4D8AAAAAAADgPwAAAAAAAOA/AAAAAAAA4D8AAAAAAADgPwAAAAAAAOA/AAAAAAAA4D8AAAAAAADgPwAAAAAAAOA/AAAAAAAA4D8CAAAAjAAAAAAAAAAAAAAA////AP///wgAAAAAAAAAAAAAAAAAAAAAAAAAAAAAAAAAAAAAeAAAAAEAAABAAAAAAAAAAAAAAABaAAAAAAAAAAAAAAAAAAAAAAAAAAAAAAAAAAAAAAAAAAAAAAAAAAAAAAAAAAAAAAAAAAAAAAAAAAAAAAAAAAAAAAAAAAAAAAAAAAAAFAAAADwAAAAAAAAAAAAAAAAAAAAPAAAAAQAAACMAAAAjAAAAIwAAAB4AAAAAAAAAZAAAAGQAAAAAAAAAZAAAAGQAAAAVAAAAYAAAAAAAAAAAAAAADwAAACADAAAAAAAAAAAAAAEAAACgMgAAVgcAAKr4//8BAAAAf39/AAEAAABkAAAAAAAAABQAAABAHwAAAAAAACYAAAAAAAAAwOD//wAAAAAmAAAAZAAAABYAAABMAAAAAAAAAAAAAAAEAAAAAAAAAAEAAADZ4OYKAAAAACgAAAAoAAAAZAAAAGQAAAAAAAAAzMzMAAAAAABQAAAAUAAAAGQAAABkAAAAAAAAABcAAAAUAAAAAAAAAAAAAAD/fwAA/38AAAAAAAAJAAAABAAAAAAAAAAeAAAAaAAAAAAAAAAAAAAAAAAAAAAAAAAAAAAAECcAABAnAAAAAAAAAAAAAAAAAAAAAAAAAAAAAAAAAAAAAAAAAAAAABQAAAAAAAAAwMD/AAAAAABkAAAAMgAAAAAAAABkAAAAAAAAAH9/fwAKAAAAIgAAABgAAAAAAAAAAAAAAAAAAAAAAAAAAAAAAAAAAAAkAAAAJAAAAAAAAAAHAAAAAAAAAAAAAAAAAAAAAAAAAAAAAAAAAAAAf39/ACUAAABYAAAAAAAAAAAAAAAAAAAAAAAAAAAAAAAAAAAAAAAAAAAAAAAAAAAAAAAAAAAAAAA/AAAAAAAAAKCGAQAAAAAAAAAAAAAAAAAMAAAAAQAAAAAAAAAAAAAAAAAAAB8AAABUAAAA////AP///wEAAAAAAAAAAAAAAAAAAAAAAAAAAAAAAAAAAAAAAAAAAAAAAAB/f38A2eDmA8zMzADAwP8Af39/AAAAAAAAAAAAAAAAAAAAAAAAAAAAIQAAABgAAAAUAAAAxAYAAIYdAACkRAAAjiQAABAAAAAmAAAACAAAAAAAAAAAAAAA"/>
+              </a:ext>
+            </a:extLst>
           </p:cNvSpPr>
           <p:nvPr>
             <p:ph type="subTitle" idx="1"/>
@@ -3999,28 +5118,34 @@
           <a:bodyPr/>
           <a:lstStyle/>
           <a:p>
-            <a:r>
-              <a:rPr lang="en-GB" dirty="0"/>
+            <a:pPr>
+              <a:defRPr lang="en-us"/>
+            </a:pPr>
+            <a:r>
+              <a:rPr lang="en-gb" cap="all"/>
               <a:t>Installation VIDEO</a:t>
             </a:r>
+            <a:endParaRPr lang="en-gb" cap="all"/>
           </a:p>
         </p:txBody>
       </p:sp>
     </p:spTree>
-    <p:extLst>
-      <p:ext uri="{BB962C8B-B14F-4D97-AF65-F5344CB8AC3E}">
-        <p14:creationId xmlns:p14="http://schemas.microsoft.com/office/powerpoint/2010/main" val="1744043395"/>
-      </p:ext>
-    </p:extLst>
   </p:cSld>
   <p:clrMapOvr>
     <a:masterClrMapping/>
   </p:clrMapOvr>
+  <p:timing>
+    <p:tnLst>
+      <p:par>
+        <p:cTn id="1" dur="indefinite" restart="never" nodeType="tmRoot"/>
+      </p:par>
+    </p:tnLst>
+  </p:timing>
 </p:sld>
 </file>
 
 <file path=ppt/slides/slide2.xml><?xml version="1.0" encoding="utf-8"?>
-<p:sld xmlns:a="http://schemas.openxmlformats.org/drawingml/2006/main" xmlns:r="http://schemas.openxmlformats.org/officeDocument/2006/relationships" xmlns:p="http://schemas.openxmlformats.org/presentationml/2006/main">
+<p:sld xmlns:p="http://schemas.openxmlformats.org/presentationml/2006/main" xmlns:mc="http://schemas.openxmlformats.org/markup-compatibility/2006" xmlns:p14="http://schemas.microsoft.com/office/powerpoint/2010/main" xmlns:p15="http://schemas.microsoft.com/office/powerpoint/2012/main" xmlns:r="http://schemas.openxmlformats.org/officeDocument/2006/relationships" xmlns:a="http://schemas.openxmlformats.org/drawingml/2006/main" mc:Ignorable="p14">
   <p:cSld>
     <p:spTree>
       <p:nvGrpSpPr>
@@ -4038,727 +5163,803 @@
       </p:grpSpPr>
       <p:sp>
         <p:nvSpPr>
-          <p:cNvPr id="5" name="Rectangle 4">
-            <a:extLst>
-              <a:ext uri="{FF2B5EF4-FFF2-40B4-BE49-F238E27FC236}">
-                <a16:creationId xmlns:a16="http://schemas.microsoft.com/office/drawing/2014/main" id="{48A48023-DC41-204C-98A1-368C93640634}"/>
-              </a:ext>
-            </a:extLst>
-          </p:cNvPr>
-          <p:cNvSpPr/>
+          <p:cNvPr id="2" name="Rectangle 4"/>
+          <p:cNvSpPr>
+            <a:extLst>
+              <a:ext uri="smNativeData">
+                <pr:smNativeData xmlns:pr="smNativeData" xmlns="smNativeData" val="SMDATA_15_OjGNYRMAAAAlAAAAZAAAAA0AAAAAkAAAAEgAAACQAAAASAAAAAAAAAAAAAAAAAAAAAEAAABQAAAAAAAAAAAA4D8AAAAAAADgPwAAAAAAAOA/AAAAAAAA4D8AAAAAAADgPwAAAAAAAOA/AAAAAAAA4D8AAAAAAADgPwAAAAAAAOA/AAAAAAAA4D8CAAAAjAAAAAEAAAAGAAAAqtr9AJLL8QAAAAAAAAAAAAAAAAAAAAAAAAAAAAAAAAAAAAAAZAAAAAEAAABAAAAAAAAAAGQAAAAAAAAAAAAAAAEAAAA3AAAAptP0AAAAAAAAAAAAAAAAAAAAAAAAAAAAAAAAAAAAAAAAAAAAAAAAAAAAAAAAAAAAAAAAAAAAAAAAAAAAFAAAADwAAAABAAAAAAAAAByt5Ax4AAAAAQAAABQAAAAUAAAAFAAAAAEAAAAAAAAAZAAAAGQAAAAAAAAAZAAAAGQAAAAVAAAAYAAAAAAAAAAAAAAAAAAAAAAAAAAAAAAAAAAAAAAAAAAAAAAAAAAAAAAAAAAAAAAAAAAACQAAAAAAAAAAAAAAAAAAAAAAAAAAAAAAAAAAAAAAAAAAAAAAAAAAAAAAAAAAAAAAABYAAABMAAAAAAAAAAAAAAAAAAAAAAAAAAAAAAAAAAAJAAAAAAAAAAAAAAAAAAAAAAAAAAAAAAAAAAAAAAAAAAAAAAAAAAAAAAAAAAAAAAAAAAAAABcAAAAUAAAAAAAAAAAAAAD/fwAA/38AAAAAAAAJAAAABAAAAB2a8wQeAAAAaAAAAAAAAAAAAAAAAAAAAAAAAAAAAAAAECcAABAnAAAAAAAAAAAAAAAAAAAAAAAAAAAAAAAAAAAAAAAAAAAAABQAAAAAAAAAwMD/AAAAAABkAAAAMgAAAAAAAABkAAAAAAAAAH9/fwAKAAAAIgAAABgAAAAAAAAAAAAAAAAAAAAAAAAAAAAAAAAAAAAkAAAAJAAAAAAAAAAHAAAAAAAAAAAAAAAAAAAAAAAAAAAAAAAAAAAAf39/ACUAAABYAAAAAAAAAAAAAAAAAAAAAAAAAAAAAAAAAAAAAAAAAAAAAAAAAAAAAAAAAAAAAAA/AAAAAAAAAKCGAQAAAAAAAAAAAAAAAAAMAAAAAQAAAAAAAAAAAAAAAAAAAB8AAABUAAAAqtr9AJLL8QCm0/QAAAAAAAAAAAAAAAAAAAAAAAAAAAAAAAAAAAAAAByt5AUAAAACAAAAAgAAAADAwP8Af39/AAAAAAAAAAAAAAAAAAAAAAAAAAAAIQAAABgAAAAUAAAA4AsAAHEHAACTHAAAayEAABAAAAAmAAAACAAAAP//////////"/>
+              </a:ext>
+            </a:extLst>
+          </p:cNvSpPr>
           <p:nvPr/>
         </p:nvSpPr>
         <p:spPr>
           <a:xfrm>
-            <a:off x="1420837" y="1209821"/>
-            <a:ext cx="2715064" cy="4222725"/>
+            <a:off x="1930400" y="1209675"/>
+            <a:ext cx="2714625" cy="4222750"/>
           </a:xfrm>
           <a:prstGeom prst="rect">
             <a:avLst/>
           </a:prstGeom>
-          <a:ln w="76200"/>
-        </p:spPr>
-        <p:style>
-          <a:lnRef idx="1">
-            <a:schemeClr val="accent1"/>
-          </a:lnRef>
-          <a:fillRef idx="2">
-            <a:schemeClr val="accent1"/>
-          </a:fillRef>
-          <a:effectRef idx="1">
-            <a:schemeClr val="accent1"/>
-          </a:effectRef>
-          <a:fontRef idx="minor">
-            <a:schemeClr val="dk1"/>
-          </a:fontRef>
-        </p:style>
-        <p:txBody>
-          <a:bodyPr rtlCol="0" anchor="t"/>
+          <a:gradFill flip="none" rotWithShape="0">
+            <a:gsLst>
+              <a:gs pos="0">
+                <a:srgbClr val="92CBF1"/>
+              </a:gs>
+              <a:gs pos="45000">
+                <a:srgbClr val="A6D3F4"/>
+              </a:gs>
+              <a:gs pos="100000">
+                <a:srgbClr val="AADAFD"/>
+              </a:gs>
+            </a:gsLst>
+            <a:path path="circle">
+              <a:fillToRect l="50000" t="100000" r="50000" b="0"/>
+            </a:path>
+            <a:tileRect/>
+          </a:gradFill>
+          <a:ln w="76200" cap="flat" cmpd="sng" algn="ctr">
+            <a:solidFill>
+              <a:schemeClr val="accent1"/>
+            </a:solidFill>
+            <a:prstDash val="solid"/>
+            <a:headEnd type="none"/>
+            <a:tailEnd type="none"/>
+          </a:ln>
+          <a:effectLst/>
+        </p:spPr>
+        <p:txBody>
+          <a:bodyPr vert="horz" wrap="square" lIns="91440" tIns="45720" rIns="91440" bIns="45720" numCol="1" spcCol="215900" anchor="t"/>
           <a:lstStyle/>
           <a:p>
-            <a:r>
-              <a:rPr lang="en-IT" sz="2000" b="1" dirty="0"/>
+            <a:pPr>
+              <a:defRPr lang="en-us" cap="none">
+                <a:solidFill>
+                  <a:srgbClr val="000000"/>
+                </a:solidFill>
+                <a:latin typeface="Calibri" pitchFamily="1" charset="0"/>
+                <a:ea typeface="Calibri" pitchFamily="1" charset="0"/>
+                <a:cs typeface="Calibri" pitchFamily="1" charset="0"/>
+              </a:defRPr>
+            </a:pPr>
+            <a:r>
+              <a:rPr lang="en-us" sz="2000" b="1" cap="none"/>
               <a:t>Context Broker</a:t>
             </a:r>
-          </a:p>
-        </p:txBody>
-      </p:sp>
-      <p:sp>
-        <p:nvSpPr>
-          <p:cNvPr id="6" name="Rectangle 5">
-            <a:extLst>
-              <a:ext uri="{FF2B5EF4-FFF2-40B4-BE49-F238E27FC236}">
-                <a16:creationId xmlns:a16="http://schemas.microsoft.com/office/drawing/2014/main" id="{33BB2857-BE39-144E-9E4D-25E731035757}"/>
-              </a:ext>
-            </a:extLst>
-          </p:cNvPr>
-          <p:cNvSpPr/>
+            <a:endParaRPr lang="en-us" sz="2000" b="1" cap="none"/>
+          </a:p>
+        </p:txBody>
+      </p:sp>
+      <p:sp>
+        <p:nvSpPr>
+          <p:cNvPr id="3" name="Rectangle 5"/>
+          <p:cNvSpPr>
+            <a:extLst>
+              <a:ext uri="smNativeData">
+                <pr:smNativeData xmlns:pr="smNativeData" xmlns="smNativeData" val="SMDATA_15_OjGNYRMAAAAlAAAAZAAAAA0AAAAAkAAAAEgAAACQAAAASAAAAAAAAAAAAAAAAAAAAAEAAABQAAAAAAAAAAAA4D8AAAAAAADgPwAAAAAAAOA/AAAAAAAA4D8AAAAAAADgPwAAAAAAAOA/AAAAAAAA4D8AAAAAAADgPwAAAAAAAOA/AAAAAAAA4D8CAAAAjAAAAAAAAAAAAAAA////AP///wgAAAAAAAAAAAAAAAAAAAAAAAAAAAAAAAAAAAAAZAAAAAEAAABAAAAAAAAAAAAAAAAAAAAAAAAAAAAAAAAAAAAAAAAAAAAAAAAAAAAAAAAAAAAAAAAAAAAAAAAAAAAAAAAAAAAAAAAAAAAAAAAAAAAAAAAAAAAAAAAAAAAAFAAAADwAAAABAAAAAAAAAByt5Ax4AAAAAQAAABQAAAAUAAAAFAAAAAEAAAAAAAAAZAAAAGQAAAAAAAAAZAAAAGQAAAAVAAAAYAAAAAAAAAAAAAAADwAAACADAAAAAAAAAAAAAAEAAACgMgAAVgcAAKr4//8BAAAAf39/AAEAAABkAAAAAAAAABQAAABAHwAAAAAAACYAAAAAAAAAwOD//wAAAAAmAAAAZAAAABYAAABMAAAAAAAAAAAAAAAEAAAAAAAAAAEAAADZ4OYKAAAAACgAAAAoAAAAZAAAAGQAAAAAAAAAzMzMAAAAAABQAAAAUAAAAGQAAABkAAAAAAAAABcAAAAUAAAAAAAAAAAAAAD/fwAA/38AAAAAAAAJAAAABAAAAAAAAAAeAAAAaAAAAAAAAAAAAAAAAAAAAAAAAAAAAAAAECcAABAnAAAAAAAAAAAAAAAAAAAAAAAAAAAAAAAAAAAAAAAAAAAAABQAAAAAAAAAwMD/AAAAAABkAAAAMgAAAAAAAABkAAAAAAAAAH9/fwAKAAAAIgAAABgAAAAAAAAAAAAAAAAAAAAAAAAAAAAAAAAAAAAkAAAAJAAAAAAAAAAHAAAAAAAAAAAAAAAAAAAAAAAAAAAAAAAAAAAAf39/ACUAAABYAAAAAAAAAAAAAAAAAAAAAAAAAAAAAAAAAAAAAAAAAAAAAAAAAAAAAAAAAAAAAAA/AAAAAAAAAKCGAQAAAAAAAAAAAAAAAAAMAAAAAQAAAAAAAAAAAAAAAAAAAB8AAABUAAAA////AP///wEAAAAAAAAAAAAAAAAAAAAAAAAAAAAAAAAAAAAAAAAAAByt5AV/f38A2eDmA8zMzADAwP8Af39/AAAAAAAAAAAAAAAAAAAAAAAAAAAAIQAAABgAAAAUAAAAzwMAAEsCAAD2RgAAICUAABAAAAAmAAAACAAAAP//////////"/>
+              </a:ext>
+            </a:extLst>
+          </p:cNvSpPr>
           <p:nvPr/>
         </p:nvSpPr>
         <p:spPr>
           <a:xfrm>
-            <a:off x="618978" y="372794"/>
-            <a:ext cx="10916529" cy="5662246"/>
+            <a:off x="619125" y="372745"/>
+            <a:ext cx="10916285" cy="5662295"/>
           </a:xfrm>
           <a:prstGeom prst="rect">
             <a:avLst/>
           </a:prstGeom>
           <a:noFill/>
-          <a:ln w="76200"/>
-        </p:spPr>
-        <p:style>
-          <a:lnRef idx="2">
-            <a:schemeClr val="accent1"/>
-          </a:lnRef>
-          <a:fillRef idx="1">
-            <a:schemeClr val="lt1"/>
-          </a:fillRef>
-          <a:effectRef idx="0">
-            <a:schemeClr val="accent1"/>
-          </a:effectRef>
-          <a:fontRef idx="minor">
-            <a:schemeClr val="dk1"/>
-          </a:fontRef>
-        </p:style>
-        <p:txBody>
-          <a:bodyPr rtlCol="0" anchor="t"/>
+          <a:ln w="76200" cap="flat" cmpd="sng" algn="ctr">
+            <a:solidFill>
+              <a:schemeClr val="accent1"/>
+            </a:solidFill>
+            <a:prstDash val="solid"/>
+            <a:headEnd type="none"/>
+            <a:tailEnd type="none"/>
+          </a:ln>
+          <a:effectLst/>
+        </p:spPr>
+        <p:txBody>
+          <a:bodyPr vert="horz" wrap="square" lIns="91440" tIns="45720" rIns="91440" bIns="45720" numCol="1" spcCol="215900" anchor="t"/>
           <a:lstStyle/>
           <a:p>
-            <a:r>
-              <a:rPr lang="en-IT" sz="3200" b="1" dirty="0"/>
+            <a:pPr>
+              <a:defRPr lang="en-us" cap="none">
+                <a:solidFill>
+                  <a:srgbClr val="000000"/>
+                </a:solidFill>
+                <a:latin typeface="Calibri" pitchFamily="1" charset="0"/>
+                <a:ea typeface="Calibri" pitchFamily="1" charset="0"/>
+                <a:cs typeface="Calibri" pitchFamily="1" charset="0"/>
+              </a:defRPr>
+            </a:pPr>
+            <a:r>
+              <a:rPr lang="en-us" sz="3200" b="1" cap="none"/>
               <a:t>ASTRID Framework</a:t>
             </a:r>
-          </a:p>
-        </p:txBody>
-      </p:sp>
-      <p:sp>
-        <p:nvSpPr>
-          <p:cNvPr id="7" name="Oval 6">
-            <a:extLst>
-              <a:ext uri="{FF2B5EF4-FFF2-40B4-BE49-F238E27FC236}">
-                <a16:creationId xmlns:a16="http://schemas.microsoft.com/office/drawing/2014/main" id="{EC9694A1-C2C5-9649-B479-C83D1F55D233}"/>
-              </a:ext>
-            </a:extLst>
-          </p:cNvPr>
-          <p:cNvSpPr/>
+            <a:endParaRPr lang="en-us" sz="3200" b="1" cap="none"/>
+          </a:p>
+        </p:txBody>
+      </p:sp>
+      <p:sp>
+        <p:nvSpPr>
+          <p:cNvPr id="4" name="Oval 6"/>
+          <p:cNvSpPr>
+            <a:extLst>
+              <a:ext uri="smNativeData">
+                <pr:smNativeData xmlns:pr="smNativeData" xmlns="smNativeData" val="SMDATA_15_OjGNYRMAAAAlAAAAZgAAAA0AAAAAkAAAAEgAAACQAAAASAAAAAAAAAABAAAAAAAAAAEAAABQAAAAAAAAAAAA8D8AAAAAAADwPwAAAAAAAOA/AAAAAAAA4D8AAAAAAADgPwAAAAAAAOA/AAAAAAAA4D8AAAAAAADgPwAAAAAAAOA/AAAAAAAA4D8CAAAAjAAAAAEAAAAAAAAAHK3kDP///wgAAAAAAAAAAAAAAAAAAAAAAAAAAAAAAAAAAAAAZAAAAAEAAABAAAAAAAAAAAAAAAAAAAAAAAAAAAAAAAAAAAAAAAAAAAAAAAAAAAAAAAAAAAAAAAAAAAAAAAAAAAAAAAAAAAAAAAAAAAAAAAAAAAAAAAAAAAAAAAAAAAAAFAAAADwAAAABAAAAAAAAABWAqQB4AAAAAQAAABQAAAAUAAAAFAAAAAEAAAAAAAAAZAAAAGQAAAAAAAAAZAAAAGQAAAAVAAAAYAAAAAAAAAAAAAAADwAAACADAAAAAAAAAAAAAAEAAACgMgAAVgcAAKr4//8BAAAAf39/AAEAAABkAAAAAAAAABQAAABAHwAAAAAAACYAAAAAAAAAwOD//wAAAAAmAAAAZAAAABYAAABMAAAAAAAAAAAAAAAEAAAAAAAAAAEAAADZ4OYKAAAAACgAAAAoAAAAZAAAAGQAAAAAAAAAzMzMAAAAAABQAAAAUAAAAGQAAABkAAAAAAAAABcAAAAUAAAAAAAAAAAAAAD/fwAA/38AAAAAAAAJAAAABAAAAFJBTFQeAAAAaAAAAAAAAAAAAAAAAAAAAAAAAAAAAAAAECcAABAnAAAAAAAAAAAAAAAAAAAAAAAAAAAAAAAAAAAAAAAAAAAAABQAAAAAAAAAwMD/AAAAAABkAAAAMgAAAAAAAABkAAAAAAAAAH9/fwAKAAAAIgAAABgAAAAAAAAAAAAAAAAAAAAAAAAAAAAAAAAAAAAkAAAAJAAAAAAAAAAHAAAAAAAAAAAAAAAAAAAAAAAAAAAAAAAAAAAAf39/ACUAAABYAAAAAAAAAAAAAAAAAAAAAAAAAAAAAAAAAAAAAAAAAAAAAAAAAAAAAAAAAAAAAAA/AAAAAAAAAKCGAQAAAAAAAAAAAAAAAAAMAAAAAQAAAAAAAAAAAAAAAAAAAB8AAABUAAAAHK3kBf///wEAAAAAAAAAAAAAAAAAAAAAAAAAAAAAAAAAAAAAAAAAABWAqQB/f38A2eDmA8zMzADAwP8Af39/AAAAAAAAAAAAAAAAAAAAAAAAAAAAIQAAABgAAAAUAAAAhioAAF8IAABhMwAAOxEAABAAAAAmAAAACAAAAP//////////"/>
+              </a:ext>
+            </a:extLst>
+          </p:cNvSpPr>
           <p:nvPr/>
         </p:nvSpPr>
         <p:spPr>
           <a:xfrm>
-            <a:off x="6912332" y="1361049"/>
-            <a:ext cx="1440000" cy="1440000"/>
+            <a:off x="6912610" y="1360805"/>
+            <a:ext cx="1439545" cy="1440180"/>
           </a:xfrm>
           <a:prstGeom prst="ellipse">
             <a:avLst/>
           </a:prstGeom>
-          <a:ln w="76200"/>
-        </p:spPr>
-        <p:style>
-          <a:lnRef idx="2">
-            <a:schemeClr val="accent1">
-              <a:shade val="50000"/>
-            </a:schemeClr>
-          </a:lnRef>
-          <a:fillRef idx="1">
+          <a:solidFill>
             <a:schemeClr val="accent1"/>
-          </a:fillRef>
-          <a:effectRef idx="0">
-            <a:schemeClr val="accent1"/>
-          </a:effectRef>
-          <a:fontRef idx="minor">
-            <a:schemeClr val="lt1"/>
-          </a:fontRef>
-        </p:style>
-        <p:txBody>
-          <a:bodyPr rtlCol="0" anchor="ctr"/>
+          </a:solidFill>
+          <a:ln w="76200" cap="flat" cmpd="sng" algn="ctr">
+            <a:solidFill>
+              <a:srgbClr val="1580A9"/>
+            </a:solidFill>
+            <a:prstDash val="solid"/>
+            <a:headEnd type="none"/>
+            <a:tailEnd type="none"/>
+          </a:ln>
+          <a:effectLst/>
+        </p:spPr>
+        <p:txBody>
+          <a:bodyPr vert="horz" wrap="square" lIns="91440" tIns="45720" rIns="91440" bIns="45720" numCol="1" spcCol="215900" anchor="ctr"/>
           <a:lstStyle/>
           <a:p>
-            <a:pPr algn="ctr"/>
-            <a:r>
-              <a:rPr lang="en-IT" b="1" dirty="0"/>
+            <a:pPr algn="ctr">
+              <a:defRPr lang="en-us" cap="none">
+                <a:solidFill>
+                  <a:srgbClr val="FFFFFF"/>
+                </a:solidFill>
+                <a:latin typeface="Calibri" pitchFamily="1" charset="0"/>
+                <a:ea typeface="Calibri" pitchFamily="1" charset="0"/>
+                <a:cs typeface="Calibri" pitchFamily="1" charset="0"/>
+              </a:defRPr>
+            </a:pPr>
+            <a:r>
+              <a:rPr lang="en-us" b="1" cap="none"/>
               <a:t>Exec Env</a:t>
             </a:r>
             <a:r>
-              <a:rPr lang="en-IT" dirty="0"/>
               <a:t> </a:t>
             </a:r>
             <a:r>
-              <a:rPr lang="en-IT" sz="3200" dirty="0"/>
+              <a:rPr lang="en-us" sz="3200" cap="none"/>
               <a:t>1</a:t>
             </a:r>
-            <a:endParaRPr lang="en-IT" dirty="0"/>
-          </a:p>
-        </p:txBody>
-      </p:sp>
-      <p:sp>
-        <p:nvSpPr>
-          <p:cNvPr id="8" name="Oval 7">
-            <a:extLst>
-              <a:ext uri="{FF2B5EF4-FFF2-40B4-BE49-F238E27FC236}">
-                <a16:creationId xmlns:a16="http://schemas.microsoft.com/office/drawing/2014/main" id="{9FB9147B-D2C2-6F41-B1F1-8AAD75CEA041}"/>
-              </a:ext>
-            </a:extLst>
-          </p:cNvPr>
-          <p:cNvSpPr/>
+          </a:p>
+        </p:txBody>
+      </p:sp>
+      <p:sp>
+        <p:nvSpPr>
+          <p:cNvPr id="5" name="Oval 7"/>
+          <p:cNvSpPr>
+            <a:extLst>
+              <a:ext uri="smNativeData">
+                <pr:smNativeData xmlns:pr="smNativeData" xmlns="smNativeData" val="SMDATA_15_OjGNYRMAAAAlAAAAZgAAAA0AAAAAkAAAAEgAAACQAAAASAAAAAAAAAABAAAAAAAAAAEAAABQAAAAAAAAAAAA8D8AAAAAAADwPwAAAAAAAOA/AAAAAAAA4D8AAAAAAADgPwAAAAAAAOA/AAAAAAAA4D8AAAAAAADgPwAAAAAAAOA/AAAAAAAA4D8CAAAAjAAAAAEAAAAAAAAAHK3kDP///wgAAAAAAAAAAAAAAAAAAAAAAAAAAAAAAAAAAAAAZAAAAAEAAABAAAAAAAAAAAAAAAAAAAAAAAAAAAAAAAAAAAAAAAAAAAAAAAAAAAAAAAAAAAAAAAAAAAAAAAAAAAAAAAAAAAAAAAAAAAAAAAAAAAAAAAAAAAAAAAAAAAAAFAAAADwAAAABAAAAAAAAABWAqQB4AAAAAQAAABQAAAAUAAAAFAAAAAEAAAAAAAAAZAAAAGQAAAAAAAAAZAAAAGQAAAAVAAAAYAAAAAAAAAAAAAAADwAAACADAAAAAAAAAAAAAAEAAACgMgAAVgcAAKr4//8BAAAAf39/AAEAAABkAAAAAAAAABQAAABAHwAAAAAAACYAAAAAAAAAwOD//wAAAAAmAAAAZAAAABYAAABMAAAAAAAAAAAAAAAEAAAAAAAAAAEAAADZ4OYKAAAAACgAAAAoAAAAZAAAAGQAAAAAAAAAzMzMAAAAAABQAAAAUAAAAGQAAABkAAAAAAAAABcAAAAUAAAAAAAAAAAAAAD/fwAA/38AAAAAAAAJAAAABAAAAAH//wAeAAAAaAAAAAAAAAAAAAAAAAAAAAAAAAAAAAAAECcAABAnAAAAAAAAAAAAAAAAAAAAAAAAAAAAAAAAAAAAAAAAAAAAABQAAAAAAAAAwMD/AAAAAABkAAAAMgAAAAAAAABkAAAAAAAAAH9/fwAKAAAAIgAAABgAAAAAAAAAAAAAAAAAAAAAAAAAAAAAAAAAAAAkAAAAJAAAAAAAAAAHAAAAAAAAAAAAAAAAAAAAAAAAAAAAAAAAAAAAf39/ACUAAABYAAAAAAAAAAAAAAAAAAAAAAAAAAAAAAAAAAAAAAAAAAAAAAAAAAAAAAAAAAAAAAA/AAAAAAAAAKCGAQAAAAAAAAAAAAAAAAAMAAAAAQAAAAAAAAAAAAAAAAAAAB8AAABUAAAAHK3kBf///wEAAAAAAAAAAAAAAAAAAAAAAAAAAAAAAAAAAAAAAAAAABWAqQB/f38A2eDmA8zMzADAwP8Af39/AAAAAAAAAAAAAAAAAAAAAAAAAAAAIQAAABgAAAAUAAAAhioAAJgXAABhMwAAdCAAABAAAAAmAAAACAAAAP//////////"/>
+              </a:ext>
+            </a:extLst>
+          </p:cNvSpPr>
           <p:nvPr/>
         </p:nvSpPr>
         <p:spPr>
           <a:xfrm>
-            <a:off x="6912332" y="3835383"/>
-            <a:ext cx="1440000" cy="1440000"/>
+            <a:off x="6912610" y="3835400"/>
+            <a:ext cx="1439545" cy="1440180"/>
           </a:xfrm>
           <a:prstGeom prst="ellipse">
             <a:avLst/>
           </a:prstGeom>
-          <a:ln w="76200"/>
-        </p:spPr>
-        <p:style>
-          <a:lnRef idx="2">
-            <a:schemeClr val="accent1">
-              <a:shade val="50000"/>
-            </a:schemeClr>
-          </a:lnRef>
-          <a:fillRef idx="1">
+          <a:solidFill>
             <a:schemeClr val="accent1"/>
-          </a:fillRef>
-          <a:effectRef idx="0">
-            <a:schemeClr val="accent1"/>
-          </a:effectRef>
-          <a:fontRef idx="minor">
-            <a:schemeClr val="lt1"/>
-          </a:fontRef>
-        </p:style>
-        <p:txBody>
-          <a:bodyPr rtlCol="0" anchor="ctr"/>
+          </a:solidFill>
+          <a:ln w="76200" cap="flat" cmpd="sng" algn="ctr">
+            <a:solidFill>
+              <a:srgbClr val="1580A9"/>
+            </a:solidFill>
+            <a:prstDash val="solid"/>
+            <a:headEnd type="none"/>
+            <a:tailEnd type="none"/>
+          </a:ln>
+          <a:effectLst/>
+        </p:spPr>
+        <p:txBody>
+          <a:bodyPr vert="horz" wrap="square" lIns="91440" tIns="45720" rIns="91440" bIns="45720" numCol="1" spcCol="215900" anchor="ctr"/>
           <a:lstStyle/>
           <a:p>
-            <a:pPr algn="ctr"/>
-            <a:r>
-              <a:rPr lang="en-IT" b="1" dirty="0"/>
+            <a:pPr algn="ctr">
+              <a:defRPr lang="en-us" cap="none">
+                <a:solidFill>
+                  <a:srgbClr val="FFFFFF"/>
+                </a:solidFill>
+                <a:latin typeface="Calibri" pitchFamily="1" charset="0"/>
+                <a:ea typeface="Calibri" pitchFamily="1" charset="0"/>
+                <a:cs typeface="Calibri" pitchFamily="1" charset="0"/>
+              </a:defRPr>
+            </a:pPr>
+            <a:r>
+              <a:rPr lang="en-us" b="1" cap="none"/>
               <a:t>Exec Env</a:t>
             </a:r>
             <a:r>
-              <a:rPr lang="en-IT" dirty="0"/>
               <a:t> </a:t>
             </a:r>
             <a:r>
-              <a:rPr lang="en-IT" sz="2800" dirty="0"/>
+              <a:rPr lang="en-us" sz="2800" cap="none"/>
               <a:t>2</a:t>
             </a:r>
-          </a:p>
-        </p:txBody>
-      </p:sp>
-      <p:sp>
-        <p:nvSpPr>
-          <p:cNvPr id="9" name="TextBox 8">
-            <a:extLst>
-              <a:ext uri="{FF2B5EF4-FFF2-40B4-BE49-F238E27FC236}">
-                <a16:creationId xmlns:a16="http://schemas.microsoft.com/office/drawing/2014/main" id="{489E3F38-1C4D-C246-A10F-20284C9B1599}"/>
-              </a:ext>
-            </a:extLst>
-          </p:cNvPr>
-          <p:cNvSpPr txBox="1"/>
+            <a:endParaRPr lang="en-us" sz="2800" cap="none"/>
+          </a:p>
+        </p:txBody>
+      </p:sp>
+      <p:sp>
+        <p:nvSpPr>
+          <p:cNvPr id="6" name="TextBox 8"/>
+          <p:cNvSpPr>
+            <a:extLst>
+              <a:ext uri="smNativeData">
+                <pr:smNativeData xmlns:pr="smNativeData" xmlns="smNativeData" val="SMDATA_15_OjGNYRMAAAAlAAAAZAAAAE0AAAAAkAAAAEgAAACQAAAASAAAAAAAAAAAAAAAAAAAAAEAAABQAAAAAAAAAAAA4D8AAAAAAADgPwAAAAAAAOA/AAAAAAAA4D8AAAAAAADgPwAAAAAAAOA/AAAAAAAA4D8AAAAAAADgPwAAAAAAAOA/AAAAAAAA4D8CAAAAjAAAAAAAAAAAAAAAHK3kDP///wgAAAAAAAAAAAAAAAAAAAAAAAAAAAAAAAAAAAAAZAAAAAEAAABAAAAAAAAAAAAAAAAAAAAAAAAAAAAAAAAAAAAAAAAAAAAAAAAAAAAAAAAAAAAAAAAAAAAAAAAAAAAAAAAAAAAAAAAAAAAAAAAAAAAAAAAAAAAAAAAAAAAAFAAAADwAAAAAAAAAAAAAAAAAAAAPAAAAAQAAACMAAAAjAAAAIwAAAB4AAAAAAAAAZAAAAGQAAAAAAAAAZAAAAGQAAAAVAAAAYAAAAAAAAAAAAAAADwAAACADAAAAAAAAAAAAAAEAAACgMgAAVgcAAKr4//8BAAAAf39/AAEAAABkAAAAAAAAABQAAABAHwAAAAAAACYAAAAAAAAAwOD//wAAAAAmAAAAZAAAABYAAABMAAAAAAAAAAAAAAAEAAAAAAAAAAEAAADZ4OYKAAAAACgAAAAoAAAAZAAAAGQAAAAAAAAAzMzMAAAAAABQAAAAUAAAAGQAAABkAAAAAAAAABcAAAAUAAAAAAAAAAAAAAD/fwAA/38AAAAAAAAJAAAABAAAAAME+gAeAAAAaAAAAAAAAAAAAAAAAAAAAAAAAAAAAAAAECcAABAnAAAAAAAAAAAAAAAAAAAAAAAAAAAAAAAAAAAAAAAAAAAAABQAAAAAAAAAwMD/AAAAAABkAAAAMgAAAAAAAABkAAAAAAAAAH9/fwAKAAAAIgAAABgAAAAAAAAAAAAAAAAAAAAAAAAAAAAAAAAAAAAkAAAAJAAAAAAAAAAHAAAAAAAAAAAAAAAAAAAAAAAAAAAAAAAAAAAAf39/ACUAAABYAAAAAAAAAAAAAAAAAAAAAAAAAAAAAAAAAAAAAAAAAAAAAAAAAAAAAAAAAAAAAAA/AAAAAAAAAKCGAQAAAAAAAAAAAAAAAAAMAAAAAQAAAAAAAAAAAAAAAAAAAB8AAABUAAAAHK3kBf///wEAAAAAAAAAAAAAAAAAAAAAAAAAAAAAAAAAAAAAAAAAAAAAAAB/f38A2eDmA8zMzADAwP8Af39/AAAAAAAAAAAAAAAAAAAAAAAAAAAAIQAAABgAAAAUAAAAQjYAAF8IAADnQgAATwwAAAAgAAAmAAAACAAAAP//////////"/>
+              </a:ext>
+            </a:extLst>
+          </p:cNvSpPr>
           <p:nvPr/>
         </p:nvSpPr>
         <p:spPr>
           <a:xfrm>
-            <a:off x="8820443" y="1361049"/>
-            <a:ext cx="2136419" cy="1200329"/>
+            <a:off x="8820150" y="1360805"/>
+            <a:ext cx="2055495" cy="640080"/>
           </a:xfrm>
           <a:prstGeom prst="rect">
             <a:avLst/>
           </a:prstGeom>
           <a:noFill/>
-        </p:spPr>
-        <p:txBody>
-          <a:bodyPr wrap="none" rtlCol="0">
-            <a:spAutoFit/>
-          </a:bodyPr>
+          <a:ln>
+            <a:noFill/>
+          </a:ln>
+          <a:effectLst/>
+        </p:spPr>
+        <p:txBody>
+          <a:bodyPr vert="horz" wrap="none" lIns="91440" tIns="45720" rIns="91440" bIns="45720" numCol="1" spcCol="215900" anchor="t"/>
           <a:lstStyle/>
           <a:p>
-            <a:r>
-              <a:rPr lang="en-IT" u="sng" dirty="0"/>
-              <a:t>Kubernetes</a:t>
-            </a:r>
-            <a:r>
-              <a:rPr lang="en-IT" dirty="0"/>
-              <a:t> Pod with</a:t>
-            </a:r>
-          </a:p>
-          <a:p>
-            <a:r>
-              <a:rPr lang="en-IT" u="sng" dirty="0"/>
+            <a:pPr>
+              <a:defRPr lang="en-us"/>
+            </a:pPr>
+            <a:r>
+              <a:rPr lang="en-us" u="sng"/>
               <a:t>Apache HTTP Server</a:t>
             </a:r>
-          </a:p>
-          <a:p>
-            <a:r>
-              <a:rPr lang="en-IT" u="sng" dirty="0"/>
+            <a:endParaRPr lang="en-us" u="sng"/>
+          </a:p>
+          <a:p>
+            <a:pPr>
+              <a:defRPr lang="en-us"/>
+            </a:pPr>
+            <a:r>
+              <a:rPr lang="en-us" u="sng"/>
               <a:t>Filebeat</a:t>
             </a:r>
             <a:r>
-              <a:rPr lang="en-IT" dirty="0"/>
-              <a:t> agent from</a:t>
-            </a:r>
-          </a:p>
-          <a:p>
-            <a:r>
-              <a:rPr lang="en-IT" u="sng" dirty="0"/>
-              <a:t>Elastic Stack</a:t>
-            </a:r>
-          </a:p>
-        </p:txBody>
-      </p:sp>
-      <p:sp>
-        <p:nvSpPr>
-          <p:cNvPr id="10" name="TextBox 9">
-            <a:extLst>
-              <a:ext uri="{FF2B5EF4-FFF2-40B4-BE49-F238E27FC236}">
-                <a16:creationId xmlns:a16="http://schemas.microsoft.com/office/drawing/2014/main" id="{78C4ED08-8835-A648-92BA-DE37035DAD79}"/>
-              </a:ext>
-            </a:extLst>
-          </p:cNvPr>
-          <p:cNvSpPr txBox="1"/>
+              <a:t> + </a:t>
+            </a:r>
+            <a:r>
+              <a:rPr lang="en-us" u="sng"/>
+              <a:t>LCP</a:t>
+            </a:r>
+          </a:p>
+        </p:txBody>
+      </p:sp>
+      <p:sp>
+        <p:nvSpPr>
+          <p:cNvPr id="7" name="TextBox 9"/>
+          <p:cNvSpPr>
+            <a:extLst>
+              <a:ext uri="smNativeData">
+                <pr:smNativeData xmlns:pr="smNativeData" xmlns="smNativeData" val="SMDATA_15_OjGNYRMAAAAlAAAAZAAAAE0AAAAAkAAAAEgAAACQAAAASAAAAAAAAAAAAAAAAAAAAAEAAABQAAAAAAAAAAAA4D8AAAAAAADgPwAAAAAAAOA/AAAAAAAA4D8AAAAAAADgPwAAAAAAAOA/AAAAAAAA4D8AAAAAAADgPwAAAAAAAOA/AAAAAAAA4D8CAAAAjAAAAAAAAAAAAAAAHK3kDP///wgAAAAAAAAAAAAAAAAAAAAAAAAAAAAAAAAAAAAAZAAAAAEAAABAAAAAAAAAAAAAAAAAAAAAAAAAAAAAAAAAAAAAAAAAAAAAAAAAAAAAAAAAAAAAAAAAAAAAAAAAAAAAAAAAAAAAAAAAAAAAAAAAAAAAAAAAAAAAAAAAAAAAFAAAADwAAAAAAAAAAAAAAAAAAAAPAAAAAQAAACMAAAAjAAAAIwAAAB4AAAAAAAAAZAAAAGQAAAAAAAAAZAAAAGQAAAAVAAAAYAAAAAAAAAAAAAAADwAAACADAAAAAAAAAAAAAAEAAACgMgAAVgcAAKr4//8BAAAAf39/AAEAAABkAAAAAAAAABQAAABAHwAAAAAAACYAAAAAAAAAwOD//wAAAAAmAAAAZAAAABYAAABMAAAAAAAAAAAAAAAEAAAAAAAAAAEAAADZ4OYKAAAAACgAAAAoAAAAZAAAAGQAAAAAAAAAzMzMAAAAAABQAAAAUAAAAGQAAABkAAAAAAAAABcAAAAUAAAAAAAAAAAAAAD/fwAA/38AAAAAAAAJAAAABAAAAL7/AAAeAAAAaAAAAAAAAAAAAAAAAAAAAAAAAAAAAAAAECcAABAnAAAAAAAAAAAAAAAAAAAAAAAAAAAAAAAAAAAAAAAAAAAAABQAAAAAAAAAwMD/AAAAAABkAAAAMgAAAAAAAABkAAAAAAAAAH9/fwAKAAAAIgAAABgAAAAAAAAAAAAAAAAAAAAAAAAAAAAAAAAAAAAkAAAAJAAAAAAAAAAHAAAAAAAAAAAAAAAAAAAAAAAAAAAAAAAAAAAAf39/ACUAAABYAAAAAAAAAAAAAAAAAAAAAAAAAAAAAAAAAAAAAAAAAAAAAAAAAAAAAAAAAAAAAAA/AAAAAAAAAKCGAQAAAAAAAAAAAAAAAAAMAAAAAQAAAAAAAAAAAAAAAAAAAB8AAABUAAAAHK3kBf///wEAAAAAAAAAAAAAAAAAAAAAAAAAAAAAAAAAAAAAAAAAAAAAAAB/f38A2eDmA8zMzADAwP8Af39/AAAAAAAAAAAAAAAAAAAAAAAAAAAAIQAAABgAAAAUAAAAQjYAAFUYAABmQgAARRwAAAAgAAAmAAAACAAAAP//////////"/>
+              </a:ext>
+            </a:extLst>
+          </p:cNvSpPr>
           <p:nvPr/>
         </p:nvSpPr>
         <p:spPr>
           <a:xfrm>
-            <a:off x="8820443" y="3955218"/>
-            <a:ext cx="2446119" cy="1477328"/>
+            <a:off x="8820150" y="3955415"/>
+            <a:ext cx="1973580" cy="640080"/>
           </a:xfrm>
           <a:prstGeom prst="rect">
             <a:avLst/>
           </a:prstGeom>
           <a:noFill/>
-        </p:spPr>
-        <p:txBody>
-          <a:bodyPr wrap="none" rtlCol="0">
-            <a:spAutoFit/>
-          </a:bodyPr>
+          <a:ln>
+            <a:noFill/>
+          </a:ln>
+          <a:effectLst/>
+        </p:spPr>
+        <p:txBody>
+          <a:bodyPr vert="horz" wrap="none" lIns="91440" tIns="45720" rIns="91440" bIns="45720" numCol="1" spcCol="215900" anchor="t"/>
           <a:lstStyle/>
           <a:p>
-            <a:r>
-              <a:rPr lang="en-IT" u="sng" dirty="0"/>
-              <a:t>Kubernetes</a:t>
-            </a:r>
-            <a:r>
-              <a:rPr lang="en-IT" dirty="0"/>
-              <a:t> Pod with</a:t>
-            </a:r>
-          </a:p>
-          <a:p>
-            <a:r>
-              <a:rPr lang="en-IT" u="sng" dirty="0"/>
-              <a:t>Firewall eBPF program</a:t>
-            </a:r>
-          </a:p>
-          <a:p>
-            <a:r>
-              <a:rPr lang="en-GB" dirty="0"/>
-              <a:t>D</a:t>
-            </a:r>
-            <a:r>
-              <a:rPr lang="en-IT" dirty="0"/>
-              <a:t>eployed with </a:t>
-            </a:r>
-            <a:r>
-              <a:rPr lang="en-IT" u="sng" dirty="0"/>
+            <a:pPr>
+              <a:defRPr lang="en-us"/>
+            </a:pPr>
+            <a:r>
+              <a:rPr lang="en-us" u="sng"/>
               <a:t>Polycube</a:t>
             </a:r>
-          </a:p>
-          <a:p>
-            <a:r>
-              <a:rPr lang="en-IT" u="sng" dirty="0"/>
+            <a:r>
+              <a:t> + </a:t>
+            </a:r>
+            <a:r>
+              <a:rPr lang="en-us" u="sng"/>
+              <a:t>Firewall</a:t>
+            </a:r>
+            <a:endParaRPr lang="en-us" u="sng"/>
+          </a:p>
+          <a:p>
+            <a:pPr>
+              <a:defRPr lang="en-us"/>
+            </a:pPr>
+            <a:r>
+              <a:rPr lang="en-us" u="sng"/>
               <a:t>Metricbeat</a:t>
             </a:r>
             <a:r>
-              <a:rPr lang="en-IT" dirty="0"/>
-              <a:t> agent from</a:t>
-            </a:r>
-          </a:p>
-          <a:p>
-            <a:r>
-              <a:rPr lang="en-IT" u="sng" dirty="0"/>
-              <a:t>Elastic Stack</a:t>
-            </a:r>
-          </a:p>
-        </p:txBody>
-      </p:sp>
-      <p:sp>
-        <p:nvSpPr>
-          <p:cNvPr id="12" name="Oval 11">
-            <a:extLst>
-              <a:ext uri="{FF2B5EF4-FFF2-40B4-BE49-F238E27FC236}">
-                <a16:creationId xmlns:a16="http://schemas.microsoft.com/office/drawing/2014/main" id="{C7268AD0-9BDE-0447-AEE3-5EA66B3C905A}"/>
-              </a:ext>
-            </a:extLst>
-          </p:cNvPr>
-          <p:cNvSpPr/>
+              <a:t> + </a:t>
+            </a:r>
+            <a:r>
+              <a:rPr lang="en-us" u="sng"/>
+              <a:t>LCP</a:t>
+            </a:r>
+          </a:p>
+        </p:txBody>
+      </p:sp>
+      <p:sp>
+        <p:nvSpPr>
+          <p:cNvPr id="8" name="Oval 11"/>
+          <p:cNvSpPr>
+            <a:extLst>
+              <a:ext uri="smNativeData">
+                <pr:smNativeData xmlns:pr="smNativeData" xmlns="smNativeData" val="SMDATA_15_OjGNYRMAAAAlAAAAZgAAAA0AAAAAkAAAAEgAAACQAAAASAAAAAAAAAABAAAAAAAAAAEAAABQAAAAAAAAAAAA8D8AAAAAAADwPwAAAAAAAOA/AAAAAAAA4D8AAAAAAADgPwAAAAAAAOA/AAAAAAAA4D8AAAAAAADgPwAAAAAAAOA/AAAAAAAA4D8CAAAAjAAAAAEAAAAAAAAAHK3kDP///wgAAAAAAAAAAAAAAAAAAAAAAAAAAAAAAAAAAAAAZAAAAAEAAABAAAAAAAAAAAAAAAAAAAAAAAAAAAAAAAAAAAAAAAAAAAAAAAAAAAAAAAAAAAAAAAAAAAAAAAAAAAAAAAAAAAAAAAAAAAAAAAAAAAAAAAAAAAAAAAAAAAAAFAAAADwAAAABAAAAAAAAABWAqQB4AAAAAQAAABQAAAAUAAAAFAAAAAEAAAAAAAAAZAAAAGQAAAAAAAAAZAAAAGQAAAAVAAAAYAAAAAAAAAAAAAAADwAAACADAAAAAAAAAAAAAAEAAACgMgAAVgcAAKr4//8BAAAAf39/AAEAAABkAAAAAAAAABQAAABAHwAAAAAAACYAAAAAAAAAwOD//wAAAAAmAAAAZAAAABYAAABMAAAAAAAAAAAAAAAEAAAAAAAAAAEAAADZ4OYKAAAAACgAAAAoAAAAZAAAAGQAAAAAAAAAzMzMAAAAAABQAAAAUAAAAGQAAABkAAAAAAAAABcAAAAUAAAAAAAAAAAAAAD/fwAA/38AAAAAAAAJAAAABAAAAOz/AAAeAAAAaAAAAAAAAAAAAAAAAAAAAAAAAAAAAAAAECcAABAnAAAAAAAAAAAAAAAAAAAAAAAAAAAAAAAAAAAAAAAAAAAAABQAAAAAAAAAwMD/AAAAAABkAAAAMgAAAAAAAABkAAAAAAAAAH9/fwAKAAAAIgAAABgAAAAAAAAAAAAAAAAAAAAAAAAAAAAAAAAAAAAkAAAAJAAAAAAAAAAHAAAAAAAAAAAAAAAAAAAAAAAAAAAAAAAAAAAAf39/ACUAAABYAAAAAAAAAAAAAAAAAAAAAAAAAAAAAAAAAAAAAAAAAAAAAAAAAAAAAAAAAAAAAAA/AAAAAAAAAKCGAQAAAAAAAAAAAAAAAAAMAAAAAQAAAAAAAAAAAAAAAAAAAB8AAABUAAAAHK3kBf///wEAAAAAAAAAAAAAAAAAAAAAAAAAAAAAAAAAAAAAAAAAABWAqQB/f38A2eDmA8zMzADAwP8Af39/AAAAAAAAAAAAAAAAAAAAAAAAAAAAIQAAABgAAAAUAAAAJhAAAHkWAAABGQAAVR8AAAAAAAAmAAAACAAAAP//////////"/>
+              </a:ext>
+            </a:extLst>
+          </p:cNvSpPr>
           <p:nvPr/>
         </p:nvSpPr>
         <p:spPr>
           <a:xfrm>
-            <a:off x="2115624" y="3653075"/>
-            <a:ext cx="1440000" cy="1440000"/>
+            <a:off x="2625090" y="3653155"/>
+            <a:ext cx="1439545" cy="1440180"/>
           </a:xfrm>
           <a:prstGeom prst="ellipse">
             <a:avLst/>
           </a:prstGeom>
-          <a:ln w="76200"/>
-        </p:spPr>
-        <p:style>
-          <a:lnRef idx="2">
-            <a:schemeClr val="accent1">
-              <a:shade val="50000"/>
-            </a:schemeClr>
-          </a:lnRef>
-          <a:fillRef idx="1">
+          <a:solidFill>
             <a:schemeClr val="accent1"/>
-          </a:fillRef>
-          <a:effectRef idx="0">
-            <a:schemeClr val="accent1"/>
-          </a:effectRef>
-          <a:fontRef idx="minor">
-            <a:schemeClr val="lt1"/>
-          </a:fontRef>
-        </p:style>
-        <p:txBody>
-          <a:bodyPr rtlCol="0" anchor="ctr"/>
+          </a:solidFill>
+          <a:ln w="76200" cap="flat" cmpd="sng" algn="ctr">
+            <a:solidFill>
+              <a:srgbClr val="1580A9"/>
+            </a:solidFill>
+            <a:prstDash val="solid"/>
+            <a:headEnd type="none"/>
+            <a:tailEnd type="none"/>
+          </a:ln>
+          <a:effectLst/>
+        </p:spPr>
+        <p:txBody>
+          <a:bodyPr vert="horz" wrap="square" lIns="91440" tIns="45720" rIns="91440" bIns="45720" numCol="1" spcCol="215900" anchor="ctr"/>
           <a:lstStyle/>
           <a:p>
-            <a:pPr algn="ctr"/>
-            <a:r>
-              <a:rPr lang="en-IT" b="1" dirty="0"/>
-              <a:t>ASTRID</a:t>
-            </a:r>
-          </a:p>
-          <a:p>
-            <a:pPr algn="ctr"/>
-            <a:r>
-              <a:rPr lang="en-IT" sz="1400" b="1" dirty="0"/>
+            <a:pPr algn="ctr">
+              <a:defRPr lang="en-us" sz="1400" b="1" cap="none">
+                <a:solidFill>
+                  <a:srgbClr val="FFFFFF"/>
+                </a:solidFill>
+                <a:latin typeface="Calibri" pitchFamily="1" charset="0"/>
+                <a:ea typeface="Calibri" pitchFamily="1" charset="0"/>
+                <a:cs typeface="Calibri" pitchFamily="1" charset="0"/>
+              </a:defRPr>
+            </a:pPr>
+            <a:r>
+              <a:t>Security</a:t>
+            </a:r>
+          </a:p>
+          <a:p>
+            <a:pPr algn="ctr">
+              <a:defRPr lang="en-us" b="1" cap="none">
+                <a:solidFill>
+                  <a:srgbClr val="FFFFFF"/>
+                </a:solidFill>
+                <a:latin typeface="Calibri" pitchFamily="1" charset="0"/>
+                <a:ea typeface="Calibri" pitchFamily="1" charset="0"/>
+                <a:cs typeface="Calibri" pitchFamily="1" charset="0"/>
+              </a:defRPr>
+            </a:pPr>
+            <a:r>
+              <a:rPr lang="en-us" sz="1400" cap="none"/>
               <a:t>Controller</a:t>
             </a:r>
-            <a:endParaRPr lang="en-IT" sz="1600" b="1" dirty="0"/>
-          </a:p>
-          <a:p>
-            <a:pPr algn="ctr"/>
-            <a:r>
-              <a:rPr lang="en-IT" sz="1400" dirty="0"/>
-              <a:t>Kubernetes pod</a:t>
-            </a:r>
-          </a:p>
-        </p:txBody>
-      </p:sp>
-      <p:sp>
-        <p:nvSpPr>
-          <p:cNvPr id="14" name="Oval 13">
-            <a:extLst>
-              <a:ext uri="{FF2B5EF4-FFF2-40B4-BE49-F238E27FC236}">
-                <a16:creationId xmlns:a16="http://schemas.microsoft.com/office/drawing/2014/main" id="{E1DB5E16-20DB-AF40-81CA-0D4ABA056864}"/>
-              </a:ext>
-            </a:extLst>
-          </p:cNvPr>
-          <p:cNvSpPr/>
+          </a:p>
+        </p:txBody>
+      </p:sp>
+      <p:sp>
+        <p:nvSpPr>
+          <p:cNvPr id="9" name="Oval 13"/>
+          <p:cNvSpPr>
+            <a:extLst>
+              <a:ext uri="smNativeData">
+                <pr:smNativeData xmlns:pr="smNativeData" xmlns="smNativeData" val="SMDATA_15_OjGNYRMAAAAlAAAAZgAAAA0AAAAAkAAAAEgAAACQAAAASAAAAAAAAAABAAAAAAAAAAEAAABQAAAAAAAAAAAA8D8AAAAAAADwPwAAAAAAAOA/AAAAAAAA4D8AAAAAAADgPwAAAAAAAOA/AAAAAAAA4D8AAAAAAADgPwAAAAAAAOA/AAAAAAAA4D8CAAAAjAAAAAEAAAAAAAAAHK3kDP///wgAAAAAAAAAAAAAAAAAAAAAAAAAAAAAAAAAAAAAZAAAAAEAAABAAAAAAAAAAAAAAAAAAAAAAAAAAAAAAAAAAAAAAAAAAAAAAAAAAAAAAAAAAAAAAAAAAAAAAAAAAAAAAAAAAAAAAAAAAAAAAAAAAAAAAAAAAAAAAAAAAAAAFAAAADwAAAABAAAAAAAAABWAqQB4AAAAAQAAABQAAAAUAAAAFAAAAAEAAAAAAAAAZAAAAGQAAAAAAAAAZAAAAGQAAAAVAAAAYAAAAAAAAAAAAAAADwAAACADAAAAAAAAAAAAAAEAAACgMgAAVgcAAKr4//8BAAAAf39/AAEAAABkAAAAAAAAABQAAABAHwAAAAAAACYAAAAAAAAAwOD//wAAAAAmAAAAZAAAABYAAABMAAAAAAAAAAAAAAAEAAAAAAAAAAEAAADZ4OYKAAAAACgAAAAoAAAAZAAAAGQAAAAAAAAAzMzMAAAAAABQAAAAUAAAAGQAAABkAAAAAAAAABcAAAAUAAAAAAAAAAAAAAD/fwAA/38AAAAAAAAJAAAABAAAAAAAAAAeAAAAaAAAAAAAAAAAAAAAAAAAAAAAAAAAAAAAECcAABAnAAAAAAAAAAAAAAAAAAAAAAAAAAAAAAAAAAAAAAAAAAAAABQAAAAAAAAAwMD/AAAAAABkAAAAMgAAAAAAAABkAAAAAAAAAH9/fwAKAAAAIgAAABgAAAAAAAAAAAAAAAAAAAAAAAAAAAAAAAAAAAAkAAAAJAAAAAAAAAAHAAAAAAAAAAAAAAAAAAAAAAAAAAAAAAAAAAAAf39/ACUAAABYAAAAAAAAAAAAAAAAAAAAAAAAAAAAAAAAAAAAAAAAAAAAAAAAAAAAAAAAAAAAAAA/AAAAAAAAAKCGAQAAAAAAAAAAAAAAAAAMAAAAAQAAAAAAAAAAAAAAAAAAAB8AAABUAAAAHK3kBf///wEAAAAAAAAAAAAAAAAAAAAAAAAAAAAAAAAAAAAAAAAAABWAqQB/f38A2eDmA8zMzADAwP8Af39/AAAAAAAAAAAAAAAAAAAAAAAAAAAAIQAAABgAAAAUAAAAHRAAANoKAAD5GAAAthMAAAAAAAAmAAAACAAAAP//////////"/>
+              </a:ext>
+            </a:extLst>
+          </p:cNvSpPr>
           <p:nvPr/>
         </p:nvSpPr>
         <p:spPr>
           <a:xfrm>
-            <a:off x="2110374" y="1763917"/>
-            <a:ext cx="1440000" cy="1440000"/>
+            <a:off x="2619375" y="1764030"/>
+            <a:ext cx="1440180" cy="1440180"/>
           </a:xfrm>
           <a:prstGeom prst="ellipse">
             <a:avLst/>
           </a:prstGeom>
-          <a:ln w="76200"/>
-        </p:spPr>
-        <p:style>
-          <a:lnRef idx="2">
-            <a:schemeClr val="accent1">
-              <a:shade val="50000"/>
-            </a:schemeClr>
-          </a:lnRef>
-          <a:fillRef idx="1">
+          <a:solidFill>
             <a:schemeClr val="accent1"/>
-          </a:fillRef>
-          <a:effectRef idx="0">
-            <a:schemeClr val="accent1"/>
-          </a:effectRef>
-          <a:fontRef idx="minor">
-            <a:schemeClr val="lt1"/>
-          </a:fontRef>
-        </p:style>
-        <p:txBody>
-          <a:bodyPr rtlCol="0" anchor="ctr"/>
+          </a:solidFill>
+          <a:ln w="76200" cap="flat" cmpd="sng" algn="ctr">
+            <a:solidFill>
+              <a:srgbClr val="1580A9"/>
+            </a:solidFill>
+            <a:prstDash val="solid"/>
+            <a:headEnd type="none"/>
+            <a:tailEnd type="none"/>
+          </a:ln>
+          <a:effectLst/>
+        </p:spPr>
+        <p:txBody>
+          <a:bodyPr vert="horz" wrap="square" lIns="91440" tIns="45720" rIns="91440" bIns="45720" numCol="1" spcCol="215900" anchor="ctr"/>
           <a:lstStyle/>
           <a:p>
-            <a:pPr algn="ctr"/>
-            <a:r>
-              <a:rPr lang="en-IT" b="1" dirty="0"/>
-              <a:t>Context Broker </a:t>
-            </a:r>
-            <a:r>
-              <a:rPr lang="en-IT" sz="1400" dirty="0"/>
-              <a:t>Kubernetes pod</a:t>
+            <a:pPr algn="ctr">
+              <a:defRPr lang="en-us" sz="1700" b="1" cap="none">
+                <a:solidFill>
+                  <a:srgbClr val="FFFFFF"/>
+                </a:solidFill>
+                <a:latin typeface="Calibri" pitchFamily="1" charset="0"/>
+                <a:ea typeface="Calibri" pitchFamily="1" charset="0"/>
+                <a:cs typeface="Calibri" pitchFamily="1" charset="0"/>
+              </a:defRPr>
+            </a:pPr>
+            <a:r>
+              <a:t>CB</a:t>
+            </a:r>
+          </a:p>
+          <a:p>
+            <a:pPr algn="ctr">
+              <a:defRPr lang="en-us" sz="1700" b="1" cap="none">
+                <a:solidFill>
+                  <a:srgbClr val="FFFFFF"/>
+                </a:solidFill>
+                <a:latin typeface="Calibri" pitchFamily="1" charset="0"/>
+                <a:ea typeface="Calibri" pitchFamily="1" charset="0"/>
+                <a:cs typeface="Calibri" pitchFamily="1" charset="0"/>
+              </a:defRPr>
+            </a:pPr>
+            <a:r>
+              <a:t>Manager</a:t>
             </a:r>
           </a:p>
         </p:txBody>
       </p:sp>
       <p:cxnSp>
         <p:nvCxnSpPr>
-          <p:cNvPr id="16" name="Elbow Connector 15">
-            <a:extLst>
-              <a:ext uri="{FF2B5EF4-FFF2-40B4-BE49-F238E27FC236}">
-                <a16:creationId xmlns:a16="http://schemas.microsoft.com/office/drawing/2014/main" id="{3A364A45-1A37-8E45-B8DF-40C262C5F22B}"/>
-              </a:ext>
-            </a:extLst>
-          </p:cNvPr>
+          <p:cNvPr id="10" name="Elbow Connector 15"/>
           <p:cNvCxnSpPr>
-            <a:cxnSpLocks/>
-            <a:stCxn id="14" idx="4"/>
-            <a:endCxn id="12" idx="0"/>
+            <a:stCxn id="9" idx="4"/>
+            <a:endCxn id="8" idx="0"/>
+            <a:extLst>
+              <a:ext uri="smNativeData">
+                <pr:smNativeData xmlns:pr="smNativeData" xmlns="smNativeData" val="SMDATA_15_OjGNYRMAAAAlAAAADgAAAA0AAAAAkAAAAEgAAACQAAAASAAAAAAAAAAAAAAAAAAAAAEAAABQAAAAAAAAAAAAAAAAAAAAAAAAAAAAAAAAAPA/AAAAAAAA4D8AAAAAAADgPwAAAAAAAOA/AAAAAAAA4D8AAAAAAADgPwAAAAAAAOA/AAAAAAAA4D8CAAAAjAAAAAAAAAAAAAAA////AP///wgAAAAAAAAAAAAAAAAAAAAAAAAAAAAAAAAAAAAAeAAAAAEAAABAAAAAAAAAAAAAAABaAAAAAAAAAAAAAAAAAAAAAAAAAAAAAAAAAAAAAAAAAAAAAAAAAAAAAAAAAAAAAAAAAAAAAAAAAAAAAAAAAAAAAAAAAAAAAAAAAAAAFAAAADwAAAABAAAAAAAAAAAAAABaAAAAAQAAABQAAAAUAAAAFAAAAAEAAAAAAAAAZAAAAGQAAAAAAAAAZAAAAGQAAAAVAAAAYAAAAAAAAAAAAAAADwAAACADAAAAAAAAAAAAAAEAAACgMgAAVgcAAKr4//8BAAAAf39/AAEAAABkAAAAAAAAABQAAABAHwAAAAAAACYAAAAAAAAAwOD//wAAAAAmAAAAZAAAABYAAABMAAAAAAAAAAAAAAAEAAAAAAAAAAEAAADZ4OYKAAAAACgAAAAoAAAAZAAAAGQAAAAAAAAAzMzMAAAAAABQAAAAUAAAAGQAAABkAAAAAAAAABcAAAAUAAAAAAAAAAAAAAD/fwAA/38AAAAAAAAJAAAABAAAAHH+AAAeAAAAaAAAAAAAAAAAAAAAAAAAAAAAAAAAAAAAECcAABAnAAAAAAAAAAAAAAAAAAAAAAAAAAAAAAAAAAAAAAAAAAAAABQAAAAAAAAAwMD/AAAAAABkAAAAMgAAAAAAAABkAAAAAAAAAH9/fwAKAAAAIgAAABgAAAAAAAAAAAAAAAAAAAAAAAAAAAAAAAAAAAAkAAAAJAAAAAAAAAAHAAAAAAAAAAAAAAAAAAAAAAAAAAAAAAAAAAAAf39/ACUAAABYAAAAAAAAAAAAAAAAAAAAAAAAAAAAAAAAAAAAAAAAAAAAAAAAAAAAAAAAAAAAAAA/AAAAAAAAAKCGAQAAAAAAAAAAAAAAAAAMAAAAAQAAAAAAAAAAAAAAAAAAAB8AAABUAAAA////AP///wEAAAAAAAAAAAAAAAAAAAAAAAAAAAAAAAAAAAAAAAAAAAAAAAB/f38A2eDmA8zMzADAwP8Af39/AAAAAAAAAAAAAAAAAAAAAAAAAAAAIQAAABgAAAAUAAAAixQAALYTAACUFAAAeRYAABAAAAAmAAAACAAAAP//////////"/>
+              </a:ext>
+            </a:extLst>
           </p:cNvCxnSpPr>
           <p:nvPr/>
         </p:nvCxnSpPr>
         <p:spPr>
           <a:xfrm rot="16200000" flipH="1">
-            <a:off x="2608420" y="3425871"/>
-            <a:ext cx="449158" cy="5250"/>
-          </a:xfrm>
-          <a:prstGeom prst="bentConnector3">
-            <a:avLst/>
-          </a:prstGeom>
-          <a:ln w="57150">
-            <a:headEnd type="none" w="med" len="med"/>
-            <a:tailEnd type="none" w="med" len="med"/>
-          </a:ln>
-        </p:spPr>
-        <p:style>
-          <a:lnRef idx="1">
-            <a:schemeClr val="dk1"/>
-          </a:lnRef>
-          <a:fillRef idx="0">
-            <a:schemeClr val="dk1"/>
-          </a:fillRef>
-          <a:effectRef idx="0">
-            <a:schemeClr val="dk1"/>
-          </a:effectRef>
-          <a:fontRef idx="minor">
-            <a:schemeClr val="tx1"/>
-          </a:fontRef>
-        </p:style>
-      </p:cxnSp>
-      <p:cxnSp>
-        <p:nvCxnSpPr>
-          <p:cNvPr id="23" name="Elbow Connector 22">
-            <a:extLst>
-              <a:ext uri="{FF2B5EF4-FFF2-40B4-BE49-F238E27FC236}">
-                <a16:creationId xmlns:a16="http://schemas.microsoft.com/office/drawing/2014/main" id="{2F2EA253-B2F4-D844-8AD4-50C3970C8CFA}"/>
-              </a:ext>
-            </a:extLst>
-          </p:cNvPr>
-          <p:cNvCxnSpPr>
-            <a:cxnSpLocks/>
-            <a:stCxn id="5" idx="3"/>
-            <a:endCxn id="7" idx="2"/>
-          </p:cNvCxnSpPr>
-          <p:nvPr/>
-        </p:nvCxnSpPr>
-        <p:spPr>
-          <a:xfrm flipV="1">
-            <a:off x="4135901" y="2081049"/>
-            <a:ext cx="2776431" cy="1240135"/>
+            <a:off x="3117850" y="3425825"/>
+            <a:ext cx="448945" cy="5715"/>
           </a:xfrm>
           <a:prstGeom prst="bentConnector3">
             <a:avLst>
               <a:gd name="adj1" fmla="val 50000"/>
             </a:avLst>
           </a:prstGeom>
-          <a:ln w="57150">
-            <a:headEnd type="none" w="med" len="med"/>
-            <a:tailEnd type="none" w="med" len="med"/>
+          <a:noFill/>
+          <a:ln w="57150" cap="flat" cmpd="sng" algn="ctr">
+            <a:solidFill>
+              <a:srgbClr val="000000"/>
+            </a:solidFill>
+            <a:prstDash val="solid"/>
+            <a:headEnd type="none"/>
+            <a:tailEnd type="none"/>
           </a:ln>
-        </p:spPr>
-        <p:style>
-          <a:lnRef idx="1">
-            <a:schemeClr val="dk1"/>
-          </a:lnRef>
-          <a:fillRef idx="0">
-            <a:schemeClr val="dk1"/>
-          </a:fillRef>
-          <a:effectRef idx="0">
-            <a:schemeClr val="dk1"/>
-          </a:effectRef>
-          <a:fontRef idx="minor">
-            <a:schemeClr val="tx1"/>
-          </a:fontRef>
-        </p:style>
+          <a:effectLst/>
+        </p:spPr>
       </p:cxnSp>
       <p:cxnSp>
         <p:nvCxnSpPr>
-          <p:cNvPr id="27" name="Elbow Connector 26">
-            <a:extLst>
-              <a:ext uri="{FF2B5EF4-FFF2-40B4-BE49-F238E27FC236}">
-                <a16:creationId xmlns:a16="http://schemas.microsoft.com/office/drawing/2014/main" id="{A49C5EB3-1350-A14E-B19D-C0AAE4E783A1}"/>
-              </a:ext>
-            </a:extLst>
-          </p:cNvPr>
+          <p:cNvPr id="11" name="Elbow Connector 22"/>
           <p:cNvCxnSpPr>
-            <a:cxnSpLocks/>
-            <a:stCxn id="5" idx="3"/>
-            <a:endCxn id="8" idx="2"/>
+            <a:stCxn id="2" idx="3"/>
+            <a:endCxn id="4" idx="2"/>
+            <a:extLst>
+              <a:ext uri="smNativeData">
+                <pr:smNativeData xmlns:pr="smNativeData" xmlns="smNativeData" val="SMDATA_15_OjGNYRMAAAAlAAAADgAAAA0AAAAAkAAAAEgAAACQAAAASAAAAAAAAAAAAAAAAgAAAAEAAABQAAAAlj7NKy9aMr8AAAAAAAAAAAAAAAAAAPA/AAAAAAAA4D8AAAAAAADgPwAAAAAAAOA/AAAAAAAA4D8AAAAAAADgPwAAAAAAAOA/AAAAAAAA4D8CAAAAjAAAAAAAAAAAAAAA////AP///wgAAAAAAAAAAAAAAAAAAAAAAAAAAAAAAAAAAAAAeAAAAAEAAABAAAAAAAAAAAAAAABaAAAAAAAAAAAAAAAAAAAAAAAAAAAAAAAAAAAAAAAAAAAAAAAAAAAAAAAAAAAAAAAAAAAAAAAAAAAAAAAAAAAAAAAAAAAAAAAAAAAAFAAAADwAAAABAAAAAAAAAAAAAABaAAAAAQAAABQAAAAUAAAAFAAAAAEAAAAAAAAAZAAAAGQAAAAAAAAAZAAAAGQAAAAVAAAAYAAAAAAAAAAAAAAADwAAACADAAAAAAAAAAAAAAEAAACgMgAAVgcAAKr4//8BAAAAf39/AAEAAABkAAAAAAAAABQAAABAHwAAAAAAACYAAAAAAAAAwOD//wAAAAAmAAAAZAAAABYAAABMAAAAAAAAAAAAAAAEAAAAAAAAAAEAAADZ4OYKAAAAACgAAAAoAAAAZAAAAGQAAAAAAAAAzMzMAAAAAABQAAAAUAAAAGQAAABkAAAAAAAAABcAAAAUAAAAAAAAAAAAAAD/fwAA/38AAAAAAAAJAAAABAAAAA4CAAAeAAAAaAAAAAAAAAAAAAAAAAAAAAAAAAAAAAAAECcAABAnAAAAAAAAAAAAAAAAAAAAAAAAAAAAAAAAAAAAAAAAAAAAABQAAAAAAAAAwMD/AAAAAABkAAAAMgAAAAAAAABkAAAAAAAAAH9/fwAKAAAAIgAAABgAAAAAAAAAAAAAAAAAAAAAAAAAAAAAAAAAAAAkAAAAJAAAAAAAAAAHAAAAAAAAAAAAAAAAAAAAAAAAAAAAAAAAAAAAf39/ACUAAABYAAAAAAAAAAAAAAAAAAAAAAAAAAAAAAAAAAAAAAAAAAAAAAAAAAAAAAAAAAAAAAA/AAAAAAAAAKCGAQAAAAAAAAAAAAAAAAAMAAAAAQAAAAAAAAAAAAAAAAAAAB8AAABUAAAA////AP///wEAAAAAAAAAAAAAAAAAAAAAAAAAAAAAAAAAAAAAAAAAAAAAAAB/f38A2eDmA8zMzADAwP8Af39/AAAAAAAAAAAAAAAAAAAAAAAAAAAAIQAAABgAAAAUAAAAkxwAAM0MAACGKgAAbhQAABAAAAAmAAAACAAAAP//////////"/>
+              </a:ext>
+            </a:extLst>
           </p:cNvCxnSpPr>
           <p:nvPr/>
         </p:nvCxnSpPr>
         <p:spPr>
-          <a:xfrm>
-            <a:off x="4135901" y="3321184"/>
-            <a:ext cx="2776431" cy="1234199"/>
+          <a:xfrm flipV="1">
+            <a:off x="4645025" y="2080895"/>
+            <a:ext cx="2267585" cy="1240155"/>
           </a:xfrm>
           <a:prstGeom prst="bentConnector3">
             <a:avLst>
-              <a:gd name="adj1" fmla="val 50000"/>
+              <a:gd name="adj1" fmla="val 49986"/>
             </a:avLst>
           </a:prstGeom>
-          <a:ln w="57150">
-            <a:headEnd type="none" w="med" len="med"/>
-            <a:tailEnd type="none" w="med" len="med"/>
+          <a:noFill/>
+          <a:ln w="57150" cap="flat" cmpd="sng" algn="ctr">
+            <a:solidFill>
+              <a:srgbClr val="000000"/>
+            </a:solidFill>
+            <a:prstDash val="solid"/>
+            <a:headEnd type="none"/>
+            <a:tailEnd type="none"/>
           </a:ln>
-        </p:spPr>
-        <p:style>
-          <a:lnRef idx="1">
-            <a:schemeClr val="dk1"/>
-          </a:lnRef>
-          <a:fillRef idx="0">
-            <a:schemeClr val="dk1"/>
-          </a:fillRef>
-          <a:effectRef idx="0">
-            <a:schemeClr val="dk1"/>
-          </a:effectRef>
-          <a:fontRef idx="minor">
-            <a:schemeClr val="tx1"/>
-          </a:fontRef>
-        </p:style>
+          <a:effectLst/>
+        </p:spPr>
+      </p:cxnSp>
+      <p:cxnSp>
+        <p:nvCxnSpPr>
+          <p:cNvPr id="12" name="Elbow Connector 26"/>
+          <p:cNvCxnSpPr>
+            <a:stCxn id="2" idx="3"/>
+            <a:endCxn id="5" idx="2"/>
+            <a:extLst>
+              <a:ext uri="smNativeData">
+                <pr:smNativeData xmlns:pr="smNativeData" xmlns="smNativeData" val="SMDATA_15_OjGNYRMAAAAlAAAADgAAAA0AAAAAkAAAAEgAAACQAAAASAAAAAAAAAAAAAAAAAAAAAEAAABQAAAAlj7NKy9aMr8AAAAAAAAAAAAAAAAAAPA/AAAAAAAA4D8AAAAAAADgPwAAAAAAAOA/AAAAAAAA4D8AAAAAAADgPwAAAAAAAOA/AAAAAAAA4D8CAAAAjAAAAAAAAAAAAAAA////AP///wgAAAAAAAAAAAAAAAAAAAAAAAAAAAAAAAAAAAAAeAAAAAEAAABAAAAAAAAAAAAAAABaAAAAAAAAAAAAAAAAAAAAAAAAAAAAAAAAAAAAAAAAAAAAAAAAAAAAAAAAAAAAAAAAAAAAAAAAAAAAAAAAAAAAAAAAAAAAAAAAAAAAFAAAADwAAAABAAAAAAAAAAAAAABaAAAAAQAAABQAAAAUAAAAFAAAAAEAAAAAAAAAZAAAAGQAAAAAAAAAZAAAAGQAAAAVAAAAYAAAAAAAAAAAAAAADwAAACADAAAAAAAAAAAAAAEAAACgMgAAVgcAAKr4//8BAAAAf39/AAEAAABkAAAAAAAAABQAAABAHwAAAAAAACYAAAAAAAAAwOD//wAAAAAmAAAAZAAAABYAAABMAAAAAAAAAAAAAAAEAAAAAAAAAAEAAADZ4OYKAAAAACgAAAAoAAAAZAAAAGQAAAAAAAAAzMzMAAAAAABQAAAAUAAAAGQAAABkAAAAAAAAABcAAAAUAAAAAAAAAAAAAAD/fwAA/38AAAAAAAAJAAAABAAAAEhPTUUeAAAAaAAAAAAAAAAAAAAAAAAAAAAAAAAAAAAAECcAABAnAAAAAAAAAAAAAAAAAAAAAAAAAAAAAAAAAAAAAAAAAAAAABQAAAAAAAAAwMD/AAAAAABkAAAAMgAAAAAAAABkAAAAAAAAAH9/fwAKAAAAIgAAABgAAAAAAAAAAAAAAAAAAAAAAAAAAAAAAAAAAAAkAAAAJAAAAAAAAAAHAAAAAAAAAAAAAAAAAAAAAAAAAAAAAAAAAAAAf39/ACUAAABYAAAAAAAAAAAAAAAAAAAAAAAAAAAAAAAAAAAAAAAAAAAAAAAAAAAAAAAAAAAAAAA/AAAAAAAAAKCGAQAAAAAAAAAAAAAAAAAMAAAAAQAAAAAAAAAAAAAAAAAAAB8AAABUAAAA////AP///wEAAAAAAAAAAAAAAAAAAAAAAAAAAAAAAAAAAAAAAAAAAAAAAAB/f38A2eDmA8zMzADAwP8Af39/AAAAAAAAAAAAAAAAAAAAAAAAAAAAIQAAABgAAAAUAAAAkxwAAG4UAACGKgAABhwAABAAAAAmAAAACAAAAP//////////"/>
+              </a:ext>
+            </a:extLst>
+          </p:cNvCxnSpPr>
+          <p:nvPr/>
+        </p:nvCxnSpPr>
+        <p:spPr>
+          <a:xfrm>
+            <a:off x="4645025" y="3321050"/>
+            <a:ext cx="2267585" cy="1234440"/>
+          </a:xfrm>
+          <a:prstGeom prst="bentConnector3">
+            <a:avLst>
+              <a:gd name="adj1" fmla="val 49986"/>
+            </a:avLst>
+          </a:prstGeom>
+          <a:noFill/>
+          <a:ln w="57150" cap="flat" cmpd="sng" algn="ctr">
+            <a:solidFill>
+              <a:srgbClr val="000000"/>
+            </a:solidFill>
+            <a:prstDash val="solid"/>
+            <a:headEnd type="none"/>
+            <a:tailEnd type="none"/>
+          </a:ln>
+          <a:effectLst/>
+        </p:spPr>
       </p:cxnSp>
       <p:pic>
         <p:nvPicPr>
-          <p:cNvPr id="2050" name="Picture 2" descr="Come funzionano i Container e Kubernetes | Glue Labs">
-            <a:extLst>
-              <a:ext uri="{FF2B5EF4-FFF2-40B4-BE49-F238E27FC236}">
-                <a16:creationId xmlns:a16="http://schemas.microsoft.com/office/drawing/2014/main" id="{246DCF5C-4E9B-B74A-A510-7C54051DCE96}"/>
-              </a:ext>
-            </a:extLst>
-          </p:cNvPr>
+          <p:cNvPr id="13" name="Picture 2" descr="Come funzionano i Container e Kubernetes | Glue Labs"/>
           <p:cNvPicPr>
-            <a:picLocks noChangeAspect="1" noChangeArrowheads="1"/>
+            <a:picLocks noChangeAspect="1"/>
+            <a:extLst>
+              <a:ext uri="smNativeData">
+                <pr:smNativeData xmlns:pr="smNativeData" xmlns="smNativeData" val="SMDATA_17_OjGNYRMAAAAlAAAAEQAAAC0AAAAAkAAAAEgAAACQAAAASAAAAAAAAAAAAAAAAAAAAAEAAABQAAAAAAAAAAAA4D8AAAAAAADgPwAAAAAAAOA/AAAAAAAA4D8AAAAAAADgPwAAAAAAAOA/AAAAAAAA4D8AAAAAAADgPwAAAAAAAOA/AAAAAAAA4D8CAAAAjAAAAAAAAAAAAAAAHK3kDP///wgAAAAAAAAAAAAAAAAAAAAAAAAAAAAAAAAAAAAAZAAAAAEAAABAAAAAAAAAAAAAAAAAAAAAAAAAAAAAAAAAAAAAAAAAAAAAAAAAAAAAAAAAAAAAAAAAAAAAAAAAAAAAAAAAAAAAAAAAAAAAAAAAAAAAAAAAAAAAAAAAAAAAFAAAADwAAAAAAAAAAAAAAAAAAAkUAAAAAQAAABQAAAAUAAAAFAAAAAEAAAAAAAAAZAAAAGQAAAAAAAAAZAAAAGQAAAAVAAAAYAAAAAAAAAAAAAAADwAAACADAAAAAAAAAAAAAAEAAACgMgAAVgcAAKr4//8BAAAAf39/AAEAAABkAAAAAAAAABQAAABAHwAAAAAAACYAAAAAAAAAwOD//wAAAAAmAAAAZAAAABYAAABMAAAAAAAAAAAAAAAEAAAAAAAAAAEAAADZ4OYKAAAAACgAAAAoAAAAZAAAAGQAAAAAAAAAzMzMAAAAAABQAAAAUAAAAGQAAABkAAAAAAAAAAcAAAA4AAAAAAAAAAAAAAAAAAAA////AAAAAAAAAAAAAAAAAAAAAAAAAAAAAAAAAAAAAABkAAAAZAAAAAAAAAAjAAAABAAAAGQAAAAXAAAAFAAAAAAAAAAAAAAA/38AAP9/AAAAAAAACQAAAAQAAAAAAAAAHgAAAGgAAAAAAAAAAAAAAAAAAAAAAAAAAAAAABAnAAAQJwAAAAAAAAAAAAAAAAAAAAAAAAAAAAAAAAAAAAAAAAAAAAAUAAAAAAAAAMDA/wAAAAAAZAAAADIAAAAAAAAAZAAAAAAAAAB/f38ACgAAACIAAAAYAAAAAAAAAAAAAAAAAAAAAAAAAAAAAAAAAAAAJAAAACQAAAAAAAAABwAAAAAAAAAAAAAAAAAAAAAAAAAAAAAAAAAAAH9/fwAlAAAAWAAAAAAAAAAAAAAAAAAAAAAAAAAAAAAAAAAAAAAAAAAAAAAAAAAAAAAAAAAAAAAAPwAAAAAAAACghgEAAAAAAAAAAAAAAAAADAAAAAEAAAAAAAAAAAAAAAAAAAAfAAAAVAAAAByt5AX///8BAAAAAAAAAAAAAAAAAAAAAAAAAAAAAAAAAAAAAAAAAAAAAAACf39/ANng5gPMzMwAwMD/AH9/fwAAAAAAAAAAAAAAAAD///8AAAAAACEAAAAYAAAAFAAAAH43AAAIBAAA1TsAAF8IAAAQAAAAJgAAAAgAAAD//////////w=="/>
+              </a:ext>
+            </a:extLst>
           </p:cNvPicPr>
           <p:nvPr/>
         </p:nvPicPr>
         <p:blipFill>
-          <a:blip r:embed="rId2">
-            <a:extLst>
-              <a:ext uri="{28A0092B-C50C-407E-A947-70E740481C1C}">
-                <a14:useLocalDpi xmlns:a14="http://schemas.microsoft.com/office/drawing/2010/main" val="0"/>
-              </a:ext>
-            </a:extLst>
-          </a:blip>
-          <a:srcRect/>
+          <a:blip r:embed="rId2"/>
           <a:stretch>
             <a:fillRect/>
           </a:stretch>
         </p:blipFill>
-        <p:spPr bwMode="auto">
-          <a:xfrm>
-            <a:off x="9020517" y="655475"/>
-            <a:ext cx="705574" cy="705574"/>
+        <p:spPr>
+          <a:xfrm>
+            <a:off x="9020810" y="655320"/>
+            <a:ext cx="705485" cy="705485"/>
           </a:xfrm>
           <a:prstGeom prst="rect">
             <a:avLst/>
           </a:prstGeom>
           <a:noFill/>
-          <a:extLst>
-            <a:ext uri="{909E8E84-426E-40DD-AFC4-6F175D3DCCD1}">
-              <a14:hiddenFill xmlns:a14="http://schemas.microsoft.com/office/drawing/2010/main">
-                <a:solidFill>
-                  <a:srgbClr val="FFFFFF"/>
-                </a:solidFill>
-              </a14:hiddenFill>
-            </a:ext>
-          </a:extLst>
+          <a:ln>
+            <a:noFill/>
+          </a:ln>
+          <a:effectLst/>
         </p:spPr>
       </p:pic>
       <p:pic>
         <p:nvPicPr>
-          <p:cNvPr id="33" name="Picture 2" descr="Come funzionano i Container e Kubernetes | Glue Labs">
-            <a:extLst>
-              <a:ext uri="{FF2B5EF4-FFF2-40B4-BE49-F238E27FC236}">
-                <a16:creationId xmlns:a16="http://schemas.microsoft.com/office/drawing/2014/main" id="{5924956D-4D96-444D-A10E-9E6224A2DA79}"/>
-              </a:ext>
-            </a:extLst>
-          </p:cNvPr>
+          <p:cNvPr id="14" name="Picture1" descr="Come funzionano i Container e Kubernetes | Glue Labs"/>
           <p:cNvPicPr>
-            <a:picLocks noChangeAspect="1" noChangeArrowheads="1"/>
+            <a:picLocks noChangeAspect="1"/>
+            <a:extLst>
+              <a:ext uri="smNativeData">
+                <pr:smNativeData xmlns:pr="smNativeData" xmlns="smNativeData" val="SMDATA_17_OjGNYRMAAAAlAAAAEQAAAC0AAAAAkAAAAEgAAACQAAAASAAAAAAAAAAAAAAAAAAAAAEAAABQAAAAAAAAAAAA4D8AAAAAAADgPwAAAAAAAOA/AAAAAAAA4D8AAAAAAADgPwAAAAAAAOA/AAAAAAAA4D8AAAAAAADgPwAAAAAAAOA/AAAAAAAA4D8CAAAAjAAAAAAAAAAAAAAAHK3kDP///wgAAAAAAAAAAAAAAAAAAAAAAAAAAAAAAAAAAAAAZAAAAAEAAABAAAAAAAAAAAAAAAAAAAAAAAAAAAAAAAAAAAAAAAAAAAAAAAAAAAAAAAAAAAAAAAAAAAAAAAAAAAAAAAAAAAAAAAAAAAAAAAAAAAAAAAAAAAAAAAAAAAAAFAAAADwAAAAAAAAAAAAAAAAAAAkUAAAAAQAAABQAAAAUAAAAFAAAAAEAAAAAAAAAZAAAAGQAAAAAAAAAZAAAAGQAAAAVAAAAYAAAAAAAAAAAAAAADwAAACADAAAAAAAAAAAAAAEAAACgMgAAVgcAAKr4//8BAAAAf39/AAEAAABkAAAAAAAAABQAAABAHwAAAAAAACYAAAAAAAAAwOD//wAAAAAmAAAAZAAAABYAAABMAAAAAAAAAAAAAAAEAAAAAAAAAAEAAADZ4OYKAAAAACgAAAAoAAAAZAAAAGQAAAAAAAAAzMzMAAAAAABQAAAAUAAAAGQAAABkAAAAAAAAAAcAAAA4AAAAAAAAAAAAAAAAAAAA////AAAAAAAAAAAAAAAAAAAAAAAAAAAAAAAAAAAAAABkAAAAZAAAAAAAAAAjAAAABAAAAGQAAAAXAAAAFAAAAAAAAAAAAAAA/38AAP9/AAAAAAAACQAAAAQAAAB+Ql0hHgAAAGgAAAAAAAAAAAAAAAAAAAAAAAAAAAAAABAnAAAQJwAAAAAAAAAAAAAAAAAAAAAAAAAAAAAAAAAAAAAAAAAAAAAUAAAAAAAAAMDA/wAAAAAAZAAAADIAAAAAAAAAZAAAAAAAAAB/f38ACgAAACIAAAAYAAAAAAAAAAAAAAAAAAAAAAAAAAAAAAAAAAAAJAAAACQAAAAAAAAABwAAAAAAAAAAAAAAAAAAAAAAAAAAAAAAAAAAAH9/fwAlAAAAWAAAAAAAAAAAAAAAAAAAAAAAAAAAAAAAAAAAAAAAAAAAAAAAAAAAAAAAAAAAAAAAPwAAAAAAAACghgEAAAAAAAAAAAAAAAAADAAAAAEAAAAAAAAAAAAAAAAAAAAfAAAAVAAAAByt5AX///8BAAAAAAAAAAAAAAAAAAAAAAAAAAAAAAAAAAAAAAAAAAAAAAACf39/ANng5gPMzMwAwMD/AH9/fwAAAAAAAAAAAAAAAAD///8AAAAAACEAAAAYAAAAFAAAAH43AAD+EwAA1TsAAFUYAAAQAAAAJgAAAAgAAAD//////////w=="/>
+              </a:ext>
+            </a:extLst>
           </p:cNvPicPr>
           <p:nvPr/>
         </p:nvPicPr>
         <p:blipFill>
-          <a:blip r:embed="rId2">
-            <a:extLst>
-              <a:ext uri="{28A0092B-C50C-407E-A947-70E740481C1C}">
-                <a14:useLocalDpi xmlns:a14="http://schemas.microsoft.com/office/drawing/2010/main" val="0"/>
-              </a:ext>
-            </a:extLst>
-          </a:blip>
-          <a:srcRect/>
+          <a:blip r:embed="rId2"/>
           <a:stretch>
             <a:fillRect/>
           </a:stretch>
         </p:blipFill>
-        <p:spPr bwMode="auto">
-          <a:xfrm>
-            <a:off x="9020517" y="3249644"/>
-            <a:ext cx="705574" cy="705574"/>
+        <p:spPr>
+          <a:xfrm>
+            <a:off x="9020810" y="3249930"/>
+            <a:ext cx="705485" cy="705485"/>
           </a:xfrm>
           <a:prstGeom prst="rect">
             <a:avLst/>
           </a:prstGeom>
           <a:noFill/>
-          <a:extLst>
-            <a:ext uri="{909E8E84-426E-40DD-AFC4-6F175D3DCCD1}">
-              <a14:hiddenFill xmlns:a14="http://schemas.microsoft.com/office/drawing/2010/main">
+          <a:ln>
+            <a:noFill/>
+          </a:ln>
+          <a:effectLst/>
+        </p:spPr>
+      </p:pic>
+      <p:sp>
+        <p:nvSpPr>
+          <p:cNvPr id="15" name="Rectangle1"/>
+          <p:cNvSpPr>
+            <a:extLst>
+              <a:ext uri="smNativeData">
+                <pr:smNativeData xmlns:pr="smNativeData" xmlns="smNativeData" val="SMDATA_15_OjGNYRMAAAAlAAAAZAAAAA0AAAAAkAAAAEgAAACQAAAASAAAAAAAAAABAAAAAwAAAAEAAABQAAAAAAAAAAAA4D8AAAAAAADgPwAAAAAAAOA/AAAAAAAA4D8AAAAAAADgPwAAAAAAAOA/AAAAAAAA4D8AAAAAAADgPwAAAAAAAOA/AAAAAAAA4D8CAAAAjAAAAAEAAAAAAAAA2eDmCpLL8QAAAAAAAAAAAAAAAAAAAAAAAAAAAAAAAAAAAAAAZAAAAAEAAABAAAAAAAAAAGQAAAAAAAAAAAAAAAEAAAA3AAAAptP0AAAAAAAAAAAAAAAAAAAAAAAAAAAAAAAAAAAAAAAAAAAAAAAAAAAAAAAAAAAAAAAAAAAAAAAAAAAAFAAAADwAAAABAAAAAgAAAByt5Ax4AAAAAQAAABQAAAAUAAAAFAAAAAEAAAAAAAAAZAAAAGQAAAAAAAAAZAAAAGQAAAAVAAAAYAAAAAAAAAAAAAAAAAAAAAAAAAAAAAAAAAAAAAAAAAAAAAAAAAAAAAAAAAAAAAAAAAAACQAAAAAAAAAAAAAAAAAAAAAAAAAAAAAAAAAAAAAAAAAAAAAAAAAAAAAAAAAAAAAAABYAAABMAAAAAAAAAAAAAAAAAAAAAAAAAAAAAAAAAAAJAAAAAAAAAAAAAAAAAAAAAAAAAAAAAAAAAAAAAAAAAAAAAAAAAAAAAAAAAAAAAAAAAAAAABcAAAAUAAAAAAAAAAAAAAD/fwAA/38AAAAAAAAJAAAABAAAACIAAAAeAAAAaAAAAAAAAAAAAAAAAAAAAAAAAAAAAAAAECcAABAnAAAAAAAAAAAAAAAAAAAAAAAAAAAAAAAAAAAAAAAAAAAAABQAAAAAAAAAwMD/AAAAAABkAAAAMgAAAAAAAABkAAAAAAAAAH9/fwAKAAAAIgAAABgAAAAAAAAAAAAAAAAAAAAAAAAAAAAAAAAAAAAkAAAAJAAAAAAAAAAHAAAAAAAAAAAAAAAAAAAAAAAAAAAAAAAAAAAAf39/ACUAAABYAAAAAAAAAAAAAAAAAAAAAAAAAAAAAAAAAAAAAAAAAAAAAAAAAAAAAAAAAAAAAAA/AAAAAAAAAKCGAQAAAAAAAAAAAAAAAAAMAAAAAQAAAAAAAAAAAAAAAAAAAB8AAABUAAAA2eDmA5LL8QCm0/QAAAAAAAAAAAAAAAAAAAAAAAAAAAAAAAAAAAAAAByt5AUAAAACAAAAAgAAAADAwP8Af39/AAAAAAAAAAAAAAAAAAAAAAAAAAAAIQAAABgAAAAUAAAAIgUAADMHAACuCgAAZiEAAAAAAAAmAAAACAAAAP//////////"/>
+              </a:ext>
+            </a:extLst>
+          </p:cNvSpPr>
+          <p:nvPr/>
+        </p:nvSpPr>
+        <p:spPr>
+          <a:xfrm>
+            <a:off x="834390" y="1170305"/>
+            <a:ext cx="901700" cy="4258945"/>
+          </a:xfrm>
+          <a:prstGeom prst="rect">
+            <a:avLst/>
+          </a:prstGeom>
+          <a:solidFill>
+            <a:schemeClr val="bg2"/>
+          </a:solidFill>
+          <a:ln w="76200" cap="flat" cmpd="sng" algn="ctr">
+            <a:solidFill>
+              <a:schemeClr val="accent1"/>
+            </a:solidFill>
+            <a:prstDash val="sysDash"/>
+            <a:headEnd type="none"/>
+            <a:tailEnd type="none"/>
+          </a:ln>
+          <a:effectLst/>
+        </p:spPr>
+        <p:txBody>
+          <a:bodyPr vert="vert270" wrap="square" lIns="91440" tIns="45720" rIns="91440" bIns="45720" numCol="1" spcCol="215900" anchor="ctr"/>
+          <a:lstStyle/>
+          <a:p>
+            <a:pPr algn="ctr">
+              <a:defRPr lang="en-us" sz="2000" b="1" cap="none">
                 <a:solidFill>
-                  <a:srgbClr val="FFFFFF"/>
+                  <a:srgbClr val="000000"/>
                 </a:solidFill>
-              </a14:hiddenFill>
-            </a:ext>
-          </a:extLst>
-        </p:spPr>
-      </p:pic>
+                <a:latin typeface="Calibri" pitchFamily="1" charset="0"/>
+                <a:ea typeface="Calibri" pitchFamily="1" charset="0"/>
+                <a:cs typeface="Calibri" pitchFamily="1" charset="0"/>
+              </a:defRPr>
+            </a:pPr>
+            <a:r>
+              <a:t>Security Dashboard</a:t>
+            </a:r>
+          </a:p>
+        </p:txBody>
+      </p:sp>
+      <p:sp>
+        <p:nvSpPr>
+          <p:cNvPr id="16" name="Textbox1"/>
+          <p:cNvSpPr txBox="1">
+            <a:extLst>
+              <a:ext uri="smNativeData">
+                <pr:smNativeData xmlns:pr="smNativeData" xmlns="smNativeData" val="SMDATA_15_OjGNYRMAAAAlAAAAEgAAAA8BAAAAkAAAAEgAAACQAAAASAAAAAAAAAAAAAAAAAAAAAEAAABQAAAAAAAAAAAA4D8AAAAAAADgPwAAAAAAAOA/AAAAAAAA4D8AAAAAAADgPwAAAAAAAOA/AAAAAAAA4D8AAAAAAADgPwAAAAAAAOA/AAAAAAAA4D8CAAAAjAAAAAAAAAAAAAAAHK3kDP///wgAAAAAAAAAAAAAAAAAAAAAAAAAAAAAAAAAAAAAZAAAAAEAAABAAAAAAAAAAAAAAAAAAAAAAAAAAAAAAAAAAAAAAAAAAAAAAAAAAAAAAAAAAAAAAAAAAAAAAAAAAAAAAAAAAAAAAAAAAAAAAAAAAAAAAAAAAAAAAAAAAAAAFAAAADwAAAAAAAAAAAAAAAAAAAkUAAAAAQAAABQAAAAUAAAAFAAAAAEAAAAAAAAAZAAAAGQAAAAAAAAAZAAAAGQAAAAVAAAAYAAAAAAAAAAAAAAADwAAACADAAAAAAAAAAAAAAEAAACgMgAAVgcAAKr4//8BAAAAf39/AAEAAABkAAAAAAAAABQAAABAHwAAAAAAACYAAAAAAAAAwOD//wAAAAAmAAAAZAAAABYAAABMAAAAAAAAAAAAAAAEAAAAAAAAAAEAAADZ4OYKAAAAACgAAAAoAAAAZAAAAGQAAAAAAAAAzMzMAAAAAABQAAAAUAAAAGQAAABkAAAAAAAAABcAAAAUAAAAAAAAANwIAAD/fwAA/38AAAAAAAAJAAAABAAAAAAAAAAeAAAAaAAAAAAAAAAAAAAAAAAAAAAAAAAAAAAAECcAABAnAAAAAAAAAAAAAAAAAAAAAAAAAAAAAAAAAAAAAAAAAAAAABQAAAAAAAAAwMD/AAAAAABkAAAAMgAAAAAAAABkAAAAAAAAAH9/fwAKAAAAIgAAABgAAAAAAAAAAAAAAAAAAAAAAAAAAAAAAAAAAAAkAAAAJAAAAAAAAAAHAAAAAAAAAAAAAAAAAAAAAAAAAAAAAAAAAAAAf39/ACUAAABYAAAAAAAAAAAAAAAAAAAAAAAAAAAAAAAAAAAAAAAAAAAAAAAAAAAAAAAAAAAAAAA/AAAAAAAAAKCGAQAAAAAAAAAAAAAAAAAMAAAAAQAAAAAAAAAAAAAAAAAAAB8AAABUAAAAHK3kBf///wEAAAAAAAAAAAAAAAAAAAAAAAAAAAAAAAAAAAAAAAAAAAAAAAJ/f38A2eDmA8zMzADAwP8Af39/AAAAAAAAAAAAAAAAAAAAAAAAAAAAIQAAABgAAAAUAAAAAAAAAJUnAAAASwAAMCoAAAAAAAAmAAAACAAAAP//////////"/>
+              </a:ext>
+            </a:extLst>
+          </p:cNvSpPr>
+          <p:nvPr/>
+        </p:nvSpPr>
+        <p:spPr>
+          <a:xfrm>
+            <a:off x="0" y="6434455"/>
+            <a:ext cx="12192000" cy="423545"/>
+          </a:xfrm>
+          <a:prstGeom prst="rect">
+            <a:avLst/>
+          </a:prstGeom>
+          <a:noFill/>
+          <a:ln>
+            <a:noFill/>
+          </a:ln>
+          <a:effectLst/>
+        </p:spPr>
+        <p:txBody>
+          <a:bodyPr vert="horz" wrap="square" numCol="1" spcCol="215900" anchor="t"/>
+          <a:lstStyle/>
+          <a:p>
+            <a:pPr algn="ctr">
+              <a:defRPr lang="en-us" sz="2000" b="1" cap="none">
+                <a:solidFill>
+                  <a:schemeClr val="bg1"/>
+                </a:solidFill>
+              </a:defRPr>
+            </a:pPr>
+            <a:r>
+              <a:t>ASTRID Framework - Installation</a:t>
+            </a:r>
+          </a:p>
+        </p:txBody>
+      </p:sp>
     </p:spTree>
-    <p:extLst>
-      <p:ext uri="{BB962C8B-B14F-4D97-AF65-F5344CB8AC3E}">
-        <p14:creationId xmlns:p14="http://schemas.microsoft.com/office/powerpoint/2010/main" val="3336190093"/>
-      </p:ext>
-    </p:extLst>
   </p:cSld>
   <p:clrMapOvr>
     <a:masterClrMapping/>
   </p:clrMapOvr>
+  <p:timing>
+    <p:tnLst>
+      <p:par>
+        <p:cTn id="1" dur="indefinite" restart="never" nodeType="tmRoot"/>
+      </p:par>
+    </p:tnLst>
+  </p:timing>
 </p:sld>
 </file>
 
 <file path=ppt/slides/slide3.xml><?xml version="1.0" encoding="utf-8"?>
-<p:sld xmlns:a="http://schemas.openxmlformats.org/drawingml/2006/main" xmlns:r="http://schemas.openxmlformats.org/officeDocument/2006/relationships" xmlns:p="http://schemas.openxmlformats.org/presentationml/2006/main">
+<p:sld xmlns:p="http://schemas.openxmlformats.org/presentationml/2006/main" xmlns:mc="http://schemas.openxmlformats.org/markup-compatibility/2006" xmlns:p14="http://schemas.microsoft.com/office/powerpoint/2010/main" xmlns:p15="http://schemas.microsoft.com/office/powerpoint/2012/main" xmlns:r="http://schemas.openxmlformats.org/officeDocument/2006/relationships" xmlns:a="http://schemas.openxmlformats.org/drawingml/2006/main" mc:Ignorable="p14">
   <p:cSld>
     <p:bg>
       <p:bgPr>
-        <a:blipFill dpi="0" rotWithShape="1">
-          <a:blip r:embed="rId2">
-            <a:lum/>
-          </a:blip>
+        <a:blipFill>
+          <a:blip r:embed="rId2"/>
           <a:srcRect/>
-          <a:stretch>
-            <a:fillRect l="-4000" r="-4000"/>
-          </a:stretch>
+          <a:stretch/>
         </a:blipFill>
         <a:effectLst/>
       </p:bgPr>
@@ -4779,20 +5980,20 @@
       </p:grpSpPr>
       <p:sp>
         <p:nvSpPr>
-          <p:cNvPr id="15" name="TextBox 14">
-            <a:extLst>
-              <a:ext uri="{FF2B5EF4-FFF2-40B4-BE49-F238E27FC236}">
-                <a16:creationId xmlns:a16="http://schemas.microsoft.com/office/drawing/2014/main" id="{03D08928-7FB6-C347-8C88-18DC7D50D7B3}"/>
-              </a:ext>
-            </a:extLst>
-          </p:cNvPr>
-          <p:cNvSpPr txBox="1"/>
+          <p:cNvPr id="2" name="TextBox 14"/>
+          <p:cNvSpPr>
+            <a:extLst>
+              <a:ext uri="smNativeData">
+                <pr:smNativeData xmlns:pr="smNativeData" xmlns="smNativeData" val="SMDATA_15_OjGNYRMAAAAlAAAAZAAAAE0AAAAAkAAAAEgAAACQAAAASAAAAAAAAAAAAAAAAAAAAAEAAABQAAAAAAAAAAAA4D8AAAAAAADgPwAAAAAAAOA/AAAAAAAA4D8AAAAAAADgPwAAAAAAAOA/AAAAAAAA4D8AAAAAAADgPwAAAAAAAOA/AAAAAAAA4D8CAAAAjAAAAAEAAAAAAAAAJoPHAP///wgAAAAAAAAAAAAAAAAAAAAAAAAAAAAAAAAAAAAAeAAAAAEAAABAAAAAAAAAAAAAAABaAAAAAAAAAAAAAAAAAAAAAAAAAAAAAAAAAAAAAAAAAAAAAAAAAAAAAAAAAAAAAAAAAAAAAAAAAAAAAAAAAAAAAAAAAAAAAAAAAAAAFAAAADwAAAAAAAAAAAAAAAAAAAkUAAAAAQAAABQAAAAUAAAAFAAAAAEAAAAAAAAAZAAAAGQAAAAAAAAAZAAAAGQAAAAVAAAAYAAAAAAAAAAAAAAADwAAACADAAAAAAAAAAAAAAEAAACgMgAAVgcAAKr4//8BAAAAf39/AAEAAABkAAAAAAAAABQAAABAHwAAAAAAACYAAAAAAAAAwOD//wAAAAAmAAAAZAAAABYAAABMAAAAAAAAAAAAAAAEAAAAAAAAAAEAAADZ4OYKAAAAACgAAAAoAAAAZAAAAGQAAAAAAAAAzMzMAAAAAABQAAAAUAAAAGQAAABkAAAAAAAAABcAAAAUAAAAAAAAAAAAAAD/fwAA/38AAAAAAAAJAAAABAAAAAAAAAAeAAAAaAAAAAAAAAAAAAAAAAAAAAAAAAAAAAAAECcAABAnAAAAAAAAAAAAAAAAAAAAAAAAAAAAAAAAAAAAAAAAAAAAABQAAAAAAAAAwMD/AAAAAABkAAAAMgAAAAAAAABkAAAAAAAAAH9/fwAKAAAAIgAAABgAAAAAAAAAAAAAAAAAAAAAAAAAAAAAAAAAAAAkAAAAJAAAAAAAAAAHAAAAAAAAAAAAAAAAAAAAAAAAAAAAAAAAAAAAf39/ACUAAABYAAAAAAAAAAAAAAAAAAAAAAAAAAAAAAAAAAAAAAAAAAAAAAAAAAAAAAAAAAAAAAA/AAAAAAAAAKCGAQAAAAAAAAAAAAAAAAAMAAAAAQAAAAAAAAAAAAAAAAAAAB8AAABUAAAAJoPHAP///wEAAAAAAAAAAAAAAAAAAAAAAAAAAAAAAAAAAAAAAAAAAAAAAAJ/f38A2eDmA8zMzADAwP8Af39/AAAAAAAAAAAAAAAAAAAAAAAAAAAAIQAAABgAAAAUAAAA/f///wAAAAAASwAARgIAABAgAAAmAAAACAAAAP//////////"/>
+              </a:ext>
+            </a:extLst>
+          </p:cNvSpPr>
           <p:nvPr/>
         </p:nvSpPr>
         <p:spPr>
           <a:xfrm>
-            <a:off x="-1904" y="0"/>
-            <a:ext cx="12193904" cy="369332"/>
+            <a:off x="-1905" y="0"/>
+            <a:ext cx="12193905" cy="369570"/>
           </a:xfrm>
           <a:prstGeom prst="rect">
             <a:avLst/>
@@ -4800,52 +6001,74 @@
           <a:solidFill>
             <a:srgbClr val="2683C7"/>
           </a:solidFill>
-          <a:ln w="38100">
+          <a:ln>
             <a:noFill/>
-            <a:prstDash val="solid"/>
           </a:ln>
-        </p:spPr>
-        <p:txBody>
-          <a:bodyPr wrap="square" rtlCol="0">
-            <a:spAutoFit/>
-          </a:bodyPr>
+          <a:effectLst/>
+        </p:spPr>
+        <p:txBody>
+          <a:bodyPr vert="horz" wrap="square" lIns="91440" tIns="45720" rIns="91440" bIns="45720" numCol="1" spcCol="215900" anchor="t"/>
           <a:lstStyle>
-            <a:defPPr>
-              <a:defRPr lang="en-US"/>
-            </a:defPPr>
             <a:lvl1pPr>
-              <a:defRPr>
+              <a:defRPr lang="en-us" cap="none">
                 <a:solidFill>
                   <a:schemeClr val="bg1"/>
                 </a:solidFill>
               </a:defRPr>
             </a:lvl1pPr>
+            <a:lvl2pPr>
+              <a:defRPr lang="en-us"/>
+            </a:lvl2pPr>
+            <a:lvl3pPr>
+              <a:defRPr lang="en-us"/>
+            </a:lvl3pPr>
+            <a:lvl4pPr>
+              <a:defRPr lang="en-us"/>
+            </a:lvl4pPr>
+            <a:lvl5pPr>
+              <a:defRPr lang="en-us"/>
+            </a:lvl5pPr>
+            <a:lvl6pPr>
+              <a:defRPr lang="en-us"/>
+            </a:lvl6pPr>
+            <a:lvl7pPr>
+              <a:defRPr lang="en-us"/>
+            </a:lvl7pPr>
+            <a:lvl8pPr>
+              <a:defRPr lang="en-us"/>
+            </a:lvl8pPr>
+            <a:lvl9pPr>
+              <a:defRPr lang="en-us"/>
+            </a:lvl9pPr>
           </a:lstStyle>
           <a:p>
-            <a:pPr algn="ctr"/>
-            <a:r>
-              <a:rPr lang="en-GB" dirty="0"/>
+            <a:pPr algn="ctr">
+              <a:defRPr lang="en-us"/>
+            </a:pPr>
+            <a:r>
+              <a:rPr lang="en-gb" cap="none"/>
               <a:t>The ASTRID project has received funding from the Horizon 2020 EU research &amp; innovation programme under GA No 786922.</a:t>
             </a:r>
-          </a:p>
-        </p:txBody>
-      </p:sp>
-      <p:sp>
-        <p:nvSpPr>
-          <p:cNvPr id="16" name="Rectangle 15">
-            <a:extLst>
-              <a:ext uri="{FF2B5EF4-FFF2-40B4-BE49-F238E27FC236}">
-                <a16:creationId xmlns:a16="http://schemas.microsoft.com/office/drawing/2014/main" id="{D5CBD253-BD1B-7445-B137-D336FEE4D6FA}"/>
-              </a:ext>
-            </a:extLst>
-          </p:cNvPr>
-          <p:cNvSpPr/>
+            <a:endParaRPr lang="en-gb" cap="none"/>
+          </a:p>
+        </p:txBody>
+      </p:sp>
+      <p:sp>
+        <p:nvSpPr>
+          <p:cNvPr id="3" name="Rectangle 15"/>
+          <p:cNvSpPr>
+            <a:extLst>
+              <a:ext uri="smNativeData">
+                <pr:smNativeData xmlns:pr="smNativeData" xmlns="smNativeData" val="SMDATA_15_OjGNYRMAAAAlAAAAZAAAAA0AAAAAkAAAAEgAAACQAAAASAAAAAAAAAAAAAAAAAAAAAEAAABQAAAAAAAAAAAA4D8AAAAAAADgPwAAAAAAAOA/AAAAAAAA4D8AAAAAAADgPwAAAAAAAOA/AAAAAAAA4D8AAAAAAADgPwAAAAAAAOA/AAAAAAAA4D8CAAAAjAAAAAEAAAAAAAAAHK3kDP///wgAAAAAAAAAAAAAAAAAAAAAAAAAAAAAAAAAAAAAZAAAAAEAAABAAAAAAAAAAAAAAAAAAAAAAAAAAAAAAAAAAAAAAAAAAAAAAAAAAAAAAAAAAAAAAAAAAAAAAAAAAAAAAAAAAAAAAAAAAAAAAAAAAAAAAAAAAAAAAAAAAAAAFAAAADwAAAAAAAAAAAAAABWAqQAZAAAAAQAAABQAAAAUAAAAFAAAAAEAAAAAAAAAZAAAAGQAAAAAAAAAZAAAAGQAAAAVAAAAYAAAAAAAAAAAAAAADwAAACADAAAAAAAAAAAAAAEAAACgMgAAVgcAAKr4//8BAAAAf39/AAEAAABkAAAAAAAAABQAAABAHwAAAAAAACYAAAAAAAAAwOD//wAAAAAmAAAAZAAAABYAAABMAAAAAAAAAAAAAAAEAAAAAAAAAAEAAADZ4OYKAAAAACgAAAAoAAAAZAAAAGQAAAAAAAAAzMzMAAAAAABQAAAAUAAAAGQAAABkAAAAAAAAABcAAAAUAAAAAAAAAAAAAAD/fwAA/38AAAAAAAAJAAAABAAAAAAAAAAeAAAAaAAAAAAAAAAAAAAAAAAAAAAAAAAAAAAAECcAABAnAAAAAAAAAAAAAAAAAAAAAAAAAAAAAAAAAAAAAAAAAAAAABQAAAAAAAAAwMD/AAAAAABkAAAAMgAAAAAAAABkAAAAAAAAAH9/fwAKAAAAIgAAABgAAAAAAAAAAAAAAAAAAAAAAAAAAAAAAAAAAAAkAAAAJAAAAAAAAAAHAAAAAAAAAAAAAAAAAAAAAAAAAAAAAAAAAAAAf39/ACUAAABYAAAAAAAAAAAAAAAAAAAAAAAAAAAAAAAAAAAAAAAAAAAAAAAAAAAAAAAAAAAAAAA/AAAAAAAAAKCGAQAAAAAAAAAAAAAAAAAMAAAAAQAAAAAAAAAAAAAAAAAAAB8AAABUAAAAHK3kBf///wEAAAAAAAAAAAAAAAAAAAAAAAAAAAAAAAAAAAAAAAAAABWAqQB/f38A2eDmA8zMzADAwP8Af39/AAAAAAAAAAAAAAAAAAAAAAAAAAAAIQAAABgAAAAUAAAA/f///0YCAAD4SgAAqgIAABAAAAAmAAAACAAAAP//////////"/>
+              </a:ext>
+            </a:extLst>
+          </p:cNvSpPr>
           <p:nvPr/>
         </p:nvSpPr>
         <p:spPr>
           <a:xfrm>
-            <a:off x="-1904" y="369332"/>
-            <a:ext cx="12188825" cy="64008"/>
+            <a:off x="-1905" y="369570"/>
+            <a:ext cx="12188825" cy="63500"/>
           </a:xfrm>
           <a:prstGeom prst="rect">
             <a:avLst/>
@@ -4856,74 +6079,68 @@
           <a:ln>
             <a:noFill/>
           </a:ln>
-        </p:spPr>
-        <p:style>
-          <a:lnRef idx="2">
-            <a:schemeClr val="accent1">
-              <a:shade val="50000"/>
-            </a:schemeClr>
-          </a:lnRef>
-          <a:fillRef idx="1">
-            <a:schemeClr val="accent1"/>
-          </a:fillRef>
-          <a:effectRef idx="0">
-            <a:schemeClr val="accent1"/>
-          </a:effectRef>
-          <a:fontRef idx="minor">
-            <a:schemeClr val="lt1"/>
-          </a:fontRef>
-        </p:style>
-      </p:sp>
-      <p:sp>
-        <p:nvSpPr>
-          <p:cNvPr id="10" name="TextBox 9">
-            <a:extLst>
-              <a:ext uri="{FF2B5EF4-FFF2-40B4-BE49-F238E27FC236}">
-                <a16:creationId xmlns:a16="http://schemas.microsoft.com/office/drawing/2014/main" id="{874FB4A7-0ED1-F642-9F89-FB7C87D1DCA5}"/>
-              </a:ext>
-            </a:extLst>
-          </p:cNvPr>
-          <p:cNvSpPr txBox="1"/>
+          <a:effectLst/>
+        </p:spPr>
+      </p:sp>
+      <p:sp>
+        <p:nvSpPr>
+          <p:cNvPr id="4" name="TextBox 9"/>
+          <p:cNvSpPr>
+            <a:extLst>
+              <a:ext uri="smNativeData">
+                <pr:smNativeData xmlns:pr="smNativeData" xmlns="smNativeData" val="SMDATA_15_OjGNYRMAAAAlAAAAZAAAAE0AAAAAkAAAAEgAAACQAAAASAAAAAAAAAAAAAAAAAAAAAEAAABQAAAAAAAAAAAA4D8AAAAAAADgPwAAAAAAAOA/AAAAAAAA4D8AAAAAAADgPwAAAAAAAOA/AAAAAAAA4D8AAAAAAADgPwAAAAAAAOA/AAAAAAAA4D8CAAAAjAAAAAAAAAAAAAAAHK3kDP///wgAAAAAAAAAAAAAAAAAAAAAAAAAAAAAAAAAAAAAZAAAAAEAAABAAAAAAAAAAAAAAAAAAAAAAAAAAAAAAAAAAAAAAAAAAAAAAAAAAAAAAAAAAAAAAAAAAAAAAAAAAAAAAAAAAAAAAAAAAAAAAAAAAAAAAAAAAAAAAAAAAAAAFAAAADwAAAAAAAAAAAAAAAAAAAAPAAAAAQAAACMAAAAjAAAAIwAAAB4AAAAAAAAAZAAAAGQAAAAAAAAAZAAAAGQAAAAVAAAAYAAAAAAAAAAAAAAADwAAACADAAAAAAAAAAAAAAEAAACgMgAAVgcAAKr4//8BAAAAf39/AAEAAABkAAAAAAAAABQAAABAHwAAAAAAACYAAAAAAAAAwOD//wAAAAAmAAAAZAAAABYAAABMAAAAAAAAAAAAAAAEAAAAAAAAAAEAAADZ4OYKAAAAACgAAAAoAAAAZAAAAGQAAAAAAAAAzMzMAAAAAABQAAAAUAAAAGQAAABkAAAAAAAAABcAAAAUAAAAAAAAAAAAAAD/fwAA/38AAAAAAAAJAAAABAAAAAAAAAAeAAAAaAAAAAAAAAAAAAAAAAAAAAAAAAAAAAAAECcAABAnAAAAAAAAAAAAAAAAAAAAAAAAAAAAAAAAAAAAAAAAAAAAABQAAAAAAAAAwMD/AAAAAABkAAAAMgAAAAAAAABkAAAAAAAAAH9/fwAKAAAAIgAAABgAAAAAAAAAAAAAAAAAAAAAAAAAAAAAAAAAAAAkAAAAJAAAAAAAAAAHAAAAAAAAAAAAAAAAAAAAAAAAAAAAAAAAAAAAf39/ACUAAABYAAAAAAAAAAAAAAAAAAAAAAAAAAAAAAAAAAAAAAAAAAAAAAAAAAAAAAAAAAAAAAA/AAAAAAAAAKCGAQAAAAAAAAAAAAAAAAAMAAAAAQAAAAAAAAAAAAAAAAAAAB8AAABUAAAAHK3kBf///wEAAAAAAAAAAAAAAAAAAAAAAAAAAAAAAAAAAAAAAAAAAAAAAAB/f38A2eDmA8zMzADAwP8Af39/AAAAAAAAAAAAAAAAAAAAAAAAAAAAIQAAABgAAAAUAAAAqAMAAH4nAACiHgAAxCkAABAgAAAmAAAACAAAAP//////////"/>
+              </a:ext>
+            </a:extLst>
+          </p:cNvSpPr>
           <p:nvPr/>
         </p:nvSpPr>
         <p:spPr>
           <a:xfrm>
-            <a:off x="594359" y="6420088"/>
-            <a:ext cx="4385603" cy="369332"/>
+            <a:off x="594360" y="6419850"/>
+            <a:ext cx="4385310" cy="369570"/>
           </a:xfrm>
           <a:prstGeom prst="rect">
             <a:avLst/>
           </a:prstGeom>
           <a:noFill/>
-        </p:spPr>
-        <p:txBody>
-          <a:bodyPr wrap="square" rtlCol="0">
-            <a:spAutoFit/>
-          </a:bodyPr>
+          <a:ln>
+            <a:noFill/>
+          </a:ln>
+          <a:effectLst/>
+        </p:spPr>
+        <p:txBody>
+          <a:bodyPr vert="horz" wrap="square" lIns="91440" tIns="45720" rIns="91440" bIns="45720" numCol="1" spcCol="215900" anchor="t"/>
           <a:lstStyle/>
           <a:p>
-            <a:r>
-              <a:rPr lang="en-IT" dirty="0">
+            <a:pPr>
+              <a:defRPr lang="en-us"/>
+            </a:pPr>
+            <a:r>
+              <a:rPr lang="en-us" cap="none">
                 <a:solidFill>
                   <a:schemeClr val="bg1"/>
                 </a:solidFill>
               </a:rPr>
               <a:t>http://www.astrid-project.eu</a:t>
             </a:r>
+            <a:endParaRPr lang="en-us" cap="none">
+              <a:solidFill>
+                <a:schemeClr val="bg1"/>
+              </a:solidFill>
+            </a:endParaRPr>
           </a:p>
         </p:txBody>
       </p:sp>
       <p:pic>
         <p:nvPicPr>
-          <p:cNvPr id="20" name="Graphic 19" descr="Web design with solid fill">
-            <a:extLst>
-              <a:ext uri="{FF2B5EF4-FFF2-40B4-BE49-F238E27FC236}">
-                <a16:creationId xmlns:a16="http://schemas.microsoft.com/office/drawing/2014/main" id="{E042748E-1988-A146-85A2-71F3EB83CCCE}"/>
-              </a:ext>
-            </a:extLst>
-          </p:cNvPr>
+          <p:cNvPr id="5" name="Graphic 19" descr="Web design with solid fill"/>
           <p:cNvPicPr>
             <a:picLocks noChangeAspect="1"/>
+            <a:extLst>
+              <a:ext uri="smNativeData">
+                <pr:smNativeData xmlns:pr="smNativeData" xmlns="smNativeData" val="SMDATA_17_OjGNYRMAAAAlAAAAEQAAAC0AAAAAkAAAAEgAAACQAAAASAAAAAAAAAAAAAAAAAAAAAEAAABQAAAAAAAAAAAA4D8AAAAAAADgPwAAAAAAAOA/AAAAAAAA4D8AAAAAAADgPwAAAAAAAOA/AAAAAAAA4D8AAAAAAADgPwAAAAAAAOA/AAAAAAAA4D8CAAAAjAAAAAAAAAAAAAAAHK3kDP///wgAAAAAAAAAAAAAAAAAAAAAAAAAAAAAAAAAAAAAZAAAAAEAAABAAAAAAAAAAAAAAAAAAAAAAAAAAAAAAAAAAAAAAAAAAAAAAAAAAAAAAAAAAAAAAAAAAAAAAAAAAAAAAAAAAAAAAAAAAAAAAAAAAAAAAAAAAAAAAAAAAAAAFAAAADwAAAAAAAAAAAAAAAAAAAkUAAAAAQAAABQAAAAUAAAAFAAAAAEAAAAAAAAAZAAAAGQAAAAAAAAAZAAAAGQAAAAVAAAAYAAAAAAAAAAAAAAADwAAACADAAAAAAAAAAAAAAEAAACgMgAAVgcAAKr4//8BAAAAf39/AAEAAABkAAAAAAAAABQAAABAHwAAAAAAACYAAAAAAAAAwOD//wAAAAAmAAAAZAAAABYAAABMAAAAAAAAAAAAAAAEAAAAAAAAAAEAAADZ4OYKAAAAACgAAAAoAAAAZAAAAGQAAAAAAAAAzMzMAAAAAABQAAAAUAAAAGQAAABkAAAAAAAAAAcAAAA4AAAAAAAAAAAAAAAAAAAA////AAAAAAAAAAAAAAAAAAAAAAAAAAAAAAAAAAAAAABkAAAAZAAAAAAAAAAjAAAABAAAAGQAAAAXAAAAFAAAAAAAAAAAAAAA/38AAP9/AAAAAAAACQAAAAQAAABzdHlsHgAAAGgAAAAAAAAAAAAAAAAAAAAAAAAAAAAAABAnAAAQJwAAAAAAAAAAAAAAAAAAAAAAAAAAAAAAAAAAAAAAAAAAAAAUAAAAAAAAAMDA/wAAAAAAZAAAADIAAAAAAAAAZAAAAAAAAAB/f38ACgAAACIAAAAYAAAAAAAAAAAAAAAAAAAAAAAAAAAAAAAAAAAAJAAAACQAAAAAAAAABwAAAAAAAAAAAAAAAAAAAAAAAAAAAAAAAAAAAH9/fwAlAAAAWAAAAAAAAAAAAAAAAAAAAAAAAAAAAAAAAAAAAAAAAAAAAAAAAAAAAAAAAAAAAAAAPwAAAAAAAACghgEAAAAAAAAAAAAAAAAADAAAAAEAAAAAAAAAAAAAAAAAAAAfAAAAVAAAAByt5AX///8BAAAAAAAAAAAAAAAAAAAAAAAAAAAAAAAAAAAAAAAAAAAAAAACf39/ANng5gPMzMwAwMD/AH9/fwAAAAAAAAAAAAAAAAD///8AAAAAACEAAAAYAAAAFAAAANgAAAA5JwAAqAMAAAkqAAAQAAAAJgAAAAgAAAD//////////w=="/>
+              </a:ext>
+            </a:extLst>
           </p:cNvPicPr>
           <p:nvPr/>
         </p:nvPicPr>
@@ -4941,30 +6158,35 @@
         </p:blipFill>
         <p:spPr>
           <a:xfrm>
-            <a:off x="137159" y="6376154"/>
+            <a:off x="137160" y="6376035"/>
             <a:ext cx="457200" cy="457200"/>
           </a:xfrm>
           <a:prstGeom prst="rect">
             <a:avLst/>
           </a:prstGeom>
+          <a:noFill/>
+          <a:ln>
+            <a:noFill/>
+          </a:ln>
+          <a:effectLst/>
         </p:spPr>
       </p:pic>
       <p:sp>
         <p:nvSpPr>
-          <p:cNvPr id="24" name="TextBox 23">
-            <a:extLst>
-              <a:ext uri="{FF2B5EF4-FFF2-40B4-BE49-F238E27FC236}">
-                <a16:creationId xmlns:a16="http://schemas.microsoft.com/office/drawing/2014/main" id="{623CEFF2-40B2-DE4B-B824-21384FEF0464}"/>
-              </a:ext>
-            </a:extLst>
-          </p:cNvPr>
-          <p:cNvSpPr txBox="1"/>
+          <p:cNvPr id="6" name="TextBox 23"/>
+          <p:cNvSpPr>
+            <a:extLst>
+              <a:ext uri="smNativeData">
+                <pr:smNativeData xmlns:pr="smNativeData" xmlns="smNativeData" val="SMDATA_15_OjGNYRMAAAAlAAAAZAAAAE0AAAAAkAAAAEgAAACQAAAASAAAAAAAAAAAAAAAAAAAAAEAAABQAAAAAAAAAAAA4D8AAAAAAADgPwAAAAAAAOA/AAAAAAAA4D8AAAAAAADgPwAAAAAAAOA/AAAAAAAA4D8AAAAAAADgPwAAAAAAAOA/AAAAAAAA4D8CAAAAjAAAAAEAAAAAAAAAzAMEAP///wgAAAAAAAAAAAAAAAAAAAAAAAAAAAAAAAAAAAAAeAAAAAEAAABAAAAAAAAAAAAAAABaAAAAAAAAAAAAAAAAAAAAAAAAAAAAAAAAAAAAAAAAAAAAAAAAAAAAAAAAAAAAAAAAAAAAAAAAAAAAAAAAAAAAAAAAAAAAAAAAAAAAFAAAADwAAAAAAAAAAAAAAAAAAAAPAAAAAQAAACMAAAAjAAAAIwAAAB4AAAAAAAAAZAAAAGQAAAAAAAAAZAAAAGQAAAAVAAAAYAAAAAAAAAAAAAAADwAAACADAAAAAAAAAAAAAAEAAACgMgAAVgcAAKr4//8BAAAAf39/AAEAAABkAAAAAAAAABQAAABAHwAAAAAAACYAAAAAAAAAwOD//wAAAAAmAAAAZAAAABYAAABMAAAAAAAAAAAAAAAEAAAAAAAAAAEAAADZ4OYKAAAAACgAAAAoAAAAZAAAAGQAAAAAAAAAzMzMAAAAAABQAAAAUAAAAGQAAABkAAAAAAAAABcAAAAUAAAAAAAAAAAAAAD/fwAA/38AAAAAAAAJAAAABAAAACANCn0eAAAAaAAAAAAAAAAAAAAAAAAAAAAAAAAAAAAAECcAABAnAAAAAAAAAAAAAAAAAAAAAAAAAAAAAAAAAAAAAAAAAAAAABQAAAAAAAAAwMD/AAAAAABkAAAAMgAAAAAAAABkAAAAAAAAAH9/fwAKAAAAIgAAABgAAAAAAAAAAAAAAAAAAAAAAAAAAAAAAAAAAAAkAAAAJAAAAAAAAAAHAAAAAAAAAAAAAAAAAAAAAAAAAAAAAAAAAAAAf39/ACUAAABYAAAAAAAAAAAAAAAAAAAAAAAAAAAAAAAAAAAAAAAAAAAAAAAAAAAAAAAAAAAAAAA/AAAAAAAAAKCGAQAAAAAAAAAAAAAAAAAMAAAAAQAAAAAAAAAAAAAAAAAAAB8AAABUAAAAzAMEAP///wEAAAAAAAAAAAAAAAAAAAAAAAAAAAAAAAAAAAAAAAAAAAAAAAB/f38A2eDmA8zMzADAwP8Af39/AAAAAAAAAAAAAAAAAAAAAAAAAAAAIQAAABgAAAAUAAAAnx4AAHYeAABWLAAAvCAAABAgAAAmAAAACAAAAP//////////"/>
+              </a:ext>
+            </a:extLst>
+          </p:cNvSpPr>
           <p:nvPr/>
         </p:nvSpPr>
         <p:spPr>
           <a:xfrm>
-            <a:off x="4978082" y="4951828"/>
-            <a:ext cx="2228852" cy="369332"/>
+            <a:off x="4977765" y="4951730"/>
+            <a:ext cx="2229485" cy="369570"/>
           </a:xfrm>
           <a:prstGeom prst="rect">
             <a:avLst/>
@@ -4972,142 +6194,130 @@
           <a:solidFill>
             <a:srgbClr val="CC0304"/>
           </a:solidFill>
-        </p:spPr>
-        <p:txBody>
-          <a:bodyPr wrap="square" rtlCol="0">
-            <a:spAutoFit/>
-          </a:bodyPr>
+          <a:ln>
+            <a:noFill/>
+          </a:ln>
+          <a:effectLst/>
+        </p:spPr>
+        <p:txBody>
+          <a:bodyPr vert="horz" wrap="square" lIns="91440" tIns="45720" rIns="91440" bIns="45720" numCol="1" spcCol="215900" anchor="t"/>
           <a:lstStyle/>
           <a:p>
-            <a:r>
-              <a:rPr lang="en-IT" dirty="0">
+            <a:pPr>
+              <a:defRPr lang="en-us"/>
+            </a:pPr>
+            <a:r>
+              <a:rPr lang="en-us" cap="none">
                 <a:solidFill>
                   <a:schemeClr val="bg1"/>
                 </a:solidFill>
               </a:rPr>
               <a:t>Follow us on </a:t>
             </a:r>
+            <a:endParaRPr lang="en-us" cap="none">
+              <a:solidFill>
+                <a:schemeClr val="bg1"/>
+              </a:solidFill>
+            </a:endParaRPr>
           </a:p>
         </p:txBody>
       </p:sp>
       <p:pic>
         <p:nvPicPr>
-          <p:cNvPr id="1028" name="Picture 4">
-            <a:extLst>
-              <a:ext uri="{FF2B5EF4-FFF2-40B4-BE49-F238E27FC236}">
-                <a16:creationId xmlns:a16="http://schemas.microsoft.com/office/drawing/2014/main" id="{926C2BA9-7EA2-254C-92BD-3135D122FEA4}"/>
-              </a:ext>
-            </a:extLst>
-          </p:cNvPr>
+          <p:cNvPr id="7" name="Picture 4"/>
           <p:cNvPicPr>
-            <a:picLocks noChangeAspect="1" noChangeArrowheads="1"/>
+            <a:picLocks noChangeAspect="1"/>
+            <a:extLst>
+              <a:ext uri="smNativeData">
+                <pr:smNativeData xmlns:pr="smNativeData" xmlns="smNativeData" val="SMDATA_17_OjGNYRMAAAAlAAAAEQAAAC0AAAAAkAAAAEgAAACQAAAASAAAAAAAAAAAAAAAAAAAAAEAAABQAAAAAAAAAAAA4D8AAAAAAADgPwAAAAAAAOA/AAAAAAAA4D8AAAAAAADgPwAAAAAAAOA/AAAAAAAA4D8AAAAAAADgPwAAAAAAAOA/AAAAAAAA4D8CAAAAjAAAAAAAAAAAAAAAHK3kDP///wgAAAAAAAAAAAAAAAAAAAAAAAAAAAAAAAAAAAAAZAAAAAEAAABAAAAAAAAAAAAAAAAAAAAAAAAAAAAAAAAAAAAAAAAAAAAAAAAAAAAAAAAAAAAAAAAAAAAAAAAAAAAAAAAAAAAAAAAAAAAAAAAAAAAAAAAAAAAAAAAAAAAAFAAAADwAAAAAAAAAAAAAAAAAAAkUAAAAAQAAABQAAAAUAAAAFAAAAAEAAAAAAAAAZAAAAGQAAAAAAAAAZAAAAGQAAAAVAAAAYAAAAAAAAAAAAAAADwAAACADAAAAAAAAAAAAAAEAAACgMgAAVgcAAKr4//8BAAAAf39/AAEAAABkAAAAAAAAABQAAABAHwAAAAAAACYAAAAAAAAAwOD//wAAAAAmAAAAZAAAABYAAABMAAAAAAAAAAAAAAAEAAAAAAAAAAEAAADZ4OYKAAAAACgAAAAoAAAAZAAAAGQAAAAAAAAAzMzMAAAAAABQAAAAUAAAAGQAAABkAAAAAAAAAAcAAAA4AAAAAAAAAAAAAAAAAAAA////AAAAAAAAAAAAAAAAAAAAAAAAAAAAAAAAAEYAAAAeAAAAZAAAAAAAAAAjAAAABAAAAGQAAAAXAAAAFAAAAAAAAAAAAAAA/38AAP9/AAAAAAAACQAAAAQAAABkdGg9HgAAAGgAAAAAAAAAAAAAAAAAAAAAAAAAAAAAABAnAAAQJwAAAAAAAAAAAAAAAAAAAAAAAAAAAAAAAAAAAAAAAAAAAAAUAAAAAAAAAMDA/wAAAAAAZAAAADIAAAAAAAAAZAAAAAAAAAB/f38ACgAAACIAAAAYAAAAAAAAAAAAAAAAAAAAAAAAAAAAAAAAAAAAJAAAACQAAAAAAAAABwAAAAAAAAAAAAAAAAAAAAAAAAAAAAAAAAAAAH9/fwAlAAAAWAAAAAAAAAAAAAAAAAAAAAAAAAAAAAAAAAAAAAAAAAAAAAAAAAAAAAAAAAAAAAAAPwAAAAAAAACghgEAAAAAAAAAAAAAAAAADAAAAAEAAAAAAAAAAAAAAAAAAAAfAAAAVAAAAByt5AX///8BAAAAAAAAAAAAAAAAAAAAAAAAAAAAAAAAAAAAAAAAAAAAAAACf39/ANng5gPMzMwAwMD/AH9/fwAAAAAAAAAAAAAAAAD///8AAAAAACEAAAAYAAAAFAAAAFYnAAB2HgAA1ikAALwgAAAQAAAAJgAAAAgAAAD//////////w=="/>
+              </a:ext>
+            </a:extLst>
           </p:cNvPicPr>
           <p:nvPr/>
         </p:nvPicPr>
         <p:blipFill>
           <a:blip r:embed="rId5">
             <a:lum bright="70000" contrast="-70000"/>
-            <a:extLst>
-              <a:ext uri="{28A0092B-C50C-407E-A947-70E740481C1C}">
-                <a14:useLocalDpi xmlns:a14="http://schemas.microsoft.com/office/drawing/2010/main" val="0"/>
-              </a:ext>
-            </a:extLst>
           </a:blip>
-          <a:srcRect/>
           <a:stretch>
             <a:fillRect/>
           </a:stretch>
         </p:blipFill>
-        <p:spPr bwMode="auto">
-          <a:xfrm>
-            <a:off x="6394134" y="4951828"/>
-            <a:ext cx="406400" cy="369332"/>
+        <p:spPr>
+          <a:xfrm>
+            <a:off x="6394450" y="4951730"/>
+            <a:ext cx="406400" cy="369570"/>
           </a:xfrm>
           <a:prstGeom prst="rect">
             <a:avLst/>
           </a:prstGeom>
           <a:noFill/>
-          <a:extLst>
-            <a:ext uri="{909E8E84-426E-40DD-AFC4-6F175D3DCCD1}">
-              <a14:hiddenFill xmlns:a14="http://schemas.microsoft.com/office/drawing/2010/main">
-                <a:solidFill>
-                  <a:srgbClr val="FFFFFF"/>
-                </a:solidFill>
-              </a14:hiddenFill>
-            </a:ext>
-          </a:extLst>
+          <a:ln>
+            <a:noFill/>
+          </a:ln>
+          <a:effectLst/>
         </p:spPr>
       </p:pic>
       <p:pic>
         <p:nvPicPr>
-          <p:cNvPr id="1030" name="Picture 6">
-            <a:extLst>
-              <a:ext uri="{FF2B5EF4-FFF2-40B4-BE49-F238E27FC236}">
-                <a16:creationId xmlns:a16="http://schemas.microsoft.com/office/drawing/2014/main" id="{CA06F4B0-29F8-4D4E-9792-51150F4EF356}"/>
-              </a:ext>
-            </a:extLst>
-          </p:cNvPr>
+          <p:cNvPr id="8" name="Picture 6"/>
           <p:cNvPicPr>
-            <a:picLocks noChangeAspect="1" noChangeArrowheads="1"/>
+            <a:picLocks noChangeAspect="1"/>
+            <a:extLst>
+              <a:ext uri="smNativeData">
+                <pr:smNativeData xmlns:pr="smNativeData" xmlns="smNativeData" val="SMDATA_17_OjGNYRMAAAAlAAAAEQAAAC0AAAAAkAAAAEgAAACQAAAASAAAAAAAAAAAAAAAAAAAAAEAAABQAAAAAAAAAAAA4D8AAAAAAADgPwAAAAAAAOA/AAAAAAAA4D8AAAAAAADgPwAAAAAAAOA/AAAAAAAA4D8AAAAAAADgPwAAAAAAAOA/AAAAAAAA4D8CAAAAjAAAAAAAAAAAAAAAHK3kDP///wgAAAAAAAAAAAAAAAAAAAAAAAAAAAAAAAAAAAAAZAAAAAEAAABAAAAAAAAAAAAAAAAAAAAAAAAAAAAAAAAAAAAAAAAAAAAAAAAAAAAAAAAAAAAAAAAAAAAAAAAAAAAAAAAAAAAAAAAAAAAAAAAAAAAAAAAAAAAAAAAAAAAAFAAAADwAAAAAAAAAAAAAAAAAAAkUAAAAAQAAABQAAAAUAAAAFAAAAAEAAAAAAAAAZAAAAGQAAAAAAAAAZAAAAGQAAAAVAAAAYAAAAAAAAAAAAAAADwAAACADAAAAAAAAAAAAAAEAAACgMgAAVgcAAKr4//8BAAAAf39/AAEAAABkAAAAAAAAABQAAABAHwAAAAAAACYAAAAAAAAAwOD//wAAAAAmAAAAZAAAABYAAABMAAAAAAAAAAAAAAAEAAAAAAAAAAEAAADZ4OYKAAAAACgAAAAoAAAAZAAAAGQAAAAAAAAAzMzMAAAAAABQAAAAUAAAAGQAAABkAAAAAAAAAAcAAAA4AAAAAAAAAAAAAAAAAAAA////AAAAAAAAAAAAAAAAAAAAAAAAAAAAAAAAAEYAAAAeAAAAZAAAAAAAAAAjAAAABAAAAGQAAAAXAAAAFAAAAAAAAAAAAAAA/38AAP9/AAAAAAAACQAAAAQAAAAmQAAAHgAAAGgAAAAAAAAAAAAAAAAAAAAAAAAAAAAAABAnAAAQJwAAAAAAAAAAAAAAAAAAAAAAAAAAAAAAAAAAAAAAAAAAAAAUAAAAAAAAAMDA/wAAAAAAZAAAADIAAAAAAAAAZAAAAAAAAAB/f38ACgAAACIAAAAYAAAAAAAAAAAAAAAAAAAAAAAAAAAAAAAAAAAAJAAAACQAAAAAAAAABwAAAAAAAAAAAAAAAAAAAAAAAAAAAAAAAAAAAH9/fwAlAAAAWAAAAAAAAAAAAAAAAAAAAAAAAAAAAAAAAAAAAAAAAAAAAAAAAAAAAAAAAAAAAAAAPwAAAAAAAACghgEAAAAAAAAAAAAAAAAADAAAAAEAAAAAAAAAAAAAAAAAAAAfAAAAVAAAAByt5AX///8BAAAAAAAAAAAAAAAAAAAAAAAAAAAAAAAAAAAAAAAAAAAAAAACf39/ANng5gPMzMwAwMD/AH9/fwAAAAAAAAAAAAAAAAD///8AAAAAACEAAAAYAAAAFAAAANYpAAB2HgAAViwAALwgAAAQAAAAJgAAAAgAAAD//////////w=="/>
+              </a:ext>
+            </a:extLst>
           </p:cNvPicPr>
           <p:nvPr/>
         </p:nvPicPr>
         <p:blipFill>
           <a:blip r:embed="rId6">
             <a:lum bright="70000" contrast="-70000"/>
-            <a:extLst>
-              <a:ext uri="{28A0092B-C50C-407E-A947-70E740481C1C}">
-                <a14:useLocalDpi xmlns:a14="http://schemas.microsoft.com/office/drawing/2010/main" val="0"/>
-              </a:ext>
-            </a:extLst>
           </a:blip>
-          <a:srcRect/>
           <a:stretch>
             <a:fillRect/>
           </a:stretch>
         </p:blipFill>
-        <p:spPr bwMode="auto">
-          <a:xfrm>
-            <a:off x="6800534" y="4951828"/>
-            <a:ext cx="406400" cy="369332"/>
+        <p:spPr>
+          <a:xfrm>
+            <a:off x="6800850" y="4951730"/>
+            <a:ext cx="406400" cy="369570"/>
           </a:xfrm>
           <a:prstGeom prst="rect">
             <a:avLst/>
           </a:prstGeom>
           <a:noFill/>
-          <a:extLst>
-            <a:ext uri="{909E8E84-426E-40DD-AFC4-6F175D3DCCD1}">
-              <a14:hiddenFill xmlns:a14="http://schemas.microsoft.com/office/drawing/2010/main">
-                <a:solidFill>
-                  <a:srgbClr val="FFFFFF"/>
-                </a:solidFill>
-              </a14:hiddenFill>
-            </a:ext>
-          </a:extLst>
+          <a:ln>
+            <a:noFill/>
+          </a:ln>
+          <a:effectLst/>
         </p:spPr>
       </p:pic>
     </p:spTree>
-    <p:extLst>
-      <p:ext uri="{BB962C8B-B14F-4D97-AF65-F5344CB8AC3E}">
-        <p14:creationId xmlns:p14="http://schemas.microsoft.com/office/powerpoint/2010/main" val="3692700161"/>
-      </p:ext>
-    </p:extLst>
   </p:cSld>
   <p:clrMapOvr>
     <a:masterClrMapping/>
   </p:clrMapOvr>
+  <p:timing>
+    <p:tnLst>
+      <p:par>
+        <p:cTn id="1" dur="indefinite" restart="never" nodeType="tmRoot"/>
+      </p:par>
+    </p:tnLst>
+  </p:timing>
 </p:sld>
 </file>
 
 <file path=ppt/theme/theme1.xml><?xml version="1.0" encoding="utf-8"?>
-<a:theme xmlns:a="http://schemas.openxmlformats.org/drawingml/2006/main" name="Retrospect">
+<a:theme xmlns:a="http://schemas.openxmlformats.org/drawingml/2006/main" name="Presentation">
   <a:themeElements>
-    <a:clrScheme name="Retrospect">
+    <a:clrScheme name="Presentation 1">
       <a:dk1>
-        <a:sysClr val="windowText" lastClr="000000"/>
+        <a:srgbClr val="000000"/>
       </a:dk1>
       <a:lt1>
-        <a:sysClr val="window" lastClr="FFFFFF"/>
+        <a:srgbClr val="FFFFFF"/>
       </a:lt1>
       <a:dk2>
         <a:srgbClr val="344068"/>
@@ -5140,79 +6350,19 @@
         <a:srgbClr val="B26B02"/>
       </a:folHlink>
     </a:clrScheme>
-    <a:fontScheme name="Retrospect">
+    <a:fontScheme name="Presentation">
       <a:majorFont>
-        <a:latin typeface="Calibri Light" panose="020F0302020204030204"/>
-        <a:ea typeface=""/>
-        <a:cs typeface=""/>
-        <a:font script="Jpan" typeface="ＭＳ Ｐゴシック"/>
-        <a:font script="Hang" typeface="맑은 고딕"/>
-        <a:font script="Hans" typeface="宋体"/>
-        <a:font script="Hant" typeface="新細明體"/>
-        <a:font script="Arab" typeface="Times New Roman"/>
-        <a:font script="Hebr" typeface="Times New Roman"/>
-        <a:font script="Thai" typeface="Angsana New"/>
-        <a:font script="Ethi" typeface="Nyala"/>
-        <a:font script="Beng" typeface="Vrinda"/>
-        <a:font script="Gujr" typeface="Shruti"/>
-        <a:font script="Khmr" typeface="MoolBoran"/>
-        <a:font script="Knda" typeface="Tunga"/>
-        <a:font script="Guru" typeface="Raavi"/>
-        <a:font script="Cans" typeface="Euphemia"/>
-        <a:font script="Cher" typeface="Plantagenet Cherokee"/>
-        <a:font script="Yiii" typeface="Microsoft Yi Baiti"/>
-        <a:font script="Tibt" typeface="Microsoft Himalaya"/>
-        <a:font script="Thaa" typeface="MV Boli"/>
-        <a:font script="Deva" typeface="Mangal"/>
-        <a:font script="Telu" typeface="Gautami"/>
-        <a:font script="Taml" typeface="Latha"/>
-        <a:font script="Syrc" typeface="Estrangelo Edessa"/>
-        <a:font script="Orya" typeface="Kalinga"/>
-        <a:font script="Mlym" typeface="Kartika"/>
-        <a:font script="Laoo" typeface="DokChampa"/>
-        <a:font script="Sinh" typeface="Iskoola Pota"/>
-        <a:font script="Mong" typeface="Mongolian Baiti"/>
-        <a:font script="Viet" typeface="Times New Roman"/>
-        <a:font script="Uigh" typeface="Microsoft Uighur"/>
-        <a:font script="Geor" typeface="Sylfaen"/>
+        <a:latin typeface="Calibri Light"/>
+        <a:ea typeface="Calibri Light"/>
+        <a:cs typeface="Calibri Light"/>
       </a:majorFont>
       <a:minorFont>
-        <a:latin typeface="Calibri" panose="020F0502020204030204"/>
-        <a:ea typeface=""/>
-        <a:cs typeface=""/>
-        <a:font script="Jpan" typeface="ＭＳ Ｐゴシック"/>
-        <a:font script="Hang" typeface="맑은 고딕"/>
-        <a:font script="Hans" typeface="宋体"/>
-        <a:font script="Hant" typeface="新細明體"/>
-        <a:font script="Arab" typeface="Arial"/>
-        <a:font script="Hebr" typeface="Arial"/>
-        <a:font script="Thai" typeface="Cordia New"/>
-        <a:font script="Ethi" typeface="Nyala"/>
-        <a:font script="Beng" typeface="Vrinda"/>
-        <a:font script="Gujr" typeface="Shruti"/>
-        <a:font script="Khmr" typeface="DaunPenh"/>
-        <a:font script="Knda" typeface="Tunga"/>
-        <a:font script="Guru" typeface="Raavi"/>
-        <a:font script="Cans" typeface="Euphemia"/>
-        <a:font script="Cher" typeface="Plantagenet Cherokee"/>
-        <a:font script="Yiii" typeface="Microsoft Yi Baiti"/>
-        <a:font script="Tibt" typeface="Microsoft Himalaya"/>
-        <a:font script="Thaa" typeface="MV Boli"/>
-        <a:font script="Deva" typeface="Mangal"/>
-        <a:font script="Telu" typeface="Gautami"/>
-        <a:font script="Taml" typeface="Latha"/>
-        <a:font script="Syrc" typeface="Estrangelo Edessa"/>
-        <a:font script="Orya" typeface="Kalinga"/>
-        <a:font script="Mlym" typeface="Kartika"/>
-        <a:font script="Laoo" typeface="DokChampa"/>
-        <a:font script="Sinh" typeface="Iskoola Pota"/>
-        <a:font script="Mong" typeface="Mongolian Baiti"/>
-        <a:font script="Viet" typeface="Arial"/>
-        <a:font script="Uigh" typeface="Microsoft Uighur"/>
-        <a:font script="Geor" typeface="Sylfaen"/>
+        <a:latin typeface="Calibri"/>
+        <a:ea typeface="Calibri"/>
+        <a:cs typeface="Calibri"/>
       </a:minorFont>
     </a:fontScheme>
-    <a:fmtScheme name="Retrospect">
+    <a:fmtScheme name="Office">
       <a:fillStyleLst>
         <a:solidFill>
           <a:schemeClr val="phClr"/>
@@ -5221,73 +6371,56 @@
           <a:gsLst>
             <a:gs pos="0">
               <a:schemeClr val="phClr">
-                <a:tint val="65000"/>
-                <a:shade val="92000"/>
-                <a:satMod val="130000"/>
+                <a:tint val="50000"/>
+                <a:satMod val="300000"/>
               </a:schemeClr>
             </a:gs>
-            <a:gs pos="45000">
+            <a:gs pos="35000">
               <a:schemeClr val="phClr">
-                <a:tint val="60000"/>
-                <a:shade val="99000"/>
-                <a:satMod val="120000"/>
+                <a:tint val="37000"/>
+                <a:satMod val="300000"/>
               </a:schemeClr>
             </a:gs>
             <a:gs pos="100000">
               <a:schemeClr val="phClr">
-                <a:tint val="55000"/>
-                <a:satMod val="140000"/>
+                <a:tint val="15000"/>
+                <a:satMod val="350000"/>
               </a:schemeClr>
             </a:gs>
           </a:gsLst>
-          <a:path path="circle">
-            <a:fillToRect l="100000" t="100000" r="100000" b="100000"/>
-          </a:path>
+          <a:lin ang="16200000" scaled="1"/>
         </a:gradFill>
         <a:gradFill rotWithShape="1">
           <a:gsLst>
             <a:gs pos="0">
               <a:schemeClr val="phClr">
-                <a:shade val="85000"/>
+                <a:shade val="51000"/>
                 <a:satMod val="130000"/>
               </a:schemeClr>
             </a:gs>
-            <a:gs pos="34000">
+            <a:gs pos="80000">
               <a:schemeClr val="phClr">
-                <a:shade val="87000"/>
-                <a:satMod val="125000"/>
-              </a:schemeClr>
-            </a:gs>
-            <a:gs pos="70000">
-              <a:schemeClr val="phClr">
-                <a:tint val="100000"/>
-                <a:shade val="90000"/>
+                <a:shade val="93000"/>
                 <a:satMod val="130000"/>
               </a:schemeClr>
             </a:gs>
             <a:gs pos="100000">
               <a:schemeClr val="phClr">
-                <a:tint val="100000"/>
-                <a:shade val="100000"/>
-                <a:satMod val="110000"/>
+                <a:shade val="94000"/>
+                <a:satMod val="135000"/>
               </a:schemeClr>
             </a:gs>
           </a:gsLst>
-          <a:path path="circle">
-            <a:fillToRect l="100000" t="100000" r="100000" b="100000"/>
-          </a:path>
+          <a:lin ang="16200000" scaled="0"/>
         </a:gradFill>
       </a:fillStyleLst>
       <a:lnStyleLst>
-        <a:ln w="12700" cap="flat" cmpd="sng" algn="ctr">
+        <a:ln w="9525" cap="flat" cmpd="sng" algn="ctr">
           <a:solidFill>
-            <a:schemeClr val="phClr"/>
-          </a:solidFill>
-          <a:prstDash val="solid"/>
-        </a:ln>
-        <a:ln w="15875" cap="flat" cmpd="sng" algn="ctr">
-          <a:solidFill>
-            <a:schemeClr val="phClr"/>
+            <a:schemeClr val="phClr">
+              <a:shade val="95000"/>
+              <a:satMod val="105000"/>
+            </a:schemeClr>
           </a:solidFill>
           <a:prstDash val="solid"/>
         </a:ln>
@@ -5297,25 +6430,37 @@
           </a:solidFill>
           <a:prstDash val="solid"/>
         </a:ln>
+        <a:ln w="38100" cap="flat" cmpd="sng" algn="ctr">
+          <a:solidFill>
+            <a:schemeClr val="phClr"/>
+          </a:solidFill>
+          <a:prstDash val="solid"/>
+        </a:ln>
       </a:lnStyleLst>
       <a:effectStyleLst>
         <a:effectStyle>
-          <a:effectLst/>
-        </a:effectStyle>
-        <a:effectStyle>
           <a:effectLst>
-            <a:outerShdw blurRad="38100" dist="25400" dir="2700000" algn="br" rotWithShape="0">
+            <a:outerShdw blurRad="40000" dist="20000" dir="5400000" rotWithShape="0">
               <a:srgbClr val="000000">
-                <a:alpha val="60000"/>
+                <a:alpha val="38000"/>
               </a:srgbClr>
             </a:outerShdw>
           </a:effectLst>
         </a:effectStyle>
         <a:effectStyle>
           <a:effectLst>
-            <a:outerShdw blurRad="44450" dist="25400" dir="2700000" algn="br" rotWithShape="0">
+            <a:outerShdw blurRad="40000" dist="23000" dir="5400000" rotWithShape="0">
               <a:srgbClr val="000000">
-                <a:alpha val="60000"/>
+                <a:alpha val="35000"/>
+              </a:srgbClr>
+            </a:outerShdw>
+          </a:effectLst>
+        </a:effectStyle>
+        <a:effectStyle>
+          <a:effectLst>
+            <a:outerShdw blurRad="40000" dist="23000" dir="5400000" rotWithShape="0">
+              <a:srgbClr val="000000">
+                <a:alpha val="35000"/>
               </a:srgbClr>
             </a:outerShdw>
           </a:effectLst>
@@ -5324,11 +6469,11 @@
               <a:rot lat="0" lon="0" rev="0"/>
             </a:camera>
             <a:lightRig rig="threePt" dir="t">
-              <a:rot lat="0" lon="0" rev="19800000"/>
+              <a:rot lat="0" lon="0" rev="1200000"/>
             </a:lightRig>
           </a:scene3d>
-          <a:sp3d prstMaterial="flat">
-            <a:bevelT w="25400" h="31750"/>
+          <a:sp3d>
+            <a:bevelT w="63500" h="25400"/>
           </a:sp3d>
         </a:effectStyle>
       </a:effectStyleLst>
@@ -5336,48 +6481,126 @@
         <a:solidFill>
           <a:schemeClr val="phClr"/>
         </a:solidFill>
-        <a:solidFill>
-          <a:schemeClr val="phClr">
-            <a:tint val="90000"/>
-            <a:shade val="97000"/>
-            <a:satMod val="130000"/>
-          </a:schemeClr>
-        </a:solidFill>
         <a:gradFill rotWithShape="1">
           <a:gsLst>
             <a:gs pos="0">
               <a:schemeClr val="phClr">
-                <a:tint val="96000"/>
-                <a:shade val="99000"/>
-                <a:satMod val="140000"/>
+                <a:tint val="40000"/>
+                <a:satMod val="350000"/>
               </a:schemeClr>
             </a:gs>
-            <a:gs pos="65000">
+            <a:gs pos="40000">
               <a:schemeClr val="phClr">
-                <a:tint val="100000"/>
-                <a:shade val="80000"/>
-                <a:satMod val="130000"/>
+                <a:tint val="45000"/>
+                <a:shade val="99000"/>
+                <a:satMod val="350000"/>
               </a:schemeClr>
             </a:gs>
             <a:gs pos="100000">
               <a:schemeClr val="phClr">
-                <a:tint val="100000"/>
-                <a:shade val="48000"/>
-                <a:satMod val="120000"/>
+                <a:shade val="20000"/>
+                <a:satMod val="255000"/>
               </a:schemeClr>
             </a:gs>
           </a:gsLst>
-          <a:lin ang="16200000" scaled="0"/>
+          <a:path path="circle">
+            <a:fillToRect l="50000" t="-80000" r="50000" b="180000"/>
+          </a:path>
+        </a:gradFill>
+        <a:gradFill rotWithShape="1">
+          <a:gsLst>
+            <a:gs pos="0">
+              <a:schemeClr val="phClr">
+                <a:tint val="80000"/>
+                <a:satMod val="300000"/>
+              </a:schemeClr>
+            </a:gs>
+            <a:gs pos="100000">
+              <a:schemeClr val="phClr">
+                <a:shade val="30000"/>
+                <a:satMod val="200000"/>
+              </a:schemeClr>
+            </a:gs>
+          </a:gsLst>
+          <a:path path="circle">
+            <a:fillToRect l="50000" t="50000" r="50000" b="50000"/>
+          </a:path>
         </a:gradFill>
       </a:bgFillStyleLst>
     </a:fmtScheme>
   </a:themeElements>
-  <a:objectDefaults/>
-  <a:extraClrSchemeLst/>
-  <a:extLst>
-    <a:ext uri="{05A4C25C-085E-4340-85A3-A5531E510DB2}">
-      <thm15:themeFamily xmlns:thm15="http://schemas.microsoft.com/office/thememl/2012/main" name="ASTRID_Template_big.potx" id="{0CB6E9F0-CDAC-4087-99FB-C142840AE848}" vid="{BD5C1683-CFA1-40E0-B09A-EF788E6FF794}"/>
-    </a:ext>
-  </a:extLst>
+  <a:objectDefaults>
+    <a:spDef>
+      <a:spPr/>
+      <a:bodyPr>
+        <a:prstTxWarp prst="textNoShape">
+          <a:avLst/>
+        </a:prstTxWarp>
+        <a:noAutofit/>
+      </a:bodyPr>
+      <a:lstStyle>
+        <a:defPPr>
+          <a:defRPr/>
+        </a:defPPr>
+      </a:lstStyle>
+      <a:style>
+        <a:lnRef idx="0">
+          <a:schemeClr val="accent1"/>
+        </a:lnRef>
+        <a:fillRef idx="0">
+          <a:schemeClr val="accent1"/>
+        </a:fillRef>
+        <a:effectRef idx="0">
+          <a:schemeClr val="accent1"/>
+        </a:effectRef>
+        <a:fontRef idx="minor">
+          <a:schemeClr val="lt1"/>
+        </a:fontRef>
+      </a:style>
+    </a:spDef>
+  </a:objectDefaults>
+  <a:extraClrSchemeLst>
+    <a:extraClrScheme>
+      <a:clrScheme name="Presentation 1">
+        <a:dk1>
+          <a:srgbClr val="000000"/>
+        </a:dk1>
+        <a:lt1>
+          <a:srgbClr val="FFFFFF"/>
+        </a:lt1>
+        <a:dk2>
+          <a:srgbClr val="344068"/>
+        </a:dk2>
+        <a:lt2>
+          <a:srgbClr val="D9E0E6"/>
+        </a:lt2>
+        <a:accent1>
+          <a:srgbClr val="1CADE4"/>
+        </a:accent1>
+        <a:accent2>
+          <a:srgbClr val="2683C6"/>
+        </a:accent2>
+        <a:accent3>
+          <a:srgbClr val="28C4CC"/>
+        </a:accent3>
+        <a:accent4>
+          <a:srgbClr val="42BA97"/>
+        </a:accent4>
+        <a:accent5>
+          <a:srgbClr val="3E8853"/>
+        </a:accent5>
+        <a:accent6>
+          <a:srgbClr val="62A39F"/>
+        </a:accent6>
+        <a:hlink>
+          <a:srgbClr val="6EAC1C"/>
+        </a:hlink>
+        <a:folHlink>
+          <a:srgbClr val="B26B02"/>
+        </a:folHlink>
+      </a:clrScheme>
+      <a:clrMap bg1="lt1" tx1="dk1" bg2="lt2" tx2="dk2" accent1="accent1" accent2="accent2" accent3="accent3" accent4="accent4" accent5="accent5" accent6="accent6" hlink="hlink" folHlink="folHlink"/>
+    </a:extraClrScheme>
+  </a:extraClrSchemeLst>
 </a:theme>
 </file>